--- a/slides/ddl-w5l2.pptx
+++ b/slides/ddl-w5l2.pptx
@@ -5,13 +5,22 @@
     <p:sldMasterId id="2147483649" r:id="rId1"/>
   </p:sldMasterIdLst>
   <p:notesMasterIdLst>
-    <p:notesMasterId r:id="rId3"/>
+    <p:notesMasterId r:id="rId12"/>
   </p:notesMasterIdLst>
   <p:handoutMasterIdLst>
-    <p:handoutMasterId r:id="rId4"/>
+    <p:handoutMasterId r:id="rId13"/>
   </p:handoutMasterIdLst>
   <p:sldIdLst>
     <p:sldId id="256" r:id="rId2"/>
+    <p:sldId id="257" r:id="rId3"/>
+    <p:sldId id="258" r:id="rId4"/>
+    <p:sldId id="261" r:id="rId5"/>
+    <p:sldId id="259" r:id="rId6"/>
+    <p:sldId id="262" r:id="rId7"/>
+    <p:sldId id="265" r:id="rId8"/>
+    <p:sldId id="264" r:id="rId9"/>
+    <p:sldId id="263" r:id="rId10"/>
+    <p:sldId id="266" r:id="rId11"/>
   </p:sldIdLst>
   <p:sldSz cx="9144000" cy="6858000" type="screen4x3"/>
   <p:notesSz cx="6858000" cy="9144000"/>
@@ -290,7 +299,7 @@
             <a:fld id="{373F1B60-BDF4-4D63-AD79-99D5A5B1DF99}" type="datetime1">
               <a:rPr lang="en-US"/>
               <a:pPr/>
-              <a:t>11/17/2018</a:t>
+              <a:t>12/9/2018</a:t>
             </a:fld>
             <a:endParaRPr lang="en-US"/>
           </a:p>
@@ -509,7 +518,7 @@
             <a:fld id="{4387A7AA-DFE9-4771-BEDE-3294FCEBFB02}" type="datetime1">
               <a:rPr lang="en-US"/>
               <a:pPr/>
-              <a:t>11/17/2018</a:t>
+              <a:t>12/9/2018</a:t>
             </a:fld>
             <a:endParaRPr lang="en-US"/>
           </a:p>
@@ -900,7 +909,7 @@
             <a:fld id="{8541E2CD-DBF4-40F9-B6F8-EEFD0DF8A138}" type="datetime1">
               <a:rPr lang="en-US"/>
               <a:pPr/>
-              <a:t>11/17/2018</a:t>
+              <a:t>12/9/2018</a:t>
             </a:fld>
             <a:endParaRPr lang="en-US"/>
           </a:p>
@@ -1115,7 +1124,7 @@
             <a:fld id="{93F21019-3A00-48AC-9663-40DF67A83229}" type="datetime1">
               <a:rPr lang="en-US"/>
               <a:pPr/>
-              <a:t>11/17/2018</a:t>
+              <a:t>12/9/2018</a:t>
             </a:fld>
             <a:endParaRPr lang="en-US">
               <a:solidFill>
@@ -1301,7 +1310,7 @@
             <a:fld id="{8B2EF9C8-0AC3-4A53-9A61-1834A571F420}" type="datetime1">
               <a:rPr lang="en-US"/>
               <a:pPr/>
-              <a:t>11/17/2018</a:t>
+              <a:t>12/9/2018</a:t>
             </a:fld>
             <a:endParaRPr lang="en-US" sz="1400">
               <a:solidFill>
@@ -1498,7 +1507,7 @@
             <a:fld id="{F02960F3-A385-4905-A491-FDC17E063DD1}" type="datetime1">
               <a:rPr lang="en-US"/>
               <a:pPr/>
-              <a:t>11/17/2018</a:t>
+              <a:t>12/9/2018</a:t>
             </a:fld>
             <a:endParaRPr lang="en-US" sz="1400">
               <a:solidFill>
@@ -1757,7 +1766,7 @@
             <a:fld id="{CD3AD70A-8E2A-47B5-AC18-ABBB5A8E737D}" type="datetime1">
               <a:rPr lang="en-US"/>
               <a:pPr/>
-              <a:t>11/17/2018</a:t>
+              <a:t>12/9/2018</a:t>
             </a:fld>
             <a:endParaRPr lang="en-US" sz="1400">
               <a:solidFill>
@@ -1993,7 +2002,7 @@
             <a:fld id="{07008C2E-9BD6-496B-BFC3-B4A975EBC85E}" type="datetime1">
               <a:rPr lang="en-US"/>
               <a:pPr/>
-              <a:t>11/17/2018</a:t>
+              <a:t>12/9/2018</a:t>
             </a:fld>
             <a:endParaRPr lang="en-US" sz="1400">
               <a:solidFill>
@@ -2172,7 +2181,7 @@
             <a:fld id="{1AA2C3CF-866C-4FDE-B76D-4E9536901630}" type="datetime1">
               <a:rPr lang="en-US"/>
               <a:pPr/>
-              <a:t>11/17/2018</a:t>
+              <a:t>12/9/2018</a:t>
             </a:fld>
             <a:endParaRPr lang="en-US" sz="1400">
               <a:solidFill>
@@ -2351,7 +2360,7 @@
             <a:fld id="{555EE259-FE08-4558-B721-B189FFE77284}" type="datetime1">
               <a:rPr lang="en-US"/>
               <a:pPr/>
-              <a:t>11/17/2018</a:t>
+              <a:t>12/9/2018</a:t>
             </a:fld>
             <a:endParaRPr lang="en-US" sz="1400">
               <a:solidFill>
@@ -2620,7 +2629,7 @@
             <a:fld id="{0AF4064E-5624-49AB-B7C6-E301A8F6B1FF}" type="datetime1">
               <a:rPr lang="en-US"/>
               <a:pPr/>
-              <a:t>11/17/2018</a:t>
+              <a:t>12/9/2018</a:t>
             </a:fld>
             <a:endParaRPr lang="en-US" sz="1400">
               <a:solidFill>
@@ -2817,7 +2826,7 @@
             <a:fld id="{CBC97FCD-6C54-4833-B032-BFBCDFA8379D}" type="datetime1">
               <a:rPr lang="en-US"/>
               <a:pPr/>
-              <a:t>11/17/2018</a:t>
+              <a:t>12/9/2018</a:t>
             </a:fld>
             <a:endParaRPr lang="en-US" sz="1400">
               <a:solidFill>
@@ -3026,7 +3035,7 @@
             <a:fld id="{F04AA577-515A-431F-98B6-3B03494ABB11}" type="datetime1">
               <a:rPr lang="en-US"/>
               <a:pPr/>
-              <a:t>11/17/2018</a:t>
+              <a:t>12/9/2018</a:t>
             </a:fld>
             <a:endParaRPr lang="en-US" sz="1400">
               <a:solidFill>
@@ -3331,7 +3340,7 @@
             <a:fld id="{6475F1A4-C474-4345-A800-2F40B0E4E70C}" type="datetime1">
               <a:rPr lang="en-US"/>
               <a:pPr/>
-              <a:t>11/17/2018</a:t>
+              <a:t>12/9/2018</a:t>
             </a:fld>
             <a:endParaRPr lang="en-US" sz="1400">
               <a:solidFill>
@@ -3775,7 +3784,7 @@
             <a:fld id="{7BA535AB-820E-4207-9DA8-5F37106C7AF4}" type="datetime1">
               <a:rPr lang="en-US"/>
               <a:pPr/>
-              <a:t>11/17/2018</a:t>
+              <a:t>12/9/2018</a:t>
             </a:fld>
             <a:endParaRPr lang="en-US" sz="1400">
               <a:solidFill>
@@ -3910,7 +3919,7 @@
             <a:fld id="{0A7E69FA-D7EE-42C0-9117-1971B541885F}" type="datetime1">
               <a:rPr lang="en-US"/>
               <a:pPr/>
-              <a:t>11/17/2018</a:t>
+              <a:t>12/9/2018</a:t>
             </a:fld>
             <a:endParaRPr lang="en-US" sz="1400">
               <a:solidFill>
@@ -4022,7 +4031,7 @@
             <a:fld id="{10D7644E-1B5D-4325-BA79-338DF2B89B56}" type="datetime1">
               <a:rPr lang="en-US"/>
               <a:pPr/>
-              <a:t>11/17/2018</a:t>
+              <a:t>12/9/2018</a:t>
             </a:fld>
             <a:endParaRPr lang="en-US" sz="1400">
               <a:solidFill>
@@ -4316,7 +4325,7 @@
             <a:fld id="{B790C882-0B74-4932-8998-E9ABB8AF1740}" type="datetime1">
               <a:rPr lang="en-US"/>
               <a:pPr/>
-              <a:t>11/17/2018</a:t>
+              <a:t>12/9/2018</a:t>
             </a:fld>
             <a:endParaRPr lang="en-US" sz="1400">
               <a:solidFill>
@@ -4586,7 +4595,7 @@
             <a:fld id="{9DC585DC-AE7D-44C1-90AB-C3A391DEA065}" type="datetime1">
               <a:rPr lang="en-US"/>
               <a:pPr/>
-              <a:t>11/17/2018</a:t>
+              <a:t>12/9/2018</a:t>
             </a:fld>
             <a:endParaRPr lang="en-US" sz="1400">
               <a:solidFill>
@@ -4850,7 +4859,7 @@
             <a:fld id="{256CE565-1940-4E5F-9190-C0815CEAAA9D}" type="datetime1">
               <a:rPr lang="en-US"/>
               <a:pPr/>
-              <a:t>11/17/2018</a:t>
+              <a:t>12/9/2018</a:t>
             </a:fld>
             <a:endParaRPr lang="en-US"/>
           </a:p>
@@ -5423,7 +5432,7 @@
         <p:spPr>
           <a:xfrm>
             <a:off x="1798638" y="2286000"/>
-            <a:ext cx="6583362" cy="1323439"/>
+            <a:ext cx="6583362" cy="1877437"/>
           </a:xfrm>
         </p:spPr>
         <p:txBody>
@@ -5439,9 +5448,34 @@
             </a:br>
             <a:r>
               <a:rPr lang="en-US" sz="2400" dirty="0" smtClean="0"/>
-              <a:t>W5 L2: Multiple linear &amp; logistic regression, model building and evaluation</a:t>
-            </a:r>
-            <a:endParaRPr lang="en-US" sz="2400" dirty="0"/>
+              <a:t>W5 L2</a:t>
+            </a:r>
+            <a:r>
+              <a:rPr lang="en-US" sz="2400" dirty="0" smtClean="0"/>
+              <a:t>:</a:t>
+            </a:r>
+            <a:br>
+              <a:rPr lang="en-US" sz="2400" dirty="0" smtClean="0"/>
+            </a:br>
+            <a:r>
+              <a:rPr lang="en-US" sz="2000" dirty="0" smtClean="0"/>
+              <a:t>Evaluation of linear regression</a:t>
+            </a:r>
+            <a:br>
+              <a:rPr lang="en-US" sz="2000" dirty="0" smtClean="0"/>
+            </a:br>
+            <a:r>
+              <a:rPr lang="en-US" sz="2000" dirty="0" smtClean="0"/>
+              <a:t>Overfitting and model validation</a:t>
+            </a:r>
+            <a:br>
+              <a:rPr lang="en-US" sz="2000" dirty="0" smtClean="0"/>
+            </a:br>
+            <a:r>
+              <a:rPr lang="en-US" sz="2000" dirty="0" smtClean="0"/>
+              <a:t>Multiple linear regression</a:t>
+            </a:r>
+            <a:endParaRPr lang="en-US" sz="2000" dirty="0"/>
           </a:p>
         </p:txBody>
       </p:sp>
@@ -5458,16 +5492,32 @@
         <p:spPr>
           <a:xfrm>
             <a:off x="1798638" y="3886200"/>
-            <a:ext cx="6583362" cy="336550"/>
+            <a:ext cx="6583362" cy="1569660"/>
           </a:xfrm>
         </p:spPr>
         <p:txBody>
           <a:bodyPr/>
           <a:lstStyle/>
           <a:p>
+            <a:endParaRPr lang="en-US" dirty="0" smtClean="0"/>
+          </a:p>
+          <a:p>
+            <a:endParaRPr lang="en-US" dirty="0"/>
+          </a:p>
+          <a:p>
+            <a:endParaRPr lang="en-US" dirty="0" smtClean="0"/>
+          </a:p>
+          <a:p>
+            <a:endParaRPr lang="en-US" dirty="0"/>
+          </a:p>
+          <a:p>
             <a:r>
               <a:rPr lang="en-US" dirty="0" smtClean="0"/>
-              <a:t>Jonas Moons</a:t>
+              <a:t>Jonas </a:t>
+            </a:r>
+            <a:r>
+              <a:rPr lang="en-US" dirty="0" smtClean="0"/>
+              <a:t>Moons</a:t>
             </a:r>
             <a:endParaRPr lang="en-US" dirty="0"/>
           </a:p>
@@ -5485,6 +5535,2357 @@
       </p:par>
     </p:tnLst>
   </p:timing>
+</p:sld>
+</file>
+
+<file path=ppt/slides/slide10.xml><?xml version="1.0" encoding="utf-8"?>
+<p:sld xmlns:a="http://schemas.openxmlformats.org/drawingml/2006/main" xmlns:r="http://schemas.openxmlformats.org/officeDocument/2006/relationships" xmlns:p="http://schemas.openxmlformats.org/presentationml/2006/main">
+  <p:cSld>
+    <p:spTree>
+      <p:nvGrpSpPr>
+        <p:cNvPr id="1" name=""/>
+        <p:cNvGrpSpPr/>
+        <p:nvPr/>
+      </p:nvGrpSpPr>
+      <p:grpSpPr>
+        <a:xfrm>
+          <a:off x="0" y="0"/>
+          <a:ext cx="0" cy="0"/>
+          <a:chOff x="0" y="0"/>
+          <a:chExt cx="0" cy="0"/>
+        </a:xfrm>
+      </p:grpSpPr>
+      <p:sp>
+        <p:nvSpPr>
+          <p:cNvPr id="2" name="Titel 1"/>
+          <p:cNvSpPr>
+            <a:spLocks noGrp="1"/>
+          </p:cNvSpPr>
+          <p:nvPr>
+            <p:ph type="title"/>
+          </p:nvPr>
+        </p:nvSpPr>
+        <p:spPr/>
+        <p:txBody>
+          <a:bodyPr/>
+          <a:lstStyle/>
+          <a:p>
+            <a:r>
+              <a:rPr lang="nl-NL" dirty="0" err="1" smtClean="0"/>
+              <a:t>Exercise</a:t>
+            </a:r>
+            <a:r>
+              <a:rPr lang="nl-NL" dirty="0" smtClean="0"/>
+              <a:t> 3</a:t>
+            </a:r>
+            <a:endParaRPr lang="nl-NL" dirty="0"/>
+          </a:p>
+        </p:txBody>
+      </p:sp>
+      <p:sp>
+        <p:nvSpPr>
+          <p:cNvPr id="4" name="Tijdelijke aanduiding voor inhoud 2"/>
+          <p:cNvSpPr txBox="1">
+            <a:spLocks/>
+          </p:cNvSpPr>
+          <p:nvPr/>
+        </p:nvSpPr>
+        <p:spPr bwMode="auto">
+          <a:xfrm>
+            <a:off x="838200" y="1844824"/>
+            <a:ext cx="7881938" cy="3668697"/>
+          </a:xfrm>
+          <a:prstGeom prst="rect">
+            <a:avLst/>
+          </a:prstGeom>
+          <a:noFill/>
+          <a:ln w="9525">
+            <a:noFill/>
+            <a:miter lim="800000"/>
+            <a:headEnd/>
+            <a:tailEnd/>
+          </a:ln>
+          <a:effectLst/>
+        </p:spPr>
+        <p:txBody>
+          <a:bodyPr vert="horz" wrap="square" lIns="91440" tIns="45720" rIns="91440" bIns="45720" numCol="1" anchor="t" anchorCtr="0" compatLnSpc="1">
+            <a:prstTxWarp prst="textNoShape">
+              <a:avLst/>
+            </a:prstTxWarp>
+            <a:spAutoFit/>
+          </a:bodyPr>
+          <a:lstStyle>
+            <a:lvl1pPr marL="342900" indent="-342900" algn="l" rtl="0" fontAlgn="base">
+              <a:spcBef>
+                <a:spcPct val="20000"/>
+              </a:spcBef>
+              <a:spcAft>
+                <a:spcPct val="0"/>
+              </a:spcAft>
+              <a:buClr>
+                <a:srgbClr val="ED0010"/>
+              </a:buClr>
+              <a:buSzPct val="60000"/>
+              <a:buFont typeface="Zapf Dingbats" charset="2"/>
+              <a:buChar char="n"/>
+              <a:defRPr sz="2800">
+                <a:solidFill>
+                  <a:srgbClr val="000000"/>
+                </a:solidFill>
+                <a:latin typeface="+mn-lt"/>
+                <a:ea typeface="+mn-ea"/>
+                <a:cs typeface="+mn-cs"/>
+              </a:defRPr>
+            </a:lvl1pPr>
+            <a:lvl2pPr marL="819150" indent="-285750" algn="l" rtl="0" fontAlgn="base">
+              <a:spcBef>
+                <a:spcPct val="20000"/>
+              </a:spcBef>
+              <a:spcAft>
+                <a:spcPct val="0"/>
+              </a:spcAft>
+              <a:buClr>
+                <a:schemeClr val="accent1"/>
+              </a:buClr>
+              <a:buSzPct val="60000"/>
+              <a:buFont typeface="Zapf Dingbats" charset="2"/>
+              <a:buChar char="n"/>
+              <a:defRPr sz="2600">
+                <a:solidFill>
+                  <a:srgbClr val="000000"/>
+                </a:solidFill>
+                <a:latin typeface="+mn-lt"/>
+              </a:defRPr>
+            </a:lvl2pPr>
+            <a:lvl3pPr marL="1143000" indent="-228600" algn="l" rtl="0" fontAlgn="base">
+              <a:spcBef>
+                <a:spcPct val="20000"/>
+              </a:spcBef>
+              <a:spcAft>
+                <a:spcPct val="0"/>
+              </a:spcAft>
+              <a:buClr>
+                <a:schemeClr val="accent1"/>
+              </a:buClr>
+              <a:buSzPct val="60000"/>
+              <a:buFont typeface="Zapf Dingbats" charset="2"/>
+              <a:buChar char="n"/>
+              <a:defRPr sz="2400">
+                <a:solidFill>
+                  <a:srgbClr val="000000"/>
+                </a:solidFill>
+                <a:latin typeface="+mn-lt"/>
+              </a:defRPr>
+            </a:lvl3pPr>
+            <a:lvl4pPr marL="1562100" indent="-228600" algn="l" rtl="0" fontAlgn="base">
+              <a:spcBef>
+                <a:spcPct val="20000"/>
+              </a:spcBef>
+              <a:spcAft>
+                <a:spcPct val="0"/>
+              </a:spcAft>
+              <a:buClr>
+                <a:schemeClr val="accent1"/>
+              </a:buClr>
+              <a:buSzPct val="60000"/>
+              <a:buFont typeface="Zapf Dingbats" charset="2"/>
+              <a:buChar char="n"/>
+              <a:defRPr sz="2200">
+                <a:solidFill>
+                  <a:srgbClr val="000000"/>
+                </a:solidFill>
+                <a:latin typeface="+mn-lt"/>
+              </a:defRPr>
+            </a:lvl4pPr>
+            <a:lvl5pPr marL="1981200" indent="-228600" algn="l" rtl="0" fontAlgn="base">
+              <a:spcBef>
+                <a:spcPct val="20000"/>
+              </a:spcBef>
+              <a:spcAft>
+                <a:spcPct val="0"/>
+              </a:spcAft>
+              <a:buClr>
+                <a:schemeClr val="accent1"/>
+              </a:buClr>
+              <a:buSzPct val="60000"/>
+              <a:buFont typeface="Zapf Dingbats" charset="2"/>
+              <a:buChar char="n"/>
+              <a:defRPr sz="2000">
+                <a:solidFill>
+                  <a:srgbClr val="000000"/>
+                </a:solidFill>
+                <a:latin typeface="+mn-lt"/>
+              </a:defRPr>
+            </a:lvl5pPr>
+            <a:lvl6pPr marL="2438400" indent="-228600" algn="l" rtl="0" fontAlgn="base">
+              <a:spcBef>
+                <a:spcPct val="20000"/>
+              </a:spcBef>
+              <a:spcAft>
+                <a:spcPct val="0"/>
+              </a:spcAft>
+              <a:buClr>
+                <a:schemeClr val="accent1"/>
+              </a:buClr>
+              <a:buSzPct val="60000"/>
+              <a:buFont typeface="Zapf Dingbats" charset="2"/>
+              <a:buChar char="n"/>
+              <a:defRPr sz="2000">
+                <a:solidFill>
+                  <a:srgbClr val="000000"/>
+                </a:solidFill>
+                <a:latin typeface="+mn-lt"/>
+              </a:defRPr>
+            </a:lvl6pPr>
+            <a:lvl7pPr marL="2895600" indent="-228600" algn="l" rtl="0" fontAlgn="base">
+              <a:spcBef>
+                <a:spcPct val="20000"/>
+              </a:spcBef>
+              <a:spcAft>
+                <a:spcPct val="0"/>
+              </a:spcAft>
+              <a:buClr>
+                <a:schemeClr val="accent1"/>
+              </a:buClr>
+              <a:buSzPct val="60000"/>
+              <a:buFont typeface="Zapf Dingbats" charset="2"/>
+              <a:buChar char="n"/>
+              <a:defRPr sz="2000">
+                <a:solidFill>
+                  <a:srgbClr val="000000"/>
+                </a:solidFill>
+                <a:latin typeface="+mn-lt"/>
+              </a:defRPr>
+            </a:lvl7pPr>
+            <a:lvl8pPr marL="3352800" indent="-228600" algn="l" rtl="0" fontAlgn="base">
+              <a:spcBef>
+                <a:spcPct val="20000"/>
+              </a:spcBef>
+              <a:spcAft>
+                <a:spcPct val="0"/>
+              </a:spcAft>
+              <a:buClr>
+                <a:schemeClr val="accent1"/>
+              </a:buClr>
+              <a:buSzPct val="60000"/>
+              <a:buFont typeface="Zapf Dingbats" charset="2"/>
+              <a:buChar char="n"/>
+              <a:defRPr sz="2000">
+                <a:solidFill>
+                  <a:srgbClr val="000000"/>
+                </a:solidFill>
+                <a:latin typeface="+mn-lt"/>
+              </a:defRPr>
+            </a:lvl8pPr>
+            <a:lvl9pPr marL="3810000" indent="-228600" algn="l" rtl="0" fontAlgn="base">
+              <a:spcBef>
+                <a:spcPct val="20000"/>
+              </a:spcBef>
+              <a:spcAft>
+                <a:spcPct val="0"/>
+              </a:spcAft>
+              <a:buClr>
+                <a:schemeClr val="accent1"/>
+              </a:buClr>
+              <a:buSzPct val="60000"/>
+              <a:buFont typeface="Zapf Dingbats" charset="2"/>
+              <a:buChar char="n"/>
+              <a:defRPr sz="2000">
+                <a:solidFill>
+                  <a:srgbClr val="000000"/>
+                </a:solidFill>
+                <a:latin typeface="+mn-lt"/>
+              </a:defRPr>
+            </a:lvl9pPr>
+          </a:lstStyle>
+          <a:p>
+            <a:pPr marL="0" indent="0">
+              <a:buFont typeface="Zapf Dingbats" charset="2"/>
+              <a:buNone/>
+            </a:pPr>
+            <a:r>
+              <a:rPr lang="nl-NL" sz="1400" kern="0" dirty="0" smtClean="0">
+                <a:latin typeface="Courier New" panose="02070309020205020404" pitchFamily="49" charset="0"/>
+                <a:cs typeface="Courier New" panose="02070309020205020404" pitchFamily="49" charset="0"/>
+              </a:rPr>
+              <a:t>Fit model </a:t>
+            </a:r>
+            <a:r>
+              <a:rPr lang="nl-NL" sz="1400" kern="0" dirty="0" err="1" smtClean="0">
+                <a:latin typeface="Courier New" panose="02070309020205020404" pitchFamily="49" charset="0"/>
+                <a:cs typeface="Courier New" panose="02070309020205020404" pitchFamily="49" charset="0"/>
+              </a:rPr>
+              <a:t>with</a:t>
+            </a:r>
+            <a:r>
+              <a:rPr lang="nl-NL" sz="1400" kern="0" dirty="0" smtClean="0">
+                <a:latin typeface="Courier New" panose="02070309020205020404" pitchFamily="49" charset="0"/>
+                <a:cs typeface="Courier New" panose="02070309020205020404" pitchFamily="49" charset="0"/>
+              </a:rPr>
+              <a:t> multiple variables?</a:t>
+            </a:r>
+          </a:p>
+          <a:p>
+            <a:pPr marL="0" indent="0">
+              <a:buFont typeface="Zapf Dingbats" charset="2"/>
+              <a:buNone/>
+            </a:pPr>
+            <a:endParaRPr lang="nl-NL" sz="1400" kern="0" dirty="0" smtClean="0">
+              <a:latin typeface="Courier New" panose="02070309020205020404" pitchFamily="49" charset="0"/>
+              <a:cs typeface="Courier New" panose="02070309020205020404" pitchFamily="49" charset="0"/>
+            </a:endParaRPr>
+          </a:p>
+          <a:p>
+            <a:pPr marL="0" indent="0">
+              <a:buFont typeface="Zapf Dingbats" charset="2"/>
+              <a:buNone/>
+            </a:pPr>
+            <a:r>
+              <a:rPr lang="nl-NL" sz="1400" kern="0" dirty="0" smtClean="0">
+                <a:latin typeface="Courier New" panose="02070309020205020404" pitchFamily="49" charset="0"/>
+                <a:cs typeface="Courier New" panose="02070309020205020404" pitchFamily="49" charset="0"/>
+              </a:rPr>
+              <a:t>Write down </a:t>
+            </a:r>
+            <a:r>
+              <a:rPr lang="nl-NL" sz="1400" kern="0" dirty="0" err="1" smtClean="0">
+                <a:latin typeface="Courier New" panose="02070309020205020404" pitchFamily="49" charset="0"/>
+                <a:cs typeface="Courier New" panose="02070309020205020404" pitchFamily="49" charset="0"/>
+              </a:rPr>
+              <a:t>formula</a:t>
+            </a:r>
+            <a:endParaRPr lang="nl-NL" sz="1400" kern="0" dirty="0">
+              <a:latin typeface="Courier New" panose="02070309020205020404" pitchFamily="49" charset="0"/>
+              <a:cs typeface="Courier New" panose="02070309020205020404" pitchFamily="49" charset="0"/>
+            </a:endParaRPr>
+          </a:p>
+          <a:p>
+            <a:pPr marL="0" indent="0">
+              <a:buFont typeface="Zapf Dingbats" charset="2"/>
+              <a:buNone/>
+            </a:pPr>
+            <a:endParaRPr lang="nl-NL" sz="1400" kern="0" dirty="0">
+              <a:latin typeface="Courier New" panose="02070309020205020404" pitchFamily="49" charset="0"/>
+              <a:cs typeface="Courier New" panose="02070309020205020404" pitchFamily="49" charset="0"/>
+            </a:endParaRPr>
+          </a:p>
+          <a:p>
+            <a:pPr marL="0" indent="0">
+              <a:buFont typeface="Zapf Dingbats" charset="2"/>
+              <a:buNone/>
+            </a:pPr>
+            <a:r>
+              <a:rPr lang="nl-NL" sz="1400" kern="0" dirty="0" err="1" smtClean="0">
+                <a:latin typeface="Courier New" panose="02070309020205020404" pitchFamily="49" charset="0"/>
+                <a:cs typeface="Courier New" panose="02070309020205020404" pitchFamily="49" charset="0"/>
+              </a:rPr>
+              <a:t>Colinearity</a:t>
+            </a:r>
+            <a:r>
+              <a:rPr lang="nl-NL" sz="1400" kern="0" dirty="0" smtClean="0">
+                <a:latin typeface="Courier New" panose="02070309020205020404" pitchFamily="49" charset="0"/>
+                <a:cs typeface="Courier New" panose="02070309020205020404" pitchFamily="49" charset="0"/>
+              </a:rPr>
+              <a:t>? -&gt; </a:t>
+            </a:r>
+            <a:r>
+              <a:rPr lang="nl-NL" sz="1400" kern="0" dirty="0" err="1" smtClean="0">
+                <a:latin typeface="Courier New" panose="02070309020205020404" pitchFamily="49" charset="0"/>
+                <a:cs typeface="Courier New" panose="02070309020205020404" pitchFamily="49" charset="0"/>
+              </a:rPr>
+              <a:t>leave</a:t>
+            </a:r>
+            <a:r>
+              <a:rPr lang="nl-NL" sz="1400" kern="0" dirty="0" smtClean="0">
+                <a:latin typeface="Courier New" panose="02070309020205020404" pitchFamily="49" charset="0"/>
+                <a:cs typeface="Courier New" panose="02070309020205020404" pitchFamily="49" charset="0"/>
+              </a:rPr>
+              <a:t> out </a:t>
+            </a:r>
+            <a:r>
+              <a:rPr lang="nl-NL" sz="1400" kern="0" dirty="0" err="1" smtClean="0">
+                <a:latin typeface="Courier New" panose="02070309020205020404" pitchFamily="49" charset="0"/>
+                <a:cs typeface="Courier New" panose="02070309020205020404" pitchFamily="49" charset="0"/>
+              </a:rPr>
+              <a:t>bedrooms</a:t>
+            </a:r>
+            <a:r>
+              <a:rPr lang="nl-NL" sz="1400" kern="0" dirty="0" smtClean="0">
+                <a:latin typeface="Courier New" panose="02070309020205020404" pitchFamily="49" charset="0"/>
+                <a:cs typeface="Courier New" panose="02070309020205020404" pitchFamily="49" charset="0"/>
+              </a:rPr>
+              <a:t>?</a:t>
+            </a:r>
+            <a:endParaRPr lang="nl-NL" sz="1400" kern="0" dirty="0">
+              <a:latin typeface="Courier New" panose="02070309020205020404" pitchFamily="49" charset="0"/>
+              <a:cs typeface="Courier New" panose="02070309020205020404" pitchFamily="49" charset="0"/>
+            </a:endParaRPr>
+          </a:p>
+          <a:p>
+            <a:pPr marL="0" indent="0">
+              <a:buFont typeface="Zapf Dingbats" charset="2"/>
+              <a:buNone/>
+            </a:pPr>
+            <a:endParaRPr lang="nl-NL" sz="1400" kern="0" dirty="0" smtClean="0">
+              <a:latin typeface="Courier New" panose="02070309020205020404" pitchFamily="49" charset="0"/>
+              <a:cs typeface="Courier New" panose="02070309020205020404" pitchFamily="49" charset="0"/>
+            </a:endParaRPr>
+          </a:p>
+          <a:p>
+            <a:pPr marL="0" indent="0">
+              <a:buFont typeface="Zapf Dingbats" charset="2"/>
+              <a:buNone/>
+            </a:pPr>
+            <a:r>
+              <a:rPr lang="nl-NL" sz="1400" kern="0" dirty="0" err="1" smtClean="0">
+                <a:latin typeface="Courier New" panose="02070309020205020404" pitchFamily="49" charset="0"/>
+                <a:cs typeface="Courier New" panose="02070309020205020404" pitchFamily="49" charset="0"/>
+              </a:rPr>
+              <a:t>Evaluate</a:t>
+            </a:r>
+            <a:r>
+              <a:rPr lang="nl-NL" sz="1400" kern="0" dirty="0" smtClean="0">
+                <a:latin typeface="Courier New" panose="02070309020205020404" pitchFamily="49" charset="0"/>
+                <a:cs typeface="Courier New" panose="02070309020205020404" pitchFamily="49" charset="0"/>
+              </a:rPr>
+              <a:t> mode performance</a:t>
+            </a:r>
+            <a:endParaRPr lang="nl-NL" sz="1400" kern="0" dirty="0">
+              <a:latin typeface="Courier New" panose="02070309020205020404" pitchFamily="49" charset="0"/>
+              <a:cs typeface="Courier New" panose="02070309020205020404" pitchFamily="49" charset="0"/>
+            </a:endParaRPr>
+          </a:p>
+          <a:p>
+            <a:pPr marL="0" indent="0">
+              <a:buFont typeface="Zapf Dingbats" charset="2"/>
+              <a:buNone/>
+            </a:pPr>
+            <a:endParaRPr lang="nl-NL" sz="1400" kern="0" dirty="0" smtClean="0">
+              <a:latin typeface="Courier New" panose="02070309020205020404" pitchFamily="49" charset="0"/>
+              <a:cs typeface="Courier New" panose="02070309020205020404" pitchFamily="49" charset="0"/>
+            </a:endParaRPr>
+          </a:p>
+          <a:p>
+            <a:pPr marL="0" indent="0">
+              <a:buFont typeface="Zapf Dingbats" charset="2"/>
+              <a:buNone/>
+            </a:pPr>
+            <a:r>
+              <a:rPr lang="nl-NL" sz="1400" kern="0" dirty="0" err="1" smtClean="0">
+                <a:latin typeface="Courier New" panose="02070309020205020404" pitchFamily="49" charset="0"/>
+                <a:cs typeface="Courier New" panose="02070309020205020404" pitchFamily="49" charset="0"/>
+              </a:rPr>
+              <a:t>Predict</a:t>
+            </a:r>
+            <a:r>
+              <a:rPr lang="nl-NL" sz="1400" kern="0" dirty="0" smtClean="0">
+                <a:latin typeface="Courier New" panose="02070309020205020404" pitchFamily="49" charset="0"/>
+                <a:cs typeface="Courier New" panose="02070309020205020404" pitchFamily="49" charset="0"/>
+              </a:rPr>
+              <a:t> </a:t>
+            </a:r>
+            <a:r>
+              <a:rPr lang="nl-NL" sz="1400" kern="0" dirty="0" err="1" smtClean="0">
+                <a:latin typeface="Courier New" panose="02070309020205020404" pitchFamily="49" charset="0"/>
+                <a:cs typeface="Courier New" panose="02070309020205020404" pitchFamily="49" charset="0"/>
+              </a:rPr>
+              <a:t>value</a:t>
+            </a:r>
+            <a:endParaRPr lang="nl-NL" sz="1400" kern="0" dirty="0" smtClean="0">
+              <a:latin typeface="Courier New" panose="02070309020205020404" pitchFamily="49" charset="0"/>
+              <a:cs typeface="Courier New" panose="02070309020205020404" pitchFamily="49" charset="0"/>
+            </a:endParaRPr>
+          </a:p>
+          <a:p>
+            <a:pPr marL="0" indent="0">
+              <a:buFont typeface="Zapf Dingbats" charset="2"/>
+              <a:buNone/>
+            </a:pPr>
+            <a:endParaRPr lang="nl-NL" sz="1400" kern="0" dirty="0" smtClean="0">
+              <a:latin typeface="Courier New" panose="02070309020205020404" pitchFamily="49" charset="0"/>
+              <a:cs typeface="Courier New" panose="02070309020205020404" pitchFamily="49" charset="0"/>
+            </a:endParaRPr>
+          </a:p>
+          <a:p>
+            <a:pPr marL="0" indent="0">
+              <a:buFont typeface="Zapf Dingbats" charset="2"/>
+              <a:buNone/>
+            </a:pPr>
+            <a:endParaRPr lang="nl-NL" sz="1400" kern="0" dirty="0">
+              <a:latin typeface="Courier New" panose="02070309020205020404" pitchFamily="49" charset="0"/>
+              <a:cs typeface="Courier New" panose="02070309020205020404" pitchFamily="49" charset="0"/>
+            </a:endParaRPr>
+          </a:p>
+          <a:p>
+            <a:pPr marL="0" indent="0">
+              <a:buFont typeface="Zapf Dingbats" charset="2"/>
+              <a:buNone/>
+            </a:pPr>
+            <a:endParaRPr lang="nl-NL" sz="1400" kern="0" dirty="0" smtClean="0">
+              <a:latin typeface="Courier New" panose="02070309020205020404" pitchFamily="49" charset="0"/>
+              <a:cs typeface="Courier New" panose="02070309020205020404" pitchFamily="49" charset="0"/>
+            </a:endParaRPr>
+          </a:p>
+          <a:p>
+            <a:pPr marL="0" indent="0">
+              <a:buFont typeface="Zapf Dingbats" charset="2"/>
+              <a:buNone/>
+            </a:pPr>
+            <a:endParaRPr lang="nl-NL" sz="1400" kern="0" dirty="0">
+              <a:latin typeface="Courier New" panose="02070309020205020404" pitchFamily="49" charset="0"/>
+              <a:cs typeface="Courier New" panose="02070309020205020404" pitchFamily="49" charset="0"/>
+            </a:endParaRPr>
+          </a:p>
+          <a:p>
+            <a:pPr marL="0" indent="0">
+              <a:buFont typeface="Zapf Dingbats" charset="2"/>
+              <a:buNone/>
+            </a:pPr>
+            <a:endParaRPr lang="nl-NL" sz="1400" kern="0" dirty="0" smtClean="0">
+              <a:latin typeface="Courier New" panose="02070309020205020404" pitchFamily="49" charset="0"/>
+              <a:cs typeface="Courier New" panose="02070309020205020404" pitchFamily="49" charset="0"/>
+            </a:endParaRPr>
+          </a:p>
+        </p:txBody>
+      </p:sp>
+    </p:spTree>
+    <p:extLst>
+      <p:ext uri="{BB962C8B-B14F-4D97-AF65-F5344CB8AC3E}">
+        <p14:creationId xmlns:p14="http://schemas.microsoft.com/office/powerpoint/2010/main" val="1582003774"/>
+      </p:ext>
+    </p:extLst>
+  </p:cSld>
+  <p:clrMapOvr>
+    <a:masterClrMapping/>
+  </p:clrMapOvr>
+</p:sld>
+</file>
+
+<file path=ppt/slides/slide2.xml><?xml version="1.0" encoding="utf-8"?>
+<p:sld xmlns:a="http://schemas.openxmlformats.org/drawingml/2006/main" xmlns:r="http://schemas.openxmlformats.org/officeDocument/2006/relationships" xmlns:p="http://schemas.openxmlformats.org/presentationml/2006/main">
+  <p:cSld>
+    <p:spTree>
+      <p:nvGrpSpPr>
+        <p:cNvPr id="1" name=""/>
+        <p:cNvGrpSpPr/>
+        <p:nvPr/>
+      </p:nvGrpSpPr>
+      <p:grpSpPr>
+        <a:xfrm>
+          <a:off x="0" y="0"/>
+          <a:ext cx="0" cy="0"/>
+          <a:chOff x="0" y="0"/>
+          <a:chExt cx="0" cy="0"/>
+        </a:xfrm>
+      </p:grpSpPr>
+      <p:sp>
+        <p:nvSpPr>
+          <p:cNvPr id="2" name="Titel 1"/>
+          <p:cNvSpPr>
+            <a:spLocks noGrp="1"/>
+          </p:cNvSpPr>
+          <p:nvPr>
+            <p:ph type="title"/>
+          </p:nvPr>
+        </p:nvSpPr>
+        <p:spPr/>
+        <p:txBody>
+          <a:bodyPr/>
+          <a:lstStyle/>
+          <a:p>
+            <a:r>
+              <a:rPr lang="nl-NL" dirty="0" smtClean="0"/>
+              <a:t>Check-in</a:t>
+            </a:r>
+            <a:endParaRPr lang="nl-NL" dirty="0"/>
+          </a:p>
+        </p:txBody>
+      </p:sp>
+      <p:sp>
+        <p:nvSpPr>
+          <p:cNvPr id="9" name="Tijdelijke aanduiding voor inhoud 8"/>
+          <p:cNvSpPr>
+            <a:spLocks noGrp="1"/>
+          </p:cNvSpPr>
+          <p:nvPr>
+            <p:ph idx="1"/>
+          </p:nvPr>
+        </p:nvSpPr>
+        <p:spPr/>
+        <p:txBody>
+          <a:bodyPr/>
+          <a:lstStyle/>
+          <a:p>
+            <a:endParaRPr lang="nl-NL"/>
+          </a:p>
+        </p:txBody>
+      </p:sp>
+      <p:pic>
+        <p:nvPicPr>
+          <p:cNvPr id="12" name="Afbeelding 11"/>
+          <p:cNvPicPr>
+            <a:picLocks noChangeAspect="1"/>
+          </p:cNvPicPr>
+          <p:nvPr/>
+        </p:nvPicPr>
+        <p:blipFill>
+          <a:blip r:embed="rId2"/>
+          <a:stretch>
+            <a:fillRect/>
+          </a:stretch>
+        </p:blipFill>
+        <p:spPr>
+          <a:xfrm>
+            <a:off x="6156176" y="2492896"/>
+            <a:ext cx="2253070" cy="2016224"/>
+          </a:xfrm>
+          <a:prstGeom prst="rect">
+            <a:avLst/>
+          </a:prstGeom>
+        </p:spPr>
+      </p:pic>
+      <p:pic>
+        <p:nvPicPr>
+          <p:cNvPr id="13" name="Afbeelding 12"/>
+          <p:cNvPicPr>
+            <a:picLocks noChangeAspect="1"/>
+          </p:cNvPicPr>
+          <p:nvPr/>
+        </p:nvPicPr>
+        <p:blipFill>
+          <a:blip r:embed="rId3"/>
+          <a:stretch>
+            <a:fillRect/>
+          </a:stretch>
+        </p:blipFill>
+        <p:spPr>
+          <a:xfrm>
+            <a:off x="3491880" y="2616786"/>
+            <a:ext cx="2129219" cy="1988089"/>
+          </a:xfrm>
+          <a:prstGeom prst="rect">
+            <a:avLst/>
+          </a:prstGeom>
+        </p:spPr>
+      </p:pic>
+      <p:pic>
+        <p:nvPicPr>
+          <p:cNvPr id="14" name="Afbeelding 13"/>
+          <p:cNvPicPr>
+            <a:picLocks noChangeAspect="1"/>
+          </p:cNvPicPr>
+          <p:nvPr/>
+        </p:nvPicPr>
+        <p:blipFill>
+          <a:blip r:embed="rId4"/>
+          <a:stretch>
+            <a:fillRect/>
+          </a:stretch>
+        </p:blipFill>
+        <p:spPr>
+          <a:xfrm>
+            <a:off x="869217" y="2712543"/>
+            <a:ext cx="1873659" cy="1796577"/>
+          </a:xfrm>
+          <a:prstGeom prst="rect">
+            <a:avLst/>
+          </a:prstGeom>
+        </p:spPr>
+      </p:pic>
+    </p:spTree>
+    <p:extLst>
+      <p:ext uri="{BB962C8B-B14F-4D97-AF65-F5344CB8AC3E}">
+        <p14:creationId xmlns:p14="http://schemas.microsoft.com/office/powerpoint/2010/main" val="504181628"/>
+      </p:ext>
+    </p:extLst>
+  </p:cSld>
+  <p:clrMapOvr>
+    <a:masterClrMapping/>
+  </p:clrMapOvr>
+  <p:timing>
+    <p:tnLst>
+      <p:par>
+        <p:cTn id="1" dur="indefinite" restart="never" nodeType="tmRoot"/>
+      </p:par>
+    </p:tnLst>
+  </p:timing>
+</p:sld>
+</file>
+
+<file path=ppt/slides/slide3.xml><?xml version="1.0" encoding="utf-8"?>
+<p:sld xmlns:a="http://schemas.openxmlformats.org/drawingml/2006/main" xmlns:r="http://schemas.openxmlformats.org/officeDocument/2006/relationships" xmlns:p="http://schemas.openxmlformats.org/presentationml/2006/main">
+  <p:cSld>
+    <p:spTree>
+      <p:nvGrpSpPr>
+        <p:cNvPr id="1" name=""/>
+        <p:cNvGrpSpPr/>
+        <p:nvPr/>
+      </p:nvGrpSpPr>
+      <p:grpSpPr>
+        <a:xfrm>
+          <a:off x="0" y="0"/>
+          <a:ext cx="0" cy="0"/>
+          <a:chOff x="0" y="0"/>
+          <a:chExt cx="0" cy="0"/>
+        </a:xfrm>
+      </p:grpSpPr>
+      <p:sp>
+        <p:nvSpPr>
+          <p:cNvPr id="2" name="Titel 1"/>
+          <p:cNvSpPr>
+            <a:spLocks noGrp="1"/>
+          </p:cNvSpPr>
+          <p:nvPr>
+            <p:ph type="title"/>
+          </p:nvPr>
+        </p:nvSpPr>
+        <p:spPr/>
+        <p:txBody>
+          <a:bodyPr/>
+          <a:lstStyle/>
+          <a:p>
+            <a:r>
+              <a:rPr lang="nl-NL" dirty="0" smtClean="0"/>
+              <a:t>Intro</a:t>
+            </a:r>
+            <a:endParaRPr lang="nl-NL" dirty="0"/>
+          </a:p>
+        </p:txBody>
+      </p:sp>
+      <p:sp>
+        <p:nvSpPr>
+          <p:cNvPr id="9" name="Tijdelijke aanduiding voor inhoud 8"/>
+          <p:cNvSpPr>
+            <a:spLocks noGrp="1"/>
+          </p:cNvSpPr>
+          <p:nvPr>
+            <p:ph idx="1"/>
+          </p:nvPr>
+        </p:nvSpPr>
+        <p:spPr/>
+        <p:txBody>
+          <a:bodyPr/>
+          <a:lstStyle/>
+          <a:p>
+            <a:endParaRPr lang="nl-NL"/>
+          </a:p>
+        </p:txBody>
+      </p:sp>
+    </p:spTree>
+    <p:extLst>
+      <p:ext uri="{BB962C8B-B14F-4D97-AF65-F5344CB8AC3E}">
+        <p14:creationId xmlns:p14="http://schemas.microsoft.com/office/powerpoint/2010/main" val="2394972632"/>
+      </p:ext>
+    </p:extLst>
+  </p:cSld>
+  <p:clrMapOvr>
+    <a:masterClrMapping/>
+  </p:clrMapOvr>
+  <p:timing>
+    <p:tnLst>
+      <p:par>
+        <p:cTn id="1" dur="indefinite" restart="never" nodeType="tmRoot"/>
+      </p:par>
+    </p:tnLst>
+  </p:timing>
+</p:sld>
+</file>
+
+<file path=ppt/slides/slide4.xml><?xml version="1.0" encoding="utf-8"?>
+<p:sld xmlns:a="http://schemas.openxmlformats.org/drawingml/2006/main" xmlns:r="http://schemas.openxmlformats.org/officeDocument/2006/relationships" xmlns:p="http://schemas.openxmlformats.org/presentationml/2006/main">
+  <p:cSld>
+    <p:spTree>
+      <p:nvGrpSpPr>
+        <p:cNvPr id="1" name=""/>
+        <p:cNvGrpSpPr/>
+        <p:nvPr/>
+      </p:nvGrpSpPr>
+      <p:grpSpPr>
+        <a:xfrm>
+          <a:off x="0" y="0"/>
+          <a:ext cx="0" cy="0"/>
+          <a:chOff x="0" y="0"/>
+          <a:chExt cx="0" cy="0"/>
+        </a:xfrm>
+      </p:grpSpPr>
+      <p:sp>
+        <p:nvSpPr>
+          <p:cNvPr id="2" name="Titel 1"/>
+          <p:cNvSpPr>
+            <a:spLocks noGrp="1"/>
+          </p:cNvSpPr>
+          <p:nvPr>
+            <p:ph type="title"/>
+          </p:nvPr>
+        </p:nvSpPr>
+        <p:spPr/>
+        <p:txBody>
+          <a:bodyPr/>
+          <a:lstStyle/>
+          <a:p>
+            <a:r>
+              <a:rPr lang="nl-NL" dirty="0" smtClean="0"/>
+              <a:t>Topics</a:t>
+            </a:r>
+            <a:endParaRPr lang="nl-NL" dirty="0"/>
+          </a:p>
+        </p:txBody>
+      </p:sp>
+      <p:sp>
+        <p:nvSpPr>
+          <p:cNvPr id="3" name="Tijdelijke aanduiding voor inhoud 2"/>
+          <p:cNvSpPr>
+            <a:spLocks noGrp="1"/>
+          </p:cNvSpPr>
+          <p:nvPr>
+            <p:ph idx="1"/>
+          </p:nvPr>
+        </p:nvSpPr>
+        <p:spPr>
+          <a:xfrm>
+            <a:off x="762000" y="1762125"/>
+            <a:ext cx="7881938" cy="3268587"/>
+          </a:xfrm>
+        </p:spPr>
+        <p:txBody>
+          <a:bodyPr/>
+          <a:lstStyle/>
+          <a:p>
+            <a:r>
+              <a:rPr lang="nl-NL" sz="2400" dirty="0" smtClean="0"/>
+              <a:t>Evaluation of </a:t>
+            </a:r>
+            <a:r>
+              <a:rPr lang="nl-NL" sz="2400" dirty="0" err="1" smtClean="0"/>
+              <a:t>simple</a:t>
+            </a:r>
+            <a:r>
+              <a:rPr lang="nl-NL" sz="2400" dirty="0" smtClean="0"/>
+              <a:t> </a:t>
+            </a:r>
+            <a:r>
+              <a:rPr lang="nl-NL" sz="2400" dirty="0" err="1" smtClean="0"/>
+              <a:t>linear</a:t>
+            </a:r>
+            <a:r>
+              <a:rPr lang="nl-NL" sz="2400" dirty="0" smtClean="0"/>
+              <a:t> </a:t>
+            </a:r>
+            <a:r>
+              <a:rPr lang="nl-NL" sz="2400" dirty="0" err="1" smtClean="0"/>
+              <a:t>regression</a:t>
+            </a:r>
+            <a:endParaRPr lang="nl-NL" sz="2400" dirty="0" smtClean="0"/>
+          </a:p>
+          <a:p>
+            <a:endParaRPr lang="nl-NL" sz="2400" dirty="0"/>
+          </a:p>
+          <a:p>
+            <a:r>
+              <a:rPr lang="nl-NL" sz="2400" dirty="0" err="1" smtClean="0"/>
+              <a:t>Overfitting</a:t>
+            </a:r>
+            <a:r>
+              <a:rPr lang="nl-NL" sz="2400" dirty="0" smtClean="0"/>
+              <a:t> </a:t>
+            </a:r>
+            <a:r>
+              <a:rPr lang="nl-NL" sz="2400" dirty="0" err="1" smtClean="0"/>
+              <a:t>and</a:t>
+            </a:r>
+            <a:r>
+              <a:rPr lang="nl-NL" sz="2400" dirty="0" smtClean="0"/>
+              <a:t> model </a:t>
+            </a:r>
+            <a:r>
+              <a:rPr lang="nl-NL" sz="2400" dirty="0" err="1" smtClean="0"/>
+              <a:t>validation</a:t>
+            </a:r>
+            <a:endParaRPr lang="nl-NL" sz="2400" dirty="0" smtClean="0"/>
+          </a:p>
+          <a:p>
+            <a:endParaRPr lang="nl-NL" sz="2400" dirty="0"/>
+          </a:p>
+          <a:p>
+            <a:r>
+              <a:rPr lang="nl-NL" sz="2400" dirty="0" smtClean="0"/>
+              <a:t>Multiple </a:t>
+            </a:r>
+            <a:r>
+              <a:rPr lang="nl-NL" sz="2400" dirty="0" err="1" smtClean="0"/>
+              <a:t>linear</a:t>
+            </a:r>
+            <a:r>
+              <a:rPr lang="nl-NL" sz="2400" dirty="0" smtClean="0"/>
+              <a:t> </a:t>
+            </a:r>
+            <a:r>
+              <a:rPr lang="nl-NL" sz="2400" dirty="0" err="1" smtClean="0"/>
+              <a:t>regression</a:t>
+            </a:r>
+            <a:endParaRPr lang="nl-NL" sz="2400" dirty="0" smtClean="0"/>
+          </a:p>
+          <a:p>
+            <a:endParaRPr lang="nl-NL" dirty="0"/>
+          </a:p>
+          <a:p>
+            <a:endParaRPr lang="nl-NL" dirty="0"/>
+          </a:p>
+        </p:txBody>
+      </p:sp>
+    </p:spTree>
+    <p:extLst>
+      <p:ext uri="{BB962C8B-B14F-4D97-AF65-F5344CB8AC3E}">
+        <p14:creationId xmlns:p14="http://schemas.microsoft.com/office/powerpoint/2010/main" val="76400321"/>
+      </p:ext>
+    </p:extLst>
+  </p:cSld>
+  <p:clrMapOvr>
+    <a:masterClrMapping/>
+  </p:clrMapOvr>
+</p:sld>
+</file>
+
+<file path=ppt/slides/slide5.xml><?xml version="1.0" encoding="utf-8"?>
+<p:sld xmlns:a="http://schemas.openxmlformats.org/drawingml/2006/main" xmlns:r="http://schemas.openxmlformats.org/officeDocument/2006/relationships" xmlns:p="http://schemas.openxmlformats.org/presentationml/2006/main">
+  <p:cSld>
+    <p:spTree>
+      <p:nvGrpSpPr>
+        <p:cNvPr id="1" name=""/>
+        <p:cNvGrpSpPr/>
+        <p:nvPr/>
+      </p:nvGrpSpPr>
+      <p:grpSpPr>
+        <a:xfrm>
+          <a:off x="0" y="0"/>
+          <a:ext cx="0" cy="0"/>
+          <a:chOff x="0" y="0"/>
+          <a:chExt cx="0" cy="0"/>
+        </a:xfrm>
+      </p:grpSpPr>
+      <p:sp>
+        <p:nvSpPr>
+          <p:cNvPr id="2" name="Titel 1"/>
+          <p:cNvSpPr>
+            <a:spLocks noGrp="1"/>
+          </p:cNvSpPr>
+          <p:nvPr>
+            <p:ph type="title"/>
+          </p:nvPr>
+        </p:nvSpPr>
+        <p:spPr>
+          <a:xfrm>
+            <a:off x="827584" y="615351"/>
+            <a:ext cx="6172200" cy="584775"/>
+          </a:xfrm>
+        </p:spPr>
+        <p:txBody>
+          <a:bodyPr/>
+          <a:lstStyle/>
+          <a:p>
+            <a:r>
+              <a:rPr lang="nl-NL" dirty="0" err="1" smtClean="0"/>
+              <a:t>Exercise</a:t>
+            </a:r>
+            <a:r>
+              <a:rPr lang="nl-NL" dirty="0" smtClean="0"/>
+              <a:t> </a:t>
+            </a:r>
+            <a:r>
+              <a:rPr lang="nl-NL" dirty="0" smtClean="0"/>
+              <a:t>1: </a:t>
+            </a:r>
+            <a:r>
+              <a:rPr lang="nl-NL" dirty="0" err="1" smtClean="0"/>
+              <a:t>evaluation</a:t>
+            </a:r>
+            <a:endParaRPr lang="nl-NL" dirty="0"/>
+          </a:p>
+        </p:txBody>
+      </p:sp>
+      <p:sp>
+        <p:nvSpPr>
+          <p:cNvPr id="3" name="Tijdelijke aanduiding voor inhoud 2"/>
+          <p:cNvSpPr>
+            <a:spLocks noGrp="1"/>
+          </p:cNvSpPr>
+          <p:nvPr>
+            <p:ph idx="1"/>
+          </p:nvPr>
+        </p:nvSpPr>
+        <p:spPr>
+          <a:xfrm>
+            <a:off x="683568" y="1700808"/>
+            <a:ext cx="7881938" cy="2111347"/>
+          </a:xfrm>
+        </p:spPr>
+        <p:txBody>
+          <a:bodyPr/>
+          <a:lstStyle/>
+          <a:p>
+            <a:pPr marL="0" indent="0">
+              <a:buNone/>
+            </a:pPr>
+            <a:endParaRPr lang="nl-NL" sz="1600" dirty="0" smtClean="0">
+              <a:latin typeface="Courier New" panose="02070309020205020404" pitchFamily="49" charset="0"/>
+              <a:cs typeface="Courier New" panose="02070309020205020404" pitchFamily="49" charset="0"/>
+            </a:endParaRPr>
+          </a:p>
+          <a:p>
+            <a:pPr marL="0" indent="0">
+              <a:buNone/>
+            </a:pPr>
+            <a:endParaRPr lang="nl-NL" sz="1600" dirty="0">
+              <a:latin typeface="Courier New" panose="02070309020205020404" pitchFamily="49" charset="0"/>
+              <a:cs typeface="Courier New" panose="02070309020205020404" pitchFamily="49" charset="0"/>
+            </a:endParaRPr>
+          </a:p>
+          <a:p>
+            <a:pPr marL="0" indent="0">
+              <a:buNone/>
+            </a:pPr>
+            <a:endParaRPr lang="nl-NL" sz="1600" dirty="0" smtClean="0">
+              <a:latin typeface="Courier New" panose="02070309020205020404" pitchFamily="49" charset="0"/>
+              <a:cs typeface="Courier New" panose="02070309020205020404" pitchFamily="49" charset="0"/>
+            </a:endParaRPr>
+          </a:p>
+          <a:p>
+            <a:pPr marL="0" indent="0">
+              <a:buNone/>
+            </a:pPr>
+            <a:endParaRPr lang="nl-NL" sz="1600" dirty="0">
+              <a:latin typeface="Courier New" panose="02070309020205020404" pitchFamily="49" charset="0"/>
+              <a:cs typeface="Courier New" panose="02070309020205020404" pitchFamily="49" charset="0"/>
+            </a:endParaRPr>
+          </a:p>
+          <a:p>
+            <a:pPr marL="0" indent="0">
+              <a:buNone/>
+            </a:pPr>
+            <a:endParaRPr lang="nl-NL" sz="1600" dirty="0" smtClean="0">
+              <a:latin typeface="Courier New" panose="02070309020205020404" pitchFamily="49" charset="0"/>
+              <a:cs typeface="Courier New" panose="02070309020205020404" pitchFamily="49" charset="0"/>
+            </a:endParaRPr>
+          </a:p>
+          <a:p>
+            <a:pPr marL="0" indent="0">
+              <a:buNone/>
+            </a:pPr>
+            <a:endParaRPr lang="nl-NL" sz="1600" dirty="0">
+              <a:latin typeface="Courier New" panose="02070309020205020404" pitchFamily="49" charset="0"/>
+              <a:cs typeface="Courier New" panose="02070309020205020404" pitchFamily="49" charset="0"/>
+            </a:endParaRPr>
+          </a:p>
+          <a:p>
+            <a:pPr marL="0" indent="0">
+              <a:buNone/>
+            </a:pPr>
+            <a:endParaRPr lang="nl-NL" sz="1600" dirty="0" smtClean="0">
+              <a:latin typeface="Courier New" panose="02070309020205020404" pitchFamily="49" charset="0"/>
+              <a:cs typeface="Courier New" panose="02070309020205020404" pitchFamily="49" charset="0"/>
+            </a:endParaRPr>
+          </a:p>
+        </p:txBody>
+      </p:sp>
+      <p:sp>
+        <p:nvSpPr>
+          <p:cNvPr id="4" name="Tijdelijke aanduiding voor inhoud 2"/>
+          <p:cNvSpPr txBox="1">
+            <a:spLocks/>
+          </p:cNvSpPr>
+          <p:nvPr/>
+        </p:nvSpPr>
+        <p:spPr bwMode="auto">
+          <a:xfrm>
+            <a:off x="683568" y="1700808"/>
+            <a:ext cx="7881938" cy="1341906"/>
+          </a:xfrm>
+          <a:prstGeom prst="rect">
+            <a:avLst/>
+          </a:prstGeom>
+          <a:noFill/>
+          <a:ln w="9525">
+            <a:noFill/>
+            <a:miter lim="800000"/>
+            <a:headEnd/>
+            <a:tailEnd/>
+          </a:ln>
+          <a:effectLst/>
+        </p:spPr>
+        <p:txBody>
+          <a:bodyPr vert="horz" wrap="square" lIns="91440" tIns="45720" rIns="91440" bIns="45720" numCol="1" anchor="t" anchorCtr="0" compatLnSpc="1">
+            <a:prstTxWarp prst="textNoShape">
+              <a:avLst/>
+            </a:prstTxWarp>
+            <a:spAutoFit/>
+          </a:bodyPr>
+          <a:lstStyle>
+            <a:lvl1pPr marL="342900" indent="-342900" algn="l" rtl="0" fontAlgn="base">
+              <a:spcBef>
+                <a:spcPct val="20000"/>
+              </a:spcBef>
+              <a:spcAft>
+                <a:spcPct val="0"/>
+              </a:spcAft>
+              <a:buClr>
+                <a:srgbClr val="ED0010"/>
+              </a:buClr>
+              <a:buSzPct val="60000"/>
+              <a:buFont typeface="Zapf Dingbats" charset="2"/>
+              <a:buChar char="n"/>
+              <a:defRPr sz="2800">
+                <a:solidFill>
+                  <a:srgbClr val="000000"/>
+                </a:solidFill>
+                <a:latin typeface="+mn-lt"/>
+                <a:ea typeface="+mn-ea"/>
+                <a:cs typeface="+mn-cs"/>
+              </a:defRPr>
+            </a:lvl1pPr>
+            <a:lvl2pPr marL="819150" indent="-285750" algn="l" rtl="0" fontAlgn="base">
+              <a:spcBef>
+                <a:spcPct val="20000"/>
+              </a:spcBef>
+              <a:spcAft>
+                <a:spcPct val="0"/>
+              </a:spcAft>
+              <a:buClr>
+                <a:schemeClr val="accent1"/>
+              </a:buClr>
+              <a:buSzPct val="60000"/>
+              <a:buFont typeface="Zapf Dingbats" charset="2"/>
+              <a:buChar char="n"/>
+              <a:defRPr sz="2600">
+                <a:solidFill>
+                  <a:srgbClr val="000000"/>
+                </a:solidFill>
+                <a:latin typeface="+mn-lt"/>
+              </a:defRPr>
+            </a:lvl2pPr>
+            <a:lvl3pPr marL="1143000" indent="-228600" algn="l" rtl="0" fontAlgn="base">
+              <a:spcBef>
+                <a:spcPct val="20000"/>
+              </a:spcBef>
+              <a:spcAft>
+                <a:spcPct val="0"/>
+              </a:spcAft>
+              <a:buClr>
+                <a:schemeClr val="accent1"/>
+              </a:buClr>
+              <a:buSzPct val="60000"/>
+              <a:buFont typeface="Zapf Dingbats" charset="2"/>
+              <a:buChar char="n"/>
+              <a:defRPr sz="2400">
+                <a:solidFill>
+                  <a:srgbClr val="000000"/>
+                </a:solidFill>
+                <a:latin typeface="+mn-lt"/>
+              </a:defRPr>
+            </a:lvl3pPr>
+            <a:lvl4pPr marL="1562100" indent="-228600" algn="l" rtl="0" fontAlgn="base">
+              <a:spcBef>
+                <a:spcPct val="20000"/>
+              </a:spcBef>
+              <a:spcAft>
+                <a:spcPct val="0"/>
+              </a:spcAft>
+              <a:buClr>
+                <a:schemeClr val="accent1"/>
+              </a:buClr>
+              <a:buSzPct val="60000"/>
+              <a:buFont typeface="Zapf Dingbats" charset="2"/>
+              <a:buChar char="n"/>
+              <a:defRPr sz="2200">
+                <a:solidFill>
+                  <a:srgbClr val="000000"/>
+                </a:solidFill>
+                <a:latin typeface="+mn-lt"/>
+              </a:defRPr>
+            </a:lvl4pPr>
+            <a:lvl5pPr marL="1981200" indent="-228600" algn="l" rtl="0" fontAlgn="base">
+              <a:spcBef>
+                <a:spcPct val="20000"/>
+              </a:spcBef>
+              <a:spcAft>
+                <a:spcPct val="0"/>
+              </a:spcAft>
+              <a:buClr>
+                <a:schemeClr val="accent1"/>
+              </a:buClr>
+              <a:buSzPct val="60000"/>
+              <a:buFont typeface="Zapf Dingbats" charset="2"/>
+              <a:buChar char="n"/>
+              <a:defRPr sz="2000">
+                <a:solidFill>
+                  <a:srgbClr val="000000"/>
+                </a:solidFill>
+                <a:latin typeface="+mn-lt"/>
+              </a:defRPr>
+            </a:lvl5pPr>
+            <a:lvl6pPr marL="2438400" indent="-228600" algn="l" rtl="0" fontAlgn="base">
+              <a:spcBef>
+                <a:spcPct val="20000"/>
+              </a:spcBef>
+              <a:spcAft>
+                <a:spcPct val="0"/>
+              </a:spcAft>
+              <a:buClr>
+                <a:schemeClr val="accent1"/>
+              </a:buClr>
+              <a:buSzPct val="60000"/>
+              <a:buFont typeface="Zapf Dingbats" charset="2"/>
+              <a:buChar char="n"/>
+              <a:defRPr sz="2000">
+                <a:solidFill>
+                  <a:srgbClr val="000000"/>
+                </a:solidFill>
+                <a:latin typeface="+mn-lt"/>
+              </a:defRPr>
+            </a:lvl6pPr>
+            <a:lvl7pPr marL="2895600" indent="-228600" algn="l" rtl="0" fontAlgn="base">
+              <a:spcBef>
+                <a:spcPct val="20000"/>
+              </a:spcBef>
+              <a:spcAft>
+                <a:spcPct val="0"/>
+              </a:spcAft>
+              <a:buClr>
+                <a:schemeClr val="accent1"/>
+              </a:buClr>
+              <a:buSzPct val="60000"/>
+              <a:buFont typeface="Zapf Dingbats" charset="2"/>
+              <a:buChar char="n"/>
+              <a:defRPr sz="2000">
+                <a:solidFill>
+                  <a:srgbClr val="000000"/>
+                </a:solidFill>
+                <a:latin typeface="+mn-lt"/>
+              </a:defRPr>
+            </a:lvl7pPr>
+            <a:lvl8pPr marL="3352800" indent="-228600" algn="l" rtl="0" fontAlgn="base">
+              <a:spcBef>
+                <a:spcPct val="20000"/>
+              </a:spcBef>
+              <a:spcAft>
+                <a:spcPct val="0"/>
+              </a:spcAft>
+              <a:buClr>
+                <a:schemeClr val="accent1"/>
+              </a:buClr>
+              <a:buSzPct val="60000"/>
+              <a:buFont typeface="Zapf Dingbats" charset="2"/>
+              <a:buChar char="n"/>
+              <a:defRPr sz="2000">
+                <a:solidFill>
+                  <a:srgbClr val="000000"/>
+                </a:solidFill>
+                <a:latin typeface="+mn-lt"/>
+              </a:defRPr>
+            </a:lvl8pPr>
+            <a:lvl9pPr marL="3810000" indent="-228600" algn="l" rtl="0" fontAlgn="base">
+              <a:spcBef>
+                <a:spcPct val="20000"/>
+              </a:spcBef>
+              <a:spcAft>
+                <a:spcPct val="0"/>
+              </a:spcAft>
+              <a:buClr>
+                <a:schemeClr val="accent1"/>
+              </a:buClr>
+              <a:buSzPct val="60000"/>
+              <a:buFont typeface="Zapf Dingbats" charset="2"/>
+              <a:buChar char="n"/>
+              <a:defRPr sz="2000">
+                <a:solidFill>
+                  <a:srgbClr val="000000"/>
+                </a:solidFill>
+                <a:latin typeface="+mn-lt"/>
+              </a:defRPr>
+            </a:lvl9pPr>
+          </a:lstStyle>
+          <a:p>
+            <a:pPr marL="0" indent="0">
+              <a:buFont typeface="Zapf Dingbats" charset="2"/>
+              <a:buNone/>
+            </a:pPr>
+            <a:r>
+              <a:rPr lang="nl-NL" sz="1400" kern="0" dirty="0" err="1" smtClean="0">
+                <a:latin typeface="Courier New" panose="02070309020205020404" pitchFamily="49" charset="0"/>
+                <a:cs typeface="Courier New" panose="02070309020205020404" pitchFamily="49" charset="0"/>
+              </a:rPr>
+              <a:t>Evaluating</a:t>
+            </a:r>
+            <a:r>
+              <a:rPr lang="nl-NL" sz="1400" kern="0" dirty="0" smtClean="0">
+                <a:latin typeface="Courier New" panose="02070309020205020404" pitchFamily="49" charset="0"/>
+                <a:cs typeface="Courier New" panose="02070309020205020404" pitchFamily="49" charset="0"/>
+              </a:rPr>
+              <a:t> </a:t>
+            </a:r>
+            <a:r>
+              <a:rPr lang="nl-NL" sz="1400" kern="0" dirty="0" err="1" smtClean="0">
+                <a:latin typeface="Courier New" panose="02070309020205020404" pitchFamily="49" charset="0"/>
+                <a:cs typeface="Courier New" panose="02070309020205020404" pitchFamily="49" charset="0"/>
+              </a:rPr>
+              <a:t>residuals</a:t>
+            </a:r>
+            <a:r>
+              <a:rPr lang="nl-NL" sz="1400" kern="0" dirty="0" smtClean="0">
+                <a:latin typeface="Courier New" panose="02070309020205020404" pitchFamily="49" charset="0"/>
+                <a:cs typeface="Courier New" panose="02070309020205020404" pitchFamily="49" charset="0"/>
+              </a:rPr>
+              <a:t>, </a:t>
+            </a:r>
+            <a:r>
+              <a:rPr lang="nl-NL" sz="1400" kern="0" dirty="0" err="1" smtClean="0">
+                <a:latin typeface="Courier New" panose="02070309020205020404" pitchFamily="49" charset="0"/>
+                <a:cs typeface="Courier New" panose="02070309020205020404" pitchFamily="49" charset="0"/>
+              </a:rPr>
+              <a:t>linearity</a:t>
+            </a:r>
+            <a:r>
+              <a:rPr lang="nl-NL" sz="1400" kern="0" dirty="0" smtClean="0">
+                <a:latin typeface="Courier New" panose="02070309020205020404" pitchFamily="49" charset="0"/>
+                <a:cs typeface="Courier New" panose="02070309020205020404" pitchFamily="49" charset="0"/>
+              </a:rPr>
+              <a:t>, </a:t>
+            </a:r>
+          </a:p>
+          <a:p>
+            <a:pPr marL="0" indent="0">
+              <a:buFont typeface="Zapf Dingbats" charset="2"/>
+              <a:buNone/>
+            </a:pPr>
+            <a:endParaRPr lang="nl-NL" sz="1400" kern="0" dirty="0">
+              <a:latin typeface="Courier New" panose="02070309020205020404" pitchFamily="49" charset="0"/>
+              <a:cs typeface="Courier New" panose="02070309020205020404" pitchFamily="49" charset="0"/>
+            </a:endParaRPr>
+          </a:p>
+          <a:p>
+            <a:pPr marL="0" indent="0">
+              <a:buFont typeface="Zapf Dingbats" charset="2"/>
+              <a:buNone/>
+            </a:pPr>
+            <a:r>
+              <a:rPr lang="nl-NL" sz="1400" kern="0" dirty="0" err="1" smtClean="0">
+                <a:latin typeface="Courier New" panose="02070309020205020404" pitchFamily="49" charset="0"/>
+                <a:cs typeface="Courier New" panose="02070309020205020404" pitchFamily="49" charset="0"/>
+              </a:rPr>
+              <a:t>Applying</a:t>
+            </a:r>
+            <a:r>
+              <a:rPr lang="nl-NL" sz="1400" kern="0" dirty="0" smtClean="0">
+                <a:latin typeface="Courier New" panose="02070309020205020404" pitchFamily="49" charset="0"/>
+                <a:cs typeface="Courier New" panose="02070309020205020404" pitchFamily="49" charset="0"/>
+              </a:rPr>
+              <a:t> a </a:t>
+            </a:r>
+            <a:r>
+              <a:rPr lang="nl-NL" sz="1400" kern="0" dirty="0" err="1" smtClean="0">
+                <a:latin typeface="Courier New" panose="02070309020205020404" pitchFamily="49" charset="0"/>
+                <a:cs typeface="Courier New" panose="02070309020205020404" pitchFamily="49" charset="0"/>
+              </a:rPr>
+              <a:t>transformation</a:t>
+            </a:r>
+            <a:endParaRPr lang="nl-NL" sz="1400" kern="0" dirty="0" smtClean="0">
+              <a:latin typeface="Courier New" panose="02070309020205020404" pitchFamily="49" charset="0"/>
+              <a:cs typeface="Courier New" panose="02070309020205020404" pitchFamily="49" charset="0"/>
+            </a:endParaRPr>
+          </a:p>
+          <a:p>
+            <a:pPr marL="0" indent="0">
+              <a:buFont typeface="Zapf Dingbats" charset="2"/>
+              <a:buNone/>
+            </a:pPr>
+            <a:endParaRPr lang="nl-NL" sz="1400" kern="0" dirty="0">
+              <a:latin typeface="Courier New" panose="02070309020205020404" pitchFamily="49" charset="0"/>
+              <a:cs typeface="Courier New" panose="02070309020205020404" pitchFamily="49" charset="0"/>
+            </a:endParaRPr>
+          </a:p>
+          <a:p>
+            <a:pPr marL="0" indent="0">
+              <a:buFont typeface="Zapf Dingbats" charset="2"/>
+              <a:buNone/>
+            </a:pPr>
+            <a:endParaRPr lang="nl-NL" sz="1400" kern="0" dirty="0" smtClean="0">
+              <a:latin typeface="Courier New" panose="02070309020205020404" pitchFamily="49" charset="0"/>
+              <a:cs typeface="Courier New" panose="02070309020205020404" pitchFamily="49" charset="0"/>
+            </a:endParaRPr>
+          </a:p>
+        </p:txBody>
+      </p:sp>
+    </p:spTree>
+    <p:extLst>
+      <p:ext uri="{BB962C8B-B14F-4D97-AF65-F5344CB8AC3E}">
+        <p14:creationId xmlns:p14="http://schemas.microsoft.com/office/powerpoint/2010/main" val="3377482893"/>
+      </p:ext>
+    </p:extLst>
+  </p:cSld>
+  <p:clrMapOvr>
+    <a:masterClrMapping/>
+  </p:clrMapOvr>
+  <p:timing>
+    <p:tnLst>
+      <p:par>
+        <p:cTn id="1" dur="indefinite" restart="never" nodeType="tmRoot"/>
+      </p:par>
+    </p:tnLst>
+  </p:timing>
+</p:sld>
+</file>
+
+<file path=ppt/slides/slide6.xml><?xml version="1.0" encoding="utf-8"?>
+<p:sld xmlns:a="http://schemas.openxmlformats.org/drawingml/2006/main" xmlns:r="http://schemas.openxmlformats.org/officeDocument/2006/relationships" xmlns:p="http://schemas.openxmlformats.org/presentationml/2006/main">
+  <p:cSld>
+    <p:spTree>
+      <p:nvGrpSpPr>
+        <p:cNvPr id="1" name=""/>
+        <p:cNvGrpSpPr/>
+        <p:nvPr/>
+      </p:nvGrpSpPr>
+      <p:grpSpPr>
+        <a:xfrm>
+          <a:off x="0" y="0"/>
+          <a:ext cx="0" cy="0"/>
+          <a:chOff x="0" y="0"/>
+          <a:chExt cx="0" cy="0"/>
+        </a:xfrm>
+      </p:grpSpPr>
+      <p:sp>
+        <p:nvSpPr>
+          <p:cNvPr id="2" name="Titel 1"/>
+          <p:cNvSpPr>
+            <a:spLocks noGrp="1"/>
+          </p:cNvSpPr>
+          <p:nvPr>
+            <p:ph type="title"/>
+          </p:nvPr>
+        </p:nvSpPr>
+        <p:spPr/>
+        <p:txBody>
+          <a:bodyPr/>
+          <a:lstStyle/>
+          <a:p>
+            <a:r>
+              <a:rPr lang="nl-NL" dirty="0" smtClean="0"/>
+              <a:t>Topics</a:t>
+            </a:r>
+            <a:endParaRPr lang="nl-NL" dirty="0"/>
+          </a:p>
+        </p:txBody>
+      </p:sp>
+      <p:sp>
+        <p:nvSpPr>
+          <p:cNvPr id="3" name="Tijdelijke aanduiding voor inhoud 2"/>
+          <p:cNvSpPr>
+            <a:spLocks noGrp="1"/>
+          </p:cNvSpPr>
+          <p:nvPr>
+            <p:ph idx="1"/>
+          </p:nvPr>
+        </p:nvSpPr>
+        <p:spPr>
+          <a:xfrm>
+            <a:off x="762000" y="1762125"/>
+            <a:ext cx="7881938" cy="3268587"/>
+          </a:xfrm>
+        </p:spPr>
+        <p:txBody>
+          <a:bodyPr/>
+          <a:lstStyle/>
+          <a:p>
+            <a:r>
+              <a:rPr lang="nl-NL" sz="2400" dirty="0" smtClean="0"/>
+              <a:t>Evaluation of </a:t>
+            </a:r>
+            <a:r>
+              <a:rPr lang="nl-NL" sz="2400" dirty="0" err="1" smtClean="0"/>
+              <a:t>simple</a:t>
+            </a:r>
+            <a:r>
+              <a:rPr lang="nl-NL" sz="2400" dirty="0" smtClean="0"/>
+              <a:t> </a:t>
+            </a:r>
+            <a:r>
+              <a:rPr lang="nl-NL" sz="2400" dirty="0" err="1" smtClean="0"/>
+              <a:t>linear</a:t>
+            </a:r>
+            <a:r>
+              <a:rPr lang="nl-NL" sz="2400" dirty="0" smtClean="0"/>
+              <a:t> </a:t>
+            </a:r>
+            <a:r>
+              <a:rPr lang="nl-NL" sz="2400" dirty="0" err="1" smtClean="0"/>
+              <a:t>regression</a:t>
+            </a:r>
+            <a:endParaRPr lang="nl-NL" sz="2400" dirty="0" smtClean="0"/>
+          </a:p>
+          <a:p>
+            <a:endParaRPr lang="nl-NL" sz="2400" dirty="0"/>
+          </a:p>
+          <a:p>
+            <a:r>
+              <a:rPr lang="nl-NL" sz="2400" dirty="0" err="1" smtClean="0"/>
+              <a:t>Overfitting</a:t>
+            </a:r>
+            <a:r>
+              <a:rPr lang="nl-NL" sz="2400" dirty="0" smtClean="0"/>
+              <a:t> </a:t>
+            </a:r>
+            <a:r>
+              <a:rPr lang="nl-NL" sz="2400" dirty="0" err="1" smtClean="0"/>
+              <a:t>and</a:t>
+            </a:r>
+            <a:r>
+              <a:rPr lang="nl-NL" sz="2400" dirty="0" smtClean="0"/>
+              <a:t> model </a:t>
+            </a:r>
+            <a:r>
+              <a:rPr lang="nl-NL" sz="2400" dirty="0" err="1" smtClean="0"/>
+              <a:t>validation</a:t>
+            </a:r>
+            <a:endParaRPr lang="nl-NL" sz="2400" dirty="0" smtClean="0"/>
+          </a:p>
+          <a:p>
+            <a:endParaRPr lang="nl-NL" sz="2400" dirty="0"/>
+          </a:p>
+          <a:p>
+            <a:r>
+              <a:rPr lang="nl-NL" sz="2400" dirty="0" smtClean="0"/>
+              <a:t>Multiple </a:t>
+            </a:r>
+            <a:r>
+              <a:rPr lang="nl-NL" sz="2400" dirty="0" err="1" smtClean="0"/>
+              <a:t>linear</a:t>
+            </a:r>
+            <a:r>
+              <a:rPr lang="nl-NL" sz="2400" dirty="0" smtClean="0"/>
+              <a:t> </a:t>
+            </a:r>
+            <a:r>
+              <a:rPr lang="nl-NL" sz="2400" dirty="0" err="1" smtClean="0"/>
+              <a:t>regression</a:t>
+            </a:r>
+            <a:endParaRPr lang="nl-NL" sz="2400" dirty="0" smtClean="0"/>
+          </a:p>
+          <a:p>
+            <a:endParaRPr lang="nl-NL" dirty="0"/>
+          </a:p>
+          <a:p>
+            <a:endParaRPr lang="nl-NL" dirty="0"/>
+          </a:p>
+        </p:txBody>
+      </p:sp>
+    </p:spTree>
+    <p:extLst>
+      <p:ext uri="{BB962C8B-B14F-4D97-AF65-F5344CB8AC3E}">
+        <p14:creationId xmlns:p14="http://schemas.microsoft.com/office/powerpoint/2010/main" val="739240308"/>
+      </p:ext>
+    </p:extLst>
+  </p:cSld>
+  <p:clrMapOvr>
+    <a:masterClrMapping/>
+  </p:clrMapOvr>
+</p:sld>
+</file>
+
+<file path=ppt/slides/slide7.xml><?xml version="1.0" encoding="utf-8"?>
+<p:sld xmlns:a="http://schemas.openxmlformats.org/drawingml/2006/main" xmlns:r="http://schemas.openxmlformats.org/officeDocument/2006/relationships" xmlns:p="http://schemas.openxmlformats.org/presentationml/2006/main">
+  <p:cSld>
+    <p:spTree>
+      <p:nvGrpSpPr>
+        <p:cNvPr id="1" name=""/>
+        <p:cNvGrpSpPr/>
+        <p:nvPr/>
+      </p:nvGrpSpPr>
+      <p:grpSpPr>
+        <a:xfrm>
+          <a:off x="0" y="0"/>
+          <a:ext cx="0" cy="0"/>
+          <a:chOff x="0" y="0"/>
+          <a:chExt cx="0" cy="0"/>
+        </a:xfrm>
+      </p:grpSpPr>
+      <p:sp>
+        <p:nvSpPr>
+          <p:cNvPr id="2" name="Titel 1"/>
+          <p:cNvSpPr>
+            <a:spLocks noGrp="1"/>
+          </p:cNvSpPr>
+          <p:nvPr>
+            <p:ph type="title"/>
+          </p:nvPr>
+        </p:nvSpPr>
+        <p:spPr/>
+        <p:txBody>
+          <a:bodyPr/>
+          <a:lstStyle/>
+          <a:p>
+            <a:r>
+              <a:rPr lang="nl-NL" dirty="0" err="1" smtClean="0"/>
+              <a:t>Experience</a:t>
+            </a:r>
+            <a:r>
+              <a:rPr lang="nl-NL" dirty="0" smtClean="0"/>
+              <a:t> </a:t>
+            </a:r>
+            <a:r>
+              <a:rPr lang="nl-NL" dirty="0" err="1" smtClean="0"/>
+              <a:t>overfitting</a:t>
+            </a:r>
+            <a:endParaRPr lang="nl-NL" dirty="0"/>
+          </a:p>
+        </p:txBody>
+      </p:sp>
+      <p:sp>
+        <p:nvSpPr>
+          <p:cNvPr id="3" name="Tijdelijke aanduiding voor inhoud 2"/>
+          <p:cNvSpPr>
+            <a:spLocks noGrp="1"/>
+          </p:cNvSpPr>
+          <p:nvPr>
+            <p:ph idx="1"/>
+          </p:nvPr>
+        </p:nvSpPr>
+        <p:spPr/>
+        <p:txBody>
+          <a:bodyPr/>
+          <a:lstStyle/>
+          <a:p>
+            <a:endParaRPr lang="nl-NL"/>
+          </a:p>
+        </p:txBody>
+      </p:sp>
+    </p:spTree>
+    <p:extLst>
+      <p:ext uri="{BB962C8B-B14F-4D97-AF65-F5344CB8AC3E}">
+        <p14:creationId xmlns:p14="http://schemas.microsoft.com/office/powerpoint/2010/main" val="1464093598"/>
+      </p:ext>
+    </p:extLst>
+  </p:cSld>
+  <p:clrMapOvr>
+    <a:masterClrMapping/>
+  </p:clrMapOvr>
+</p:sld>
+</file>
+
+<file path=ppt/slides/slide8.xml><?xml version="1.0" encoding="utf-8"?>
+<p:sld xmlns:a="http://schemas.openxmlformats.org/drawingml/2006/main" xmlns:r="http://schemas.openxmlformats.org/officeDocument/2006/relationships" xmlns:p="http://schemas.openxmlformats.org/presentationml/2006/main">
+  <p:cSld>
+    <p:spTree>
+      <p:nvGrpSpPr>
+        <p:cNvPr id="1" name=""/>
+        <p:cNvGrpSpPr/>
+        <p:nvPr/>
+      </p:nvGrpSpPr>
+      <p:grpSpPr>
+        <a:xfrm>
+          <a:off x="0" y="0"/>
+          <a:ext cx="0" cy="0"/>
+          <a:chOff x="0" y="0"/>
+          <a:chExt cx="0" cy="0"/>
+        </a:xfrm>
+      </p:grpSpPr>
+      <p:sp>
+        <p:nvSpPr>
+          <p:cNvPr id="2" name="Titel 1"/>
+          <p:cNvSpPr>
+            <a:spLocks noGrp="1"/>
+          </p:cNvSpPr>
+          <p:nvPr>
+            <p:ph type="title"/>
+          </p:nvPr>
+        </p:nvSpPr>
+        <p:spPr>
+          <a:xfrm>
+            <a:off x="827584" y="615351"/>
+            <a:ext cx="6172200" cy="584775"/>
+          </a:xfrm>
+        </p:spPr>
+        <p:txBody>
+          <a:bodyPr/>
+          <a:lstStyle/>
+          <a:p>
+            <a:r>
+              <a:rPr lang="nl-NL" dirty="0" err="1" smtClean="0"/>
+              <a:t>Exercise</a:t>
+            </a:r>
+            <a:r>
+              <a:rPr lang="nl-NL" dirty="0" smtClean="0"/>
+              <a:t> </a:t>
+            </a:r>
+            <a:r>
+              <a:rPr lang="nl-NL" dirty="0"/>
+              <a:t>2</a:t>
+            </a:r>
+            <a:r>
+              <a:rPr lang="nl-NL" dirty="0" smtClean="0"/>
+              <a:t>: model </a:t>
+            </a:r>
+            <a:r>
+              <a:rPr lang="nl-NL" dirty="0" err="1" smtClean="0"/>
+              <a:t>validation</a:t>
+            </a:r>
+            <a:endParaRPr lang="nl-NL" dirty="0"/>
+          </a:p>
+        </p:txBody>
+      </p:sp>
+      <p:sp>
+        <p:nvSpPr>
+          <p:cNvPr id="3" name="Tijdelijke aanduiding voor inhoud 2"/>
+          <p:cNvSpPr>
+            <a:spLocks noGrp="1"/>
+          </p:cNvSpPr>
+          <p:nvPr>
+            <p:ph idx="1"/>
+          </p:nvPr>
+        </p:nvSpPr>
+        <p:spPr>
+          <a:xfrm>
+            <a:off x="683568" y="1700808"/>
+            <a:ext cx="7881938" cy="2111347"/>
+          </a:xfrm>
+        </p:spPr>
+        <p:txBody>
+          <a:bodyPr/>
+          <a:lstStyle/>
+          <a:p>
+            <a:pPr marL="0" indent="0">
+              <a:buNone/>
+            </a:pPr>
+            <a:endParaRPr lang="nl-NL" sz="1600" dirty="0" smtClean="0">
+              <a:latin typeface="Courier New" panose="02070309020205020404" pitchFamily="49" charset="0"/>
+              <a:cs typeface="Courier New" panose="02070309020205020404" pitchFamily="49" charset="0"/>
+            </a:endParaRPr>
+          </a:p>
+          <a:p>
+            <a:pPr marL="0" indent="0">
+              <a:buNone/>
+            </a:pPr>
+            <a:endParaRPr lang="nl-NL" sz="1600" dirty="0">
+              <a:latin typeface="Courier New" panose="02070309020205020404" pitchFamily="49" charset="0"/>
+              <a:cs typeface="Courier New" panose="02070309020205020404" pitchFamily="49" charset="0"/>
+            </a:endParaRPr>
+          </a:p>
+          <a:p>
+            <a:pPr marL="0" indent="0">
+              <a:buNone/>
+            </a:pPr>
+            <a:endParaRPr lang="nl-NL" sz="1600" dirty="0" smtClean="0">
+              <a:latin typeface="Courier New" panose="02070309020205020404" pitchFamily="49" charset="0"/>
+              <a:cs typeface="Courier New" panose="02070309020205020404" pitchFamily="49" charset="0"/>
+            </a:endParaRPr>
+          </a:p>
+          <a:p>
+            <a:pPr marL="0" indent="0">
+              <a:buNone/>
+            </a:pPr>
+            <a:endParaRPr lang="nl-NL" sz="1600" dirty="0">
+              <a:latin typeface="Courier New" panose="02070309020205020404" pitchFamily="49" charset="0"/>
+              <a:cs typeface="Courier New" panose="02070309020205020404" pitchFamily="49" charset="0"/>
+            </a:endParaRPr>
+          </a:p>
+          <a:p>
+            <a:pPr marL="0" indent="0">
+              <a:buNone/>
+            </a:pPr>
+            <a:endParaRPr lang="nl-NL" sz="1600" dirty="0" smtClean="0">
+              <a:latin typeface="Courier New" panose="02070309020205020404" pitchFamily="49" charset="0"/>
+              <a:cs typeface="Courier New" panose="02070309020205020404" pitchFamily="49" charset="0"/>
+            </a:endParaRPr>
+          </a:p>
+          <a:p>
+            <a:pPr marL="0" indent="0">
+              <a:buNone/>
+            </a:pPr>
+            <a:endParaRPr lang="nl-NL" sz="1600" dirty="0">
+              <a:latin typeface="Courier New" panose="02070309020205020404" pitchFamily="49" charset="0"/>
+              <a:cs typeface="Courier New" panose="02070309020205020404" pitchFamily="49" charset="0"/>
+            </a:endParaRPr>
+          </a:p>
+          <a:p>
+            <a:pPr marL="0" indent="0">
+              <a:buNone/>
+            </a:pPr>
+            <a:endParaRPr lang="nl-NL" sz="1600" dirty="0" smtClean="0">
+              <a:latin typeface="Courier New" panose="02070309020205020404" pitchFamily="49" charset="0"/>
+              <a:cs typeface="Courier New" panose="02070309020205020404" pitchFamily="49" charset="0"/>
+            </a:endParaRPr>
+          </a:p>
+        </p:txBody>
+      </p:sp>
+      <p:sp>
+        <p:nvSpPr>
+          <p:cNvPr id="4" name="Tijdelijke aanduiding voor inhoud 2"/>
+          <p:cNvSpPr txBox="1">
+            <a:spLocks/>
+          </p:cNvSpPr>
+          <p:nvPr/>
+        </p:nvSpPr>
+        <p:spPr bwMode="auto">
+          <a:xfrm>
+            <a:off x="683568" y="1700808"/>
+            <a:ext cx="7881938" cy="2893100"/>
+          </a:xfrm>
+          <a:prstGeom prst="rect">
+            <a:avLst/>
+          </a:prstGeom>
+          <a:noFill/>
+          <a:ln w="9525">
+            <a:noFill/>
+            <a:miter lim="800000"/>
+            <a:headEnd/>
+            <a:tailEnd/>
+          </a:ln>
+          <a:effectLst/>
+        </p:spPr>
+        <p:txBody>
+          <a:bodyPr vert="horz" wrap="square" lIns="91440" tIns="45720" rIns="91440" bIns="45720" numCol="1" anchor="t" anchorCtr="0" compatLnSpc="1">
+            <a:prstTxWarp prst="textNoShape">
+              <a:avLst/>
+            </a:prstTxWarp>
+            <a:spAutoFit/>
+          </a:bodyPr>
+          <a:lstStyle>
+            <a:lvl1pPr marL="342900" indent="-342900" algn="l" rtl="0" fontAlgn="base">
+              <a:spcBef>
+                <a:spcPct val="20000"/>
+              </a:spcBef>
+              <a:spcAft>
+                <a:spcPct val="0"/>
+              </a:spcAft>
+              <a:buClr>
+                <a:srgbClr val="ED0010"/>
+              </a:buClr>
+              <a:buSzPct val="60000"/>
+              <a:buFont typeface="Zapf Dingbats" charset="2"/>
+              <a:buChar char="n"/>
+              <a:defRPr sz="2800">
+                <a:solidFill>
+                  <a:srgbClr val="000000"/>
+                </a:solidFill>
+                <a:latin typeface="+mn-lt"/>
+                <a:ea typeface="+mn-ea"/>
+                <a:cs typeface="+mn-cs"/>
+              </a:defRPr>
+            </a:lvl1pPr>
+            <a:lvl2pPr marL="819150" indent="-285750" algn="l" rtl="0" fontAlgn="base">
+              <a:spcBef>
+                <a:spcPct val="20000"/>
+              </a:spcBef>
+              <a:spcAft>
+                <a:spcPct val="0"/>
+              </a:spcAft>
+              <a:buClr>
+                <a:schemeClr val="accent1"/>
+              </a:buClr>
+              <a:buSzPct val="60000"/>
+              <a:buFont typeface="Zapf Dingbats" charset="2"/>
+              <a:buChar char="n"/>
+              <a:defRPr sz="2600">
+                <a:solidFill>
+                  <a:srgbClr val="000000"/>
+                </a:solidFill>
+                <a:latin typeface="+mn-lt"/>
+              </a:defRPr>
+            </a:lvl2pPr>
+            <a:lvl3pPr marL="1143000" indent="-228600" algn="l" rtl="0" fontAlgn="base">
+              <a:spcBef>
+                <a:spcPct val="20000"/>
+              </a:spcBef>
+              <a:spcAft>
+                <a:spcPct val="0"/>
+              </a:spcAft>
+              <a:buClr>
+                <a:schemeClr val="accent1"/>
+              </a:buClr>
+              <a:buSzPct val="60000"/>
+              <a:buFont typeface="Zapf Dingbats" charset="2"/>
+              <a:buChar char="n"/>
+              <a:defRPr sz="2400">
+                <a:solidFill>
+                  <a:srgbClr val="000000"/>
+                </a:solidFill>
+                <a:latin typeface="+mn-lt"/>
+              </a:defRPr>
+            </a:lvl3pPr>
+            <a:lvl4pPr marL="1562100" indent="-228600" algn="l" rtl="0" fontAlgn="base">
+              <a:spcBef>
+                <a:spcPct val="20000"/>
+              </a:spcBef>
+              <a:spcAft>
+                <a:spcPct val="0"/>
+              </a:spcAft>
+              <a:buClr>
+                <a:schemeClr val="accent1"/>
+              </a:buClr>
+              <a:buSzPct val="60000"/>
+              <a:buFont typeface="Zapf Dingbats" charset="2"/>
+              <a:buChar char="n"/>
+              <a:defRPr sz="2200">
+                <a:solidFill>
+                  <a:srgbClr val="000000"/>
+                </a:solidFill>
+                <a:latin typeface="+mn-lt"/>
+              </a:defRPr>
+            </a:lvl4pPr>
+            <a:lvl5pPr marL="1981200" indent="-228600" algn="l" rtl="0" fontAlgn="base">
+              <a:spcBef>
+                <a:spcPct val="20000"/>
+              </a:spcBef>
+              <a:spcAft>
+                <a:spcPct val="0"/>
+              </a:spcAft>
+              <a:buClr>
+                <a:schemeClr val="accent1"/>
+              </a:buClr>
+              <a:buSzPct val="60000"/>
+              <a:buFont typeface="Zapf Dingbats" charset="2"/>
+              <a:buChar char="n"/>
+              <a:defRPr sz="2000">
+                <a:solidFill>
+                  <a:srgbClr val="000000"/>
+                </a:solidFill>
+                <a:latin typeface="+mn-lt"/>
+              </a:defRPr>
+            </a:lvl5pPr>
+            <a:lvl6pPr marL="2438400" indent="-228600" algn="l" rtl="0" fontAlgn="base">
+              <a:spcBef>
+                <a:spcPct val="20000"/>
+              </a:spcBef>
+              <a:spcAft>
+                <a:spcPct val="0"/>
+              </a:spcAft>
+              <a:buClr>
+                <a:schemeClr val="accent1"/>
+              </a:buClr>
+              <a:buSzPct val="60000"/>
+              <a:buFont typeface="Zapf Dingbats" charset="2"/>
+              <a:buChar char="n"/>
+              <a:defRPr sz="2000">
+                <a:solidFill>
+                  <a:srgbClr val="000000"/>
+                </a:solidFill>
+                <a:latin typeface="+mn-lt"/>
+              </a:defRPr>
+            </a:lvl6pPr>
+            <a:lvl7pPr marL="2895600" indent="-228600" algn="l" rtl="0" fontAlgn="base">
+              <a:spcBef>
+                <a:spcPct val="20000"/>
+              </a:spcBef>
+              <a:spcAft>
+                <a:spcPct val="0"/>
+              </a:spcAft>
+              <a:buClr>
+                <a:schemeClr val="accent1"/>
+              </a:buClr>
+              <a:buSzPct val="60000"/>
+              <a:buFont typeface="Zapf Dingbats" charset="2"/>
+              <a:buChar char="n"/>
+              <a:defRPr sz="2000">
+                <a:solidFill>
+                  <a:srgbClr val="000000"/>
+                </a:solidFill>
+                <a:latin typeface="+mn-lt"/>
+              </a:defRPr>
+            </a:lvl7pPr>
+            <a:lvl8pPr marL="3352800" indent="-228600" algn="l" rtl="0" fontAlgn="base">
+              <a:spcBef>
+                <a:spcPct val="20000"/>
+              </a:spcBef>
+              <a:spcAft>
+                <a:spcPct val="0"/>
+              </a:spcAft>
+              <a:buClr>
+                <a:schemeClr val="accent1"/>
+              </a:buClr>
+              <a:buSzPct val="60000"/>
+              <a:buFont typeface="Zapf Dingbats" charset="2"/>
+              <a:buChar char="n"/>
+              <a:defRPr sz="2000">
+                <a:solidFill>
+                  <a:srgbClr val="000000"/>
+                </a:solidFill>
+                <a:latin typeface="+mn-lt"/>
+              </a:defRPr>
+            </a:lvl8pPr>
+            <a:lvl9pPr marL="3810000" indent="-228600" algn="l" rtl="0" fontAlgn="base">
+              <a:spcBef>
+                <a:spcPct val="20000"/>
+              </a:spcBef>
+              <a:spcAft>
+                <a:spcPct val="0"/>
+              </a:spcAft>
+              <a:buClr>
+                <a:schemeClr val="accent1"/>
+              </a:buClr>
+              <a:buSzPct val="60000"/>
+              <a:buFont typeface="Zapf Dingbats" charset="2"/>
+              <a:buChar char="n"/>
+              <a:defRPr sz="2000">
+                <a:solidFill>
+                  <a:srgbClr val="000000"/>
+                </a:solidFill>
+                <a:latin typeface="+mn-lt"/>
+              </a:defRPr>
+            </a:lvl9pPr>
+          </a:lstStyle>
+          <a:p>
+            <a:pPr marL="0" indent="0">
+              <a:buFont typeface="Zapf Dingbats" charset="2"/>
+              <a:buNone/>
+            </a:pPr>
+            <a:r>
+              <a:rPr lang="nl-NL" sz="1400" kern="0" dirty="0" smtClean="0">
+                <a:latin typeface="Courier New" panose="02070309020205020404" pitchFamily="49" charset="0"/>
+                <a:cs typeface="Courier New" panose="02070309020205020404" pitchFamily="49" charset="0"/>
+              </a:rPr>
+              <a:t>Split data </a:t>
+            </a:r>
+            <a:r>
+              <a:rPr lang="nl-NL" sz="1400" kern="0" dirty="0" err="1" smtClean="0">
+                <a:latin typeface="Courier New" panose="02070309020205020404" pitchFamily="49" charset="0"/>
+                <a:cs typeface="Courier New" panose="02070309020205020404" pitchFamily="49" charset="0"/>
+              </a:rPr>
+              <a:t>into</a:t>
+            </a:r>
+            <a:r>
+              <a:rPr lang="nl-NL" sz="1400" kern="0" dirty="0" smtClean="0">
+                <a:latin typeface="Courier New" panose="02070309020205020404" pitchFamily="49" charset="0"/>
+                <a:cs typeface="Courier New" panose="02070309020205020404" pitchFamily="49" charset="0"/>
+              </a:rPr>
+              <a:t> </a:t>
+            </a:r>
+            <a:r>
+              <a:rPr lang="nl-NL" sz="1400" kern="0" dirty="0" err="1" smtClean="0">
+                <a:latin typeface="Courier New" panose="02070309020205020404" pitchFamily="49" charset="0"/>
+                <a:cs typeface="Courier New" panose="02070309020205020404" pitchFamily="49" charset="0"/>
+              </a:rPr>
+              <a:t>two</a:t>
+            </a:r>
+            <a:endParaRPr lang="nl-NL" sz="1400" kern="0" dirty="0" smtClean="0">
+              <a:latin typeface="Courier New" panose="02070309020205020404" pitchFamily="49" charset="0"/>
+              <a:cs typeface="Courier New" panose="02070309020205020404" pitchFamily="49" charset="0"/>
+            </a:endParaRPr>
+          </a:p>
+          <a:p>
+            <a:pPr marL="0" indent="0">
+              <a:buFont typeface="Zapf Dingbats" charset="2"/>
+              <a:buNone/>
+            </a:pPr>
+            <a:endParaRPr lang="nl-NL" sz="1400" kern="0" dirty="0">
+              <a:latin typeface="Courier New" panose="02070309020205020404" pitchFamily="49" charset="0"/>
+              <a:cs typeface="Courier New" panose="02070309020205020404" pitchFamily="49" charset="0"/>
+            </a:endParaRPr>
+          </a:p>
+          <a:p>
+            <a:pPr marL="0" indent="0">
+              <a:buFont typeface="Zapf Dingbats" charset="2"/>
+              <a:buNone/>
+            </a:pPr>
+            <a:r>
+              <a:rPr lang="nl-NL" sz="1400" kern="0" dirty="0" smtClean="0">
+                <a:latin typeface="Courier New" panose="02070309020205020404" pitchFamily="49" charset="0"/>
+                <a:cs typeface="Courier New" panose="02070309020205020404" pitchFamily="49" charset="0"/>
+              </a:rPr>
+              <a:t>Train on train set</a:t>
+            </a:r>
+          </a:p>
+          <a:p>
+            <a:pPr marL="0" indent="0">
+              <a:buFont typeface="Zapf Dingbats" charset="2"/>
+              <a:buNone/>
+            </a:pPr>
+            <a:endParaRPr lang="nl-NL" sz="1400" kern="0" dirty="0">
+              <a:latin typeface="Courier New" panose="02070309020205020404" pitchFamily="49" charset="0"/>
+              <a:cs typeface="Courier New" panose="02070309020205020404" pitchFamily="49" charset="0"/>
+            </a:endParaRPr>
+          </a:p>
+          <a:p>
+            <a:pPr marL="0" indent="0">
+              <a:buFont typeface="Zapf Dingbats" charset="2"/>
+              <a:buNone/>
+            </a:pPr>
+            <a:r>
+              <a:rPr lang="nl-NL" sz="1400" kern="0" dirty="0" smtClean="0">
+                <a:latin typeface="Courier New" panose="02070309020205020404" pitchFamily="49" charset="0"/>
+                <a:cs typeface="Courier New" panose="02070309020205020404" pitchFamily="49" charset="0"/>
+              </a:rPr>
+              <a:t>Plot train &amp; test set (?)</a:t>
+            </a:r>
+          </a:p>
+          <a:p>
+            <a:pPr marL="0" indent="0">
+              <a:buFont typeface="Zapf Dingbats" charset="2"/>
+              <a:buNone/>
+            </a:pPr>
+            <a:endParaRPr lang="nl-NL" sz="1400" kern="0" dirty="0">
+              <a:latin typeface="Courier New" panose="02070309020205020404" pitchFamily="49" charset="0"/>
+              <a:cs typeface="Courier New" panose="02070309020205020404" pitchFamily="49" charset="0"/>
+            </a:endParaRPr>
+          </a:p>
+          <a:p>
+            <a:pPr marL="0" indent="0">
+              <a:buFont typeface="Zapf Dingbats" charset="2"/>
+              <a:buNone/>
+            </a:pPr>
+            <a:r>
+              <a:rPr lang="nl-NL" sz="1400" kern="0" dirty="0" err="1" smtClean="0">
+                <a:latin typeface="Courier New" panose="02070309020205020404" pitchFamily="49" charset="0"/>
+                <a:cs typeface="Courier New" panose="02070309020205020404" pitchFamily="49" charset="0"/>
+              </a:rPr>
+              <a:t>Calculate</a:t>
+            </a:r>
+            <a:r>
+              <a:rPr lang="nl-NL" sz="1400" kern="0" dirty="0" smtClean="0">
+                <a:latin typeface="Courier New" panose="02070309020205020404" pitchFamily="49" charset="0"/>
+                <a:cs typeface="Courier New" panose="02070309020205020404" pitchFamily="49" charset="0"/>
+              </a:rPr>
+              <a:t> R^2 </a:t>
+            </a:r>
+            <a:r>
+              <a:rPr lang="nl-NL" sz="1400" kern="0" dirty="0" err="1" smtClean="0">
+                <a:latin typeface="Courier New" panose="02070309020205020404" pitchFamily="49" charset="0"/>
+                <a:cs typeface="Courier New" panose="02070309020205020404" pitchFamily="49" charset="0"/>
+              </a:rPr>
+              <a:t>for</a:t>
+            </a:r>
+            <a:r>
+              <a:rPr lang="nl-NL" sz="1400" kern="0" dirty="0" smtClean="0">
+                <a:latin typeface="Courier New" panose="02070309020205020404" pitchFamily="49" charset="0"/>
+                <a:cs typeface="Courier New" panose="02070309020205020404" pitchFamily="49" charset="0"/>
+              </a:rPr>
+              <a:t> </a:t>
+            </a:r>
+            <a:r>
+              <a:rPr lang="nl-NL" sz="1400" kern="0" dirty="0" err="1" smtClean="0">
+                <a:latin typeface="Courier New" panose="02070309020205020404" pitchFamily="49" charset="0"/>
+                <a:cs typeface="Courier New" panose="02070309020205020404" pitchFamily="49" charset="0"/>
+              </a:rPr>
+              <a:t>both</a:t>
+            </a:r>
+            <a:r>
+              <a:rPr lang="nl-NL" sz="1400" kern="0" dirty="0" smtClean="0">
+                <a:latin typeface="Courier New" panose="02070309020205020404" pitchFamily="49" charset="0"/>
+                <a:cs typeface="Courier New" panose="02070309020205020404" pitchFamily="49" charset="0"/>
+              </a:rPr>
+              <a:t>, MSE</a:t>
+            </a:r>
+          </a:p>
+          <a:p>
+            <a:pPr marL="0" indent="0">
+              <a:buFont typeface="Zapf Dingbats" charset="2"/>
+              <a:buNone/>
+            </a:pPr>
+            <a:endParaRPr lang="nl-NL" sz="1400" kern="0" dirty="0">
+              <a:latin typeface="Courier New" panose="02070309020205020404" pitchFamily="49" charset="0"/>
+              <a:cs typeface="Courier New" panose="02070309020205020404" pitchFamily="49" charset="0"/>
+            </a:endParaRPr>
+          </a:p>
+          <a:p>
+            <a:pPr marL="0" indent="0">
+              <a:buFont typeface="Zapf Dingbats" charset="2"/>
+              <a:buNone/>
+            </a:pPr>
+            <a:endParaRPr lang="nl-NL" sz="1400" kern="0" dirty="0" smtClean="0">
+              <a:latin typeface="Courier New" panose="02070309020205020404" pitchFamily="49" charset="0"/>
+              <a:cs typeface="Courier New" panose="02070309020205020404" pitchFamily="49" charset="0"/>
+            </a:endParaRPr>
+          </a:p>
+          <a:p>
+            <a:pPr marL="0" indent="0">
+              <a:buFont typeface="Zapf Dingbats" charset="2"/>
+              <a:buNone/>
+            </a:pPr>
+            <a:endParaRPr lang="nl-NL" sz="1400" kern="0" dirty="0">
+              <a:latin typeface="Courier New" panose="02070309020205020404" pitchFamily="49" charset="0"/>
+              <a:cs typeface="Courier New" panose="02070309020205020404" pitchFamily="49" charset="0"/>
+            </a:endParaRPr>
+          </a:p>
+          <a:p>
+            <a:pPr marL="0" indent="0">
+              <a:buFont typeface="Zapf Dingbats" charset="2"/>
+              <a:buNone/>
+            </a:pPr>
+            <a:endParaRPr lang="nl-NL" sz="1400" kern="0" dirty="0" smtClean="0">
+              <a:latin typeface="Courier New" panose="02070309020205020404" pitchFamily="49" charset="0"/>
+              <a:cs typeface="Courier New" panose="02070309020205020404" pitchFamily="49" charset="0"/>
+            </a:endParaRPr>
+          </a:p>
+        </p:txBody>
+      </p:sp>
+    </p:spTree>
+    <p:extLst>
+      <p:ext uri="{BB962C8B-B14F-4D97-AF65-F5344CB8AC3E}">
+        <p14:creationId xmlns:p14="http://schemas.microsoft.com/office/powerpoint/2010/main" val="473578475"/>
+      </p:ext>
+    </p:extLst>
+  </p:cSld>
+  <p:clrMapOvr>
+    <a:masterClrMapping/>
+  </p:clrMapOvr>
+  <p:timing>
+    <p:tnLst>
+      <p:par>
+        <p:cTn id="1" dur="indefinite" restart="never" nodeType="tmRoot"/>
+      </p:par>
+    </p:tnLst>
+  </p:timing>
+</p:sld>
+</file>
+
+<file path=ppt/slides/slide9.xml><?xml version="1.0" encoding="utf-8"?>
+<p:sld xmlns:a="http://schemas.openxmlformats.org/drawingml/2006/main" xmlns:r="http://schemas.openxmlformats.org/officeDocument/2006/relationships" xmlns:p="http://schemas.openxmlformats.org/presentationml/2006/main">
+  <p:cSld>
+    <p:spTree>
+      <p:nvGrpSpPr>
+        <p:cNvPr id="1" name=""/>
+        <p:cNvGrpSpPr/>
+        <p:nvPr/>
+      </p:nvGrpSpPr>
+      <p:grpSpPr>
+        <a:xfrm>
+          <a:off x="0" y="0"/>
+          <a:ext cx="0" cy="0"/>
+          <a:chOff x="0" y="0"/>
+          <a:chExt cx="0" cy="0"/>
+        </a:xfrm>
+      </p:grpSpPr>
+      <p:sp>
+        <p:nvSpPr>
+          <p:cNvPr id="2" name="Titel 1"/>
+          <p:cNvSpPr>
+            <a:spLocks noGrp="1"/>
+          </p:cNvSpPr>
+          <p:nvPr>
+            <p:ph type="title"/>
+          </p:nvPr>
+        </p:nvSpPr>
+        <p:spPr/>
+        <p:txBody>
+          <a:bodyPr/>
+          <a:lstStyle/>
+          <a:p>
+            <a:r>
+              <a:rPr lang="nl-NL" dirty="0" smtClean="0"/>
+              <a:t>Topics</a:t>
+            </a:r>
+            <a:endParaRPr lang="nl-NL" dirty="0"/>
+          </a:p>
+        </p:txBody>
+      </p:sp>
+      <p:sp>
+        <p:nvSpPr>
+          <p:cNvPr id="3" name="Tijdelijke aanduiding voor inhoud 2"/>
+          <p:cNvSpPr>
+            <a:spLocks noGrp="1"/>
+          </p:cNvSpPr>
+          <p:nvPr>
+            <p:ph idx="1"/>
+          </p:nvPr>
+        </p:nvSpPr>
+        <p:spPr>
+          <a:xfrm>
+            <a:off x="762000" y="1762125"/>
+            <a:ext cx="7881938" cy="3268587"/>
+          </a:xfrm>
+        </p:spPr>
+        <p:txBody>
+          <a:bodyPr/>
+          <a:lstStyle/>
+          <a:p>
+            <a:r>
+              <a:rPr lang="nl-NL" sz="2400" dirty="0" smtClean="0"/>
+              <a:t>Evaluation of </a:t>
+            </a:r>
+            <a:r>
+              <a:rPr lang="nl-NL" sz="2400" dirty="0" err="1" smtClean="0"/>
+              <a:t>simple</a:t>
+            </a:r>
+            <a:r>
+              <a:rPr lang="nl-NL" sz="2400" dirty="0" smtClean="0"/>
+              <a:t> </a:t>
+            </a:r>
+            <a:r>
+              <a:rPr lang="nl-NL" sz="2400" dirty="0" err="1" smtClean="0"/>
+              <a:t>linear</a:t>
+            </a:r>
+            <a:r>
+              <a:rPr lang="nl-NL" sz="2400" dirty="0" smtClean="0"/>
+              <a:t> </a:t>
+            </a:r>
+            <a:r>
+              <a:rPr lang="nl-NL" sz="2400" dirty="0" err="1" smtClean="0"/>
+              <a:t>regression</a:t>
+            </a:r>
+            <a:endParaRPr lang="nl-NL" sz="2400" dirty="0" smtClean="0"/>
+          </a:p>
+          <a:p>
+            <a:endParaRPr lang="nl-NL" sz="2400" dirty="0"/>
+          </a:p>
+          <a:p>
+            <a:r>
+              <a:rPr lang="nl-NL" sz="2400" dirty="0" err="1" smtClean="0"/>
+              <a:t>Overfitting</a:t>
+            </a:r>
+            <a:r>
+              <a:rPr lang="nl-NL" sz="2400" dirty="0" smtClean="0"/>
+              <a:t> </a:t>
+            </a:r>
+            <a:r>
+              <a:rPr lang="nl-NL" sz="2400" dirty="0" err="1" smtClean="0"/>
+              <a:t>and</a:t>
+            </a:r>
+            <a:r>
+              <a:rPr lang="nl-NL" sz="2400" dirty="0" smtClean="0"/>
+              <a:t> model </a:t>
+            </a:r>
+            <a:r>
+              <a:rPr lang="nl-NL" sz="2400" dirty="0" err="1" smtClean="0"/>
+              <a:t>validation</a:t>
+            </a:r>
+            <a:endParaRPr lang="nl-NL" sz="2400" dirty="0" smtClean="0"/>
+          </a:p>
+          <a:p>
+            <a:endParaRPr lang="nl-NL" sz="2400" dirty="0"/>
+          </a:p>
+          <a:p>
+            <a:r>
+              <a:rPr lang="nl-NL" sz="2400" dirty="0" smtClean="0"/>
+              <a:t>Multiple </a:t>
+            </a:r>
+            <a:r>
+              <a:rPr lang="nl-NL" sz="2400" dirty="0" err="1" smtClean="0"/>
+              <a:t>linear</a:t>
+            </a:r>
+            <a:r>
+              <a:rPr lang="nl-NL" sz="2400" dirty="0" smtClean="0"/>
+              <a:t> </a:t>
+            </a:r>
+            <a:r>
+              <a:rPr lang="nl-NL" sz="2400" dirty="0" err="1" smtClean="0"/>
+              <a:t>regression</a:t>
+            </a:r>
+            <a:endParaRPr lang="nl-NL" sz="2400" dirty="0" smtClean="0"/>
+          </a:p>
+          <a:p>
+            <a:endParaRPr lang="nl-NL" dirty="0"/>
+          </a:p>
+          <a:p>
+            <a:endParaRPr lang="nl-NL" dirty="0"/>
+          </a:p>
+        </p:txBody>
+      </p:sp>
+    </p:spTree>
+    <p:extLst>
+      <p:ext uri="{BB962C8B-B14F-4D97-AF65-F5344CB8AC3E}">
+        <p14:creationId xmlns:p14="http://schemas.microsoft.com/office/powerpoint/2010/main" val="2912860890"/>
+      </p:ext>
+    </p:extLst>
+  </p:cSld>
+  <p:clrMapOvr>
+    <a:masterClrMapping/>
+  </p:clrMapOvr>
 </p:sld>
 </file>
 

--- a/slides/ddl-w5l2.pptx
+++ b/slides/ddl-w5l2.pptx
@@ -299,7 +299,7 @@
             <a:fld id="{373F1B60-BDF4-4D63-AD79-99D5A5B1DF99}" type="datetime1">
               <a:rPr lang="en-US"/>
               <a:pPr/>
-              <a:t>12/9/2018</a:t>
+              <a:t>12/10/2018</a:t>
             </a:fld>
             <a:endParaRPr lang="en-US"/>
           </a:p>
@@ -518,7 +518,7 @@
             <a:fld id="{4387A7AA-DFE9-4771-BEDE-3294FCEBFB02}" type="datetime1">
               <a:rPr lang="en-US"/>
               <a:pPr/>
-              <a:t>12/9/2018</a:t>
+              <a:t>12/10/2018</a:t>
             </a:fld>
             <a:endParaRPr lang="en-US"/>
           </a:p>
@@ -909,7 +909,7 @@
             <a:fld id="{8541E2CD-DBF4-40F9-B6F8-EEFD0DF8A138}" type="datetime1">
               <a:rPr lang="en-US"/>
               <a:pPr/>
-              <a:t>12/9/2018</a:t>
+              <a:t>12/10/2018</a:t>
             </a:fld>
             <a:endParaRPr lang="en-US"/>
           </a:p>
@@ -1124,7 +1124,7 @@
             <a:fld id="{93F21019-3A00-48AC-9663-40DF67A83229}" type="datetime1">
               <a:rPr lang="en-US"/>
               <a:pPr/>
-              <a:t>12/9/2018</a:t>
+              <a:t>12/10/2018</a:t>
             </a:fld>
             <a:endParaRPr lang="en-US">
               <a:solidFill>
@@ -1310,7 +1310,7 @@
             <a:fld id="{8B2EF9C8-0AC3-4A53-9A61-1834A571F420}" type="datetime1">
               <a:rPr lang="en-US"/>
               <a:pPr/>
-              <a:t>12/9/2018</a:t>
+              <a:t>12/10/2018</a:t>
             </a:fld>
             <a:endParaRPr lang="en-US" sz="1400">
               <a:solidFill>
@@ -1507,7 +1507,7 @@
             <a:fld id="{F02960F3-A385-4905-A491-FDC17E063DD1}" type="datetime1">
               <a:rPr lang="en-US"/>
               <a:pPr/>
-              <a:t>12/9/2018</a:t>
+              <a:t>12/10/2018</a:t>
             </a:fld>
             <a:endParaRPr lang="en-US" sz="1400">
               <a:solidFill>
@@ -1766,7 +1766,7 @@
             <a:fld id="{CD3AD70A-8E2A-47B5-AC18-ABBB5A8E737D}" type="datetime1">
               <a:rPr lang="en-US"/>
               <a:pPr/>
-              <a:t>12/9/2018</a:t>
+              <a:t>12/10/2018</a:t>
             </a:fld>
             <a:endParaRPr lang="en-US" sz="1400">
               <a:solidFill>
@@ -2002,7 +2002,7 @@
             <a:fld id="{07008C2E-9BD6-496B-BFC3-B4A975EBC85E}" type="datetime1">
               <a:rPr lang="en-US"/>
               <a:pPr/>
-              <a:t>12/9/2018</a:t>
+              <a:t>12/10/2018</a:t>
             </a:fld>
             <a:endParaRPr lang="en-US" sz="1400">
               <a:solidFill>
@@ -2181,7 +2181,7 @@
             <a:fld id="{1AA2C3CF-866C-4FDE-B76D-4E9536901630}" type="datetime1">
               <a:rPr lang="en-US"/>
               <a:pPr/>
-              <a:t>12/9/2018</a:t>
+              <a:t>12/10/2018</a:t>
             </a:fld>
             <a:endParaRPr lang="en-US" sz="1400">
               <a:solidFill>
@@ -2360,7 +2360,7 @@
             <a:fld id="{555EE259-FE08-4558-B721-B189FFE77284}" type="datetime1">
               <a:rPr lang="en-US"/>
               <a:pPr/>
-              <a:t>12/9/2018</a:t>
+              <a:t>12/10/2018</a:t>
             </a:fld>
             <a:endParaRPr lang="en-US" sz="1400">
               <a:solidFill>
@@ -2629,7 +2629,7 @@
             <a:fld id="{0AF4064E-5624-49AB-B7C6-E301A8F6B1FF}" type="datetime1">
               <a:rPr lang="en-US"/>
               <a:pPr/>
-              <a:t>12/9/2018</a:t>
+              <a:t>12/10/2018</a:t>
             </a:fld>
             <a:endParaRPr lang="en-US" sz="1400">
               <a:solidFill>
@@ -2826,7 +2826,7 @@
             <a:fld id="{CBC97FCD-6C54-4833-B032-BFBCDFA8379D}" type="datetime1">
               <a:rPr lang="en-US"/>
               <a:pPr/>
-              <a:t>12/9/2018</a:t>
+              <a:t>12/10/2018</a:t>
             </a:fld>
             <a:endParaRPr lang="en-US" sz="1400">
               <a:solidFill>
@@ -3035,7 +3035,7 @@
             <a:fld id="{F04AA577-515A-431F-98B6-3B03494ABB11}" type="datetime1">
               <a:rPr lang="en-US"/>
               <a:pPr/>
-              <a:t>12/9/2018</a:t>
+              <a:t>12/10/2018</a:t>
             </a:fld>
             <a:endParaRPr lang="en-US" sz="1400">
               <a:solidFill>
@@ -3340,7 +3340,7 @@
             <a:fld id="{6475F1A4-C474-4345-A800-2F40B0E4E70C}" type="datetime1">
               <a:rPr lang="en-US"/>
               <a:pPr/>
-              <a:t>12/9/2018</a:t>
+              <a:t>12/10/2018</a:t>
             </a:fld>
             <a:endParaRPr lang="en-US" sz="1400">
               <a:solidFill>
@@ -3784,7 +3784,7 @@
             <a:fld id="{7BA535AB-820E-4207-9DA8-5F37106C7AF4}" type="datetime1">
               <a:rPr lang="en-US"/>
               <a:pPr/>
-              <a:t>12/9/2018</a:t>
+              <a:t>12/10/2018</a:t>
             </a:fld>
             <a:endParaRPr lang="en-US" sz="1400">
               <a:solidFill>
@@ -3919,7 +3919,7 @@
             <a:fld id="{0A7E69FA-D7EE-42C0-9117-1971B541885F}" type="datetime1">
               <a:rPr lang="en-US"/>
               <a:pPr/>
-              <a:t>12/9/2018</a:t>
+              <a:t>12/10/2018</a:t>
             </a:fld>
             <a:endParaRPr lang="en-US" sz="1400">
               <a:solidFill>
@@ -4031,7 +4031,7 @@
             <a:fld id="{10D7644E-1B5D-4325-BA79-338DF2B89B56}" type="datetime1">
               <a:rPr lang="en-US"/>
               <a:pPr/>
-              <a:t>12/9/2018</a:t>
+              <a:t>12/10/2018</a:t>
             </a:fld>
             <a:endParaRPr lang="en-US" sz="1400">
               <a:solidFill>
@@ -4325,7 +4325,7 @@
             <a:fld id="{B790C882-0B74-4932-8998-E9ABB8AF1740}" type="datetime1">
               <a:rPr lang="en-US"/>
               <a:pPr/>
-              <a:t>12/9/2018</a:t>
+              <a:t>12/10/2018</a:t>
             </a:fld>
             <a:endParaRPr lang="en-US" sz="1400">
               <a:solidFill>
@@ -4595,7 +4595,7 @@
             <a:fld id="{9DC585DC-AE7D-44C1-90AB-C3A391DEA065}" type="datetime1">
               <a:rPr lang="en-US"/>
               <a:pPr/>
-              <a:t>12/9/2018</a:t>
+              <a:t>12/10/2018</a:t>
             </a:fld>
             <a:endParaRPr lang="en-US" sz="1400">
               <a:solidFill>
@@ -4859,7 +4859,7 @@
             <a:fld id="{256CE565-1940-4E5F-9190-C0815CEAAA9D}" type="datetime1">
               <a:rPr lang="en-US"/>
               <a:pPr/>
-              <a:t>12/9/2018</a:t>
+              <a:t>12/10/2018</a:t>
             </a:fld>
             <a:endParaRPr lang="en-US"/>
           </a:p>
@@ -5448,11 +5448,7 @@
             </a:br>
             <a:r>
               <a:rPr lang="en-US" sz="2400" dirty="0" smtClean="0"/>
-              <a:t>W5 L2</a:t>
-            </a:r>
-            <a:r>
-              <a:rPr lang="en-US" sz="2400" dirty="0" smtClean="0"/>
-              <a:t>:</a:t>
+              <a:t>W5 L2:</a:t>
             </a:r>
             <a:br>
               <a:rPr lang="en-US" sz="2400" dirty="0" smtClean="0"/>
@@ -5513,11 +5509,7 @@
           <a:p>
             <a:r>
               <a:rPr lang="en-US" dirty="0" smtClean="0"/>
-              <a:t>Jonas </a:t>
-            </a:r>
-            <a:r>
-              <a:rPr lang="en-US" dirty="0" smtClean="0"/>
-              <a:t>Moons</a:t>
+              <a:t>Jonas Moons</a:t>
             </a:r>
             <a:endParaRPr lang="en-US" dirty="0"/>
           </a:p>
@@ -6489,11 +6481,7 @@
             </a:r>
             <a:r>
               <a:rPr lang="nl-NL" dirty="0" smtClean="0"/>
-              <a:t> </a:t>
-            </a:r>
-            <a:r>
-              <a:rPr lang="nl-NL" dirty="0" smtClean="0"/>
-              <a:t>1: </a:t>
+              <a:t> 1: </a:t>
             </a:r>
             <a:r>
               <a:rPr lang="nl-NL" dirty="0" err="1" smtClean="0"/>

--- a/slides/ddl-w5l2.pptx
+++ b/slides/ddl-w5l2.pptx
@@ -5,22 +5,26 @@
     <p:sldMasterId id="2147483649" r:id="rId1"/>
   </p:sldMasterIdLst>
   <p:notesMasterIdLst>
-    <p:notesMasterId r:id="rId12"/>
+    <p:notesMasterId r:id="rId16"/>
   </p:notesMasterIdLst>
   <p:handoutMasterIdLst>
-    <p:handoutMasterId r:id="rId13"/>
+    <p:handoutMasterId r:id="rId17"/>
   </p:handoutMasterIdLst>
   <p:sldIdLst>
     <p:sldId id="256" r:id="rId2"/>
     <p:sldId id="257" r:id="rId3"/>
     <p:sldId id="258" r:id="rId4"/>
     <p:sldId id="261" r:id="rId5"/>
-    <p:sldId id="259" r:id="rId6"/>
-    <p:sldId id="262" r:id="rId7"/>
-    <p:sldId id="265" r:id="rId8"/>
-    <p:sldId id="264" r:id="rId9"/>
-    <p:sldId id="263" r:id="rId10"/>
-    <p:sldId id="266" r:id="rId11"/>
+    <p:sldId id="267" r:id="rId6"/>
+    <p:sldId id="270" r:id="rId7"/>
+    <p:sldId id="269" r:id="rId8"/>
+    <p:sldId id="259" r:id="rId9"/>
+    <p:sldId id="262" r:id="rId10"/>
+    <p:sldId id="265" r:id="rId11"/>
+    <p:sldId id="264" r:id="rId12"/>
+    <p:sldId id="263" r:id="rId13"/>
+    <p:sldId id="268" r:id="rId14"/>
+    <p:sldId id="266" r:id="rId15"/>
   </p:sldIdLst>
   <p:sldSz cx="9144000" cy="6858000" type="screen4x3"/>
   <p:notesSz cx="6858000" cy="9144000"/>
@@ -5564,13 +5568,194 @@
           <a:p>
             <a:r>
               <a:rPr lang="nl-NL" dirty="0" err="1" smtClean="0"/>
+              <a:t>Experience</a:t>
+            </a:r>
+            <a:r>
+              <a:rPr lang="nl-NL" dirty="0" smtClean="0"/>
+              <a:t> </a:t>
+            </a:r>
+            <a:r>
+              <a:rPr lang="nl-NL" dirty="0" err="1" smtClean="0"/>
+              <a:t>overfitting</a:t>
+            </a:r>
+            <a:endParaRPr lang="nl-NL" dirty="0"/>
+          </a:p>
+        </p:txBody>
+      </p:sp>
+      <p:sp>
+        <p:nvSpPr>
+          <p:cNvPr id="3" name="Tijdelijke aanduiding voor inhoud 2"/>
+          <p:cNvSpPr>
+            <a:spLocks noGrp="1"/>
+          </p:cNvSpPr>
+          <p:nvPr>
+            <p:ph idx="1"/>
+          </p:nvPr>
+        </p:nvSpPr>
+        <p:spPr/>
+        <p:txBody>
+          <a:bodyPr/>
+          <a:lstStyle/>
+          <a:p>
+            <a:endParaRPr lang="nl-NL"/>
+          </a:p>
+        </p:txBody>
+      </p:sp>
+    </p:spTree>
+    <p:extLst>
+      <p:ext uri="{BB962C8B-B14F-4D97-AF65-F5344CB8AC3E}">
+        <p14:creationId xmlns:p14="http://schemas.microsoft.com/office/powerpoint/2010/main" val="1464093598"/>
+      </p:ext>
+    </p:extLst>
+  </p:cSld>
+  <p:clrMapOvr>
+    <a:masterClrMapping/>
+  </p:clrMapOvr>
+</p:sld>
+</file>
+
+<file path=ppt/slides/slide11.xml><?xml version="1.0" encoding="utf-8"?>
+<p:sld xmlns:a="http://schemas.openxmlformats.org/drawingml/2006/main" xmlns:r="http://schemas.openxmlformats.org/officeDocument/2006/relationships" xmlns:p="http://schemas.openxmlformats.org/presentationml/2006/main">
+  <p:cSld>
+    <p:spTree>
+      <p:nvGrpSpPr>
+        <p:cNvPr id="1" name=""/>
+        <p:cNvGrpSpPr/>
+        <p:nvPr/>
+      </p:nvGrpSpPr>
+      <p:grpSpPr>
+        <a:xfrm>
+          <a:off x="0" y="0"/>
+          <a:ext cx="0" cy="0"/>
+          <a:chOff x="0" y="0"/>
+          <a:chExt cx="0" cy="0"/>
+        </a:xfrm>
+      </p:grpSpPr>
+      <p:sp>
+        <p:nvSpPr>
+          <p:cNvPr id="2" name="Titel 1"/>
+          <p:cNvSpPr>
+            <a:spLocks noGrp="1"/>
+          </p:cNvSpPr>
+          <p:nvPr>
+            <p:ph type="title"/>
+          </p:nvPr>
+        </p:nvSpPr>
+        <p:spPr>
+          <a:xfrm>
+            <a:off x="827584" y="615351"/>
+            <a:ext cx="6172200" cy="584775"/>
+          </a:xfrm>
+        </p:spPr>
+        <p:txBody>
+          <a:bodyPr/>
+          <a:lstStyle/>
+          <a:p>
+            <a:r>
+              <a:rPr lang="nl-NL" dirty="0" err="1" smtClean="0"/>
               <a:t>Exercise</a:t>
             </a:r>
             <a:r>
               <a:rPr lang="nl-NL" dirty="0" smtClean="0"/>
-              <a:t> 3</a:t>
+              <a:t> </a:t>
+            </a:r>
+            <a:r>
+              <a:rPr lang="nl-NL" dirty="0"/>
+              <a:t>2</a:t>
+            </a:r>
+            <a:r>
+              <a:rPr lang="nl-NL" dirty="0" smtClean="0"/>
+              <a:t>: model </a:t>
+            </a:r>
+            <a:r>
+              <a:rPr lang="nl-NL" dirty="0" err="1" smtClean="0"/>
+              <a:t>validation</a:t>
             </a:r>
             <a:endParaRPr lang="nl-NL" dirty="0"/>
+          </a:p>
+        </p:txBody>
+      </p:sp>
+      <p:sp>
+        <p:nvSpPr>
+          <p:cNvPr id="3" name="Tijdelijke aanduiding voor inhoud 2"/>
+          <p:cNvSpPr>
+            <a:spLocks noGrp="1"/>
+          </p:cNvSpPr>
+          <p:nvPr>
+            <p:ph idx="1"/>
+          </p:nvPr>
+        </p:nvSpPr>
+        <p:spPr>
+          <a:xfrm>
+            <a:off x="683568" y="1700808"/>
+            <a:ext cx="7881938" cy="2111347"/>
+          </a:xfrm>
+        </p:spPr>
+        <p:txBody>
+          <a:bodyPr/>
+          <a:lstStyle/>
+          <a:p>
+            <a:pPr marL="0" indent="0">
+              <a:buNone/>
+            </a:pPr>
+            <a:endParaRPr lang="nl-NL" sz="1600" dirty="0" smtClean="0">
+              <a:latin typeface="Courier New" panose="02070309020205020404" pitchFamily="49" charset="0"/>
+              <a:cs typeface="Courier New" panose="02070309020205020404" pitchFamily="49" charset="0"/>
+            </a:endParaRPr>
+          </a:p>
+          <a:p>
+            <a:pPr marL="0" indent="0">
+              <a:buNone/>
+            </a:pPr>
+            <a:endParaRPr lang="nl-NL" sz="1600" dirty="0">
+              <a:latin typeface="Courier New" panose="02070309020205020404" pitchFamily="49" charset="0"/>
+              <a:cs typeface="Courier New" panose="02070309020205020404" pitchFamily="49" charset="0"/>
+            </a:endParaRPr>
+          </a:p>
+          <a:p>
+            <a:pPr marL="0" indent="0">
+              <a:buNone/>
+            </a:pPr>
+            <a:endParaRPr lang="nl-NL" sz="1600" dirty="0" smtClean="0">
+              <a:latin typeface="Courier New" panose="02070309020205020404" pitchFamily="49" charset="0"/>
+              <a:cs typeface="Courier New" panose="02070309020205020404" pitchFamily="49" charset="0"/>
+            </a:endParaRPr>
+          </a:p>
+          <a:p>
+            <a:pPr marL="0" indent="0">
+              <a:buNone/>
+            </a:pPr>
+            <a:endParaRPr lang="nl-NL" sz="1600" dirty="0">
+              <a:latin typeface="Courier New" panose="02070309020205020404" pitchFamily="49" charset="0"/>
+              <a:cs typeface="Courier New" panose="02070309020205020404" pitchFamily="49" charset="0"/>
+            </a:endParaRPr>
+          </a:p>
+          <a:p>
+            <a:pPr marL="0" indent="0">
+              <a:buNone/>
+            </a:pPr>
+            <a:endParaRPr lang="nl-NL" sz="1600" dirty="0" smtClean="0">
+              <a:latin typeface="Courier New" panose="02070309020205020404" pitchFamily="49" charset="0"/>
+              <a:cs typeface="Courier New" panose="02070309020205020404" pitchFamily="49" charset="0"/>
+            </a:endParaRPr>
+          </a:p>
+          <a:p>
+            <a:pPr marL="0" indent="0">
+              <a:buNone/>
+            </a:pPr>
+            <a:endParaRPr lang="nl-NL" sz="1600" dirty="0">
+              <a:latin typeface="Courier New" panose="02070309020205020404" pitchFamily="49" charset="0"/>
+              <a:cs typeface="Courier New" panose="02070309020205020404" pitchFamily="49" charset="0"/>
+            </a:endParaRPr>
+          </a:p>
+          <a:p>
+            <a:pPr marL="0" indent="0">
+              <a:buNone/>
+            </a:pPr>
+            <a:endParaRPr lang="nl-NL" sz="1600" dirty="0" smtClean="0">
+              <a:latin typeface="Courier New" panose="02070309020205020404" pitchFamily="49" charset="0"/>
+              <a:cs typeface="Courier New" panose="02070309020205020404" pitchFamily="49" charset="0"/>
+            </a:endParaRPr>
           </a:p>
         </p:txBody>
       </p:sp>
@@ -5584,8 +5769,8 @@
         </p:nvSpPr>
         <p:spPr bwMode="auto">
           <a:xfrm>
-            <a:off x="838200" y="1844824"/>
-            <a:ext cx="7881938" cy="3668697"/>
+            <a:off x="683568" y="1700808"/>
+            <a:ext cx="7881938" cy="2893100"/>
           </a:xfrm>
           <a:prstGeom prst="rect">
             <a:avLst/>
@@ -5800,22 +5985,147 @@
                 <a:latin typeface="Courier New" panose="02070309020205020404" pitchFamily="49" charset="0"/>
                 <a:cs typeface="Courier New" panose="02070309020205020404" pitchFamily="49" charset="0"/>
               </a:rPr>
-              <a:t>Fit model </a:t>
+              <a:t>Split data </a:t>
             </a:r>
             <a:r>
               <a:rPr lang="nl-NL" sz="1400" kern="0" dirty="0" err="1" smtClean="0">
                 <a:latin typeface="Courier New" panose="02070309020205020404" pitchFamily="49" charset="0"/>
                 <a:cs typeface="Courier New" panose="02070309020205020404" pitchFamily="49" charset="0"/>
               </a:rPr>
-              <a:t>with</a:t>
+              <a:t>into</a:t>
             </a:r>
             <a:r>
               <a:rPr lang="nl-NL" sz="1400" kern="0" dirty="0" smtClean="0">
                 <a:latin typeface="Courier New" panose="02070309020205020404" pitchFamily="49" charset="0"/>
                 <a:cs typeface="Courier New" panose="02070309020205020404" pitchFamily="49" charset="0"/>
               </a:rPr>
-              <a:t> multiple variables?</a:t>
-            </a:r>
+              <a:t> </a:t>
+            </a:r>
+            <a:r>
+              <a:rPr lang="nl-NL" sz="1400" kern="0" dirty="0" err="1" smtClean="0">
+                <a:latin typeface="Courier New" panose="02070309020205020404" pitchFamily="49" charset="0"/>
+                <a:cs typeface="Courier New" panose="02070309020205020404" pitchFamily="49" charset="0"/>
+              </a:rPr>
+              <a:t>two</a:t>
+            </a:r>
+            <a:endParaRPr lang="nl-NL" sz="1400" kern="0" dirty="0" smtClean="0">
+              <a:latin typeface="Courier New" panose="02070309020205020404" pitchFamily="49" charset="0"/>
+              <a:cs typeface="Courier New" panose="02070309020205020404" pitchFamily="49" charset="0"/>
+            </a:endParaRPr>
+          </a:p>
+          <a:p>
+            <a:pPr marL="0" indent="0">
+              <a:buFont typeface="Zapf Dingbats" charset="2"/>
+              <a:buNone/>
+            </a:pPr>
+            <a:endParaRPr lang="nl-NL" sz="1400" kern="0" dirty="0">
+              <a:latin typeface="Courier New" panose="02070309020205020404" pitchFamily="49" charset="0"/>
+              <a:cs typeface="Courier New" panose="02070309020205020404" pitchFamily="49" charset="0"/>
+            </a:endParaRPr>
+          </a:p>
+          <a:p>
+            <a:pPr marL="0" indent="0">
+              <a:buFont typeface="Zapf Dingbats" charset="2"/>
+              <a:buNone/>
+            </a:pPr>
+            <a:r>
+              <a:rPr lang="nl-NL" sz="1400" kern="0" dirty="0" smtClean="0">
+                <a:latin typeface="Courier New" panose="02070309020205020404" pitchFamily="49" charset="0"/>
+                <a:cs typeface="Courier New" panose="02070309020205020404" pitchFamily="49" charset="0"/>
+              </a:rPr>
+              <a:t>Train on train set</a:t>
+            </a:r>
+          </a:p>
+          <a:p>
+            <a:pPr marL="0" indent="0">
+              <a:buFont typeface="Zapf Dingbats" charset="2"/>
+              <a:buNone/>
+            </a:pPr>
+            <a:endParaRPr lang="nl-NL" sz="1400" kern="0" dirty="0">
+              <a:latin typeface="Courier New" panose="02070309020205020404" pitchFamily="49" charset="0"/>
+              <a:cs typeface="Courier New" panose="02070309020205020404" pitchFamily="49" charset="0"/>
+            </a:endParaRPr>
+          </a:p>
+          <a:p>
+            <a:pPr marL="0" indent="0">
+              <a:buFont typeface="Zapf Dingbats" charset="2"/>
+              <a:buNone/>
+            </a:pPr>
+            <a:r>
+              <a:rPr lang="nl-NL" sz="1400" kern="0" dirty="0" smtClean="0">
+                <a:latin typeface="Courier New" panose="02070309020205020404" pitchFamily="49" charset="0"/>
+                <a:cs typeface="Courier New" panose="02070309020205020404" pitchFamily="49" charset="0"/>
+              </a:rPr>
+              <a:t>Plot train &amp; test set (?)</a:t>
+            </a:r>
+          </a:p>
+          <a:p>
+            <a:pPr marL="0" indent="0">
+              <a:buFont typeface="Zapf Dingbats" charset="2"/>
+              <a:buNone/>
+            </a:pPr>
+            <a:endParaRPr lang="nl-NL" sz="1400" kern="0" dirty="0">
+              <a:latin typeface="Courier New" panose="02070309020205020404" pitchFamily="49" charset="0"/>
+              <a:cs typeface="Courier New" panose="02070309020205020404" pitchFamily="49" charset="0"/>
+            </a:endParaRPr>
+          </a:p>
+          <a:p>
+            <a:pPr marL="0" indent="0">
+              <a:buFont typeface="Zapf Dingbats" charset="2"/>
+              <a:buNone/>
+            </a:pPr>
+            <a:r>
+              <a:rPr lang="nl-NL" sz="1400" kern="0" dirty="0" err="1" smtClean="0">
+                <a:latin typeface="Courier New" panose="02070309020205020404" pitchFamily="49" charset="0"/>
+                <a:cs typeface="Courier New" panose="02070309020205020404" pitchFamily="49" charset="0"/>
+              </a:rPr>
+              <a:t>Calculate</a:t>
+            </a:r>
+            <a:r>
+              <a:rPr lang="nl-NL" sz="1400" kern="0" dirty="0" smtClean="0">
+                <a:latin typeface="Courier New" panose="02070309020205020404" pitchFamily="49" charset="0"/>
+                <a:cs typeface="Courier New" panose="02070309020205020404" pitchFamily="49" charset="0"/>
+              </a:rPr>
+              <a:t> R^2 </a:t>
+            </a:r>
+            <a:r>
+              <a:rPr lang="nl-NL" sz="1400" kern="0" dirty="0" err="1" smtClean="0">
+                <a:latin typeface="Courier New" panose="02070309020205020404" pitchFamily="49" charset="0"/>
+                <a:cs typeface="Courier New" panose="02070309020205020404" pitchFamily="49" charset="0"/>
+              </a:rPr>
+              <a:t>for</a:t>
+            </a:r>
+            <a:r>
+              <a:rPr lang="nl-NL" sz="1400" kern="0" dirty="0" smtClean="0">
+                <a:latin typeface="Courier New" panose="02070309020205020404" pitchFamily="49" charset="0"/>
+                <a:cs typeface="Courier New" panose="02070309020205020404" pitchFamily="49" charset="0"/>
+              </a:rPr>
+              <a:t> </a:t>
+            </a:r>
+            <a:r>
+              <a:rPr lang="nl-NL" sz="1400" kern="0" dirty="0" err="1" smtClean="0">
+                <a:latin typeface="Courier New" panose="02070309020205020404" pitchFamily="49" charset="0"/>
+                <a:cs typeface="Courier New" panose="02070309020205020404" pitchFamily="49" charset="0"/>
+              </a:rPr>
+              <a:t>both</a:t>
+            </a:r>
+            <a:r>
+              <a:rPr lang="nl-NL" sz="1400" kern="0" dirty="0" smtClean="0">
+                <a:latin typeface="Courier New" panose="02070309020205020404" pitchFamily="49" charset="0"/>
+                <a:cs typeface="Courier New" panose="02070309020205020404" pitchFamily="49" charset="0"/>
+              </a:rPr>
+              <a:t>, MSE</a:t>
+            </a:r>
+          </a:p>
+          <a:p>
+            <a:pPr marL="0" indent="0">
+              <a:buFont typeface="Zapf Dingbats" charset="2"/>
+              <a:buNone/>
+            </a:pPr>
+            <a:endParaRPr lang="nl-NL" sz="1400" kern="0" dirty="0">
+              <a:latin typeface="Courier New" panose="02070309020205020404" pitchFamily="49" charset="0"/>
+              <a:cs typeface="Courier New" panose="02070309020205020404" pitchFamily="49" charset="0"/>
+            </a:endParaRPr>
           </a:p>
           <a:p>
             <a:pPr marL="0" indent="0">
@@ -5832,82 +6142,6 @@
               <a:buFont typeface="Zapf Dingbats" charset="2"/>
               <a:buNone/>
             </a:pPr>
-            <a:r>
-              <a:rPr lang="nl-NL" sz="1400" kern="0" dirty="0" smtClean="0">
-                <a:latin typeface="Courier New" panose="02070309020205020404" pitchFamily="49" charset="0"/>
-                <a:cs typeface="Courier New" panose="02070309020205020404" pitchFamily="49" charset="0"/>
-              </a:rPr>
-              <a:t>Write down </a:t>
-            </a:r>
-            <a:r>
-              <a:rPr lang="nl-NL" sz="1400" kern="0" dirty="0" err="1" smtClean="0">
-                <a:latin typeface="Courier New" panose="02070309020205020404" pitchFamily="49" charset="0"/>
-                <a:cs typeface="Courier New" panose="02070309020205020404" pitchFamily="49" charset="0"/>
-              </a:rPr>
-              <a:t>formula</a:t>
-            </a:r>
-            <a:endParaRPr lang="nl-NL" sz="1400" kern="0" dirty="0">
-              <a:latin typeface="Courier New" panose="02070309020205020404" pitchFamily="49" charset="0"/>
-              <a:cs typeface="Courier New" panose="02070309020205020404" pitchFamily="49" charset="0"/>
-            </a:endParaRPr>
-          </a:p>
-          <a:p>
-            <a:pPr marL="0" indent="0">
-              <a:buFont typeface="Zapf Dingbats" charset="2"/>
-              <a:buNone/>
-            </a:pPr>
-            <a:endParaRPr lang="nl-NL" sz="1400" kern="0" dirty="0">
-              <a:latin typeface="Courier New" panose="02070309020205020404" pitchFamily="49" charset="0"/>
-              <a:cs typeface="Courier New" panose="02070309020205020404" pitchFamily="49" charset="0"/>
-            </a:endParaRPr>
-          </a:p>
-          <a:p>
-            <a:pPr marL="0" indent="0">
-              <a:buFont typeface="Zapf Dingbats" charset="2"/>
-              <a:buNone/>
-            </a:pPr>
-            <a:r>
-              <a:rPr lang="nl-NL" sz="1400" kern="0" dirty="0" err="1" smtClean="0">
-                <a:latin typeface="Courier New" panose="02070309020205020404" pitchFamily="49" charset="0"/>
-                <a:cs typeface="Courier New" panose="02070309020205020404" pitchFamily="49" charset="0"/>
-              </a:rPr>
-              <a:t>Colinearity</a:t>
-            </a:r>
-            <a:r>
-              <a:rPr lang="nl-NL" sz="1400" kern="0" dirty="0" smtClean="0">
-                <a:latin typeface="Courier New" panose="02070309020205020404" pitchFamily="49" charset="0"/>
-                <a:cs typeface="Courier New" panose="02070309020205020404" pitchFamily="49" charset="0"/>
-              </a:rPr>
-              <a:t>? -&gt; </a:t>
-            </a:r>
-            <a:r>
-              <a:rPr lang="nl-NL" sz="1400" kern="0" dirty="0" err="1" smtClean="0">
-                <a:latin typeface="Courier New" panose="02070309020205020404" pitchFamily="49" charset="0"/>
-                <a:cs typeface="Courier New" panose="02070309020205020404" pitchFamily="49" charset="0"/>
-              </a:rPr>
-              <a:t>leave</a:t>
-            </a:r>
-            <a:r>
-              <a:rPr lang="nl-NL" sz="1400" kern="0" dirty="0" smtClean="0">
-                <a:latin typeface="Courier New" panose="02070309020205020404" pitchFamily="49" charset="0"/>
-                <a:cs typeface="Courier New" panose="02070309020205020404" pitchFamily="49" charset="0"/>
-              </a:rPr>
-              <a:t> out </a:t>
-            </a:r>
-            <a:r>
-              <a:rPr lang="nl-NL" sz="1400" kern="0" dirty="0" err="1" smtClean="0">
-                <a:latin typeface="Courier New" panose="02070309020205020404" pitchFamily="49" charset="0"/>
-                <a:cs typeface="Courier New" panose="02070309020205020404" pitchFamily="49" charset="0"/>
-              </a:rPr>
-              <a:t>bedrooms</a:t>
-            </a:r>
-            <a:r>
-              <a:rPr lang="nl-NL" sz="1400" kern="0" dirty="0" smtClean="0">
-                <a:latin typeface="Courier New" panose="02070309020205020404" pitchFamily="49" charset="0"/>
-                <a:cs typeface="Courier New" panose="02070309020205020404" pitchFamily="49" charset="0"/>
-              </a:rPr>
-              <a:t>?</a:t>
-            </a:r>
             <a:endParaRPr lang="nl-NL" sz="1400" kern="0" dirty="0">
               <a:latin typeface="Courier New" panose="02070309020205020404" pitchFamily="49" charset="0"/>
               <a:cs typeface="Courier New" panose="02070309020205020404" pitchFamily="49" charset="0"/>
@@ -5923,137 +6157,29 @@
               <a:cs typeface="Courier New" panose="02070309020205020404" pitchFamily="49" charset="0"/>
             </a:endParaRPr>
           </a:p>
-          <a:p>
-            <a:pPr marL="0" indent="0">
-              <a:buFont typeface="Zapf Dingbats" charset="2"/>
-              <a:buNone/>
-            </a:pPr>
-            <a:r>
-              <a:rPr lang="nl-NL" sz="1400" kern="0" dirty="0" err="1" smtClean="0">
-                <a:latin typeface="Courier New" panose="02070309020205020404" pitchFamily="49" charset="0"/>
-                <a:cs typeface="Courier New" panose="02070309020205020404" pitchFamily="49" charset="0"/>
-              </a:rPr>
-              <a:t>Evaluate</a:t>
-            </a:r>
-            <a:r>
-              <a:rPr lang="nl-NL" sz="1400" kern="0" dirty="0" smtClean="0">
-                <a:latin typeface="Courier New" panose="02070309020205020404" pitchFamily="49" charset="0"/>
-                <a:cs typeface="Courier New" panose="02070309020205020404" pitchFamily="49" charset="0"/>
-              </a:rPr>
-              <a:t> mode performance</a:t>
-            </a:r>
-            <a:endParaRPr lang="nl-NL" sz="1400" kern="0" dirty="0">
-              <a:latin typeface="Courier New" panose="02070309020205020404" pitchFamily="49" charset="0"/>
-              <a:cs typeface="Courier New" panose="02070309020205020404" pitchFamily="49" charset="0"/>
-            </a:endParaRPr>
-          </a:p>
-          <a:p>
-            <a:pPr marL="0" indent="0">
-              <a:buFont typeface="Zapf Dingbats" charset="2"/>
-              <a:buNone/>
-            </a:pPr>
-            <a:endParaRPr lang="nl-NL" sz="1400" kern="0" dirty="0" smtClean="0">
-              <a:latin typeface="Courier New" panose="02070309020205020404" pitchFamily="49" charset="0"/>
-              <a:cs typeface="Courier New" panose="02070309020205020404" pitchFamily="49" charset="0"/>
-            </a:endParaRPr>
-          </a:p>
-          <a:p>
-            <a:pPr marL="0" indent="0">
-              <a:buFont typeface="Zapf Dingbats" charset="2"/>
-              <a:buNone/>
-            </a:pPr>
-            <a:r>
-              <a:rPr lang="nl-NL" sz="1400" kern="0" dirty="0" err="1" smtClean="0">
-                <a:latin typeface="Courier New" panose="02070309020205020404" pitchFamily="49" charset="0"/>
-                <a:cs typeface="Courier New" panose="02070309020205020404" pitchFamily="49" charset="0"/>
-              </a:rPr>
-              <a:t>Predict</a:t>
-            </a:r>
-            <a:r>
-              <a:rPr lang="nl-NL" sz="1400" kern="0" dirty="0" smtClean="0">
-                <a:latin typeface="Courier New" panose="02070309020205020404" pitchFamily="49" charset="0"/>
-                <a:cs typeface="Courier New" panose="02070309020205020404" pitchFamily="49" charset="0"/>
-              </a:rPr>
-              <a:t> </a:t>
-            </a:r>
-            <a:r>
-              <a:rPr lang="nl-NL" sz="1400" kern="0" dirty="0" err="1" smtClean="0">
-                <a:latin typeface="Courier New" panose="02070309020205020404" pitchFamily="49" charset="0"/>
-                <a:cs typeface="Courier New" panose="02070309020205020404" pitchFamily="49" charset="0"/>
-              </a:rPr>
-              <a:t>value</a:t>
-            </a:r>
-            <a:endParaRPr lang="nl-NL" sz="1400" kern="0" dirty="0" smtClean="0">
-              <a:latin typeface="Courier New" panose="02070309020205020404" pitchFamily="49" charset="0"/>
-              <a:cs typeface="Courier New" panose="02070309020205020404" pitchFamily="49" charset="0"/>
-            </a:endParaRPr>
-          </a:p>
-          <a:p>
-            <a:pPr marL="0" indent="0">
-              <a:buFont typeface="Zapf Dingbats" charset="2"/>
-              <a:buNone/>
-            </a:pPr>
-            <a:endParaRPr lang="nl-NL" sz="1400" kern="0" dirty="0" smtClean="0">
-              <a:latin typeface="Courier New" panose="02070309020205020404" pitchFamily="49" charset="0"/>
-              <a:cs typeface="Courier New" panose="02070309020205020404" pitchFamily="49" charset="0"/>
-            </a:endParaRPr>
-          </a:p>
-          <a:p>
-            <a:pPr marL="0" indent="0">
-              <a:buFont typeface="Zapf Dingbats" charset="2"/>
-              <a:buNone/>
-            </a:pPr>
-            <a:endParaRPr lang="nl-NL" sz="1400" kern="0" dirty="0">
-              <a:latin typeface="Courier New" panose="02070309020205020404" pitchFamily="49" charset="0"/>
-              <a:cs typeface="Courier New" panose="02070309020205020404" pitchFamily="49" charset="0"/>
-            </a:endParaRPr>
-          </a:p>
-          <a:p>
-            <a:pPr marL="0" indent="0">
-              <a:buFont typeface="Zapf Dingbats" charset="2"/>
-              <a:buNone/>
-            </a:pPr>
-            <a:endParaRPr lang="nl-NL" sz="1400" kern="0" dirty="0" smtClean="0">
-              <a:latin typeface="Courier New" panose="02070309020205020404" pitchFamily="49" charset="0"/>
-              <a:cs typeface="Courier New" panose="02070309020205020404" pitchFamily="49" charset="0"/>
-            </a:endParaRPr>
-          </a:p>
-          <a:p>
-            <a:pPr marL="0" indent="0">
-              <a:buFont typeface="Zapf Dingbats" charset="2"/>
-              <a:buNone/>
-            </a:pPr>
-            <a:endParaRPr lang="nl-NL" sz="1400" kern="0" dirty="0">
-              <a:latin typeface="Courier New" panose="02070309020205020404" pitchFamily="49" charset="0"/>
-              <a:cs typeface="Courier New" panose="02070309020205020404" pitchFamily="49" charset="0"/>
-            </a:endParaRPr>
-          </a:p>
-          <a:p>
-            <a:pPr marL="0" indent="0">
-              <a:buFont typeface="Zapf Dingbats" charset="2"/>
-              <a:buNone/>
-            </a:pPr>
-            <a:endParaRPr lang="nl-NL" sz="1400" kern="0" dirty="0" smtClean="0">
-              <a:latin typeface="Courier New" panose="02070309020205020404" pitchFamily="49" charset="0"/>
-              <a:cs typeface="Courier New" panose="02070309020205020404" pitchFamily="49" charset="0"/>
-            </a:endParaRPr>
-          </a:p>
         </p:txBody>
       </p:sp>
     </p:spTree>
     <p:extLst>
       <p:ext uri="{BB962C8B-B14F-4D97-AF65-F5344CB8AC3E}">
-        <p14:creationId xmlns:p14="http://schemas.microsoft.com/office/powerpoint/2010/main" val="1582003774"/>
+        <p14:creationId xmlns:p14="http://schemas.microsoft.com/office/powerpoint/2010/main" val="473578475"/>
       </p:ext>
     </p:extLst>
   </p:cSld>
   <p:clrMapOvr>
     <a:masterClrMapping/>
   </p:clrMapOvr>
+  <p:timing>
+    <p:tnLst>
+      <p:par>
+        <p:cTn id="1" dur="indefinite" restart="never" nodeType="tmRoot"/>
+      </p:par>
+    </p:tnLst>
+  </p:timing>
 </p:sld>
 </file>
 
-<file path=ppt/slides/slide2.xml><?xml version="1.0" encoding="utf-8"?>
+<file path=ppt/slides/slide12.xml><?xml version="1.0" encoding="utf-8"?>
 <p:sld xmlns:a="http://schemas.openxmlformats.org/drawingml/2006/main" xmlns:r="http://schemas.openxmlformats.org/officeDocument/2006/relationships" xmlns:p="http://schemas.openxmlformats.org/presentationml/2006/main">
   <p:cSld>
     <p:spTree>
@@ -6087,7 +6213,7 @@
           <a:p>
             <a:r>
               <a:rPr lang="nl-NL" dirty="0" smtClean="0"/>
-              <a:t>Check-in</a:t>
+              <a:t>Topics</a:t>
             </a:r>
             <a:endParaRPr lang="nl-NL" dirty="0"/>
           </a:p>
@@ -6095,7 +6221,7 @@
       </p:sp>
       <p:sp>
         <p:nvSpPr>
-          <p:cNvPr id="9" name="Tijdelijke aanduiding voor inhoud 8"/>
+          <p:cNvPr id="3" name="Tijdelijke aanduiding voor inhoud 2"/>
           <p:cNvSpPr>
             <a:spLocks noGrp="1"/>
           </p:cNvSpPr>
@@ -6103,108 +6229,112 @@
             <p:ph idx="1"/>
           </p:nvPr>
         </p:nvSpPr>
-        <p:spPr/>
-        <p:txBody>
-          <a:bodyPr/>
-          <a:lstStyle/>
-          <a:p>
-            <a:endParaRPr lang="nl-NL"/>
-          </a:p>
-        </p:txBody>
-      </p:sp>
-      <p:pic>
-        <p:nvPicPr>
-          <p:cNvPr id="12" name="Afbeelding 11"/>
-          <p:cNvPicPr>
-            <a:picLocks noChangeAspect="1"/>
-          </p:cNvPicPr>
-          <p:nvPr/>
-        </p:nvPicPr>
-        <p:blipFill>
-          <a:blip r:embed="rId2"/>
-          <a:stretch>
-            <a:fillRect/>
-          </a:stretch>
-        </p:blipFill>
         <p:spPr>
           <a:xfrm>
-            <a:off x="6156176" y="2492896"/>
-            <a:ext cx="2253070" cy="2016224"/>
+            <a:off x="762000" y="1762125"/>
+            <a:ext cx="7881938" cy="3268587"/>
           </a:xfrm>
-          <a:prstGeom prst="rect">
-            <a:avLst/>
-          </a:prstGeom>
         </p:spPr>
-      </p:pic>
-      <p:pic>
-        <p:nvPicPr>
-          <p:cNvPr id="13" name="Afbeelding 12"/>
-          <p:cNvPicPr>
-            <a:picLocks noChangeAspect="1"/>
-          </p:cNvPicPr>
-          <p:nvPr/>
-        </p:nvPicPr>
-        <p:blipFill>
-          <a:blip r:embed="rId3"/>
-          <a:stretch>
-            <a:fillRect/>
-          </a:stretch>
-        </p:blipFill>
-        <p:spPr>
-          <a:xfrm>
-            <a:off x="3491880" y="2616786"/>
-            <a:ext cx="2129219" cy="1988089"/>
-          </a:xfrm>
-          <a:prstGeom prst="rect">
-            <a:avLst/>
-          </a:prstGeom>
-        </p:spPr>
-      </p:pic>
-      <p:pic>
-        <p:nvPicPr>
-          <p:cNvPr id="14" name="Afbeelding 13"/>
-          <p:cNvPicPr>
-            <a:picLocks noChangeAspect="1"/>
-          </p:cNvPicPr>
-          <p:nvPr/>
-        </p:nvPicPr>
-        <p:blipFill>
-          <a:blip r:embed="rId4"/>
-          <a:stretch>
-            <a:fillRect/>
-          </a:stretch>
-        </p:blipFill>
-        <p:spPr>
-          <a:xfrm>
-            <a:off x="869217" y="2712543"/>
-            <a:ext cx="1873659" cy="1796577"/>
-          </a:xfrm>
-          <a:prstGeom prst="rect">
-            <a:avLst/>
-          </a:prstGeom>
-        </p:spPr>
-      </p:pic>
+        <p:txBody>
+          <a:bodyPr/>
+          <a:lstStyle/>
+          <a:p>
+            <a:r>
+              <a:rPr lang="nl-NL" sz="2400" dirty="0" smtClean="0"/>
+              <a:t>Evaluation of </a:t>
+            </a:r>
+            <a:r>
+              <a:rPr lang="nl-NL" sz="2400" dirty="0" err="1" smtClean="0"/>
+              <a:t>simple</a:t>
+            </a:r>
+            <a:r>
+              <a:rPr lang="nl-NL" sz="2400" dirty="0" smtClean="0"/>
+              <a:t> </a:t>
+            </a:r>
+            <a:r>
+              <a:rPr lang="nl-NL" sz="2400" dirty="0" err="1" smtClean="0"/>
+              <a:t>linear</a:t>
+            </a:r>
+            <a:r>
+              <a:rPr lang="nl-NL" sz="2400" dirty="0" smtClean="0"/>
+              <a:t> </a:t>
+            </a:r>
+            <a:r>
+              <a:rPr lang="nl-NL" sz="2400" dirty="0" err="1" smtClean="0"/>
+              <a:t>regression</a:t>
+            </a:r>
+            <a:endParaRPr lang="nl-NL" sz="2400" dirty="0" smtClean="0"/>
+          </a:p>
+          <a:p>
+            <a:endParaRPr lang="nl-NL" sz="2400" dirty="0"/>
+          </a:p>
+          <a:p>
+            <a:r>
+              <a:rPr lang="nl-NL" sz="2400" dirty="0" err="1" smtClean="0"/>
+              <a:t>Overfitting</a:t>
+            </a:r>
+            <a:r>
+              <a:rPr lang="nl-NL" sz="2400" dirty="0" smtClean="0"/>
+              <a:t> </a:t>
+            </a:r>
+            <a:r>
+              <a:rPr lang="nl-NL" sz="2400" dirty="0" err="1" smtClean="0"/>
+              <a:t>and</a:t>
+            </a:r>
+            <a:r>
+              <a:rPr lang="nl-NL" sz="2400" dirty="0" smtClean="0"/>
+              <a:t> model </a:t>
+            </a:r>
+            <a:r>
+              <a:rPr lang="nl-NL" sz="2400" dirty="0" err="1" smtClean="0"/>
+              <a:t>validation</a:t>
+            </a:r>
+            <a:endParaRPr lang="nl-NL" sz="2400" dirty="0" smtClean="0"/>
+          </a:p>
+          <a:p>
+            <a:endParaRPr lang="nl-NL" sz="2400" dirty="0"/>
+          </a:p>
+          <a:p>
+            <a:r>
+              <a:rPr lang="nl-NL" sz="2400" dirty="0" smtClean="0"/>
+              <a:t>Multiple </a:t>
+            </a:r>
+            <a:r>
+              <a:rPr lang="nl-NL" sz="2400" dirty="0" err="1" smtClean="0"/>
+              <a:t>linear</a:t>
+            </a:r>
+            <a:r>
+              <a:rPr lang="nl-NL" sz="2400" dirty="0" smtClean="0"/>
+              <a:t> </a:t>
+            </a:r>
+            <a:r>
+              <a:rPr lang="nl-NL" sz="2400" dirty="0" err="1" smtClean="0"/>
+              <a:t>regression</a:t>
+            </a:r>
+            <a:endParaRPr lang="nl-NL" sz="2400" dirty="0" smtClean="0"/>
+          </a:p>
+          <a:p>
+            <a:endParaRPr lang="nl-NL" dirty="0"/>
+          </a:p>
+          <a:p>
+            <a:endParaRPr lang="nl-NL" dirty="0"/>
+          </a:p>
+        </p:txBody>
+      </p:sp>
     </p:spTree>
     <p:extLst>
       <p:ext uri="{BB962C8B-B14F-4D97-AF65-F5344CB8AC3E}">
-        <p14:creationId xmlns:p14="http://schemas.microsoft.com/office/powerpoint/2010/main" val="504181628"/>
+        <p14:creationId xmlns:p14="http://schemas.microsoft.com/office/powerpoint/2010/main" val="2912860890"/>
       </p:ext>
     </p:extLst>
   </p:cSld>
   <p:clrMapOvr>
     <a:masterClrMapping/>
   </p:clrMapOvr>
-  <p:timing>
-    <p:tnLst>
-      <p:par>
-        <p:cTn id="1" dur="indefinite" restart="never" nodeType="tmRoot"/>
-      </p:par>
-    </p:tnLst>
-  </p:timing>
 </p:sld>
 </file>
 
-<file path=ppt/slides/slide3.xml><?xml version="1.0" encoding="utf-8"?>
+<file path=ppt/slides/slide13.xml><?xml version="1.0" encoding="utf-8"?>
 <p:sld xmlns:a="http://schemas.openxmlformats.org/drawingml/2006/main" xmlns:r="http://schemas.openxmlformats.org/officeDocument/2006/relationships" xmlns:p="http://schemas.openxmlformats.org/presentationml/2006/main">
   <p:cSld>
     <p:spTree>
@@ -6237,8 +6367,12 @@
           <a:lstStyle/>
           <a:p>
             <a:r>
+              <a:rPr lang="nl-NL" dirty="0" err="1" smtClean="0"/>
+              <a:t>Qualitative</a:t>
+            </a:r>
+            <a:r>
               <a:rPr lang="nl-NL" dirty="0" smtClean="0"/>
-              <a:t>Intro</a:t>
+              <a:t> variables</a:t>
             </a:r>
             <a:endParaRPr lang="nl-NL" dirty="0"/>
           </a:p>
@@ -6246,7 +6380,7 @@
       </p:sp>
       <p:sp>
         <p:nvSpPr>
-          <p:cNvPr id="9" name="Tijdelijke aanduiding voor inhoud 8"/>
+          <p:cNvPr id="3" name="Tijdelijke aanduiding voor inhoud 2"/>
           <p:cNvSpPr>
             <a:spLocks noGrp="1"/>
           </p:cNvSpPr>
@@ -6266,24 +6400,17 @@
     </p:spTree>
     <p:extLst>
       <p:ext uri="{BB962C8B-B14F-4D97-AF65-F5344CB8AC3E}">
-        <p14:creationId xmlns:p14="http://schemas.microsoft.com/office/powerpoint/2010/main" val="2394972632"/>
+        <p14:creationId xmlns:p14="http://schemas.microsoft.com/office/powerpoint/2010/main" val="3378184546"/>
       </p:ext>
     </p:extLst>
   </p:cSld>
   <p:clrMapOvr>
     <a:masterClrMapping/>
   </p:clrMapOvr>
-  <p:timing>
-    <p:tnLst>
-      <p:par>
-        <p:cTn id="1" dur="indefinite" restart="never" nodeType="tmRoot"/>
-      </p:par>
-    </p:tnLst>
-  </p:timing>
 </p:sld>
 </file>
 
-<file path=ppt/slides/slide4.xml><?xml version="1.0" encoding="utf-8"?>
+<file path=ppt/slides/slide14.xml><?xml version="1.0" encoding="utf-8"?>
 <p:sld xmlns:a="http://schemas.openxmlformats.org/drawingml/2006/main" xmlns:r="http://schemas.openxmlformats.org/officeDocument/2006/relationships" xmlns:p="http://schemas.openxmlformats.org/presentationml/2006/main">
   <p:cSld>
     <p:spTree>
@@ -6316,262 +6443,14 @@
           <a:lstStyle/>
           <a:p>
             <a:r>
-              <a:rPr lang="nl-NL" dirty="0" smtClean="0"/>
-              <a:t>Topics</a:t>
-            </a:r>
-            <a:endParaRPr lang="nl-NL" dirty="0"/>
-          </a:p>
-        </p:txBody>
-      </p:sp>
-      <p:sp>
-        <p:nvSpPr>
-          <p:cNvPr id="3" name="Tijdelijke aanduiding voor inhoud 2"/>
-          <p:cNvSpPr>
-            <a:spLocks noGrp="1"/>
-          </p:cNvSpPr>
-          <p:nvPr>
-            <p:ph idx="1"/>
-          </p:nvPr>
-        </p:nvSpPr>
-        <p:spPr>
-          <a:xfrm>
-            <a:off x="762000" y="1762125"/>
-            <a:ext cx="7881938" cy="3268587"/>
-          </a:xfrm>
-        </p:spPr>
-        <p:txBody>
-          <a:bodyPr/>
-          <a:lstStyle/>
-          <a:p>
-            <a:r>
-              <a:rPr lang="nl-NL" sz="2400" dirty="0" smtClean="0"/>
-              <a:t>Evaluation of </a:t>
-            </a:r>
-            <a:r>
-              <a:rPr lang="nl-NL" sz="2400" dirty="0" err="1" smtClean="0"/>
-              <a:t>simple</a:t>
-            </a:r>
-            <a:r>
-              <a:rPr lang="nl-NL" sz="2400" dirty="0" smtClean="0"/>
-              <a:t> </a:t>
-            </a:r>
-            <a:r>
-              <a:rPr lang="nl-NL" sz="2400" dirty="0" err="1" smtClean="0"/>
-              <a:t>linear</a:t>
-            </a:r>
-            <a:r>
-              <a:rPr lang="nl-NL" sz="2400" dirty="0" smtClean="0"/>
-              <a:t> </a:t>
-            </a:r>
-            <a:r>
-              <a:rPr lang="nl-NL" sz="2400" dirty="0" err="1" smtClean="0"/>
-              <a:t>regression</a:t>
-            </a:r>
-            <a:endParaRPr lang="nl-NL" sz="2400" dirty="0" smtClean="0"/>
-          </a:p>
-          <a:p>
-            <a:endParaRPr lang="nl-NL" sz="2400" dirty="0"/>
-          </a:p>
-          <a:p>
-            <a:r>
-              <a:rPr lang="nl-NL" sz="2400" dirty="0" err="1" smtClean="0"/>
-              <a:t>Overfitting</a:t>
-            </a:r>
-            <a:r>
-              <a:rPr lang="nl-NL" sz="2400" dirty="0" smtClean="0"/>
-              <a:t> </a:t>
-            </a:r>
-            <a:r>
-              <a:rPr lang="nl-NL" sz="2400" dirty="0" err="1" smtClean="0"/>
-              <a:t>and</a:t>
-            </a:r>
-            <a:r>
-              <a:rPr lang="nl-NL" sz="2400" dirty="0" smtClean="0"/>
-              <a:t> model </a:t>
-            </a:r>
-            <a:r>
-              <a:rPr lang="nl-NL" sz="2400" dirty="0" err="1" smtClean="0"/>
-              <a:t>validation</a:t>
-            </a:r>
-            <a:endParaRPr lang="nl-NL" sz="2400" dirty="0" smtClean="0"/>
-          </a:p>
-          <a:p>
-            <a:endParaRPr lang="nl-NL" sz="2400" dirty="0"/>
-          </a:p>
-          <a:p>
-            <a:r>
-              <a:rPr lang="nl-NL" sz="2400" dirty="0" smtClean="0"/>
-              <a:t>Multiple </a:t>
-            </a:r>
-            <a:r>
-              <a:rPr lang="nl-NL" sz="2400" dirty="0" err="1" smtClean="0"/>
-              <a:t>linear</a:t>
-            </a:r>
-            <a:r>
-              <a:rPr lang="nl-NL" sz="2400" dirty="0" smtClean="0"/>
-              <a:t> </a:t>
-            </a:r>
-            <a:r>
-              <a:rPr lang="nl-NL" sz="2400" dirty="0" err="1" smtClean="0"/>
-              <a:t>regression</a:t>
-            </a:r>
-            <a:endParaRPr lang="nl-NL" sz="2400" dirty="0" smtClean="0"/>
-          </a:p>
-          <a:p>
-            <a:endParaRPr lang="nl-NL" dirty="0"/>
-          </a:p>
-          <a:p>
-            <a:endParaRPr lang="nl-NL" dirty="0"/>
-          </a:p>
-        </p:txBody>
-      </p:sp>
-    </p:spTree>
-    <p:extLst>
-      <p:ext uri="{BB962C8B-B14F-4D97-AF65-F5344CB8AC3E}">
-        <p14:creationId xmlns:p14="http://schemas.microsoft.com/office/powerpoint/2010/main" val="76400321"/>
-      </p:ext>
-    </p:extLst>
-  </p:cSld>
-  <p:clrMapOvr>
-    <a:masterClrMapping/>
-  </p:clrMapOvr>
-</p:sld>
-</file>
-
-<file path=ppt/slides/slide5.xml><?xml version="1.0" encoding="utf-8"?>
-<p:sld xmlns:a="http://schemas.openxmlformats.org/drawingml/2006/main" xmlns:r="http://schemas.openxmlformats.org/officeDocument/2006/relationships" xmlns:p="http://schemas.openxmlformats.org/presentationml/2006/main">
-  <p:cSld>
-    <p:spTree>
-      <p:nvGrpSpPr>
-        <p:cNvPr id="1" name=""/>
-        <p:cNvGrpSpPr/>
-        <p:nvPr/>
-      </p:nvGrpSpPr>
-      <p:grpSpPr>
-        <a:xfrm>
-          <a:off x="0" y="0"/>
-          <a:ext cx="0" cy="0"/>
-          <a:chOff x="0" y="0"/>
-          <a:chExt cx="0" cy="0"/>
-        </a:xfrm>
-      </p:grpSpPr>
-      <p:sp>
-        <p:nvSpPr>
-          <p:cNvPr id="2" name="Titel 1"/>
-          <p:cNvSpPr>
-            <a:spLocks noGrp="1"/>
-          </p:cNvSpPr>
-          <p:nvPr>
-            <p:ph type="title"/>
-          </p:nvPr>
-        </p:nvSpPr>
-        <p:spPr>
-          <a:xfrm>
-            <a:off x="827584" y="615351"/>
-            <a:ext cx="6172200" cy="584775"/>
-          </a:xfrm>
-        </p:spPr>
-        <p:txBody>
-          <a:bodyPr/>
-          <a:lstStyle/>
-          <a:p>
-            <a:r>
               <a:rPr lang="nl-NL" dirty="0" err="1" smtClean="0"/>
               <a:t>Exercise</a:t>
             </a:r>
             <a:r>
               <a:rPr lang="nl-NL" dirty="0" smtClean="0"/>
-              <a:t> 1: </a:t>
-            </a:r>
-            <a:r>
-              <a:rPr lang="nl-NL" dirty="0" err="1" smtClean="0"/>
-              <a:t>evaluation</a:t>
+              <a:t> 3</a:t>
             </a:r>
             <a:endParaRPr lang="nl-NL" dirty="0"/>
-          </a:p>
-        </p:txBody>
-      </p:sp>
-      <p:sp>
-        <p:nvSpPr>
-          <p:cNvPr id="3" name="Tijdelijke aanduiding voor inhoud 2"/>
-          <p:cNvSpPr>
-            <a:spLocks noGrp="1"/>
-          </p:cNvSpPr>
-          <p:nvPr>
-            <p:ph idx="1"/>
-          </p:nvPr>
-        </p:nvSpPr>
-        <p:spPr>
-          <a:xfrm>
-            <a:off x="683568" y="1700808"/>
-            <a:ext cx="7881938" cy="2111347"/>
-          </a:xfrm>
-        </p:spPr>
-        <p:txBody>
-          <a:bodyPr/>
-          <a:lstStyle/>
-          <a:p>
-            <a:pPr marL="0" indent="0">
-              <a:buNone/>
-            </a:pPr>
-            <a:endParaRPr lang="nl-NL" sz="1600" dirty="0" smtClean="0">
-              <a:latin typeface="Courier New" panose="02070309020205020404" pitchFamily="49" charset="0"/>
-              <a:cs typeface="Courier New" panose="02070309020205020404" pitchFamily="49" charset="0"/>
-            </a:endParaRPr>
-          </a:p>
-          <a:p>
-            <a:pPr marL="0" indent="0">
-              <a:buNone/>
-            </a:pPr>
-            <a:endParaRPr lang="nl-NL" sz="1600" dirty="0">
-              <a:latin typeface="Courier New" panose="02070309020205020404" pitchFamily="49" charset="0"/>
-              <a:cs typeface="Courier New" panose="02070309020205020404" pitchFamily="49" charset="0"/>
-            </a:endParaRPr>
-          </a:p>
-          <a:p>
-            <a:pPr marL="0" indent="0">
-              <a:buNone/>
-            </a:pPr>
-            <a:endParaRPr lang="nl-NL" sz="1600" dirty="0" smtClean="0">
-              <a:latin typeface="Courier New" panose="02070309020205020404" pitchFamily="49" charset="0"/>
-              <a:cs typeface="Courier New" panose="02070309020205020404" pitchFamily="49" charset="0"/>
-            </a:endParaRPr>
-          </a:p>
-          <a:p>
-            <a:pPr marL="0" indent="0">
-              <a:buNone/>
-            </a:pPr>
-            <a:endParaRPr lang="nl-NL" sz="1600" dirty="0">
-              <a:latin typeface="Courier New" panose="02070309020205020404" pitchFamily="49" charset="0"/>
-              <a:cs typeface="Courier New" panose="02070309020205020404" pitchFamily="49" charset="0"/>
-            </a:endParaRPr>
-          </a:p>
-          <a:p>
-            <a:pPr marL="0" indent="0">
-              <a:buNone/>
-            </a:pPr>
-            <a:endParaRPr lang="nl-NL" sz="1600" dirty="0" smtClean="0">
-              <a:latin typeface="Courier New" panose="02070309020205020404" pitchFamily="49" charset="0"/>
-              <a:cs typeface="Courier New" panose="02070309020205020404" pitchFamily="49" charset="0"/>
-            </a:endParaRPr>
-          </a:p>
-          <a:p>
-            <a:pPr marL="0" indent="0">
-              <a:buNone/>
-            </a:pPr>
-            <a:endParaRPr lang="nl-NL" sz="1600" dirty="0">
-              <a:latin typeface="Courier New" panose="02070309020205020404" pitchFamily="49" charset="0"/>
-              <a:cs typeface="Courier New" panose="02070309020205020404" pitchFamily="49" charset="0"/>
-            </a:endParaRPr>
-          </a:p>
-          <a:p>
-            <a:pPr marL="0" indent="0">
-              <a:buNone/>
-            </a:pPr>
-            <a:endParaRPr lang="nl-NL" sz="1600" dirty="0" smtClean="0">
-              <a:latin typeface="Courier New" panose="02070309020205020404" pitchFamily="49" charset="0"/>
-              <a:cs typeface="Courier New" panose="02070309020205020404" pitchFamily="49" charset="0"/>
-            </a:endParaRPr>
           </a:p>
         </p:txBody>
       </p:sp>
@@ -6585,8 +6464,8 @@
         </p:nvSpPr>
         <p:spPr bwMode="auto">
           <a:xfrm>
-            <a:off x="683568" y="1700808"/>
-            <a:ext cx="7881938" cy="1341906"/>
+            <a:off x="838200" y="1844824"/>
+            <a:ext cx="7881938" cy="3668697"/>
           </a:xfrm>
           <a:prstGeom prst="rect">
             <a:avLst/>
@@ -6797,47 +6676,60 @@
               <a:buNone/>
             </a:pPr>
             <a:r>
+              <a:rPr lang="nl-NL" sz="1400" kern="0" dirty="0" smtClean="0">
+                <a:latin typeface="Courier New" panose="02070309020205020404" pitchFamily="49" charset="0"/>
+                <a:cs typeface="Courier New" panose="02070309020205020404" pitchFamily="49" charset="0"/>
+              </a:rPr>
+              <a:t>Fit model </a:t>
+            </a:r>
+            <a:r>
               <a:rPr lang="nl-NL" sz="1400" kern="0" dirty="0" err="1" smtClean="0">
                 <a:latin typeface="Courier New" panose="02070309020205020404" pitchFamily="49" charset="0"/>
                 <a:cs typeface="Courier New" panose="02070309020205020404" pitchFamily="49" charset="0"/>
               </a:rPr>
-              <a:t>Evaluating</a:t>
+              <a:t>with</a:t>
             </a:r>
             <a:r>
               <a:rPr lang="nl-NL" sz="1400" kern="0" dirty="0" smtClean="0">
                 <a:latin typeface="Courier New" panose="02070309020205020404" pitchFamily="49" charset="0"/>
                 <a:cs typeface="Courier New" panose="02070309020205020404" pitchFamily="49" charset="0"/>
               </a:rPr>
-              <a:t> </a:t>
+              <a:t> multiple variables?</a:t>
+            </a:r>
+          </a:p>
+          <a:p>
+            <a:pPr marL="0" indent="0">
+              <a:buFont typeface="Zapf Dingbats" charset="2"/>
+              <a:buNone/>
+            </a:pPr>
+            <a:endParaRPr lang="nl-NL" sz="1400" kern="0" dirty="0" smtClean="0">
+              <a:latin typeface="Courier New" panose="02070309020205020404" pitchFamily="49" charset="0"/>
+              <a:cs typeface="Courier New" panose="02070309020205020404" pitchFamily="49" charset="0"/>
+            </a:endParaRPr>
+          </a:p>
+          <a:p>
+            <a:pPr marL="0" indent="0">
+              <a:buFont typeface="Zapf Dingbats" charset="2"/>
+              <a:buNone/>
+            </a:pPr>
+            <a:r>
+              <a:rPr lang="nl-NL" sz="1400" kern="0" dirty="0" smtClean="0">
+                <a:latin typeface="Courier New" panose="02070309020205020404" pitchFamily="49" charset="0"/>
+                <a:cs typeface="Courier New" panose="02070309020205020404" pitchFamily="49" charset="0"/>
+              </a:rPr>
+              <a:t>Write down </a:t>
             </a:r>
             <a:r>
               <a:rPr lang="nl-NL" sz="1400" kern="0" dirty="0" err="1" smtClean="0">
                 <a:latin typeface="Courier New" panose="02070309020205020404" pitchFamily="49" charset="0"/>
                 <a:cs typeface="Courier New" panose="02070309020205020404" pitchFamily="49" charset="0"/>
               </a:rPr>
-              <a:t>residuals</a:t>
-            </a:r>
-            <a:r>
-              <a:rPr lang="nl-NL" sz="1400" kern="0" dirty="0" smtClean="0">
-                <a:latin typeface="Courier New" panose="02070309020205020404" pitchFamily="49" charset="0"/>
-                <a:cs typeface="Courier New" panose="02070309020205020404" pitchFamily="49" charset="0"/>
-              </a:rPr>
-              <a:t>, </a:t>
-            </a:r>
-            <a:r>
-              <a:rPr lang="nl-NL" sz="1400" kern="0" dirty="0" err="1" smtClean="0">
-                <a:latin typeface="Courier New" panose="02070309020205020404" pitchFamily="49" charset="0"/>
-                <a:cs typeface="Courier New" panose="02070309020205020404" pitchFamily="49" charset="0"/>
-              </a:rPr>
-              <a:t>linearity</a:t>
-            </a:r>
-            <a:r>
-              <a:rPr lang="nl-NL" sz="1400" kern="0" dirty="0" smtClean="0">
-                <a:latin typeface="Courier New" panose="02070309020205020404" pitchFamily="49" charset="0"/>
-                <a:cs typeface="Courier New" panose="02070309020205020404" pitchFamily="49" charset="0"/>
-              </a:rPr>
-              <a:t>, </a:t>
-            </a:r>
+              <a:t>formula</a:t>
+            </a:r>
+            <a:endParaRPr lang="nl-NL" sz="1400" kern="0" dirty="0">
+              <a:latin typeface="Courier New" panose="02070309020205020404" pitchFamily="49" charset="0"/>
+              <a:cs typeface="Courier New" panose="02070309020205020404" pitchFamily="49" charset="0"/>
+            </a:endParaRPr>
           </a:p>
           <a:p>
             <a:pPr marL="0" indent="0">
@@ -6859,22 +6751,128 @@
                 <a:latin typeface="Courier New" panose="02070309020205020404" pitchFamily="49" charset="0"/>
                 <a:cs typeface="Courier New" panose="02070309020205020404" pitchFamily="49" charset="0"/>
               </a:rPr>
-              <a:t>Applying</a:t>
+              <a:t>Colinearity</a:t>
             </a:r>
             <a:r>
               <a:rPr lang="nl-NL" sz="1400" kern="0" dirty="0" smtClean="0">
                 <a:latin typeface="Courier New" panose="02070309020205020404" pitchFamily="49" charset="0"/>
                 <a:cs typeface="Courier New" panose="02070309020205020404" pitchFamily="49" charset="0"/>
               </a:rPr>
-              <a:t> a </a:t>
+              <a:t>? -&gt; </a:t>
             </a:r>
             <a:r>
               <a:rPr lang="nl-NL" sz="1400" kern="0" dirty="0" err="1" smtClean="0">
                 <a:latin typeface="Courier New" panose="02070309020205020404" pitchFamily="49" charset="0"/>
                 <a:cs typeface="Courier New" panose="02070309020205020404" pitchFamily="49" charset="0"/>
               </a:rPr>
-              <a:t>transformation</a:t>
-            </a:r>
+              <a:t>leave</a:t>
+            </a:r>
+            <a:r>
+              <a:rPr lang="nl-NL" sz="1400" kern="0" dirty="0" smtClean="0">
+                <a:latin typeface="Courier New" panose="02070309020205020404" pitchFamily="49" charset="0"/>
+                <a:cs typeface="Courier New" panose="02070309020205020404" pitchFamily="49" charset="0"/>
+              </a:rPr>
+              <a:t> out </a:t>
+            </a:r>
+            <a:r>
+              <a:rPr lang="nl-NL" sz="1400" kern="0" dirty="0" err="1" smtClean="0">
+                <a:latin typeface="Courier New" panose="02070309020205020404" pitchFamily="49" charset="0"/>
+                <a:cs typeface="Courier New" panose="02070309020205020404" pitchFamily="49" charset="0"/>
+              </a:rPr>
+              <a:t>bedrooms</a:t>
+            </a:r>
+            <a:r>
+              <a:rPr lang="nl-NL" sz="1400" kern="0" dirty="0" smtClean="0">
+                <a:latin typeface="Courier New" panose="02070309020205020404" pitchFamily="49" charset="0"/>
+                <a:cs typeface="Courier New" panose="02070309020205020404" pitchFamily="49" charset="0"/>
+              </a:rPr>
+              <a:t>?</a:t>
+            </a:r>
+            <a:endParaRPr lang="nl-NL" sz="1400" kern="0" dirty="0">
+              <a:latin typeface="Courier New" panose="02070309020205020404" pitchFamily="49" charset="0"/>
+              <a:cs typeface="Courier New" panose="02070309020205020404" pitchFamily="49" charset="0"/>
+            </a:endParaRPr>
+          </a:p>
+          <a:p>
+            <a:pPr marL="0" indent="0">
+              <a:buFont typeface="Zapf Dingbats" charset="2"/>
+              <a:buNone/>
+            </a:pPr>
+            <a:endParaRPr lang="nl-NL" sz="1400" kern="0" dirty="0" smtClean="0">
+              <a:latin typeface="Courier New" panose="02070309020205020404" pitchFamily="49" charset="0"/>
+              <a:cs typeface="Courier New" panose="02070309020205020404" pitchFamily="49" charset="0"/>
+            </a:endParaRPr>
+          </a:p>
+          <a:p>
+            <a:pPr marL="0" indent="0">
+              <a:buFont typeface="Zapf Dingbats" charset="2"/>
+              <a:buNone/>
+            </a:pPr>
+            <a:r>
+              <a:rPr lang="nl-NL" sz="1400" kern="0" dirty="0" err="1" smtClean="0">
+                <a:latin typeface="Courier New" panose="02070309020205020404" pitchFamily="49" charset="0"/>
+                <a:cs typeface="Courier New" panose="02070309020205020404" pitchFamily="49" charset="0"/>
+              </a:rPr>
+              <a:t>Evaluate</a:t>
+            </a:r>
+            <a:r>
+              <a:rPr lang="nl-NL" sz="1400" kern="0" dirty="0" smtClean="0">
+                <a:latin typeface="Courier New" panose="02070309020205020404" pitchFamily="49" charset="0"/>
+                <a:cs typeface="Courier New" panose="02070309020205020404" pitchFamily="49" charset="0"/>
+              </a:rPr>
+              <a:t> mode performance</a:t>
+            </a:r>
+            <a:endParaRPr lang="nl-NL" sz="1400" kern="0" dirty="0">
+              <a:latin typeface="Courier New" panose="02070309020205020404" pitchFamily="49" charset="0"/>
+              <a:cs typeface="Courier New" panose="02070309020205020404" pitchFamily="49" charset="0"/>
+            </a:endParaRPr>
+          </a:p>
+          <a:p>
+            <a:pPr marL="0" indent="0">
+              <a:buFont typeface="Zapf Dingbats" charset="2"/>
+              <a:buNone/>
+            </a:pPr>
+            <a:endParaRPr lang="nl-NL" sz="1400" kern="0" dirty="0" smtClean="0">
+              <a:latin typeface="Courier New" panose="02070309020205020404" pitchFamily="49" charset="0"/>
+              <a:cs typeface="Courier New" panose="02070309020205020404" pitchFamily="49" charset="0"/>
+            </a:endParaRPr>
+          </a:p>
+          <a:p>
+            <a:pPr marL="0" indent="0">
+              <a:buFont typeface="Zapf Dingbats" charset="2"/>
+              <a:buNone/>
+            </a:pPr>
+            <a:r>
+              <a:rPr lang="nl-NL" sz="1400" kern="0" dirty="0" err="1" smtClean="0">
+                <a:latin typeface="Courier New" panose="02070309020205020404" pitchFamily="49" charset="0"/>
+                <a:cs typeface="Courier New" panose="02070309020205020404" pitchFamily="49" charset="0"/>
+              </a:rPr>
+              <a:t>Predict</a:t>
+            </a:r>
+            <a:r>
+              <a:rPr lang="nl-NL" sz="1400" kern="0" dirty="0" smtClean="0">
+                <a:latin typeface="Courier New" panose="02070309020205020404" pitchFamily="49" charset="0"/>
+                <a:cs typeface="Courier New" panose="02070309020205020404" pitchFamily="49" charset="0"/>
+              </a:rPr>
+              <a:t> </a:t>
+            </a:r>
+            <a:r>
+              <a:rPr lang="nl-NL" sz="1400" kern="0" dirty="0" err="1" smtClean="0">
+                <a:latin typeface="Courier New" panose="02070309020205020404" pitchFamily="49" charset="0"/>
+                <a:cs typeface="Courier New" panose="02070309020205020404" pitchFamily="49" charset="0"/>
+              </a:rPr>
+              <a:t>value</a:t>
+            </a:r>
+            <a:endParaRPr lang="nl-NL" sz="1400" kern="0" dirty="0" smtClean="0">
+              <a:latin typeface="Courier New" panose="02070309020205020404" pitchFamily="49" charset="0"/>
+              <a:cs typeface="Courier New" panose="02070309020205020404" pitchFamily="49" charset="0"/>
+            </a:endParaRPr>
+          </a:p>
+          <a:p>
+            <a:pPr marL="0" indent="0">
+              <a:buFont typeface="Zapf Dingbats" charset="2"/>
+              <a:buNone/>
+            </a:pPr>
             <a:endParaRPr lang="nl-NL" sz="1400" kern="0" dirty="0" smtClean="0">
               <a:latin typeface="Courier New" panose="02070309020205020404" pitchFamily="49" charset="0"/>
               <a:cs typeface="Courier New" panose="02070309020205020404" pitchFamily="49" charset="0"/>
@@ -6900,12 +6898,176 @@
               <a:cs typeface="Courier New" panose="02070309020205020404" pitchFamily="49" charset="0"/>
             </a:endParaRPr>
           </a:p>
+          <a:p>
+            <a:pPr marL="0" indent="0">
+              <a:buFont typeface="Zapf Dingbats" charset="2"/>
+              <a:buNone/>
+            </a:pPr>
+            <a:endParaRPr lang="nl-NL" sz="1400" kern="0" dirty="0">
+              <a:latin typeface="Courier New" panose="02070309020205020404" pitchFamily="49" charset="0"/>
+              <a:cs typeface="Courier New" panose="02070309020205020404" pitchFamily="49" charset="0"/>
+            </a:endParaRPr>
+          </a:p>
+          <a:p>
+            <a:pPr marL="0" indent="0">
+              <a:buFont typeface="Zapf Dingbats" charset="2"/>
+              <a:buNone/>
+            </a:pPr>
+            <a:endParaRPr lang="nl-NL" sz="1400" kern="0" dirty="0" smtClean="0">
+              <a:latin typeface="Courier New" panose="02070309020205020404" pitchFamily="49" charset="0"/>
+              <a:cs typeface="Courier New" panose="02070309020205020404" pitchFamily="49" charset="0"/>
+            </a:endParaRPr>
+          </a:p>
         </p:txBody>
       </p:sp>
     </p:spTree>
     <p:extLst>
       <p:ext uri="{BB962C8B-B14F-4D97-AF65-F5344CB8AC3E}">
-        <p14:creationId xmlns:p14="http://schemas.microsoft.com/office/powerpoint/2010/main" val="3377482893"/>
+        <p14:creationId xmlns:p14="http://schemas.microsoft.com/office/powerpoint/2010/main" val="1582003774"/>
+      </p:ext>
+    </p:extLst>
+  </p:cSld>
+  <p:clrMapOvr>
+    <a:masterClrMapping/>
+  </p:clrMapOvr>
+</p:sld>
+</file>
+
+<file path=ppt/slides/slide2.xml><?xml version="1.0" encoding="utf-8"?>
+<p:sld xmlns:a="http://schemas.openxmlformats.org/drawingml/2006/main" xmlns:r="http://schemas.openxmlformats.org/officeDocument/2006/relationships" xmlns:p="http://schemas.openxmlformats.org/presentationml/2006/main">
+  <p:cSld>
+    <p:spTree>
+      <p:nvGrpSpPr>
+        <p:cNvPr id="1" name=""/>
+        <p:cNvGrpSpPr/>
+        <p:nvPr/>
+      </p:nvGrpSpPr>
+      <p:grpSpPr>
+        <a:xfrm>
+          <a:off x="0" y="0"/>
+          <a:ext cx="0" cy="0"/>
+          <a:chOff x="0" y="0"/>
+          <a:chExt cx="0" cy="0"/>
+        </a:xfrm>
+      </p:grpSpPr>
+      <p:sp>
+        <p:nvSpPr>
+          <p:cNvPr id="2" name="Titel 1"/>
+          <p:cNvSpPr>
+            <a:spLocks noGrp="1"/>
+          </p:cNvSpPr>
+          <p:nvPr>
+            <p:ph type="title"/>
+          </p:nvPr>
+        </p:nvSpPr>
+        <p:spPr/>
+        <p:txBody>
+          <a:bodyPr/>
+          <a:lstStyle/>
+          <a:p>
+            <a:r>
+              <a:rPr lang="nl-NL" dirty="0" smtClean="0"/>
+              <a:t>Check-in</a:t>
+            </a:r>
+            <a:endParaRPr lang="nl-NL" dirty="0"/>
+          </a:p>
+        </p:txBody>
+      </p:sp>
+      <p:sp>
+        <p:nvSpPr>
+          <p:cNvPr id="9" name="Tijdelijke aanduiding voor inhoud 8"/>
+          <p:cNvSpPr>
+            <a:spLocks noGrp="1"/>
+          </p:cNvSpPr>
+          <p:nvPr>
+            <p:ph idx="1"/>
+          </p:nvPr>
+        </p:nvSpPr>
+        <p:spPr/>
+        <p:txBody>
+          <a:bodyPr/>
+          <a:lstStyle/>
+          <a:p>
+            <a:endParaRPr lang="nl-NL"/>
+          </a:p>
+        </p:txBody>
+      </p:sp>
+      <p:pic>
+        <p:nvPicPr>
+          <p:cNvPr id="12" name="Afbeelding 11"/>
+          <p:cNvPicPr>
+            <a:picLocks noChangeAspect="1"/>
+          </p:cNvPicPr>
+          <p:nvPr/>
+        </p:nvPicPr>
+        <p:blipFill>
+          <a:blip r:embed="rId2"/>
+          <a:stretch>
+            <a:fillRect/>
+          </a:stretch>
+        </p:blipFill>
+        <p:spPr>
+          <a:xfrm>
+            <a:off x="6156176" y="2492896"/>
+            <a:ext cx="2253070" cy="2016224"/>
+          </a:xfrm>
+          <a:prstGeom prst="rect">
+            <a:avLst/>
+          </a:prstGeom>
+        </p:spPr>
+      </p:pic>
+      <p:pic>
+        <p:nvPicPr>
+          <p:cNvPr id="13" name="Afbeelding 12"/>
+          <p:cNvPicPr>
+            <a:picLocks noChangeAspect="1"/>
+          </p:cNvPicPr>
+          <p:nvPr/>
+        </p:nvPicPr>
+        <p:blipFill>
+          <a:blip r:embed="rId3"/>
+          <a:stretch>
+            <a:fillRect/>
+          </a:stretch>
+        </p:blipFill>
+        <p:spPr>
+          <a:xfrm>
+            <a:off x="3491880" y="2616786"/>
+            <a:ext cx="2129219" cy="1988089"/>
+          </a:xfrm>
+          <a:prstGeom prst="rect">
+            <a:avLst/>
+          </a:prstGeom>
+        </p:spPr>
+      </p:pic>
+      <p:pic>
+        <p:nvPicPr>
+          <p:cNvPr id="14" name="Afbeelding 13"/>
+          <p:cNvPicPr>
+            <a:picLocks noChangeAspect="1"/>
+          </p:cNvPicPr>
+          <p:nvPr/>
+        </p:nvPicPr>
+        <p:blipFill>
+          <a:blip r:embed="rId4"/>
+          <a:stretch>
+            <a:fillRect/>
+          </a:stretch>
+        </p:blipFill>
+        <p:spPr>
+          <a:xfrm>
+            <a:off x="869217" y="2712543"/>
+            <a:ext cx="1873659" cy="1796577"/>
+          </a:xfrm>
+          <a:prstGeom prst="rect">
+            <a:avLst/>
+          </a:prstGeom>
+        </p:spPr>
+      </p:pic>
+    </p:spTree>
+    <p:extLst>
+      <p:ext uri="{BB962C8B-B14F-4D97-AF65-F5344CB8AC3E}">
+        <p14:creationId xmlns:p14="http://schemas.microsoft.com/office/powerpoint/2010/main" val="504181628"/>
       </p:ext>
     </p:extLst>
   </p:cSld>
@@ -6919,6 +7081,681 @@
       </p:par>
     </p:tnLst>
   </p:timing>
+</p:sld>
+</file>
+
+<file path=ppt/slides/slide3.xml><?xml version="1.0" encoding="utf-8"?>
+<p:sld xmlns:a="http://schemas.openxmlformats.org/drawingml/2006/main" xmlns:r="http://schemas.openxmlformats.org/officeDocument/2006/relationships" xmlns:p="http://schemas.openxmlformats.org/presentationml/2006/main">
+  <p:cSld>
+    <p:spTree>
+      <p:nvGrpSpPr>
+        <p:cNvPr id="1" name=""/>
+        <p:cNvGrpSpPr/>
+        <p:nvPr/>
+      </p:nvGrpSpPr>
+      <p:grpSpPr>
+        <a:xfrm>
+          <a:off x="0" y="0"/>
+          <a:ext cx="0" cy="0"/>
+          <a:chOff x="0" y="0"/>
+          <a:chExt cx="0" cy="0"/>
+        </a:xfrm>
+      </p:grpSpPr>
+      <p:sp>
+        <p:nvSpPr>
+          <p:cNvPr id="2" name="Titel 1"/>
+          <p:cNvSpPr>
+            <a:spLocks noGrp="1"/>
+          </p:cNvSpPr>
+          <p:nvPr>
+            <p:ph type="title"/>
+          </p:nvPr>
+        </p:nvSpPr>
+        <p:spPr/>
+        <p:txBody>
+          <a:bodyPr/>
+          <a:lstStyle/>
+          <a:p>
+            <a:r>
+              <a:rPr lang="nl-NL" dirty="0" smtClean="0"/>
+              <a:t>Intro</a:t>
+            </a:r>
+            <a:endParaRPr lang="nl-NL" dirty="0"/>
+          </a:p>
+        </p:txBody>
+      </p:sp>
+      <p:sp>
+        <p:nvSpPr>
+          <p:cNvPr id="9" name="Tijdelijke aanduiding voor inhoud 8"/>
+          <p:cNvSpPr>
+            <a:spLocks noGrp="1"/>
+          </p:cNvSpPr>
+          <p:nvPr>
+            <p:ph idx="1"/>
+          </p:nvPr>
+        </p:nvSpPr>
+        <p:spPr/>
+        <p:txBody>
+          <a:bodyPr/>
+          <a:lstStyle/>
+          <a:p>
+            <a:endParaRPr lang="nl-NL"/>
+          </a:p>
+        </p:txBody>
+      </p:sp>
+    </p:spTree>
+    <p:extLst>
+      <p:ext uri="{BB962C8B-B14F-4D97-AF65-F5344CB8AC3E}">
+        <p14:creationId xmlns:p14="http://schemas.microsoft.com/office/powerpoint/2010/main" val="2394972632"/>
+      </p:ext>
+    </p:extLst>
+  </p:cSld>
+  <p:clrMapOvr>
+    <a:masterClrMapping/>
+  </p:clrMapOvr>
+  <p:timing>
+    <p:tnLst>
+      <p:par>
+        <p:cTn id="1" dur="indefinite" restart="never" nodeType="tmRoot"/>
+      </p:par>
+    </p:tnLst>
+  </p:timing>
+</p:sld>
+</file>
+
+<file path=ppt/slides/slide4.xml><?xml version="1.0" encoding="utf-8"?>
+<p:sld xmlns:a="http://schemas.openxmlformats.org/drawingml/2006/main" xmlns:r="http://schemas.openxmlformats.org/officeDocument/2006/relationships" xmlns:p="http://schemas.openxmlformats.org/presentationml/2006/main">
+  <p:cSld>
+    <p:spTree>
+      <p:nvGrpSpPr>
+        <p:cNvPr id="1" name=""/>
+        <p:cNvGrpSpPr/>
+        <p:nvPr/>
+      </p:nvGrpSpPr>
+      <p:grpSpPr>
+        <a:xfrm>
+          <a:off x="0" y="0"/>
+          <a:ext cx="0" cy="0"/>
+          <a:chOff x="0" y="0"/>
+          <a:chExt cx="0" cy="0"/>
+        </a:xfrm>
+      </p:grpSpPr>
+      <p:sp>
+        <p:nvSpPr>
+          <p:cNvPr id="2" name="Titel 1"/>
+          <p:cNvSpPr>
+            <a:spLocks noGrp="1"/>
+          </p:cNvSpPr>
+          <p:nvPr>
+            <p:ph type="title"/>
+          </p:nvPr>
+        </p:nvSpPr>
+        <p:spPr/>
+        <p:txBody>
+          <a:bodyPr/>
+          <a:lstStyle/>
+          <a:p>
+            <a:r>
+              <a:rPr lang="nl-NL" dirty="0" smtClean="0"/>
+              <a:t>Topics</a:t>
+            </a:r>
+            <a:endParaRPr lang="nl-NL" dirty="0"/>
+          </a:p>
+        </p:txBody>
+      </p:sp>
+      <p:sp>
+        <p:nvSpPr>
+          <p:cNvPr id="3" name="Tijdelijke aanduiding voor inhoud 2"/>
+          <p:cNvSpPr>
+            <a:spLocks noGrp="1"/>
+          </p:cNvSpPr>
+          <p:nvPr>
+            <p:ph idx="1"/>
+          </p:nvPr>
+        </p:nvSpPr>
+        <p:spPr>
+          <a:xfrm>
+            <a:off x="762000" y="1762125"/>
+            <a:ext cx="7881938" cy="3268587"/>
+          </a:xfrm>
+        </p:spPr>
+        <p:txBody>
+          <a:bodyPr/>
+          <a:lstStyle/>
+          <a:p>
+            <a:r>
+              <a:rPr lang="nl-NL" sz="2400" dirty="0" smtClean="0"/>
+              <a:t>Evaluation of </a:t>
+            </a:r>
+            <a:r>
+              <a:rPr lang="nl-NL" sz="2400" dirty="0" err="1" smtClean="0"/>
+              <a:t>simple</a:t>
+            </a:r>
+            <a:r>
+              <a:rPr lang="nl-NL" sz="2400" dirty="0" smtClean="0"/>
+              <a:t> </a:t>
+            </a:r>
+            <a:r>
+              <a:rPr lang="nl-NL" sz="2400" dirty="0" err="1" smtClean="0"/>
+              <a:t>linear</a:t>
+            </a:r>
+            <a:r>
+              <a:rPr lang="nl-NL" sz="2400" dirty="0" smtClean="0"/>
+              <a:t> </a:t>
+            </a:r>
+            <a:r>
+              <a:rPr lang="nl-NL" sz="2400" dirty="0" err="1" smtClean="0"/>
+              <a:t>regression</a:t>
+            </a:r>
+            <a:endParaRPr lang="nl-NL" sz="2400" dirty="0" smtClean="0"/>
+          </a:p>
+          <a:p>
+            <a:endParaRPr lang="nl-NL" sz="2400" dirty="0"/>
+          </a:p>
+          <a:p>
+            <a:r>
+              <a:rPr lang="nl-NL" sz="2400" dirty="0" err="1" smtClean="0"/>
+              <a:t>Overfitting</a:t>
+            </a:r>
+            <a:r>
+              <a:rPr lang="nl-NL" sz="2400" dirty="0" smtClean="0"/>
+              <a:t> </a:t>
+            </a:r>
+            <a:r>
+              <a:rPr lang="nl-NL" sz="2400" dirty="0" err="1" smtClean="0"/>
+              <a:t>and</a:t>
+            </a:r>
+            <a:r>
+              <a:rPr lang="nl-NL" sz="2400" dirty="0" smtClean="0"/>
+              <a:t> model </a:t>
+            </a:r>
+            <a:r>
+              <a:rPr lang="nl-NL" sz="2400" dirty="0" err="1" smtClean="0"/>
+              <a:t>validation</a:t>
+            </a:r>
+            <a:endParaRPr lang="nl-NL" sz="2400" dirty="0" smtClean="0"/>
+          </a:p>
+          <a:p>
+            <a:endParaRPr lang="nl-NL" sz="2400" dirty="0"/>
+          </a:p>
+          <a:p>
+            <a:r>
+              <a:rPr lang="nl-NL" sz="2400" dirty="0" smtClean="0"/>
+              <a:t>Multiple </a:t>
+            </a:r>
+            <a:r>
+              <a:rPr lang="nl-NL" sz="2400" dirty="0" err="1" smtClean="0"/>
+              <a:t>linear</a:t>
+            </a:r>
+            <a:r>
+              <a:rPr lang="nl-NL" sz="2400" dirty="0" smtClean="0"/>
+              <a:t> </a:t>
+            </a:r>
+            <a:r>
+              <a:rPr lang="nl-NL" sz="2400" dirty="0" err="1" smtClean="0"/>
+              <a:t>regression</a:t>
+            </a:r>
+            <a:endParaRPr lang="nl-NL" sz="2400" dirty="0" smtClean="0"/>
+          </a:p>
+          <a:p>
+            <a:endParaRPr lang="nl-NL" dirty="0"/>
+          </a:p>
+          <a:p>
+            <a:endParaRPr lang="nl-NL" dirty="0"/>
+          </a:p>
+        </p:txBody>
+      </p:sp>
+    </p:spTree>
+    <p:extLst>
+      <p:ext uri="{BB962C8B-B14F-4D97-AF65-F5344CB8AC3E}">
+        <p14:creationId xmlns:p14="http://schemas.microsoft.com/office/powerpoint/2010/main" val="76400321"/>
+      </p:ext>
+    </p:extLst>
+  </p:cSld>
+  <p:clrMapOvr>
+    <a:masterClrMapping/>
+  </p:clrMapOvr>
+</p:sld>
+</file>
+
+<file path=ppt/slides/slide5.xml><?xml version="1.0" encoding="utf-8"?>
+<p:sld xmlns:a="http://schemas.openxmlformats.org/drawingml/2006/main" xmlns:r="http://schemas.openxmlformats.org/officeDocument/2006/relationships" xmlns:p="http://schemas.openxmlformats.org/presentationml/2006/main">
+  <p:cSld>
+    <p:spTree>
+      <p:nvGrpSpPr>
+        <p:cNvPr id="1" name=""/>
+        <p:cNvGrpSpPr/>
+        <p:nvPr/>
+      </p:nvGrpSpPr>
+      <p:grpSpPr>
+        <a:xfrm>
+          <a:off x="0" y="0"/>
+          <a:ext cx="0" cy="0"/>
+          <a:chOff x="0" y="0"/>
+          <a:chExt cx="0" cy="0"/>
+        </a:xfrm>
+      </p:grpSpPr>
+      <p:sp>
+        <p:nvSpPr>
+          <p:cNvPr id="2" name="Titel 1"/>
+          <p:cNvSpPr>
+            <a:spLocks noGrp="1"/>
+          </p:cNvSpPr>
+          <p:nvPr>
+            <p:ph type="title"/>
+          </p:nvPr>
+        </p:nvSpPr>
+        <p:spPr>
+          <a:xfrm>
+            <a:off x="899592" y="332656"/>
+            <a:ext cx="6172200" cy="1077218"/>
+          </a:xfrm>
+        </p:spPr>
+        <p:txBody>
+          <a:bodyPr/>
+          <a:lstStyle/>
+          <a:p>
+            <a:r>
+              <a:rPr lang="nl-NL" dirty="0" err="1" smtClean="0"/>
+              <a:t>Assumptions</a:t>
+            </a:r>
+            <a:r>
+              <a:rPr lang="nl-NL" dirty="0" smtClean="0"/>
+              <a:t> of </a:t>
+            </a:r>
+            <a:r>
+              <a:rPr lang="nl-NL" dirty="0" err="1" smtClean="0"/>
+              <a:t>simple</a:t>
+            </a:r>
+            <a:r>
+              <a:rPr lang="nl-NL" dirty="0" smtClean="0"/>
+              <a:t> </a:t>
+            </a:r>
+            <a:r>
+              <a:rPr lang="nl-NL" dirty="0" err="1" smtClean="0"/>
+              <a:t>linear</a:t>
+            </a:r>
+            <a:r>
+              <a:rPr lang="nl-NL" dirty="0" smtClean="0"/>
+              <a:t> </a:t>
+            </a:r>
+            <a:r>
+              <a:rPr lang="nl-NL" dirty="0" err="1" smtClean="0"/>
+              <a:t>regression</a:t>
+            </a:r>
+            <a:endParaRPr lang="nl-NL" dirty="0"/>
+          </a:p>
+        </p:txBody>
+      </p:sp>
+      <p:sp>
+        <p:nvSpPr>
+          <p:cNvPr id="3" name="Tijdelijke aanduiding voor inhoud 2"/>
+          <p:cNvSpPr>
+            <a:spLocks noGrp="1"/>
+          </p:cNvSpPr>
+          <p:nvPr>
+            <p:ph idx="1"/>
+          </p:nvPr>
+        </p:nvSpPr>
+        <p:spPr>
+          <a:xfrm>
+            <a:off x="3131840" y="1916832"/>
+            <a:ext cx="4248472" cy="4142673"/>
+          </a:xfrm>
+        </p:spPr>
+        <p:txBody>
+          <a:bodyPr/>
+          <a:lstStyle/>
+          <a:p>
+            <a:pPr marL="514350" indent="-514350">
+              <a:buFont typeface="+mj-lt"/>
+              <a:buAutoNum type="arabicPeriod"/>
+            </a:pPr>
+            <a:r>
+              <a:rPr lang="nl-NL" sz="2000" dirty="0" err="1" smtClean="0"/>
+              <a:t>Linearity</a:t>
+            </a:r>
+            <a:r>
+              <a:rPr lang="nl-NL" sz="2000" dirty="0" smtClean="0"/>
+              <a:t> (the points are </a:t>
+            </a:r>
+            <a:r>
+              <a:rPr lang="nl-NL" sz="2000" dirty="0" err="1" smtClean="0"/>
+              <a:t>around</a:t>
+            </a:r>
+            <a:r>
+              <a:rPr lang="nl-NL" sz="2000" dirty="0" smtClean="0"/>
+              <a:t> a straight line, </a:t>
+            </a:r>
+            <a:r>
+              <a:rPr lang="nl-NL" sz="2000" dirty="0" err="1" smtClean="0"/>
+              <a:t>not</a:t>
+            </a:r>
+            <a:r>
+              <a:rPr lang="nl-NL" sz="2000" dirty="0" smtClean="0"/>
+              <a:t> on a </a:t>
+            </a:r>
+            <a:r>
+              <a:rPr lang="nl-NL" sz="2000" dirty="0" err="1" smtClean="0"/>
+              <a:t>curved</a:t>
+            </a:r>
+            <a:r>
+              <a:rPr lang="nl-NL" sz="2000" dirty="0" smtClean="0"/>
+              <a:t> line)</a:t>
+            </a:r>
+          </a:p>
+          <a:p>
+            <a:pPr marL="514350" indent="-514350">
+              <a:buFont typeface="+mj-lt"/>
+              <a:buAutoNum type="arabicPeriod"/>
+            </a:pPr>
+            <a:endParaRPr lang="nl-NL" sz="2000" dirty="0" smtClean="0"/>
+          </a:p>
+          <a:p>
+            <a:pPr marL="514350" indent="-514350">
+              <a:buFont typeface="+mj-lt"/>
+              <a:buAutoNum type="arabicPeriod"/>
+            </a:pPr>
+            <a:r>
+              <a:rPr lang="nl-NL" sz="2000" dirty="0" err="1" smtClean="0"/>
+              <a:t>Equal</a:t>
+            </a:r>
+            <a:r>
+              <a:rPr lang="nl-NL" sz="2000" dirty="0" smtClean="0"/>
+              <a:t> </a:t>
+            </a:r>
+            <a:r>
+              <a:rPr lang="nl-NL" sz="2000" dirty="0" err="1" smtClean="0"/>
+              <a:t>variance</a:t>
+            </a:r>
+            <a:r>
+              <a:rPr lang="nl-NL" sz="2000" dirty="0" smtClean="0"/>
+              <a:t> (the </a:t>
+            </a:r>
+            <a:r>
+              <a:rPr lang="nl-NL" sz="2000" dirty="0" err="1" smtClean="0"/>
+              <a:t>distance</a:t>
+            </a:r>
+            <a:r>
+              <a:rPr lang="nl-NL" sz="2000" dirty="0" smtClean="0"/>
+              <a:t> </a:t>
+            </a:r>
+            <a:r>
+              <a:rPr lang="nl-NL" sz="2000" dirty="0" err="1" smtClean="0"/>
+              <a:t>between</a:t>
+            </a:r>
+            <a:r>
+              <a:rPr lang="nl-NL" sz="2000" dirty="0" smtClean="0"/>
+              <a:t> the points </a:t>
+            </a:r>
+            <a:r>
+              <a:rPr lang="nl-NL" sz="2000" dirty="0" err="1" smtClean="0"/>
+              <a:t>and</a:t>
+            </a:r>
+            <a:r>
+              <a:rPr lang="nl-NL" sz="2000" dirty="0" smtClean="0"/>
+              <a:t> the line does </a:t>
+            </a:r>
+            <a:r>
+              <a:rPr lang="nl-NL" sz="2000" dirty="0" err="1" smtClean="0"/>
+              <a:t>not</a:t>
+            </a:r>
+            <a:r>
+              <a:rPr lang="nl-NL" sz="2000" dirty="0" smtClean="0"/>
+              <a:t> change </a:t>
+            </a:r>
+            <a:r>
+              <a:rPr lang="nl-NL" sz="2000" dirty="0" err="1" smtClean="0"/>
+              <a:t>very</a:t>
+            </a:r>
+            <a:r>
+              <a:rPr lang="nl-NL" sz="2000" dirty="0" smtClean="0"/>
+              <a:t> </a:t>
+            </a:r>
+            <a:r>
+              <a:rPr lang="nl-NL" sz="2000" dirty="0" err="1" smtClean="0"/>
+              <a:t>much</a:t>
+            </a:r>
+            <a:r>
+              <a:rPr lang="nl-NL" sz="2000" dirty="0" smtClean="0"/>
+              <a:t>)</a:t>
+            </a:r>
+          </a:p>
+          <a:p>
+            <a:pPr marL="514350" indent="-514350">
+              <a:buFont typeface="+mj-lt"/>
+              <a:buAutoNum type="arabicPeriod"/>
+            </a:pPr>
+            <a:endParaRPr lang="nl-NL" sz="2000" dirty="0"/>
+          </a:p>
+          <a:p>
+            <a:pPr marL="514350" indent="-514350">
+              <a:buFont typeface="+mj-lt"/>
+              <a:buAutoNum type="arabicPeriod"/>
+            </a:pPr>
+            <a:r>
+              <a:rPr lang="nl-NL" sz="2000" dirty="0" err="1" smtClean="0">
+                <a:solidFill>
+                  <a:srgbClr val="949494"/>
+                </a:solidFill>
+              </a:rPr>
+              <a:t>Residuals</a:t>
+            </a:r>
+            <a:r>
+              <a:rPr lang="nl-NL" sz="2000" dirty="0" smtClean="0">
+                <a:solidFill>
+                  <a:srgbClr val="949494"/>
+                </a:solidFill>
+              </a:rPr>
+              <a:t> are </a:t>
+            </a:r>
+            <a:r>
+              <a:rPr lang="nl-NL" sz="2000" dirty="0" err="1" smtClean="0">
+                <a:solidFill>
+                  <a:srgbClr val="949494"/>
+                </a:solidFill>
+              </a:rPr>
+              <a:t>normally</a:t>
+            </a:r>
+            <a:r>
+              <a:rPr lang="nl-NL" sz="2000" dirty="0" smtClean="0">
+                <a:solidFill>
+                  <a:srgbClr val="949494"/>
+                </a:solidFill>
+              </a:rPr>
+              <a:t> </a:t>
+            </a:r>
+            <a:r>
+              <a:rPr lang="nl-NL" sz="2000" dirty="0" err="1" smtClean="0">
+                <a:solidFill>
+                  <a:srgbClr val="949494"/>
+                </a:solidFill>
+              </a:rPr>
+              <a:t>distributed</a:t>
+            </a:r>
+            <a:r>
+              <a:rPr lang="nl-NL" sz="2000" dirty="0" smtClean="0">
+                <a:solidFill>
+                  <a:srgbClr val="949494"/>
+                </a:solidFill>
+              </a:rPr>
+              <a:t> (</a:t>
+            </a:r>
+            <a:r>
+              <a:rPr lang="nl-NL" sz="2000" dirty="0" err="1" smtClean="0">
+                <a:solidFill>
+                  <a:srgbClr val="949494"/>
+                </a:solidFill>
+              </a:rPr>
+              <a:t>ignore</a:t>
+            </a:r>
+            <a:r>
+              <a:rPr lang="nl-NL" sz="2000" dirty="0" smtClean="0">
+                <a:solidFill>
+                  <a:srgbClr val="949494"/>
+                </a:solidFill>
+              </a:rPr>
+              <a:t> this </a:t>
+            </a:r>
+            <a:r>
+              <a:rPr lang="nl-NL" sz="2000" dirty="0" err="1" smtClean="0">
+                <a:solidFill>
+                  <a:srgbClr val="949494"/>
+                </a:solidFill>
+              </a:rPr>
+              <a:t>one</a:t>
+            </a:r>
+            <a:r>
+              <a:rPr lang="nl-NL" sz="2000" dirty="0" smtClean="0">
+                <a:solidFill>
+                  <a:srgbClr val="949494"/>
+                </a:solidFill>
+              </a:rPr>
+              <a:t> </a:t>
+            </a:r>
+            <a:r>
+              <a:rPr lang="nl-NL" sz="2000" dirty="0" err="1" smtClean="0">
+                <a:solidFill>
+                  <a:srgbClr val="949494"/>
+                </a:solidFill>
+              </a:rPr>
+              <a:t>for</a:t>
+            </a:r>
+            <a:r>
+              <a:rPr lang="nl-NL" sz="2000" dirty="0" smtClean="0">
+                <a:solidFill>
+                  <a:srgbClr val="949494"/>
+                </a:solidFill>
+              </a:rPr>
+              <a:t> </a:t>
+            </a:r>
+            <a:r>
+              <a:rPr lang="nl-NL" sz="2000" dirty="0" err="1" smtClean="0">
+                <a:solidFill>
+                  <a:srgbClr val="949494"/>
+                </a:solidFill>
+              </a:rPr>
+              <a:t>now</a:t>
+            </a:r>
+            <a:r>
+              <a:rPr lang="nl-NL" sz="2000" dirty="0" smtClean="0">
+                <a:solidFill>
+                  <a:srgbClr val="949494"/>
+                </a:solidFill>
+              </a:rPr>
+              <a:t>)</a:t>
+            </a:r>
+          </a:p>
+          <a:p>
+            <a:pPr marL="514350" indent="-514350">
+              <a:buFont typeface="+mj-lt"/>
+              <a:buAutoNum type="arabicPeriod"/>
+            </a:pPr>
+            <a:endParaRPr lang="nl-NL" dirty="0" smtClean="0"/>
+          </a:p>
+          <a:p>
+            <a:pPr marL="514350" indent="-514350">
+              <a:buFont typeface="+mj-lt"/>
+              <a:buAutoNum type="arabicPeriod"/>
+            </a:pPr>
+            <a:endParaRPr lang="nl-NL" dirty="0"/>
+          </a:p>
+        </p:txBody>
+      </p:sp>
+      <p:pic>
+        <p:nvPicPr>
+          <p:cNvPr id="5" name="Afbeelding 4"/>
+          <p:cNvPicPr>
+            <a:picLocks noChangeAspect="1"/>
+          </p:cNvPicPr>
+          <p:nvPr/>
+        </p:nvPicPr>
+        <p:blipFill>
+          <a:blip r:embed="rId2"/>
+          <a:stretch>
+            <a:fillRect/>
+          </a:stretch>
+        </p:blipFill>
+        <p:spPr>
+          <a:xfrm>
+            <a:off x="251520" y="1988840"/>
+            <a:ext cx="2748359" cy="2842053"/>
+          </a:xfrm>
+          <a:prstGeom prst="rect">
+            <a:avLst/>
+          </a:prstGeom>
+        </p:spPr>
+      </p:pic>
+      <p:pic>
+        <p:nvPicPr>
+          <p:cNvPr id="7" name="Afbeelding 6"/>
+          <p:cNvPicPr>
+            <a:picLocks noChangeAspect="1"/>
+          </p:cNvPicPr>
+          <p:nvPr/>
+        </p:nvPicPr>
+        <p:blipFill>
+          <a:blip r:embed="rId3" cstate="print">
+            <a:extLst>
+              <a:ext uri="{28A0092B-C50C-407E-A947-70E740481C1C}">
+                <a14:useLocalDpi xmlns:a14="http://schemas.microsoft.com/office/drawing/2010/main" val="0"/>
+              </a:ext>
+            </a:extLst>
+          </a:blip>
+          <a:stretch>
+            <a:fillRect/>
+          </a:stretch>
+        </p:blipFill>
+        <p:spPr>
+          <a:xfrm>
+            <a:off x="7668344" y="1916832"/>
+            <a:ext cx="1238016" cy="1073870"/>
+          </a:xfrm>
+          <a:prstGeom prst="rect">
+            <a:avLst/>
+          </a:prstGeom>
+        </p:spPr>
+      </p:pic>
+      <p:pic>
+        <p:nvPicPr>
+          <p:cNvPr id="8" name="Afbeelding 7"/>
+          <p:cNvPicPr>
+            <a:picLocks noChangeAspect="1"/>
+          </p:cNvPicPr>
+          <p:nvPr/>
+        </p:nvPicPr>
+        <p:blipFill>
+          <a:blip r:embed="rId4" cstate="print">
+            <a:extLst>
+              <a:ext uri="{28A0092B-C50C-407E-A947-70E740481C1C}">
+                <a14:useLocalDpi xmlns:a14="http://schemas.microsoft.com/office/drawing/2010/main" val="0"/>
+              </a:ext>
+            </a:extLst>
+          </a:blip>
+          <a:stretch>
+            <a:fillRect/>
+          </a:stretch>
+        </p:blipFill>
+        <p:spPr>
+          <a:xfrm>
+            <a:off x="7668344" y="3284984"/>
+            <a:ext cx="1124744" cy="1124744"/>
+          </a:xfrm>
+          <a:prstGeom prst="rect">
+            <a:avLst/>
+          </a:prstGeom>
+        </p:spPr>
+      </p:pic>
+    </p:spTree>
+    <p:extLst>
+      <p:ext uri="{BB962C8B-B14F-4D97-AF65-F5344CB8AC3E}">
+        <p14:creationId xmlns:p14="http://schemas.microsoft.com/office/powerpoint/2010/main" val="2993536408"/>
+      </p:ext>
+    </p:extLst>
+  </p:cSld>
+  <p:clrMapOvr>
+    <a:masterClrMapping/>
+  </p:clrMapOvr>
 </p:sld>
 </file>
 
@@ -6955,119 +7792,57 @@
           <a:lstStyle/>
           <a:p>
             <a:r>
+              <a:rPr lang="nl-NL" dirty="0" err="1" smtClean="0"/>
+              <a:t>Inspect</a:t>
+            </a:r>
+            <a:r>
               <a:rPr lang="nl-NL" dirty="0" smtClean="0"/>
-              <a:t>Topics</a:t>
+              <a:t> </a:t>
+            </a:r>
+            <a:r>
+              <a:rPr lang="nl-NL" dirty="0" err="1" smtClean="0"/>
+              <a:t>residuals</a:t>
+            </a:r>
+            <a:r>
+              <a:rPr lang="nl-NL" dirty="0" smtClean="0"/>
+              <a:t>/</a:t>
+            </a:r>
+            <a:r>
+              <a:rPr lang="nl-NL" dirty="0" err="1" smtClean="0"/>
+              <a:t>errors</a:t>
             </a:r>
             <a:endParaRPr lang="nl-NL" dirty="0"/>
           </a:p>
         </p:txBody>
       </p:sp>
-      <p:sp>
-        <p:nvSpPr>
-          <p:cNvPr id="3" name="Tijdelijke aanduiding voor inhoud 2"/>
-          <p:cNvSpPr>
-            <a:spLocks noGrp="1"/>
-          </p:cNvSpPr>
-          <p:nvPr>
-            <p:ph idx="1"/>
-          </p:nvPr>
-        </p:nvSpPr>
+      <p:pic>
+        <p:nvPicPr>
+          <p:cNvPr id="4" name="Afbeelding 3"/>
+          <p:cNvPicPr>
+            <a:picLocks noChangeAspect="1"/>
+          </p:cNvPicPr>
+          <p:nvPr/>
+        </p:nvPicPr>
+        <p:blipFill>
+          <a:blip r:embed="rId2"/>
+          <a:stretch>
+            <a:fillRect/>
+          </a:stretch>
+        </p:blipFill>
         <p:spPr>
           <a:xfrm>
-            <a:off x="762000" y="1762125"/>
-            <a:ext cx="7881938" cy="3268587"/>
+            <a:off x="467544" y="2132856"/>
+            <a:ext cx="2748359" cy="2842053"/>
           </a:xfrm>
+          <a:prstGeom prst="rect">
+            <a:avLst/>
+          </a:prstGeom>
         </p:spPr>
-        <p:txBody>
-          <a:bodyPr/>
-          <a:lstStyle/>
-          <a:p>
-            <a:r>
-              <a:rPr lang="nl-NL" sz="2400" dirty="0" smtClean="0"/>
-              <a:t>Evaluation of </a:t>
-            </a:r>
-            <a:r>
-              <a:rPr lang="nl-NL" sz="2400" dirty="0" err="1" smtClean="0"/>
-              <a:t>simple</a:t>
-            </a:r>
-            <a:r>
-              <a:rPr lang="nl-NL" sz="2400" dirty="0" smtClean="0"/>
-              <a:t> </a:t>
-            </a:r>
-            <a:r>
-              <a:rPr lang="nl-NL" sz="2400" dirty="0" err="1" smtClean="0"/>
-              <a:t>linear</a:t>
-            </a:r>
-            <a:r>
-              <a:rPr lang="nl-NL" sz="2400" dirty="0" smtClean="0"/>
-              <a:t> </a:t>
-            </a:r>
-            <a:r>
-              <a:rPr lang="nl-NL" sz="2400" dirty="0" err="1" smtClean="0"/>
-              <a:t>regression</a:t>
-            </a:r>
-            <a:endParaRPr lang="nl-NL" sz="2400" dirty="0" smtClean="0"/>
-          </a:p>
-          <a:p>
-            <a:endParaRPr lang="nl-NL" sz="2400" dirty="0"/>
-          </a:p>
-          <a:p>
-            <a:r>
-              <a:rPr lang="nl-NL" sz="2400" dirty="0" err="1" smtClean="0"/>
-              <a:t>Overfitting</a:t>
-            </a:r>
-            <a:r>
-              <a:rPr lang="nl-NL" sz="2400" dirty="0" smtClean="0"/>
-              <a:t> </a:t>
-            </a:r>
-            <a:r>
-              <a:rPr lang="nl-NL" sz="2400" dirty="0" err="1" smtClean="0"/>
-              <a:t>and</a:t>
-            </a:r>
-            <a:r>
-              <a:rPr lang="nl-NL" sz="2400" dirty="0" smtClean="0"/>
-              <a:t> model </a:t>
-            </a:r>
-            <a:r>
-              <a:rPr lang="nl-NL" sz="2400" dirty="0" err="1" smtClean="0"/>
-              <a:t>validation</a:t>
-            </a:r>
-            <a:endParaRPr lang="nl-NL" sz="2400" dirty="0" smtClean="0"/>
-          </a:p>
-          <a:p>
-            <a:endParaRPr lang="nl-NL" sz="2400" dirty="0"/>
-          </a:p>
-          <a:p>
-            <a:r>
-              <a:rPr lang="nl-NL" sz="2400" dirty="0" smtClean="0"/>
-              <a:t>Multiple </a:t>
-            </a:r>
-            <a:r>
-              <a:rPr lang="nl-NL" sz="2400" dirty="0" err="1" smtClean="0"/>
-              <a:t>linear</a:t>
-            </a:r>
-            <a:r>
-              <a:rPr lang="nl-NL" sz="2400" dirty="0" smtClean="0"/>
-              <a:t> </a:t>
-            </a:r>
-            <a:r>
-              <a:rPr lang="nl-NL" sz="2400" dirty="0" err="1" smtClean="0"/>
-              <a:t>regression</a:t>
-            </a:r>
-            <a:endParaRPr lang="nl-NL" sz="2400" dirty="0" smtClean="0"/>
-          </a:p>
-          <a:p>
-            <a:endParaRPr lang="nl-NL" dirty="0"/>
-          </a:p>
-          <a:p>
-            <a:endParaRPr lang="nl-NL" dirty="0"/>
-          </a:p>
-        </p:txBody>
-      </p:sp>
+      </p:pic>
     </p:spTree>
     <p:extLst>
       <p:ext uri="{BB962C8B-B14F-4D97-AF65-F5344CB8AC3E}">
-        <p14:creationId xmlns:p14="http://schemas.microsoft.com/office/powerpoint/2010/main" val="739240308"/>
+        <p14:creationId xmlns:p14="http://schemas.microsoft.com/office/powerpoint/2010/main" val="557714835"/>
       </p:ext>
     </p:extLst>
   </p:cSld>
@@ -7111,43 +7886,169 @@
           <a:p>
             <a:r>
               <a:rPr lang="nl-NL" dirty="0" err="1" smtClean="0"/>
-              <a:t>Experience</a:t>
-            </a:r>
-            <a:r>
-              <a:rPr lang="nl-NL" dirty="0" smtClean="0"/>
+              <a:t>Transformations</a:t>
+            </a:r>
+            <a:endParaRPr lang="nl-NL" dirty="0"/>
+          </a:p>
+        </p:txBody>
+      </p:sp>
+      <p:sp>
+        <p:nvSpPr>
+          <p:cNvPr id="3" name="Tijdelijke aanduiding voor inhoud 2"/>
+          <p:cNvSpPr>
+            <a:spLocks noGrp="1"/>
+          </p:cNvSpPr>
+          <p:nvPr>
+            <p:ph idx="1"/>
+          </p:nvPr>
+        </p:nvSpPr>
+        <p:spPr>
+          <a:xfrm>
+            <a:off x="762000" y="1762125"/>
+            <a:ext cx="4242048" cy="5146024"/>
+          </a:xfrm>
+        </p:spPr>
+        <p:txBody>
+          <a:bodyPr/>
+          <a:lstStyle/>
+          <a:p>
+            <a:r>
+              <a:rPr lang="nl-NL" sz="2400" dirty="0" err="1" smtClean="0"/>
+              <a:t>Sometimes</a:t>
+            </a:r>
+            <a:r>
+              <a:rPr lang="nl-NL" sz="2400" dirty="0" smtClean="0"/>
+              <a:t> a </a:t>
+            </a:r>
+            <a:r>
+              <a:rPr lang="nl-NL" sz="2400" i="1" dirty="0" err="1" smtClean="0"/>
+              <a:t>transformation</a:t>
+            </a:r>
+            <a:r>
+              <a:rPr lang="nl-NL" sz="2400" i="1" dirty="0" smtClean="0"/>
               <a:t> </a:t>
             </a:r>
             <a:r>
-              <a:rPr lang="nl-NL" dirty="0" err="1" smtClean="0"/>
-              <a:t>overfitting</a:t>
-            </a:r>
+              <a:rPr lang="nl-NL" sz="2400" dirty="0" smtClean="0"/>
+              <a:t>of a </a:t>
+            </a:r>
+            <a:r>
+              <a:rPr lang="nl-NL" sz="2400" dirty="0" err="1" smtClean="0"/>
+              <a:t>variable</a:t>
+            </a:r>
+            <a:r>
+              <a:rPr lang="nl-NL" sz="2400" dirty="0" smtClean="0"/>
+              <a:t> </a:t>
+            </a:r>
+            <a:r>
+              <a:rPr lang="nl-NL" sz="2400" dirty="0" err="1" smtClean="0"/>
+              <a:t>can</a:t>
+            </a:r>
+            <a:r>
+              <a:rPr lang="nl-NL" sz="2400" dirty="0" smtClean="0"/>
+              <a:t> </a:t>
+            </a:r>
+            <a:r>
+              <a:rPr lang="nl-NL" sz="2400" dirty="0" err="1" smtClean="0"/>
+              <a:t>improve</a:t>
+            </a:r>
+            <a:r>
+              <a:rPr lang="nl-NL" sz="2400" dirty="0" smtClean="0"/>
+              <a:t> the model fit</a:t>
+            </a:r>
+          </a:p>
+          <a:p>
+            <a:endParaRPr lang="nl-NL" sz="2400" dirty="0"/>
+          </a:p>
+          <a:p>
+            <a:r>
+              <a:rPr lang="nl-NL" sz="2400" dirty="0" err="1" smtClean="0"/>
+              <a:t>Typical</a:t>
+            </a:r>
+            <a:r>
+              <a:rPr lang="nl-NL" sz="2400" dirty="0" smtClean="0"/>
+              <a:t> </a:t>
+            </a:r>
+            <a:r>
+              <a:rPr lang="nl-NL" sz="2400" dirty="0" err="1" smtClean="0"/>
+              <a:t>transformations</a:t>
+            </a:r>
+            <a:r>
+              <a:rPr lang="nl-NL" sz="2400" dirty="0" smtClean="0"/>
+              <a:t> </a:t>
+            </a:r>
+            <a:r>
+              <a:rPr lang="nl-NL" sz="2400" dirty="0" err="1" smtClean="0"/>
+              <a:t>include</a:t>
+            </a:r>
+            <a:r>
+              <a:rPr lang="nl-NL" sz="2400" dirty="0" smtClean="0"/>
+              <a:t>:</a:t>
+            </a:r>
+          </a:p>
+          <a:p>
+            <a:pPr lvl="1"/>
+            <a:r>
+              <a:rPr lang="nl-NL" sz="2400" baseline="30000" dirty="0" smtClean="0"/>
+              <a:t>10</a:t>
+            </a:r>
+            <a:r>
+              <a:rPr lang="nl-NL" sz="2400" dirty="0" smtClean="0"/>
+              <a:t>log(x)</a:t>
+            </a:r>
+          </a:p>
+          <a:p>
+            <a:pPr lvl="1"/>
+            <a:r>
+              <a:rPr lang="nl-NL" sz="2400" dirty="0" smtClean="0"/>
+              <a:t>√(x)</a:t>
+            </a:r>
+          </a:p>
+          <a:p>
+            <a:pPr lvl="1"/>
+            <a:endParaRPr lang="nl-NL" sz="2400" dirty="0"/>
+          </a:p>
+          <a:p>
+            <a:r>
+              <a:rPr lang="nl-NL" sz="2600" dirty="0" err="1" smtClean="0"/>
+              <a:t>Remember</a:t>
+            </a:r>
+            <a:r>
+              <a:rPr lang="nl-NL" sz="2600" dirty="0" smtClean="0"/>
+              <a:t> </a:t>
+            </a:r>
+            <a:r>
+              <a:rPr lang="nl-NL" sz="2600" dirty="0" err="1" smtClean="0"/>
+              <a:t>to</a:t>
+            </a:r>
+            <a:r>
+              <a:rPr lang="nl-NL" sz="2600" dirty="0" smtClean="0"/>
+              <a:t> </a:t>
+            </a:r>
+            <a:r>
+              <a:rPr lang="nl-NL" sz="2600" dirty="0" err="1" smtClean="0"/>
+              <a:t>apply</a:t>
+            </a:r>
+            <a:r>
+              <a:rPr lang="nl-NL" sz="2600" dirty="0" smtClean="0"/>
+              <a:t> the reverse </a:t>
+            </a:r>
+            <a:r>
+              <a:rPr lang="nl-NL" sz="2600" dirty="0" err="1" smtClean="0"/>
+              <a:t>transformation</a:t>
+            </a:r>
+            <a:endParaRPr lang="nl-NL" sz="2600" dirty="0" smtClean="0"/>
+          </a:p>
+          <a:p>
+            <a:pPr lvl="1"/>
             <a:endParaRPr lang="nl-NL" dirty="0"/>
-          </a:p>
-        </p:txBody>
-      </p:sp>
-      <p:sp>
-        <p:nvSpPr>
-          <p:cNvPr id="3" name="Tijdelijke aanduiding voor inhoud 2"/>
-          <p:cNvSpPr>
-            <a:spLocks noGrp="1"/>
-          </p:cNvSpPr>
-          <p:nvPr>
-            <p:ph idx="1"/>
-          </p:nvPr>
-        </p:nvSpPr>
-        <p:spPr/>
-        <p:txBody>
-          <a:bodyPr/>
-          <a:lstStyle/>
-          <a:p>
-            <a:endParaRPr lang="nl-NL"/>
           </a:p>
         </p:txBody>
       </p:sp>
     </p:spTree>
     <p:extLst>
       <p:ext uri="{BB962C8B-B14F-4D97-AF65-F5344CB8AC3E}">
-        <p14:creationId xmlns:p14="http://schemas.microsoft.com/office/powerpoint/2010/main" val="1464093598"/>
+        <p14:creationId xmlns:p14="http://schemas.microsoft.com/office/powerpoint/2010/main" val="562055895"/>
       </p:ext>
     </p:extLst>
   </p:cSld>
@@ -7200,19 +8101,11 @@
             </a:r>
             <a:r>
               <a:rPr lang="nl-NL" dirty="0" smtClean="0"/>
-              <a:t> </a:t>
-            </a:r>
-            <a:r>
-              <a:rPr lang="nl-NL" dirty="0"/>
-              <a:t>2</a:t>
-            </a:r>
-            <a:r>
-              <a:rPr lang="nl-NL" dirty="0" smtClean="0"/>
-              <a:t>: model </a:t>
+              <a:t> 1: </a:t>
             </a:r>
             <a:r>
               <a:rPr lang="nl-NL" dirty="0" err="1" smtClean="0"/>
-              <a:t>validation</a:t>
+              <a:t>evaluation</a:t>
             </a:r>
             <a:endParaRPr lang="nl-NL" dirty="0"/>
           </a:p>
@@ -7312,8 +8205,8 @@
         </p:nvSpPr>
         <p:spPr bwMode="auto">
           <a:xfrm>
-            <a:off x="683568" y="1700808"/>
-            <a:ext cx="7881938" cy="2893100"/>
+            <a:off x="692672" y="1484784"/>
+            <a:ext cx="7881938" cy="6370975"/>
           </a:xfrm>
           <a:prstGeom prst="rect">
             <a:avLst/>
@@ -7528,20 +8421,76 @@
                 <a:latin typeface="Courier New" panose="02070309020205020404" pitchFamily="49" charset="0"/>
                 <a:cs typeface="Courier New" panose="02070309020205020404" pitchFamily="49" charset="0"/>
               </a:rPr>
-              <a:t>Split data </a:t>
+              <a:t>Continue in the Notebook </a:t>
             </a:r>
             <a:r>
               <a:rPr lang="nl-NL" sz="1400" kern="0" dirty="0" err="1" smtClean="0">
                 <a:latin typeface="Courier New" panose="02070309020205020404" pitchFamily="49" charset="0"/>
                 <a:cs typeface="Courier New" panose="02070309020205020404" pitchFamily="49" charset="0"/>
               </a:rPr>
-              <a:t>into</a:t>
+              <a:t>with</a:t>
             </a:r>
             <a:r>
               <a:rPr lang="nl-NL" sz="1400" kern="0" dirty="0" smtClean="0">
                 <a:latin typeface="Courier New" panose="02070309020205020404" pitchFamily="49" charset="0"/>
                 <a:cs typeface="Courier New" panose="02070309020205020404" pitchFamily="49" charset="0"/>
               </a:rPr>
+              <a:t> the </a:t>
+            </a:r>
+            <a:r>
+              <a:rPr lang="nl-NL" sz="1400" kern="0" dirty="0" err="1" smtClean="0">
+                <a:latin typeface="Courier New" panose="02070309020205020404" pitchFamily="49" charset="0"/>
+                <a:cs typeface="Courier New" panose="02070309020205020404" pitchFamily="49" charset="0"/>
+              </a:rPr>
+              <a:t>regression</a:t>
+            </a:r>
+            <a:r>
+              <a:rPr lang="nl-NL" sz="1400" kern="0" dirty="0" smtClean="0">
+                <a:latin typeface="Courier New" panose="02070309020205020404" pitchFamily="49" charset="0"/>
+                <a:cs typeface="Courier New" panose="02070309020205020404" pitchFamily="49" charset="0"/>
+              </a:rPr>
+              <a:t> from </a:t>
+            </a:r>
+            <a:r>
+              <a:rPr lang="nl-NL" sz="1400" kern="0" dirty="0" err="1" smtClean="0">
+                <a:latin typeface="Courier New" panose="02070309020205020404" pitchFamily="49" charset="0"/>
+                <a:cs typeface="Courier New" panose="02070309020205020404" pitchFamily="49" charset="0"/>
+              </a:rPr>
+              <a:t>Exercise</a:t>
+            </a:r>
+            <a:r>
+              <a:rPr lang="nl-NL" sz="1400" kern="0" dirty="0" smtClean="0">
+                <a:latin typeface="Courier New" panose="02070309020205020404" pitchFamily="49" charset="0"/>
+                <a:cs typeface="Courier New" panose="02070309020205020404" pitchFamily="49" charset="0"/>
+              </a:rPr>
+              <a:t> 3 from the last </a:t>
+            </a:r>
+            <a:r>
+              <a:rPr lang="nl-NL" sz="1400" kern="0" dirty="0" err="1" smtClean="0">
+                <a:latin typeface="Courier New" panose="02070309020205020404" pitchFamily="49" charset="0"/>
+                <a:cs typeface="Courier New" panose="02070309020205020404" pitchFamily="49" charset="0"/>
+              </a:rPr>
+              <a:t>lesson</a:t>
+            </a:r>
+            <a:r>
+              <a:rPr lang="nl-NL" sz="1400" kern="0" dirty="0" smtClean="0">
+                <a:latin typeface="Courier New" panose="02070309020205020404" pitchFamily="49" charset="0"/>
+                <a:cs typeface="Courier New" panose="02070309020205020404" pitchFamily="49" charset="0"/>
+              </a:rPr>
+              <a:t>. We are </a:t>
+            </a:r>
+            <a:r>
+              <a:rPr lang="nl-NL" sz="1400" kern="0" dirty="0" err="1" smtClean="0">
+                <a:latin typeface="Courier New" panose="02070309020205020404" pitchFamily="49" charset="0"/>
+                <a:cs typeface="Courier New" panose="02070309020205020404" pitchFamily="49" charset="0"/>
+              </a:rPr>
+              <a:t>going</a:t>
+            </a:r>
+            <a:r>
+              <a:rPr lang="nl-NL" sz="1400" kern="0" dirty="0" smtClean="0">
+                <a:latin typeface="Courier New" panose="02070309020205020404" pitchFamily="49" charset="0"/>
+                <a:cs typeface="Courier New" panose="02070309020205020404" pitchFamily="49" charset="0"/>
+              </a:rPr>
               <a:t> </a:t>
             </a:r>
             <a:r>
@@ -7549,12 +8498,43 @@
                 <a:latin typeface="Courier New" panose="02070309020205020404" pitchFamily="49" charset="0"/>
                 <a:cs typeface="Courier New" panose="02070309020205020404" pitchFamily="49" charset="0"/>
               </a:rPr>
-              <a:t>two</a:t>
-            </a:r>
-            <a:endParaRPr lang="nl-NL" sz="1400" kern="0" dirty="0" smtClean="0">
-              <a:latin typeface="Courier New" panose="02070309020205020404" pitchFamily="49" charset="0"/>
-              <a:cs typeface="Courier New" panose="02070309020205020404" pitchFamily="49" charset="0"/>
-            </a:endParaRPr>
+              <a:t>to</a:t>
+            </a:r>
+            <a:r>
+              <a:rPr lang="nl-NL" sz="1400" kern="0" dirty="0" smtClean="0">
+                <a:latin typeface="Courier New" panose="02070309020205020404" pitchFamily="49" charset="0"/>
+                <a:cs typeface="Courier New" panose="02070309020205020404" pitchFamily="49" charset="0"/>
+              </a:rPr>
+              <a:t> </a:t>
+            </a:r>
+            <a:r>
+              <a:rPr lang="nl-NL" sz="1400" kern="0" dirty="0" err="1" smtClean="0">
+                <a:latin typeface="Courier New" panose="02070309020205020404" pitchFamily="49" charset="0"/>
+                <a:cs typeface="Courier New" panose="02070309020205020404" pitchFamily="49" charset="0"/>
+              </a:rPr>
+              <a:t>evaluate</a:t>
+            </a:r>
+            <a:r>
+              <a:rPr lang="nl-NL" sz="1400" kern="0" dirty="0" smtClean="0">
+                <a:latin typeface="Courier New" panose="02070309020205020404" pitchFamily="49" charset="0"/>
+                <a:cs typeface="Courier New" panose="02070309020205020404" pitchFamily="49" charset="0"/>
+              </a:rPr>
+              <a:t> the fit of the model, </a:t>
+            </a:r>
+            <a:r>
+              <a:rPr lang="nl-NL" sz="1400" kern="0" dirty="0" err="1" smtClean="0">
+                <a:latin typeface="Courier New" panose="02070309020205020404" pitchFamily="49" charset="0"/>
+                <a:cs typeface="Courier New" panose="02070309020205020404" pitchFamily="49" charset="0"/>
+              </a:rPr>
+              <a:t>with</a:t>
+            </a:r>
+            <a:r>
+              <a:rPr lang="nl-NL" sz="1400" kern="0" dirty="0" smtClean="0">
+                <a:latin typeface="Courier New" panose="02070309020205020404" pitchFamily="49" charset="0"/>
+                <a:cs typeface="Courier New" panose="02070309020205020404" pitchFamily="49" charset="0"/>
+              </a:rPr>
+              <a:t>:</a:t>
+            </a:r>
           </a:p>
           <a:p>
             <a:pPr marL="0" indent="0">
@@ -7576,8 +8556,71 @@
                 <a:latin typeface="Courier New" panose="02070309020205020404" pitchFamily="49" charset="0"/>
                 <a:cs typeface="Courier New" panose="02070309020205020404" pitchFamily="49" charset="0"/>
               </a:rPr>
-              <a:t>Train on train set</a:t>
-            </a:r>
+              <a:t>X: </a:t>
+            </a:r>
+            <a:r>
+              <a:rPr lang="nl-NL" sz="1400" kern="0" dirty="0" err="1" smtClean="0">
+                <a:latin typeface="Courier New" panose="02070309020205020404" pitchFamily="49" charset="0"/>
+                <a:cs typeface="Courier New" panose="02070309020205020404" pitchFamily="49" charset="0"/>
+              </a:rPr>
+              <a:t>surface</a:t>
+            </a:r>
+            <a:r>
+              <a:rPr lang="nl-NL" sz="1400" kern="0" dirty="0" smtClean="0">
+                <a:latin typeface="Courier New" panose="02070309020205020404" pitchFamily="49" charset="0"/>
+                <a:cs typeface="Courier New" panose="02070309020205020404" pitchFamily="49" charset="0"/>
+              </a:rPr>
+              <a:t> area in m</a:t>
+            </a:r>
+            <a:r>
+              <a:rPr lang="nl-NL" sz="1400" kern="0" baseline="30000" dirty="0" smtClean="0">
+                <a:latin typeface="Courier New" panose="02070309020205020404" pitchFamily="49" charset="0"/>
+                <a:cs typeface="Courier New" panose="02070309020205020404" pitchFamily="49" charset="0"/>
+              </a:rPr>
+              <a:t>2</a:t>
+            </a:r>
+            <a:endParaRPr lang="nl-NL" sz="1400" kern="0" dirty="0" smtClean="0">
+              <a:latin typeface="Courier New" panose="02070309020205020404" pitchFamily="49" charset="0"/>
+              <a:cs typeface="Courier New" panose="02070309020205020404" pitchFamily="49" charset="0"/>
+            </a:endParaRPr>
+          </a:p>
+          <a:p>
+            <a:pPr marL="0" indent="0">
+              <a:buFont typeface="Zapf Dingbats" charset="2"/>
+              <a:buNone/>
+            </a:pPr>
+            <a:r>
+              <a:rPr lang="nl-NL" sz="1400" kern="0" dirty="0" smtClean="0">
+                <a:latin typeface="Courier New" panose="02070309020205020404" pitchFamily="49" charset="0"/>
+                <a:cs typeface="Courier New" panose="02070309020205020404" pitchFamily="49" charset="0"/>
+              </a:rPr>
+              <a:t>Y: </a:t>
+            </a:r>
+            <a:r>
+              <a:rPr lang="nl-NL" sz="1400" kern="0" dirty="0" err="1" smtClean="0">
+                <a:latin typeface="Courier New" panose="02070309020205020404" pitchFamily="49" charset="0"/>
+                <a:cs typeface="Courier New" panose="02070309020205020404" pitchFamily="49" charset="0"/>
+              </a:rPr>
+              <a:t>price</a:t>
+            </a:r>
+            <a:r>
+              <a:rPr lang="nl-NL" sz="1400" kern="0" dirty="0" smtClean="0">
+                <a:latin typeface="Courier New" panose="02070309020205020404" pitchFamily="49" charset="0"/>
+                <a:cs typeface="Courier New" panose="02070309020205020404" pitchFamily="49" charset="0"/>
+              </a:rPr>
+              <a:t> in </a:t>
+            </a:r>
+            <a:r>
+              <a:rPr lang="nl-NL" sz="1400" kern="0" dirty="0" err="1" smtClean="0">
+                <a:latin typeface="Courier New" panose="02070309020205020404" pitchFamily="49" charset="0"/>
+                <a:cs typeface="Courier New" panose="02070309020205020404" pitchFamily="49" charset="0"/>
+              </a:rPr>
+              <a:t>euros</a:t>
+            </a:r>
+            <a:endParaRPr lang="nl-NL" sz="1400" kern="0" dirty="0" smtClean="0">
+              <a:latin typeface="Courier New" panose="02070309020205020404" pitchFamily="49" charset="0"/>
+              <a:cs typeface="Courier New" panose="02070309020205020404" pitchFamily="49" charset="0"/>
+            </a:endParaRPr>
           </a:p>
           <a:p>
             <a:pPr marL="0" indent="0">
@@ -7590,22 +8633,54 @@
             </a:endParaRPr>
           </a:p>
           <a:p>
-            <a:pPr marL="0" indent="0">
-              <a:buFont typeface="Zapf Dingbats" charset="2"/>
-              <a:buNone/>
+            <a:pPr>
+              <a:buFont typeface="+mj-lt"/>
+              <a:buAutoNum type="arabicPeriod"/>
             </a:pPr>
             <a:r>
+              <a:rPr lang="nl-NL" sz="1400" kern="0" dirty="0" err="1" smtClean="0">
+                <a:latin typeface="Courier New" panose="02070309020205020404" pitchFamily="49" charset="0"/>
+                <a:cs typeface="Courier New" panose="02070309020205020404" pitchFamily="49" charset="0"/>
+              </a:rPr>
+              <a:t>What</a:t>
+            </a:r>
+            <a:r>
               <a:rPr lang="nl-NL" sz="1400" kern="0" dirty="0" smtClean="0">
                 <a:latin typeface="Courier New" panose="02070309020205020404" pitchFamily="49" charset="0"/>
                 <a:cs typeface="Courier New" panose="02070309020205020404" pitchFamily="49" charset="0"/>
               </a:rPr>
-              <a:t>Plot train &amp; test set (?)</a:t>
-            </a:r>
-          </a:p>
-          <a:p>
-            <a:pPr marL="0" indent="0">
-              <a:buFont typeface="Zapf Dingbats" charset="2"/>
-              <a:buNone/>
+              <a:t> is the R</a:t>
+            </a:r>
+            <a:r>
+              <a:rPr lang="nl-NL" sz="1400" kern="0" baseline="30000" dirty="0" smtClean="0">
+                <a:latin typeface="Courier New" panose="02070309020205020404" pitchFamily="49" charset="0"/>
+                <a:cs typeface="Courier New" panose="02070309020205020404" pitchFamily="49" charset="0"/>
+              </a:rPr>
+              <a:t>2</a:t>
+            </a:r>
+            <a:r>
+              <a:rPr lang="nl-NL" sz="1400" kern="0" dirty="0" smtClean="0">
+                <a:latin typeface="Courier New" panose="02070309020205020404" pitchFamily="49" charset="0"/>
+                <a:cs typeface="Courier New" panose="02070309020205020404" pitchFamily="49" charset="0"/>
+              </a:rPr>
+              <a:t> </a:t>
+            </a:r>
+            <a:r>
+              <a:rPr lang="nl-NL" sz="1400" kern="0" dirty="0" smtClean="0">
+                <a:latin typeface="Courier New" panose="02070309020205020404" pitchFamily="49" charset="0"/>
+                <a:cs typeface="Courier New" panose="02070309020205020404" pitchFamily="49" charset="0"/>
+              </a:rPr>
+              <a:t>of the model?</a:t>
+            </a:r>
+            <a:endParaRPr lang="nl-NL" sz="1400" kern="0" dirty="0">
+              <a:latin typeface="Courier New" panose="02070309020205020404" pitchFamily="49" charset="0"/>
+              <a:cs typeface="Courier New" panose="02070309020205020404" pitchFamily="49" charset="0"/>
+            </a:endParaRPr>
+          </a:p>
+          <a:p>
+            <a:pPr>
+              <a:buFont typeface="+mj-lt"/>
+              <a:buAutoNum type="arabicPeriod"/>
             </a:pPr>
             <a:endParaRPr lang="nl-NL" sz="1400" kern="0" dirty="0">
               <a:latin typeface="Courier New" panose="02070309020205020404" pitchFamily="49" charset="0"/>
@@ -7613,57 +8688,43 @@
             </a:endParaRPr>
           </a:p>
           <a:p>
-            <a:pPr marL="0" indent="0">
-              <a:buFont typeface="Zapf Dingbats" charset="2"/>
-              <a:buNone/>
+            <a:pPr>
+              <a:buFont typeface="+mj-lt"/>
+              <a:buAutoNum type="arabicPeriod"/>
             </a:pPr>
             <a:r>
               <a:rPr lang="nl-NL" sz="1400" kern="0" dirty="0" err="1" smtClean="0">
                 <a:latin typeface="Courier New" panose="02070309020205020404" pitchFamily="49" charset="0"/>
                 <a:cs typeface="Courier New" panose="02070309020205020404" pitchFamily="49" charset="0"/>
               </a:rPr>
-              <a:t>Calculate</a:t>
+              <a:t>What</a:t>
             </a:r>
             <a:r>
               <a:rPr lang="nl-NL" sz="1400" kern="0" dirty="0" smtClean="0">
                 <a:latin typeface="Courier New" panose="02070309020205020404" pitchFamily="49" charset="0"/>
                 <a:cs typeface="Courier New" panose="02070309020205020404" pitchFamily="49" charset="0"/>
               </a:rPr>
-              <a:t> R^2 </a:t>
+              <a:t> is the mean </a:t>
             </a:r>
             <a:r>
               <a:rPr lang="nl-NL" sz="1400" kern="0" dirty="0" err="1" smtClean="0">
                 <a:latin typeface="Courier New" panose="02070309020205020404" pitchFamily="49" charset="0"/>
                 <a:cs typeface="Courier New" panose="02070309020205020404" pitchFamily="49" charset="0"/>
               </a:rPr>
-              <a:t>for</a:t>
+              <a:t>squared</a:t>
             </a:r>
             <a:r>
               <a:rPr lang="nl-NL" sz="1400" kern="0" dirty="0" smtClean="0">
                 <a:latin typeface="Courier New" panose="02070309020205020404" pitchFamily="49" charset="0"/>
                 <a:cs typeface="Courier New" panose="02070309020205020404" pitchFamily="49" charset="0"/>
               </a:rPr>
-              <a:t> </a:t>
-            </a:r>
-            <a:r>
-              <a:rPr lang="nl-NL" sz="1400" kern="0" dirty="0" err="1" smtClean="0">
-                <a:latin typeface="Courier New" panose="02070309020205020404" pitchFamily="49" charset="0"/>
-                <a:cs typeface="Courier New" panose="02070309020205020404" pitchFamily="49" charset="0"/>
-              </a:rPr>
-              <a:t>both</a:t>
-            </a:r>
-            <a:r>
-              <a:rPr lang="nl-NL" sz="1400" kern="0" dirty="0" smtClean="0">
-                <a:latin typeface="Courier New" panose="02070309020205020404" pitchFamily="49" charset="0"/>
-                <a:cs typeface="Courier New" panose="02070309020205020404" pitchFamily="49" charset="0"/>
-              </a:rPr>
-              <a:t>, MSE</a:t>
-            </a:r>
-          </a:p>
-          <a:p>
-            <a:pPr marL="0" indent="0">
-              <a:buFont typeface="Zapf Dingbats" charset="2"/>
-              <a:buNone/>
+              <a:t> error (MSE)?</a:t>
+            </a:r>
+          </a:p>
+          <a:p>
+            <a:pPr>
+              <a:buFont typeface="+mj-lt"/>
+              <a:buAutoNum type="arabicPeriod"/>
             </a:pPr>
             <a:endParaRPr lang="nl-NL" sz="1400" kern="0" dirty="0">
               <a:latin typeface="Courier New" panose="02070309020205020404" pitchFamily="49" charset="0"/>
@@ -7671,9 +8732,99 @@
             </a:endParaRPr>
           </a:p>
           <a:p>
-            <a:pPr marL="0" indent="0">
-              <a:buFont typeface="Zapf Dingbats" charset="2"/>
-              <a:buNone/>
+            <a:pPr>
+              <a:buFont typeface="+mj-lt"/>
+              <a:buAutoNum type="arabicPeriod"/>
+            </a:pPr>
+            <a:r>
+              <a:rPr lang="nl-NL" sz="1400" kern="0" dirty="0" err="1" smtClean="0">
+                <a:latin typeface="Courier New" panose="02070309020205020404" pitchFamily="49" charset="0"/>
+                <a:cs typeface="Courier New" panose="02070309020205020404" pitchFamily="49" charset="0"/>
+              </a:rPr>
+              <a:t>Calculate</a:t>
+            </a:r>
+            <a:r>
+              <a:rPr lang="nl-NL" sz="1400" kern="0" dirty="0" smtClean="0">
+                <a:latin typeface="Courier New" panose="02070309020205020404" pitchFamily="49" charset="0"/>
+                <a:cs typeface="Courier New" panose="02070309020205020404" pitchFamily="49" charset="0"/>
+              </a:rPr>
+              <a:t> the </a:t>
+            </a:r>
+            <a:r>
+              <a:rPr lang="nl-NL" sz="1400" kern="0" dirty="0" err="1" smtClean="0">
+                <a:latin typeface="Courier New" panose="02070309020205020404" pitchFamily="49" charset="0"/>
+                <a:cs typeface="Courier New" panose="02070309020205020404" pitchFamily="49" charset="0"/>
+              </a:rPr>
+              <a:t>residuals</a:t>
+            </a:r>
+            <a:r>
+              <a:rPr lang="nl-NL" sz="1400" kern="0" dirty="0" smtClean="0">
+                <a:latin typeface="Courier New" panose="02070309020205020404" pitchFamily="49" charset="0"/>
+                <a:cs typeface="Courier New" panose="02070309020205020404" pitchFamily="49" charset="0"/>
+              </a:rPr>
+              <a:t> (e) </a:t>
+            </a:r>
+            <a:r>
+              <a:rPr lang="nl-NL" sz="1400" kern="0" dirty="0" err="1" smtClean="0">
+                <a:latin typeface="Courier New" panose="02070309020205020404" pitchFamily="49" charset="0"/>
+                <a:cs typeface="Courier New" panose="02070309020205020404" pitchFamily="49" charset="0"/>
+              </a:rPr>
+              <a:t>and</a:t>
+            </a:r>
+            <a:r>
+              <a:rPr lang="nl-NL" sz="1400" kern="0" dirty="0" smtClean="0">
+                <a:latin typeface="Courier New" panose="02070309020205020404" pitchFamily="49" charset="0"/>
+                <a:cs typeface="Courier New" panose="02070309020205020404" pitchFamily="49" charset="0"/>
+              </a:rPr>
+              <a:t> </a:t>
+            </a:r>
+            <a:r>
+              <a:rPr lang="nl-NL" sz="1400" kern="0" dirty="0" err="1" smtClean="0">
+                <a:latin typeface="Courier New" panose="02070309020205020404" pitchFamily="49" charset="0"/>
+                <a:cs typeface="Courier New" panose="02070309020205020404" pitchFamily="49" charset="0"/>
+              </a:rPr>
+              <a:t>add</a:t>
+            </a:r>
+            <a:r>
+              <a:rPr lang="nl-NL" sz="1400" kern="0" dirty="0" smtClean="0">
+                <a:latin typeface="Courier New" panose="02070309020205020404" pitchFamily="49" charset="0"/>
+                <a:cs typeface="Courier New" panose="02070309020205020404" pitchFamily="49" charset="0"/>
+              </a:rPr>
+              <a:t> </a:t>
+            </a:r>
+            <a:r>
+              <a:rPr lang="nl-NL" sz="1400" kern="0" dirty="0" err="1" smtClean="0">
+                <a:latin typeface="Courier New" panose="02070309020205020404" pitchFamily="49" charset="0"/>
+                <a:cs typeface="Courier New" panose="02070309020205020404" pitchFamily="49" charset="0"/>
+              </a:rPr>
+              <a:t>them</a:t>
+            </a:r>
+            <a:r>
+              <a:rPr lang="nl-NL" sz="1400" kern="0" dirty="0" smtClean="0">
+                <a:latin typeface="Courier New" panose="02070309020205020404" pitchFamily="49" charset="0"/>
+                <a:cs typeface="Courier New" panose="02070309020205020404" pitchFamily="49" charset="0"/>
+              </a:rPr>
+              <a:t> </a:t>
+            </a:r>
+            <a:r>
+              <a:rPr lang="nl-NL" sz="1400" kern="0" dirty="0" err="1" smtClean="0">
+                <a:latin typeface="Courier New" panose="02070309020205020404" pitchFamily="49" charset="0"/>
+                <a:cs typeface="Courier New" panose="02070309020205020404" pitchFamily="49" charset="0"/>
+              </a:rPr>
+              <a:t>to</a:t>
+            </a:r>
+            <a:r>
+              <a:rPr lang="nl-NL" sz="1400" kern="0" dirty="0" smtClean="0">
+                <a:latin typeface="Courier New" panose="02070309020205020404" pitchFamily="49" charset="0"/>
+                <a:cs typeface="Courier New" panose="02070309020205020404" pitchFamily="49" charset="0"/>
+              </a:rPr>
+              <a:t> the dataframe</a:t>
+            </a:r>
+          </a:p>
+          <a:p>
+            <a:pPr>
+              <a:buFont typeface="+mj-lt"/>
+              <a:buAutoNum type="arabicPeriod"/>
             </a:pPr>
             <a:endParaRPr lang="nl-NL" sz="1400" kern="0" dirty="0" smtClean="0">
               <a:latin typeface="Courier New" panose="02070309020205020404" pitchFamily="49" charset="0"/>
@@ -7681,9 +8832,243 @@
             </a:endParaRPr>
           </a:p>
           <a:p>
-            <a:pPr marL="0" indent="0">
-              <a:buFont typeface="Zapf Dingbats" charset="2"/>
-              <a:buNone/>
+            <a:pPr>
+              <a:buFont typeface="+mj-lt"/>
+              <a:buAutoNum type="arabicPeriod"/>
+            </a:pPr>
+            <a:r>
+              <a:rPr lang="nl-NL" sz="1400" kern="0" dirty="0" smtClean="0">
+                <a:latin typeface="Courier New" panose="02070309020205020404" pitchFamily="49" charset="0"/>
+                <a:cs typeface="Courier New" panose="02070309020205020404" pitchFamily="49" charset="0"/>
+              </a:rPr>
+              <a:t>Make the </a:t>
+            </a:r>
+            <a:r>
+              <a:rPr lang="nl-NL" sz="1400" kern="0" dirty="0" err="1" smtClean="0">
+                <a:latin typeface="Courier New" panose="02070309020205020404" pitchFamily="49" charset="0"/>
+                <a:cs typeface="Courier New" panose="02070309020205020404" pitchFamily="49" charset="0"/>
+              </a:rPr>
+              <a:t>following</a:t>
+            </a:r>
+            <a:r>
+              <a:rPr lang="nl-NL" sz="1400" kern="0" dirty="0" smtClean="0">
+                <a:latin typeface="Courier New" panose="02070309020205020404" pitchFamily="49" charset="0"/>
+                <a:cs typeface="Courier New" panose="02070309020205020404" pitchFamily="49" charset="0"/>
+              </a:rPr>
+              <a:t> plots:</a:t>
+            </a:r>
+          </a:p>
+          <a:p>
+            <a:pPr lvl="1">
+              <a:buFont typeface="Wingdings" panose="05000000000000000000" pitchFamily="2" charset="2"/>
+              <a:buChar char="§"/>
+            </a:pPr>
+            <a:r>
+              <a:rPr lang="nl-NL" sz="1200" kern="0" dirty="0">
+                <a:latin typeface="Courier New" panose="02070309020205020404" pitchFamily="49" charset="0"/>
+                <a:cs typeface="Courier New" panose="02070309020205020404" pitchFamily="49" charset="0"/>
+              </a:rPr>
+              <a:t>A </a:t>
+            </a:r>
+            <a:r>
+              <a:rPr lang="nl-NL" sz="1200" kern="0" dirty="0" err="1" smtClean="0">
+                <a:latin typeface="Courier New" panose="02070309020205020404" pitchFamily="49" charset="0"/>
+                <a:cs typeface="Courier New" panose="02070309020205020404" pitchFamily="49" charset="0"/>
+              </a:rPr>
+              <a:t>scatter</a:t>
+            </a:r>
+            <a:r>
+              <a:rPr lang="nl-NL" sz="1200" kern="0" dirty="0" smtClean="0">
+                <a:latin typeface="Courier New" panose="02070309020205020404" pitchFamily="49" charset="0"/>
+                <a:cs typeface="Courier New" panose="02070309020205020404" pitchFamily="49" charset="0"/>
+              </a:rPr>
+              <a:t> plot </a:t>
+            </a:r>
+            <a:r>
+              <a:rPr lang="nl-NL" sz="1200" kern="0" dirty="0">
+                <a:latin typeface="Courier New" panose="02070309020205020404" pitchFamily="49" charset="0"/>
+                <a:cs typeface="Courier New" panose="02070309020205020404" pitchFamily="49" charset="0"/>
+              </a:rPr>
+              <a:t>of (Y, Y’) (Y’ means </a:t>
+            </a:r>
+            <a:r>
+              <a:rPr lang="nl-NL" sz="1200" kern="0" dirty="0" err="1">
+                <a:latin typeface="Courier New" panose="02070309020205020404" pitchFamily="49" charset="0"/>
+                <a:cs typeface="Courier New" panose="02070309020205020404" pitchFamily="49" charset="0"/>
+              </a:rPr>
+              <a:t>predicted</a:t>
+            </a:r>
+            <a:r>
+              <a:rPr lang="nl-NL" sz="1200" kern="0" dirty="0">
+                <a:latin typeface="Courier New" panose="02070309020205020404" pitchFamily="49" charset="0"/>
+                <a:cs typeface="Courier New" panose="02070309020205020404" pitchFamily="49" charset="0"/>
+              </a:rPr>
+              <a:t> Y)</a:t>
+            </a:r>
+          </a:p>
+          <a:p>
+            <a:pPr lvl="1">
+              <a:buFont typeface="Wingdings" panose="05000000000000000000" pitchFamily="2" charset="2"/>
+              <a:buChar char="§"/>
+            </a:pPr>
+            <a:r>
+              <a:rPr lang="nl-NL" sz="1200" kern="0" dirty="0">
+                <a:latin typeface="Courier New" panose="02070309020205020404" pitchFamily="49" charset="0"/>
+                <a:cs typeface="Courier New" panose="02070309020205020404" pitchFamily="49" charset="0"/>
+              </a:rPr>
+              <a:t>A </a:t>
+            </a:r>
+            <a:r>
+              <a:rPr lang="nl-NL" sz="1200" kern="0" dirty="0" err="1" smtClean="0">
+                <a:latin typeface="Courier New" panose="02070309020205020404" pitchFamily="49" charset="0"/>
+                <a:cs typeface="Courier New" panose="02070309020205020404" pitchFamily="49" charset="0"/>
+              </a:rPr>
+              <a:t>scatter</a:t>
+            </a:r>
+            <a:r>
+              <a:rPr lang="nl-NL" sz="1200" kern="0" dirty="0" smtClean="0">
+                <a:latin typeface="Courier New" panose="02070309020205020404" pitchFamily="49" charset="0"/>
+                <a:cs typeface="Courier New" panose="02070309020205020404" pitchFamily="49" charset="0"/>
+              </a:rPr>
+              <a:t> plot </a:t>
+            </a:r>
+            <a:r>
+              <a:rPr lang="nl-NL" sz="1200" kern="0" dirty="0">
+                <a:latin typeface="Courier New" panose="02070309020205020404" pitchFamily="49" charset="0"/>
+                <a:cs typeface="Courier New" panose="02070309020205020404" pitchFamily="49" charset="0"/>
+              </a:rPr>
+              <a:t>of (X, e</a:t>
+            </a:r>
+            <a:r>
+              <a:rPr lang="nl-NL" sz="1200" kern="0" dirty="0" smtClean="0">
+                <a:latin typeface="Courier New" panose="02070309020205020404" pitchFamily="49" charset="0"/>
+                <a:cs typeface="Courier New" panose="02070309020205020404" pitchFamily="49" charset="0"/>
+              </a:rPr>
+              <a:t>) </a:t>
+            </a:r>
+            <a:endParaRPr lang="nl-NL" sz="1200" kern="0" dirty="0">
+              <a:latin typeface="Courier New" panose="02070309020205020404" pitchFamily="49" charset="0"/>
+              <a:cs typeface="Courier New" panose="02070309020205020404" pitchFamily="49" charset="0"/>
+            </a:endParaRPr>
+          </a:p>
+          <a:p>
+            <a:pPr>
+              <a:buFont typeface="+mj-lt"/>
+              <a:buAutoNum type="arabicPeriod"/>
+            </a:pPr>
+            <a:endParaRPr lang="nl-NL" sz="1400" kern="0" dirty="0" smtClean="0">
+              <a:latin typeface="Courier New" panose="02070309020205020404" pitchFamily="49" charset="0"/>
+              <a:cs typeface="Courier New" panose="02070309020205020404" pitchFamily="49" charset="0"/>
+            </a:endParaRPr>
+          </a:p>
+          <a:p>
+            <a:pPr>
+              <a:buFont typeface="+mj-lt"/>
+              <a:buAutoNum type="arabicPeriod"/>
+            </a:pPr>
+            <a:r>
+              <a:rPr lang="nl-NL" sz="1400" kern="0" dirty="0" err="1" smtClean="0">
+                <a:latin typeface="Courier New" panose="02070309020205020404" pitchFamily="49" charset="0"/>
+                <a:cs typeface="Courier New" panose="02070309020205020404" pitchFamily="49" charset="0"/>
+              </a:rPr>
+              <a:t>What</a:t>
+            </a:r>
+            <a:r>
+              <a:rPr lang="nl-NL" sz="1400" kern="0" dirty="0" smtClean="0">
+                <a:latin typeface="Courier New" panose="02070309020205020404" pitchFamily="49" charset="0"/>
+                <a:cs typeface="Courier New" panose="02070309020205020404" pitchFamily="49" charset="0"/>
+              </a:rPr>
+              <a:t> is </a:t>
+            </a:r>
+            <a:r>
+              <a:rPr lang="nl-NL" sz="1400" kern="0" dirty="0" err="1" smtClean="0">
+                <a:latin typeface="Courier New" panose="02070309020205020404" pitchFamily="49" charset="0"/>
+                <a:cs typeface="Courier New" panose="02070309020205020404" pitchFamily="49" charset="0"/>
+              </a:rPr>
+              <a:t>your</a:t>
+            </a:r>
+            <a:r>
+              <a:rPr lang="nl-NL" sz="1400" kern="0" dirty="0" smtClean="0">
+                <a:latin typeface="Courier New" panose="02070309020205020404" pitchFamily="49" charset="0"/>
+                <a:cs typeface="Courier New" panose="02070309020205020404" pitchFamily="49" charset="0"/>
+              </a:rPr>
+              <a:t> </a:t>
+            </a:r>
+            <a:r>
+              <a:rPr lang="nl-NL" sz="1400" kern="0" dirty="0" err="1" smtClean="0">
+                <a:latin typeface="Courier New" panose="02070309020205020404" pitchFamily="49" charset="0"/>
+                <a:cs typeface="Courier New" panose="02070309020205020404" pitchFamily="49" charset="0"/>
+              </a:rPr>
+              <a:t>conclusion</a:t>
+            </a:r>
+            <a:r>
+              <a:rPr lang="nl-NL" sz="1400" kern="0" dirty="0" smtClean="0">
+                <a:latin typeface="Courier New" panose="02070309020205020404" pitchFamily="49" charset="0"/>
+                <a:cs typeface="Courier New" panose="02070309020205020404" pitchFamily="49" charset="0"/>
+              </a:rPr>
+              <a:t> </a:t>
+            </a:r>
+            <a:r>
+              <a:rPr lang="nl-NL" sz="1400" kern="0" dirty="0" err="1" smtClean="0">
+                <a:latin typeface="Courier New" panose="02070309020205020404" pitchFamily="49" charset="0"/>
+                <a:cs typeface="Courier New" panose="02070309020205020404" pitchFamily="49" charset="0"/>
+              </a:rPr>
+              <a:t>about</a:t>
+            </a:r>
+            <a:r>
+              <a:rPr lang="nl-NL" sz="1400" kern="0" dirty="0" smtClean="0">
+                <a:latin typeface="Courier New" panose="02070309020205020404" pitchFamily="49" charset="0"/>
+                <a:cs typeface="Courier New" panose="02070309020205020404" pitchFamily="49" charset="0"/>
+              </a:rPr>
+              <a:t> the fit? </a:t>
+            </a:r>
+            <a:r>
+              <a:rPr lang="nl-NL" sz="1400" kern="0" dirty="0" err="1" smtClean="0">
+                <a:latin typeface="Courier New" panose="02070309020205020404" pitchFamily="49" charset="0"/>
+                <a:cs typeface="Courier New" panose="02070309020205020404" pitchFamily="49" charset="0"/>
+              </a:rPr>
+              <a:t>Which</a:t>
+            </a:r>
+            <a:r>
+              <a:rPr lang="nl-NL" sz="1400" kern="0" dirty="0">
+                <a:latin typeface="Courier New" panose="02070309020205020404" pitchFamily="49" charset="0"/>
+                <a:cs typeface="Courier New" panose="02070309020205020404" pitchFamily="49" charset="0"/>
+              </a:rPr>
+              <a:t> </a:t>
+            </a:r>
+            <a:r>
+              <a:rPr lang="nl-NL" sz="1400" kern="0" dirty="0" err="1" smtClean="0">
+                <a:latin typeface="Courier New" panose="02070309020205020404" pitchFamily="49" charset="0"/>
+                <a:cs typeface="Courier New" panose="02070309020205020404" pitchFamily="49" charset="0"/>
+              </a:rPr>
+              <a:t>houses</a:t>
+            </a:r>
+            <a:r>
+              <a:rPr lang="nl-NL" sz="1400" kern="0" dirty="0" smtClean="0">
+                <a:latin typeface="Courier New" panose="02070309020205020404" pitchFamily="49" charset="0"/>
+                <a:cs typeface="Courier New" panose="02070309020205020404" pitchFamily="49" charset="0"/>
+              </a:rPr>
+              <a:t> (</a:t>
+            </a:r>
+            <a:r>
+              <a:rPr lang="nl-NL" sz="1400" kern="0" dirty="0" err="1" smtClean="0">
+                <a:latin typeface="Courier New" panose="02070309020205020404" pitchFamily="49" charset="0"/>
+                <a:cs typeface="Courier New" panose="02070309020205020404" pitchFamily="49" charset="0"/>
+              </a:rPr>
+              <a:t>with</a:t>
+            </a:r>
+            <a:r>
+              <a:rPr lang="nl-NL" sz="1400" kern="0" dirty="0" smtClean="0">
+                <a:latin typeface="Courier New" panose="02070309020205020404" pitchFamily="49" charset="0"/>
+                <a:cs typeface="Courier New" panose="02070309020205020404" pitchFamily="49" charset="0"/>
+              </a:rPr>
+              <a:t> </a:t>
+            </a:r>
+          </a:p>
+          <a:p>
+            <a:pPr>
+              <a:buFont typeface="+mj-lt"/>
+              <a:buAutoNum type="arabicPeriod"/>
             </a:pPr>
             <a:endParaRPr lang="nl-NL" sz="1400" kern="0" dirty="0">
               <a:latin typeface="Courier New" panose="02070309020205020404" pitchFamily="49" charset="0"/>
@@ -7691,11 +9076,166 @@
             </a:endParaRPr>
           </a:p>
           <a:p>
+            <a:pPr>
+              <a:buFont typeface="+mj-lt"/>
+              <a:buAutoNum type="arabicPeriod"/>
+            </a:pPr>
+            <a:r>
+              <a:rPr lang="nl-NL" sz="1400" kern="0" dirty="0" err="1" smtClean="0">
+                <a:latin typeface="Courier New" panose="02070309020205020404" pitchFamily="49" charset="0"/>
+                <a:cs typeface="Courier New" panose="02070309020205020404" pitchFamily="49" charset="0"/>
+              </a:rPr>
+              <a:t>Try</a:t>
+            </a:r>
+            <a:r>
+              <a:rPr lang="nl-NL" sz="1400" kern="0" dirty="0" smtClean="0">
+                <a:latin typeface="Courier New" panose="02070309020205020404" pitchFamily="49" charset="0"/>
+                <a:cs typeface="Courier New" panose="02070309020205020404" pitchFamily="49" charset="0"/>
+              </a:rPr>
+              <a:t> </a:t>
+            </a:r>
+            <a:r>
+              <a:rPr lang="nl-NL" sz="1400" kern="0" dirty="0" err="1" smtClean="0">
+                <a:latin typeface="Courier New" panose="02070309020205020404" pitchFamily="49" charset="0"/>
+                <a:cs typeface="Courier New" panose="02070309020205020404" pitchFamily="49" charset="0"/>
+              </a:rPr>
+              <a:t>to</a:t>
+            </a:r>
+            <a:r>
+              <a:rPr lang="nl-NL" sz="1400" kern="0" dirty="0" smtClean="0">
+                <a:latin typeface="Courier New" panose="02070309020205020404" pitchFamily="49" charset="0"/>
+                <a:cs typeface="Courier New" panose="02070309020205020404" pitchFamily="49" charset="0"/>
+              </a:rPr>
+              <a:t> </a:t>
+            </a:r>
+            <a:r>
+              <a:rPr lang="nl-NL" sz="1400" kern="0" dirty="0" err="1" smtClean="0">
+                <a:latin typeface="Courier New" panose="02070309020205020404" pitchFamily="49" charset="0"/>
+                <a:cs typeface="Courier New" panose="02070309020205020404" pitchFamily="49" charset="0"/>
+              </a:rPr>
+              <a:t>improve</a:t>
+            </a:r>
+            <a:r>
+              <a:rPr lang="nl-NL" sz="1400" kern="0" dirty="0" smtClean="0">
+                <a:latin typeface="Courier New" panose="02070309020205020404" pitchFamily="49" charset="0"/>
+                <a:cs typeface="Courier New" panose="02070309020205020404" pitchFamily="49" charset="0"/>
+              </a:rPr>
+              <a:t> the model fit </a:t>
+            </a:r>
+            <a:r>
+              <a:rPr lang="nl-NL" sz="1400" kern="0" dirty="0" err="1" smtClean="0">
+                <a:latin typeface="Courier New" panose="02070309020205020404" pitchFamily="49" charset="0"/>
+                <a:cs typeface="Courier New" panose="02070309020205020404" pitchFamily="49" charset="0"/>
+              </a:rPr>
+              <a:t>by</a:t>
+            </a:r>
+            <a:r>
+              <a:rPr lang="nl-NL" sz="1400" kern="0" dirty="0" smtClean="0">
+                <a:latin typeface="Courier New" panose="02070309020205020404" pitchFamily="49" charset="0"/>
+                <a:cs typeface="Courier New" panose="02070309020205020404" pitchFamily="49" charset="0"/>
+              </a:rPr>
+              <a:t> </a:t>
+            </a:r>
+            <a:r>
+              <a:rPr lang="nl-NL" sz="1400" kern="0" dirty="0" err="1" smtClean="0">
+                <a:latin typeface="Courier New" panose="02070309020205020404" pitchFamily="49" charset="0"/>
+                <a:cs typeface="Courier New" panose="02070309020205020404" pitchFamily="49" charset="0"/>
+              </a:rPr>
+              <a:t>transforming</a:t>
+            </a:r>
+            <a:r>
+              <a:rPr lang="nl-NL" sz="1400" kern="0" dirty="0" smtClean="0">
+                <a:latin typeface="Courier New" panose="02070309020205020404" pitchFamily="49" charset="0"/>
+                <a:cs typeface="Courier New" panose="02070309020205020404" pitchFamily="49" charset="0"/>
+              </a:rPr>
+              <a:t> </a:t>
+            </a:r>
+            <a:r>
+              <a:rPr lang="nl-NL" sz="1400" kern="0" dirty="0" err="1" smtClean="0">
+                <a:latin typeface="Courier New" panose="02070309020205020404" pitchFamily="49" charset="0"/>
+                <a:cs typeface="Courier New" panose="02070309020205020404" pitchFamily="49" charset="0"/>
+              </a:rPr>
+              <a:t>one</a:t>
+            </a:r>
+            <a:r>
+              <a:rPr lang="nl-NL" sz="1400" kern="0" dirty="0" smtClean="0">
+                <a:latin typeface="Courier New" panose="02070309020205020404" pitchFamily="49" charset="0"/>
+                <a:cs typeface="Courier New" panose="02070309020205020404" pitchFamily="49" charset="0"/>
+              </a:rPr>
+              <a:t> or </a:t>
+            </a:r>
+            <a:r>
+              <a:rPr lang="nl-NL" sz="1400" kern="0" dirty="0" err="1" smtClean="0">
+                <a:latin typeface="Courier New" panose="02070309020205020404" pitchFamily="49" charset="0"/>
+                <a:cs typeface="Courier New" panose="02070309020205020404" pitchFamily="49" charset="0"/>
+              </a:rPr>
+              <a:t>both</a:t>
+            </a:r>
+            <a:r>
+              <a:rPr lang="nl-NL" sz="1400" kern="0" dirty="0" smtClean="0">
+                <a:latin typeface="Courier New" panose="02070309020205020404" pitchFamily="49" charset="0"/>
+                <a:cs typeface="Courier New" panose="02070309020205020404" pitchFamily="49" charset="0"/>
+              </a:rPr>
+              <a:t> of the variables  </a:t>
+            </a:r>
+          </a:p>
+          <a:p>
+            <a:pPr>
+              <a:buFont typeface="+mj-lt"/>
+              <a:buAutoNum type="arabicPeriod"/>
+            </a:pPr>
+            <a:endParaRPr lang="nl-NL" sz="1200" kern="0" dirty="0" smtClean="0">
+              <a:latin typeface="Courier New" panose="02070309020205020404" pitchFamily="49" charset="0"/>
+              <a:cs typeface="Courier New" panose="02070309020205020404" pitchFamily="49" charset="0"/>
+            </a:endParaRPr>
+          </a:p>
+          <a:p>
+            <a:pPr marL="533400" lvl="1" indent="0">
+              <a:buNone/>
+            </a:pPr>
+            <a:endParaRPr lang="nl-NL" sz="1100" kern="0" dirty="0">
+              <a:latin typeface="Courier New" panose="02070309020205020404" pitchFamily="49" charset="0"/>
+              <a:cs typeface="Courier New" panose="02070309020205020404" pitchFamily="49" charset="0"/>
+            </a:endParaRPr>
+          </a:p>
+          <a:p>
+            <a:pPr marL="57150" indent="0">
+              <a:buNone/>
+            </a:pPr>
+            <a:r>
+              <a:rPr lang="nl-NL" sz="1200" kern="0" dirty="0" smtClean="0">
+                <a:latin typeface="Courier New" panose="02070309020205020404" pitchFamily="49" charset="0"/>
+                <a:cs typeface="Courier New" panose="02070309020205020404" pitchFamily="49" charset="0"/>
+              </a:rPr>
+              <a:t> </a:t>
+            </a:r>
+          </a:p>
+          <a:p>
+            <a:pPr>
+              <a:buFont typeface="+mj-lt"/>
+              <a:buAutoNum type="arabicPeriod"/>
+            </a:pPr>
+            <a:endParaRPr lang="nl-NL" sz="1200" kern="0" dirty="0">
+              <a:latin typeface="Courier New" panose="02070309020205020404" pitchFamily="49" charset="0"/>
+              <a:cs typeface="Courier New" panose="02070309020205020404" pitchFamily="49" charset="0"/>
+            </a:endParaRPr>
+          </a:p>
+          <a:p>
+            <a:pPr>
+              <a:buFont typeface="+mj-lt"/>
+              <a:buAutoNum type="arabicPeriod"/>
+            </a:pPr>
+            <a:endParaRPr lang="nl-NL" sz="1200" kern="0" dirty="0">
+              <a:latin typeface="Courier New" panose="02070309020205020404" pitchFamily="49" charset="0"/>
+              <a:cs typeface="Courier New" panose="02070309020205020404" pitchFamily="49" charset="0"/>
+            </a:endParaRPr>
+          </a:p>
+          <a:p>
             <a:pPr marL="0" indent="0">
               <a:buFont typeface="Zapf Dingbats" charset="2"/>
               <a:buNone/>
             </a:pPr>
-            <a:endParaRPr lang="nl-NL" sz="1400" kern="0" dirty="0" smtClean="0">
+            <a:endParaRPr lang="nl-NL" sz="1200" kern="0" dirty="0" smtClean="0">
               <a:latin typeface="Courier New" panose="02070309020205020404" pitchFamily="49" charset="0"/>
               <a:cs typeface="Courier New" panose="02070309020205020404" pitchFamily="49" charset="0"/>
             </a:endParaRPr>
@@ -7705,7 +9245,7 @@
     </p:spTree>
     <p:extLst>
       <p:ext uri="{BB962C8B-B14F-4D97-AF65-F5344CB8AC3E}">
-        <p14:creationId xmlns:p14="http://schemas.microsoft.com/office/powerpoint/2010/main" val="473578475"/>
+        <p14:creationId xmlns:p14="http://schemas.microsoft.com/office/powerpoint/2010/main" val="3377482893"/>
       </p:ext>
     </p:extLst>
   </p:cSld>
@@ -7867,7 +9407,7 @@
     </p:spTree>
     <p:extLst>
       <p:ext uri="{BB962C8B-B14F-4D97-AF65-F5344CB8AC3E}">
-        <p14:creationId xmlns:p14="http://schemas.microsoft.com/office/powerpoint/2010/main" val="2912860890"/>
+        <p14:creationId xmlns:p14="http://schemas.microsoft.com/office/powerpoint/2010/main" val="739240308"/>
       </p:ext>
     </p:extLst>
   </p:cSld>

--- a/slides/ddl-w5l2.pptx
+++ b/slides/ddl-w5l2.pptx
@@ -5,26 +5,31 @@
     <p:sldMasterId id="2147483649" r:id="rId1"/>
   </p:sldMasterIdLst>
   <p:notesMasterIdLst>
-    <p:notesMasterId r:id="rId16"/>
+    <p:notesMasterId r:id="rId21"/>
   </p:notesMasterIdLst>
   <p:handoutMasterIdLst>
-    <p:handoutMasterId r:id="rId17"/>
+    <p:handoutMasterId r:id="rId22"/>
   </p:handoutMasterIdLst>
   <p:sldIdLst>
     <p:sldId id="256" r:id="rId2"/>
     <p:sldId id="257" r:id="rId3"/>
-    <p:sldId id="258" r:id="rId4"/>
-    <p:sldId id="261" r:id="rId5"/>
-    <p:sldId id="267" r:id="rId6"/>
-    <p:sldId id="270" r:id="rId7"/>
-    <p:sldId id="269" r:id="rId8"/>
-    <p:sldId id="259" r:id="rId9"/>
-    <p:sldId id="262" r:id="rId10"/>
-    <p:sldId id="265" r:id="rId11"/>
-    <p:sldId id="264" r:id="rId12"/>
-    <p:sldId id="263" r:id="rId13"/>
-    <p:sldId id="268" r:id="rId14"/>
-    <p:sldId id="266" r:id="rId15"/>
+    <p:sldId id="287" r:id="rId4"/>
+    <p:sldId id="284" r:id="rId5"/>
+    <p:sldId id="291" r:id="rId6"/>
+    <p:sldId id="286" r:id="rId7"/>
+    <p:sldId id="267" r:id="rId8"/>
+    <p:sldId id="270" r:id="rId9"/>
+    <p:sldId id="288" r:id="rId10"/>
+    <p:sldId id="289" r:id="rId11"/>
+    <p:sldId id="259" r:id="rId12"/>
+    <p:sldId id="290" r:id="rId13"/>
+    <p:sldId id="278" r:id="rId14"/>
+    <p:sldId id="276" r:id="rId15"/>
+    <p:sldId id="279" r:id="rId16"/>
+    <p:sldId id="283" r:id="rId17"/>
+    <p:sldId id="285" r:id="rId18"/>
+    <p:sldId id="268" r:id="rId19"/>
+    <p:sldId id="266" r:id="rId20"/>
   </p:sldIdLst>
   <p:sldSz cx="9144000" cy="6858000" type="screen4x3"/>
   <p:notesSz cx="6858000" cy="9144000"/>
@@ -303,7 +308,7 @@
             <a:fld id="{373F1B60-BDF4-4D63-AD79-99D5A5B1DF99}" type="datetime1">
               <a:rPr lang="en-US"/>
               <a:pPr/>
-              <a:t>12/10/2018</a:t>
+              <a:t>12/11/2018</a:t>
             </a:fld>
             <a:endParaRPr lang="en-US"/>
           </a:p>
@@ -522,7 +527,7 @@
             <a:fld id="{4387A7AA-DFE9-4771-BEDE-3294FCEBFB02}" type="datetime1">
               <a:rPr lang="en-US"/>
               <a:pPr/>
-              <a:t>12/10/2018</a:t>
+              <a:t>12/11/2018</a:t>
             </a:fld>
             <a:endParaRPr lang="en-US"/>
           </a:p>
@@ -913,7 +918,7 @@
             <a:fld id="{8541E2CD-DBF4-40F9-B6F8-EEFD0DF8A138}" type="datetime1">
               <a:rPr lang="en-US"/>
               <a:pPr/>
-              <a:t>12/10/2018</a:t>
+              <a:t>12/11/2018</a:t>
             </a:fld>
             <a:endParaRPr lang="en-US"/>
           </a:p>
@@ -1128,7 +1133,7 @@
             <a:fld id="{93F21019-3A00-48AC-9663-40DF67A83229}" type="datetime1">
               <a:rPr lang="en-US"/>
               <a:pPr/>
-              <a:t>12/10/2018</a:t>
+              <a:t>12/11/2018</a:t>
             </a:fld>
             <a:endParaRPr lang="en-US">
               <a:solidFill>
@@ -1314,7 +1319,7 @@
             <a:fld id="{8B2EF9C8-0AC3-4A53-9A61-1834A571F420}" type="datetime1">
               <a:rPr lang="en-US"/>
               <a:pPr/>
-              <a:t>12/10/2018</a:t>
+              <a:t>12/11/2018</a:t>
             </a:fld>
             <a:endParaRPr lang="en-US" sz="1400">
               <a:solidFill>
@@ -1511,7 +1516,7 @@
             <a:fld id="{F02960F3-A385-4905-A491-FDC17E063DD1}" type="datetime1">
               <a:rPr lang="en-US"/>
               <a:pPr/>
-              <a:t>12/10/2018</a:t>
+              <a:t>12/11/2018</a:t>
             </a:fld>
             <a:endParaRPr lang="en-US" sz="1400">
               <a:solidFill>
@@ -1770,7 +1775,7 @@
             <a:fld id="{CD3AD70A-8E2A-47B5-AC18-ABBB5A8E737D}" type="datetime1">
               <a:rPr lang="en-US"/>
               <a:pPr/>
-              <a:t>12/10/2018</a:t>
+              <a:t>12/11/2018</a:t>
             </a:fld>
             <a:endParaRPr lang="en-US" sz="1400">
               <a:solidFill>
@@ -2006,7 +2011,7 @@
             <a:fld id="{07008C2E-9BD6-496B-BFC3-B4A975EBC85E}" type="datetime1">
               <a:rPr lang="en-US"/>
               <a:pPr/>
-              <a:t>12/10/2018</a:t>
+              <a:t>12/11/2018</a:t>
             </a:fld>
             <a:endParaRPr lang="en-US" sz="1400">
               <a:solidFill>
@@ -2185,7 +2190,7 @@
             <a:fld id="{1AA2C3CF-866C-4FDE-B76D-4E9536901630}" type="datetime1">
               <a:rPr lang="en-US"/>
               <a:pPr/>
-              <a:t>12/10/2018</a:t>
+              <a:t>12/11/2018</a:t>
             </a:fld>
             <a:endParaRPr lang="en-US" sz="1400">
               <a:solidFill>
@@ -2364,7 +2369,7 @@
             <a:fld id="{555EE259-FE08-4558-B721-B189FFE77284}" type="datetime1">
               <a:rPr lang="en-US"/>
               <a:pPr/>
-              <a:t>12/10/2018</a:t>
+              <a:t>12/11/2018</a:t>
             </a:fld>
             <a:endParaRPr lang="en-US" sz="1400">
               <a:solidFill>
@@ -2633,7 +2638,7 @@
             <a:fld id="{0AF4064E-5624-49AB-B7C6-E301A8F6B1FF}" type="datetime1">
               <a:rPr lang="en-US"/>
               <a:pPr/>
-              <a:t>12/10/2018</a:t>
+              <a:t>12/11/2018</a:t>
             </a:fld>
             <a:endParaRPr lang="en-US" sz="1400">
               <a:solidFill>
@@ -2830,7 +2835,7 @@
             <a:fld id="{CBC97FCD-6C54-4833-B032-BFBCDFA8379D}" type="datetime1">
               <a:rPr lang="en-US"/>
               <a:pPr/>
-              <a:t>12/10/2018</a:t>
+              <a:t>12/11/2018</a:t>
             </a:fld>
             <a:endParaRPr lang="en-US" sz="1400">
               <a:solidFill>
@@ -3039,7 +3044,7 @@
             <a:fld id="{F04AA577-515A-431F-98B6-3B03494ABB11}" type="datetime1">
               <a:rPr lang="en-US"/>
               <a:pPr/>
-              <a:t>12/10/2018</a:t>
+              <a:t>12/11/2018</a:t>
             </a:fld>
             <a:endParaRPr lang="en-US" sz="1400">
               <a:solidFill>
@@ -3344,7 +3349,7 @@
             <a:fld id="{6475F1A4-C474-4345-A800-2F40B0E4E70C}" type="datetime1">
               <a:rPr lang="en-US"/>
               <a:pPr/>
-              <a:t>12/10/2018</a:t>
+              <a:t>12/11/2018</a:t>
             </a:fld>
             <a:endParaRPr lang="en-US" sz="1400">
               <a:solidFill>
@@ -3788,7 +3793,7 @@
             <a:fld id="{7BA535AB-820E-4207-9DA8-5F37106C7AF4}" type="datetime1">
               <a:rPr lang="en-US"/>
               <a:pPr/>
-              <a:t>12/10/2018</a:t>
+              <a:t>12/11/2018</a:t>
             </a:fld>
             <a:endParaRPr lang="en-US" sz="1400">
               <a:solidFill>
@@ -3923,7 +3928,7 @@
             <a:fld id="{0A7E69FA-D7EE-42C0-9117-1971B541885F}" type="datetime1">
               <a:rPr lang="en-US"/>
               <a:pPr/>
-              <a:t>12/10/2018</a:t>
+              <a:t>12/11/2018</a:t>
             </a:fld>
             <a:endParaRPr lang="en-US" sz="1400">
               <a:solidFill>
@@ -4035,7 +4040,7 @@
             <a:fld id="{10D7644E-1B5D-4325-BA79-338DF2B89B56}" type="datetime1">
               <a:rPr lang="en-US"/>
               <a:pPr/>
-              <a:t>12/10/2018</a:t>
+              <a:t>12/11/2018</a:t>
             </a:fld>
             <a:endParaRPr lang="en-US" sz="1400">
               <a:solidFill>
@@ -4329,7 +4334,7 @@
             <a:fld id="{B790C882-0B74-4932-8998-E9ABB8AF1740}" type="datetime1">
               <a:rPr lang="en-US"/>
               <a:pPr/>
-              <a:t>12/10/2018</a:t>
+              <a:t>12/11/2018</a:t>
             </a:fld>
             <a:endParaRPr lang="en-US" sz="1400">
               <a:solidFill>
@@ -4599,7 +4604,7 @@
             <a:fld id="{9DC585DC-AE7D-44C1-90AB-C3A391DEA065}" type="datetime1">
               <a:rPr lang="en-US"/>
               <a:pPr/>
-              <a:t>12/10/2018</a:t>
+              <a:t>12/11/2018</a:t>
             </a:fld>
             <a:endParaRPr lang="en-US" sz="1400">
               <a:solidFill>
@@ -4863,7 +4868,7 @@
             <a:fld id="{256CE565-1940-4E5F-9190-C0815CEAAA9D}" type="datetime1">
               <a:rPr lang="en-US"/>
               <a:pPr/>
-              <a:t>12/10/2018</a:t>
+              <a:t>12/11/2018</a:t>
             </a:fld>
             <a:endParaRPr lang="en-US"/>
           </a:p>
@@ -5567,16 +5572,8 @@
           <a:lstStyle/>
           <a:p>
             <a:r>
-              <a:rPr lang="nl-NL" dirty="0" err="1" smtClean="0"/>
-              <a:t>Experience</a:t>
-            </a:r>
-            <a:r>
               <a:rPr lang="nl-NL" dirty="0" smtClean="0"/>
-              <a:t> </a:t>
-            </a:r>
-            <a:r>
-              <a:rPr lang="nl-NL" dirty="0" err="1" smtClean="0"/>
-              <a:t>overfitting</a:t>
+              <a:t>Model fit: RMSE</a:t>
             </a:r>
             <a:endParaRPr lang="nl-NL" dirty="0"/>
           </a:p>
@@ -5592,25 +5589,454 @@
             <p:ph idx="1"/>
           </p:nvPr>
         </p:nvSpPr>
-        <p:spPr/>
+        <p:spPr>
+          <a:xfrm>
+            <a:off x="762000" y="1762125"/>
+            <a:ext cx="4348224" cy="4154984"/>
+          </a:xfrm>
+        </p:spPr>
         <p:txBody>
           <a:bodyPr/>
           <a:lstStyle/>
           <a:p>
-            <a:endParaRPr lang="nl-NL"/>
-          </a:p>
-        </p:txBody>
-      </p:sp>
+            <a:r>
+              <a:rPr lang="nl-NL" sz="2400" b="1" dirty="0" smtClean="0"/>
+              <a:t>R</a:t>
+            </a:r>
+            <a:r>
+              <a:rPr lang="nl-NL" sz="2400" dirty="0" smtClean="0"/>
+              <a:t>oot </a:t>
+            </a:r>
+            <a:r>
+              <a:rPr lang="nl-NL" sz="2400" b="1" dirty="0" smtClean="0"/>
+              <a:t>M</a:t>
+            </a:r>
+            <a:r>
+              <a:rPr lang="nl-NL" sz="2400" dirty="0" smtClean="0"/>
+              <a:t>ean </a:t>
+            </a:r>
+            <a:r>
+              <a:rPr lang="nl-NL" sz="2400" b="1" dirty="0" err="1" smtClean="0"/>
+              <a:t>S</a:t>
+            </a:r>
+            <a:r>
+              <a:rPr lang="nl-NL" sz="2400" dirty="0" err="1" smtClean="0"/>
+              <a:t>quared</a:t>
+            </a:r>
+            <a:r>
+              <a:rPr lang="nl-NL" sz="2400" dirty="0" smtClean="0"/>
+              <a:t> </a:t>
+            </a:r>
+            <a:r>
+              <a:rPr lang="nl-NL" sz="2400" b="1" dirty="0" smtClean="0"/>
+              <a:t>E</a:t>
+            </a:r>
+            <a:r>
+              <a:rPr lang="nl-NL" sz="2400" dirty="0" smtClean="0"/>
+              <a:t>rror</a:t>
+            </a:r>
+          </a:p>
+          <a:p>
+            <a:endParaRPr lang="nl-NL" sz="2400" dirty="0"/>
+          </a:p>
+          <a:p>
+            <a:r>
+              <a:rPr lang="nl-NL" sz="2400" dirty="0" smtClean="0"/>
+              <a:t>Take the mean of </a:t>
+            </a:r>
+            <a:r>
+              <a:rPr lang="nl-NL" sz="2400" dirty="0" err="1" smtClean="0"/>
+              <a:t>all</a:t>
+            </a:r>
+            <a:r>
+              <a:rPr lang="nl-NL" sz="2400" dirty="0" smtClean="0"/>
+              <a:t> the </a:t>
+            </a:r>
+            <a:r>
+              <a:rPr lang="nl-NL" sz="2400" dirty="0" err="1" smtClean="0"/>
+              <a:t>squared</a:t>
+            </a:r>
+            <a:r>
+              <a:rPr lang="nl-NL" sz="2400" dirty="0" smtClean="0"/>
+              <a:t> </a:t>
+            </a:r>
+            <a:r>
+              <a:rPr lang="nl-NL" sz="2400" dirty="0" err="1" smtClean="0"/>
+              <a:t>errors</a:t>
+            </a:r>
+            <a:r>
+              <a:rPr lang="nl-NL" sz="2400" dirty="0" smtClean="0"/>
+              <a:t>/</a:t>
+            </a:r>
+            <a:r>
+              <a:rPr lang="nl-NL" sz="2400" dirty="0" err="1" smtClean="0"/>
+              <a:t>residuals</a:t>
+            </a:r>
+            <a:r>
+              <a:rPr lang="nl-NL" sz="2400" dirty="0" smtClean="0"/>
+              <a:t> </a:t>
+            </a:r>
+            <a:r>
+              <a:rPr lang="nl-NL" sz="2400" dirty="0" smtClean="0"/>
+              <a:t>(</a:t>
+            </a:r>
+            <a:r>
+              <a:rPr lang="nl-NL" sz="2400" dirty="0" err="1" smtClean="0"/>
+              <a:t>all</a:t>
+            </a:r>
+            <a:r>
+              <a:rPr lang="nl-NL" sz="2400" dirty="0" smtClean="0"/>
+              <a:t> the ‘sticks</a:t>
+            </a:r>
+            <a:r>
+              <a:rPr lang="nl-NL" sz="2400" dirty="0" smtClean="0"/>
+              <a:t>’)</a:t>
+            </a:r>
+            <a:endParaRPr lang="nl-NL" sz="2200" dirty="0" smtClean="0"/>
+          </a:p>
+          <a:p>
+            <a:pPr lvl="1"/>
+            <a:r>
+              <a:rPr lang="nl-NL" sz="2400" dirty="0" err="1" smtClean="0"/>
+              <a:t>Then</a:t>
+            </a:r>
+            <a:r>
+              <a:rPr lang="nl-NL" sz="2400" dirty="0" smtClean="0"/>
+              <a:t> take the root (√) of </a:t>
+            </a:r>
+            <a:r>
+              <a:rPr lang="nl-NL" sz="2400" dirty="0" err="1" smtClean="0"/>
+              <a:t>that</a:t>
+            </a:r>
+            <a:endParaRPr lang="nl-NL" sz="2400" dirty="0" smtClean="0"/>
+          </a:p>
+          <a:p>
+            <a:pPr lvl="1"/>
+            <a:endParaRPr lang="nl-NL" sz="2400" dirty="0"/>
+          </a:p>
+          <a:p>
+            <a:r>
+              <a:rPr lang="nl-NL" sz="2400" dirty="0" smtClean="0"/>
+              <a:t>≈ “How </a:t>
+            </a:r>
+            <a:r>
+              <a:rPr lang="nl-NL" sz="2400" dirty="0" err="1" smtClean="0"/>
+              <a:t>much</a:t>
+            </a:r>
+            <a:r>
+              <a:rPr lang="nl-NL" sz="2400" dirty="0" smtClean="0"/>
+              <a:t> is </a:t>
+            </a:r>
+            <a:r>
+              <a:rPr lang="nl-NL" sz="2400" dirty="0" err="1" smtClean="0"/>
+              <a:t>your</a:t>
+            </a:r>
+            <a:r>
+              <a:rPr lang="nl-NL" sz="2400" dirty="0" smtClean="0"/>
+              <a:t> </a:t>
+            </a:r>
+            <a:r>
+              <a:rPr lang="nl-NL" sz="2400" dirty="0" err="1" smtClean="0"/>
+              <a:t>prediction</a:t>
+            </a:r>
+            <a:r>
+              <a:rPr lang="nl-NL" sz="2400" dirty="0" smtClean="0"/>
+              <a:t> </a:t>
+            </a:r>
+            <a:r>
+              <a:rPr lang="nl-NL" sz="2400" dirty="0" err="1" smtClean="0"/>
+              <a:t>typically</a:t>
+            </a:r>
+            <a:r>
+              <a:rPr lang="nl-NL" sz="2400" dirty="0" smtClean="0"/>
+              <a:t> off”</a:t>
+            </a:r>
+            <a:endParaRPr lang="nl-NL" sz="2400" dirty="0"/>
+          </a:p>
+        </p:txBody>
+      </p:sp>
+      <p:pic>
+        <p:nvPicPr>
+          <p:cNvPr id="4" name="Afbeelding 3"/>
+          <p:cNvPicPr>
+            <a:picLocks noChangeAspect="1"/>
+          </p:cNvPicPr>
+          <p:nvPr/>
+        </p:nvPicPr>
+        <p:blipFill>
+          <a:blip r:embed="rId2"/>
+          <a:stretch>
+            <a:fillRect/>
+          </a:stretch>
+        </p:blipFill>
+        <p:spPr>
+          <a:xfrm>
+            <a:off x="5355277" y="1330287"/>
+            <a:ext cx="3350209" cy="3464421"/>
+          </a:xfrm>
+          <a:prstGeom prst="rect">
+            <a:avLst/>
+          </a:prstGeom>
+        </p:spPr>
+      </p:pic>
+      <p:cxnSp>
+        <p:nvCxnSpPr>
+          <p:cNvPr id="5" name="Rechte verbindingslijn 4"/>
+          <p:cNvCxnSpPr/>
+          <p:nvPr/>
+        </p:nvCxnSpPr>
+        <p:spPr bwMode="auto">
+          <a:xfrm>
+            <a:off x="8460432" y="2708920"/>
+            <a:ext cx="0" cy="537550"/>
+          </a:xfrm>
+          <a:prstGeom prst="line">
+            <a:avLst/>
+          </a:prstGeom>
+          <a:ln>
+            <a:headEnd type="none" w="med" len="med"/>
+            <a:tailEnd type="none" w="med" len="med"/>
+          </a:ln>
+        </p:spPr>
+        <p:style>
+          <a:lnRef idx="1">
+            <a:schemeClr val="accent6"/>
+          </a:lnRef>
+          <a:fillRef idx="0">
+            <a:schemeClr val="accent6"/>
+          </a:fillRef>
+          <a:effectRef idx="0">
+            <a:schemeClr val="accent6"/>
+          </a:effectRef>
+          <a:fontRef idx="minor">
+            <a:schemeClr val="tx1"/>
+          </a:fontRef>
+        </p:style>
+      </p:cxnSp>
+      <p:sp>
+        <p:nvSpPr>
+          <p:cNvPr id="6" name="Tekstvak 5"/>
+          <p:cNvSpPr txBox="1"/>
+          <p:nvPr/>
+        </p:nvSpPr>
+        <p:spPr>
+          <a:xfrm>
+            <a:off x="7705167" y="3384867"/>
+            <a:ext cx="1176925" cy="307777"/>
+          </a:xfrm>
+          <a:prstGeom prst="rect">
+            <a:avLst/>
+          </a:prstGeom>
+          <a:noFill/>
+        </p:spPr>
+        <p:txBody>
+          <a:bodyPr wrap="none" rtlCol="0">
+            <a:spAutoFit/>
+          </a:bodyPr>
+          <a:lstStyle/>
+          <a:p>
+            <a:r>
+              <a:rPr lang="nl-NL" dirty="0" smtClean="0"/>
+              <a:t>e ≈ 10,000M</a:t>
+            </a:r>
+            <a:endParaRPr lang="nl-NL" dirty="0"/>
+          </a:p>
+        </p:txBody>
+      </p:sp>
+      <p:cxnSp>
+        <p:nvCxnSpPr>
+          <p:cNvPr id="7" name="Rechte verbindingslijn 6"/>
+          <p:cNvCxnSpPr/>
+          <p:nvPr/>
+        </p:nvCxnSpPr>
+        <p:spPr bwMode="auto">
+          <a:xfrm>
+            <a:off x="8299240" y="1736812"/>
+            <a:ext cx="0" cy="1080120"/>
+          </a:xfrm>
+          <a:prstGeom prst="line">
+            <a:avLst/>
+          </a:prstGeom>
+          <a:ln>
+            <a:headEnd type="none" w="med" len="med"/>
+            <a:tailEnd type="none" w="med" len="med"/>
+          </a:ln>
+        </p:spPr>
+        <p:style>
+          <a:lnRef idx="1">
+            <a:schemeClr val="accent6"/>
+          </a:lnRef>
+          <a:fillRef idx="0">
+            <a:schemeClr val="accent6"/>
+          </a:fillRef>
+          <a:effectRef idx="0">
+            <a:schemeClr val="accent6"/>
+          </a:effectRef>
+          <a:fontRef idx="minor">
+            <a:schemeClr val="tx1"/>
+          </a:fontRef>
+        </p:style>
+      </p:cxnSp>
     </p:spTree>
     <p:extLst>
       <p:ext uri="{BB962C8B-B14F-4D97-AF65-F5344CB8AC3E}">
-        <p14:creationId xmlns:p14="http://schemas.microsoft.com/office/powerpoint/2010/main" val="1464093598"/>
+        <p14:creationId xmlns:p14="http://schemas.microsoft.com/office/powerpoint/2010/main" val="3650338404"/>
       </p:ext>
     </p:extLst>
   </p:cSld>
   <p:clrMapOvr>
     <a:masterClrMapping/>
   </p:clrMapOvr>
+  <p:timing>
+    <p:tnLst>
+      <p:par>
+        <p:cTn id="1" dur="indefinite" restart="never" nodeType="tmRoot">
+          <p:childTnLst>
+            <p:seq concurrent="1" nextAc="seek">
+              <p:cTn id="2" dur="indefinite" nodeType="mainSeq">
+                <p:childTnLst>
+                  <p:par>
+                    <p:cTn id="3" fill="hold">
+                      <p:stCondLst>
+                        <p:cond delay="indefinite"/>
+                      </p:stCondLst>
+                      <p:childTnLst>
+                        <p:par>
+                          <p:cTn id="4" fill="hold">
+                            <p:stCondLst>
+                              <p:cond delay="0"/>
+                            </p:stCondLst>
+                            <p:childTnLst>
+                              <p:par>
+                                <p:cTn id="5" presetID="1" presetClass="entr" presetSubtype="0" fill="hold" grpId="0" nodeType="clickEffect">
+                                  <p:stCondLst>
+                                    <p:cond delay="0"/>
+                                  </p:stCondLst>
+                                  <p:childTnLst>
+                                    <p:set>
+                                      <p:cBhvr>
+                                        <p:cTn id="6" dur="1" fill="hold">
+                                          <p:stCondLst>
+                                            <p:cond delay="0"/>
+                                          </p:stCondLst>
+                                        </p:cTn>
+                                        <p:tgtEl>
+                                          <p:spTgt spid="6"/>
+                                        </p:tgtEl>
+                                        <p:attrNameLst>
+                                          <p:attrName>style.visibility</p:attrName>
+                                        </p:attrNameLst>
+                                      </p:cBhvr>
+                                      <p:to>
+                                        <p:strVal val="visible"/>
+                                      </p:to>
+                                    </p:set>
+                                  </p:childTnLst>
+                                </p:cTn>
+                              </p:par>
+                              <p:par>
+                                <p:cTn id="7" presetID="1" presetClass="entr" presetSubtype="0" fill="hold" nodeType="withEffect">
+                                  <p:stCondLst>
+                                    <p:cond delay="0"/>
+                                  </p:stCondLst>
+                                  <p:childTnLst>
+                                    <p:set>
+                                      <p:cBhvr>
+                                        <p:cTn id="8" dur="1" fill="hold">
+                                          <p:stCondLst>
+                                            <p:cond delay="0"/>
+                                          </p:stCondLst>
+                                        </p:cTn>
+                                        <p:tgtEl>
+                                          <p:spTgt spid="5"/>
+                                        </p:tgtEl>
+                                        <p:attrNameLst>
+                                          <p:attrName>style.visibility</p:attrName>
+                                        </p:attrNameLst>
+                                      </p:cBhvr>
+                                      <p:to>
+                                        <p:strVal val="visible"/>
+                                      </p:to>
+                                    </p:set>
+                                  </p:childTnLst>
+                                </p:cTn>
+                              </p:par>
+                            </p:childTnLst>
+                          </p:cTn>
+                        </p:par>
+                      </p:childTnLst>
+                    </p:cTn>
+                  </p:par>
+                  <p:par>
+                    <p:cTn id="9" fill="hold">
+                      <p:stCondLst>
+                        <p:cond delay="indefinite"/>
+                      </p:stCondLst>
+                      <p:childTnLst>
+                        <p:par>
+                          <p:cTn id="10" fill="hold">
+                            <p:stCondLst>
+                              <p:cond delay="0"/>
+                            </p:stCondLst>
+                            <p:childTnLst>
+                              <p:par>
+                                <p:cTn id="11" presetID="1" presetClass="entr" presetSubtype="0" fill="hold" nodeType="clickEffect">
+                                  <p:stCondLst>
+                                    <p:cond delay="0"/>
+                                  </p:stCondLst>
+                                  <p:childTnLst>
+                                    <p:set>
+                                      <p:cBhvr>
+                                        <p:cTn id="12" dur="1" fill="hold">
+                                          <p:stCondLst>
+                                            <p:cond delay="0"/>
+                                          </p:stCondLst>
+                                        </p:cTn>
+                                        <p:tgtEl>
+                                          <p:spTgt spid="7"/>
+                                        </p:tgtEl>
+                                        <p:attrNameLst>
+                                          <p:attrName>style.visibility</p:attrName>
+                                        </p:attrNameLst>
+                                      </p:cBhvr>
+                                      <p:to>
+                                        <p:strVal val="visible"/>
+                                      </p:to>
+                                    </p:set>
+                                  </p:childTnLst>
+                                </p:cTn>
+                              </p:par>
+                            </p:childTnLst>
+                          </p:cTn>
+                        </p:par>
+                      </p:childTnLst>
+                    </p:cTn>
+                  </p:par>
+                </p:childTnLst>
+              </p:cTn>
+              <p:prevCondLst>
+                <p:cond evt="onPrev" delay="0">
+                  <p:tgtEl>
+                    <p:sldTgt/>
+                  </p:tgtEl>
+                </p:cond>
+              </p:prevCondLst>
+              <p:nextCondLst>
+                <p:cond evt="onNext" delay="0">
+                  <p:tgtEl>
+                    <p:sldTgt/>
+                  </p:tgtEl>
+                </p:cond>
+              </p:nextCondLst>
+            </p:seq>
+          </p:childTnLst>
+        </p:cTn>
+      </p:par>
+    </p:tnLst>
+    <p:bldLst>
+      <p:bldP spid="6" grpId="0"/>
+    </p:bldLst>
+  </p:timing>
 </p:sld>
 </file>
 
@@ -5657,19 +6083,15 @@
             </a:r>
             <a:r>
               <a:rPr lang="nl-NL" dirty="0" smtClean="0"/>
-              <a:t> </a:t>
-            </a:r>
-            <a:r>
-              <a:rPr lang="nl-NL" dirty="0"/>
-              <a:t>2</a:t>
+              <a:t> 1: </a:t>
             </a:r>
             <a:r>
               <a:rPr lang="nl-NL" dirty="0" smtClean="0"/>
-              <a:t>: model </a:t>
+              <a:t>model </a:t>
             </a:r>
             <a:r>
               <a:rPr lang="nl-NL" dirty="0" err="1" smtClean="0"/>
-              <a:t>validation</a:t>
+              <a:t>evaluation</a:t>
             </a:r>
             <a:endParaRPr lang="nl-NL" dirty="0"/>
           </a:p>
@@ -5769,8 +6191,8 @@
         </p:nvSpPr>
         <p:spPr bwMode="auto">
           <a:xfrm>
-            <a:off x="683568" y="1700808"/>
-            <a:ext cx="7881938" cy="2893100"/>
+            <a:off x="827584" y="1722552"/>
+            <a:ext cx="7881938" cy="5890843"/>
           </a:xfrm>
           <a:prstGeom prst="rect">
             <a:avLst/>
@@ -5985,20 +6407,76 @@
                 <a:latin typeface="Courier New" panose="02070309020205020404" pitchFamily="49" charset="0"/>
                 <a:cs typeface="Courier New" panose="02070309020205020404" pitchFamily="49" charset="0"/>
               </a:rPr>
-              <a:t>Split data </a:t>
+              <a:t>Continue in the Notebook </a:t>
             </a:r>
             <a:r>
               <a:rPr lang="nl-NL" sz="1400" kern="0" dirty="0" err="1" smtClean="0">
                 <a:latin typeface="Courier New" panose="02070309020205020404" pitchFamily="49" charset="0"/>
                 <a:cs typeface="Courier New" panose="02070309020205020404" pitchFamily="49" charset="0"/>
               </a:rPr>
-              <a:t>into</a:t>
+              <a:t>with</a:t>
             </a:r>
             <a:r>
               <a:rPr lang="nl-NL" sz="1400" kern="0" dirty="0" smtClean="0">
                 <a:latin typeface="Courier New" panose="02070309020205020404" pitchFamily="49" charset="0"/>
                 <a:cs typeface="Courier New" panose="02070309020205020404" pitchFamily="49" charset="0"/>
               </a:rPr>
+              <a:t> the </a:t>
+            </a:r>
+            <a:r>
+              <a:rPr lang="nl-NL" sz="1400" kern="0" dirty="0" err="1" smtClean="0">
+                <a:latin typeface="Courier New" panose="02070309020205020404" pitchFamily="49" charset="0"/>
+                <a:cs typeface="Courier New" panose="02070309020205020404" pitchFamily="49" charset="0"/>
+              </a:rPr>
+              <a:t>regression</a:t>
+            </a:r>
+            <a:r>
+              <a:rPr lang="nl-NL" sz="1400" kern="0" dirty="0" smtClean="0">
+                <a:latin typeface="Courier New" panose="02070309020205020404" pitchFamily="49" charset="0"/>
+                <a:cs typeface="Courier New" panose="02070309020205020404" pitchFamily="49" charset="0"/>
+              </a:rPr>
+              <a:t> from </a:t>
+            </a:r>
+            <a:r>
+              <a:rPr lang="nl-NL" sz="1400" kern="0" dirty="0" err="1" smtClean="0">
+                <a:latin typeface="Courier New" panose="02070309020205020404" pitchFamily="49" charset="0"/>
+                <a:cs typeface="Courier New" panose="02070309020205020404" pitchFamily="49" charset="0"/>
+              </a:rPr>
+              <a:t>Exercise</a:t>
+            </a:r>
+            <a:r>
+              <a:rPr lang="nl-NL" sz="1400" kern="0" dirty="0" smtClean="0">
+                <a:latin typeface="Courier New" panose="02070309020205020404" pitchFamily="49" charset="0"/>
+                <a:cs typeface="Courier New" panose="02070309020205020404" pitchFamily="49" charset="0"/>
+              </a:rPr>
+              <a:t> 3 from the last </a:t>
+            </a:r>
+            <a:r>
+              <a:rPr lang="nl-NL" sz="1400" kern="0" dirty="0" err="1" smtClean="0">
+                <a:latin typeface="Courier New" panose="02070309020205020404" pitchFamily="49" charset="0"/>
+                <a:cs typeface="Courier New" panose="02070309020205020404" pitchFamily="49" charset="0"/>
+              </a:rPr>
+              <a:t>lesson</a:t>
+            </a:r>
+            <a:r>
+              <a:rPr lang="nl-NL" sz="1400" kern="0" dirty="0" smtClean="0">
+                <a:latin typeface="Courier New" panose="02070309020205020404" pitchFamily="49" charset="0"/>
+                <a:cs typeface="Courier New" panose="02070309020205020404" pitchFamily="49" charset="0"/>
+              </a:rPr>
+              <a:t>. We are </a:t>
+            </a:r>
+            <a:r>
+              <a:rPr lang="nl-NL" sz="1400" kern="0" dirty="0" err="1" smtClean="0">
+                <a:latin typeface="Courier New" panose="02070309020205020404" pitchFamily="49" charset="0"/>
+                <a:cs typeface="Courier New" panose="02070309020205020404" pitchFamily="49" charset="0"/>
+              </a:rPr>
+              <a:t>going</a:t>
+            </a:r>
+            <a:r>
+              <a:rPr lang="nl-NL" sz="1400" kern="0" dirty="0" smtClean="0">
+                <a:latin typeface="Courier New" panose="02070309020205020404" pitchFamily="49" charset="0"/>
+                <a:cs typeface="Courier New" panose="02070309020205020404" pitchFamily="49" charset="0"/>
+              </a:rPr>
               <a:t> </a:t>
             </a:r>
             <a:r>
@@ -6006,12 +6484,43 @@
                 <a:latin typeface="Courier New" panose="02070309020205020404" pitchFamily="49" charset="0"/>
                 <a:cs typeface="Courier New" panose="02070309020205020404" pitchFamily="49" charset="0"/>
               </a:rPr>
-              <a:t>two</a:t>
-            </a:r>
-            <a:endParaRPr lang="nl-NL" sz="1400" kern="0" dirty="0" smtClean="0">
-              <a:latin typeface="Courier New" panose="02070309020205020404" pitchFamily="49" charset="0"/>
-              <a:cs typeface="Courier New" panose="02070309020205020404" pitchFamily="49" charset="0"/>
-            </a:endParaRPr>
+              <a:t>to</a:t>
+            </a:r>
+            <a:r>
+              <a:rPr lang="nl-NL" sz="1400" kern="0" dirty="0" smtClean="0">
+                <a:latin typeface="Courier New" panose="02070309020205020404" pitchFamily="49" charset="0"/>
+                <a:cs typeface="Courier New" panose="02070309020205020404" pitchFamily="49" charset="0"/>
+              </a:rPr>
+              <a:t> </a:t>
+            </a:r>
+            <a:r>
+              <a:rPr lang="nl-NL" sz="1400" kern="0" dirty="0" err="1" smtClean="0">
+                <a:latin typeface="Courier New" panose="02070309020205020404" pitchFamily="49" charset="0"/>
+                <a:cs typeface="Courier New" panose="02070309020205020404" pitchFamily="49" charset="0"/>
+              </a:rPr>
+              <a:t>evaluate</a:t>
+            </a:r>
+            <a:r>
+              <a:rPr lang="nl-NL" sz="1400" kern="0" dirty="0" smtClean="0">
+                <a:latin typeface="Courier New" panose="02070309020205020404" pitchFamily="49" charset="0"/>
+                <a:cs typeface="Courier New" panose="02070309020205020404" pitchFamily="49" charset="0"/>
+              </a:rPr>
+              <a:t> the fit of the model, </a:t>
+            </a:r>
+            <a:r>
+              <a:rPr lang="nl-NL" sz="1400" kern="0" dirty="0" err="1" smtClean="0">
+                <a:latin typeface="Courier New" panose="02070309020205020404" pitchFamily="49" charset="0"/>
+                <a:cs typeface="Courier New" panose="02070309020205020404" pitchFamily="49" charset="0"/>
+              </a:rPr>
+              <a:t>with</a:t>
+            </a:r>
+            <a:r>
+              <a:rPr lang="nl-NL" sz="1400" kern="0" dirty="0" smtClean="0">
+                <a:latin typeface="Courier New" panose="02070309020205020404" pitchFamily="49" charset="0"/>
+                <a:cs typeface="Courier New" panose="02070309020205020404" pitchFamily="49" charset="0"/>
+              </a:rPr>
+              <a:t>:</a:t>
+            </a:r>
           </a:p>
           <a:p>
             <a:pPr marL="0" indent="0">
@@ -6033,8 +6542,71 @@
                 <a:latin typeface="Courier New" panose="02070309020205020404" pitchFamily="49" charset="0"/>
                 <a:cs typeface="Courier New" panose="02070309020205020404" pitchFamily="49" charset="0"/>
               </a:rPr>
-              <a:t>Train on train set</a:t>
-            </a:r>
+              <a:t>X: </a:t>
+            </a:r>
+            <a:r>
+              <a:rPr lang="nl-NL" sz="1400" kern="0" dirty="0" err="1" smtClean="0">
+                <a:latin typeface="Courier New" panose="02070309020205020404" pitchFamily="49" charset="0"/>
+                <a:cs typeface="Courier New" panose="02070309020205020404" pitchFamily="49" charset="0"/>
+              </a:rPr>
+              <a:t>surface</a:t>
+            </a:r>
+            <a:r>
+              <a:rPr lang="nl-NL" sz="1400" kern="0" dirty="0" smtClean="0">
+                <a:latin typeface="Courier New" panose="02070309020205020404" pitchFamily="49" charset="0"/>
+                <a:cs typeface="Courier New" panose="02070309020205020404" pitchFamily="49" charset="0"/>
+              </a:rPr>
+              <a:t> area in m</a:t>
+            </a:r>
+            <a:r>
+              <a:rPr lang="nl-NL" sz="1400" kern="0" baseline="30000" dirty="0" smtClean="0">
+                <a:latin typeface="Courier New" panose="02070309020205020404" pitchFamily="49" charset="0"/>
+                <a:cs typeface="Courier New" panose="02070309020205020404" pitchFamily="49" charset="0"/>
+              </a:rPr>
+              <a:t>2</a:t>
+            </a:r>
+            <a:endParaRPr lang="nl-NL" sz="1400" kern="0" dirty="0" smtClean="0">
+              <a:latin typeface="Courier New" panose="02070309020205020404" pitchFamily="49" charset="0"/>
+              <a:cs typeface="Courier New" panose="02070309020205020404" pitchFamily="49" charset="0"/>
+            </a:endParaRPr>
+          </a:p>
+          <a:p>
+            <a:pPr marL="0" indent="0">
+              <a:buFont typeface="Zapf Dingbats" charset="2"/>
+              <a:buNone/>
+            </a:pPr>
+            <a:r>
+              <a:rPr lang="nl-NL" sz="1400" kern="0" dirty="0" smtClean="0">
+                <a:latin typeface="Courier New" panose="02070309020205020404" pitchFamily="49" charset="0"/>
+                <a:cs typeface="Courier New" panose="02070309020205020404" pitchFamily="49" charset="0"/>
+              </a:rPr>
+              <a:t>Y: </a:t>
+            </a:r>
+            <a:r>
+              <a:rPr lang="nl-NL" sz="1400" kern="0" dirty="0" err="1" smtClean="0">
+                <a:latin typeface="Courier New" panose="02070309020205020404" pitchFamily="49" charset="0"/>
+                <a:cs typeface="Courier New" panose="02070309020205020404" pitchFamily="49" charset="0"/>
+              </a:rPr>
+              <a:t>price</a:t>
+            </a:r>
+            <a:r>
+              <a:rPr lang="nl-NL" sz="1400" kern="0" dirty="0" smtClean="0">
+                <a:latin typeface="Courier New" panose="02070309020205020404" pitchFamily="49" charset="0"/>
+                <a:cs typeface="Courier New" panose="02070309020205020404" pitchFamily="49" charset="0"/>
+              </a:rPr>
+              <a:t> in </a:t>
+            </a:r>
+            <a:r>
+              <a:rPr lang="nl-NL" sz="1400" kern="0" dirty="0" err="1" smtClean="0">
+                <a:latin typeface="Courier New" panose="02070309020205020404" pitchFamily="49" charset="0"/>
+                <a:cs typeface="Courier New" panose="02070309020205020404" pitchFamily="49" charset="0"/>
+              </a:rPr>
+              <a:t>euros</a:t>
+            </a:r>
+            <a:endParaRPr lang="nl-NL" sz="1400" kern="0" dirty="0" smtClean="0">
+              <a:latin typeface="Courier New" panose="02070309020205020404" pitchFamily="49" charset="0"/>
+              <a:cs typeface="Courier New" panose="02070309020205020404" pitchFamily="49" charset="0"/>
+            </a:endParaRPr>
           </a:p>
           <a:p>
             <a:pPr marL="0" indent="0">
@@ -6047,22 +6619,381 @@
             </a:endParaRPr>
           </a:p>
           <a:p>
-            <a:pPr marL="0" indent="0">
-              <a:buFont typeface="Zapf Dingbats" charset="2"/>
-              <a:buNone/>
+            <a:pPr>
+              <a:buFont typeface="+mj-lt"/>
+              <a:buAutoNum type="arabicPeriod"/>
             </a:pPr>
             <a:r>
+              <a:rPr lang="nl-NL" sz="1400" kern="0" dirty="0" err="1" smtClean="0">
+                <a:latin typeface="Courier New" panose="02070309020205020404" pitchFamily="49" charset="0"/>
+                <a:cs typeface="Courier New" panose="02070309020205020404" pitchFamily="49" charset="0"/>
+              </a:rPr>
+              <a:t>Calculate</a:t>
+            </a:r>
+            <a:r>
               <a:rPr lang="nl-NL" sz="1400" kern="0" dirty="0" smtClean="0">
                 <a:latin typeface="Courier New" panose="02070309020205020404" pitchFamily="49" charset="0"/>
                 <a:cs typeface="Courier New" panose="02070309020205020404" pitchFamily="49" charset="0"/>
               </a:rPr>
-              <a:t>Plot train &amp; test set (?)</a:t>
-            </a:r>
-          </a:p>
-          <a:p>
-            <a:pPr marL="0" indent="0">
-              <a:buFont typeface="Zapf Dingbats" charset="2"/>
-              <a:buNone/>
+              <a:t> the </a:t>
+            </a:r>
+            <a:r>
+              <a:rPr lang="nl-NL" sz="1400" kern="0" dirty="0" err="1" smtClean="0">
+                <a:latin typeface="Courier New" panose="02070309020205020404" pitchFamily="49" charset="0"/>
+                <a:cs typeface="Courier New" panose="02070309020205020404" pitchFamily="49" charset="0"/>
+              </a:rPr>
+              <a:t>residuals</a:t>
+            </a:r>
+            <a:r>
+              <a:rPr lang="nl-NL" sz="1400" kern="0" dirty="0" smtClean="0">
+                <a:latin typeface="Courier New" panose="02070309020205020404" pitchFamily="49" charset="0"/>
+                <a:cs typeface="Courier New" panose="02070309020205020404" pitchFamily="49" charset="0"/>
+              </a:rPr>
+              <a:t> (e) </a:t>
+            </a:r>
+            <a:r>
+              <a:rPr lang="nl-NL" sz="1400" kern="0" dirty="0" err="1" smtClean="0">
+                <a:latin typeface="Courier New" panose="02070309020205020404" pitchFamily="49" charset="0"/>
+                <a:cs typeface="Courier New" panose="02070309020205020404" pitchFamily="49" charset="0"/>
+              </a:rPr>
+              <a:t>and</a:t>
+            </a:r>
+            <a:r>
+              <a:rPr lang="nl-NL" sz="1400" kern="0" dirty="0" smtClean="0">
+                <a:latin typeface="Courier New" panose="02070309020205020404" pitchFamily="49" charset="0"/>
+                <a:cs typeface="Courier New" panose="02070309020205020404" pitchFamily="49" charset="0"/>
+              </a:rPr>
+              <a:t> </a:t>
+            </a:r>
+            <a:r>
+              <a:rPr lang="nl-NL" sz="1400" kern="0" dirty="0" err="1" smtClean="0">
+                <a:latin typeface="Courier New" panose="02070309020205020404" pitchFamily="49" charset="0"/>
+                <a:cs typeface="Courier New" panose="02070309020205020404" pitchFamily="49" charset="0"/>
+              </a:rPr>
+              <a:t>add</a:t>
+            </a:r>
+            <a:r>
+              <a:rPr lang="nl-NL" sz="1400" kern="0" dirty="0" smtClean="0">
+                <a:latin typeface="Courier New" panose="02070309020205020404" pitchFamily="49" charset="0"/>
+                <a:cs typeface="Courier New" panose="02070309020205020404" pitchFamily="49" charset="0"/>
+              </a:rPr>
+              <a:t> </a:t>
+            </a:r>
+            <a:r>
+              <a:rPr lang="nl-NL" sz="1400" kern="0" dirty="0" err="1" smtClean="0">
+                <a:latin typeface="Courier New" panose="02070309020205020404" pitchFamily="49" charset="0"/>
+                <a:cs typeface="Courier New" panose="02070309020205020404" pitchFamily="49" charset="0"/>
+              </a:rPr>
+              <a:t>them</a:t>
+            </a:r>
+            <a:r>
+              <a:rPr lang="nl-NL" sz="1400" kern="0" dirty="0" smtClean="0">
+                <a:latin typeface="Courier New" panose="02070309020205020404" pitchFamily="49" charset="0"/>
+                <a:cs typeface="Courier New" panose="02070309020205020404" pitchFamily="49" charset="0"/>
+              </a:rPr>
+              <a:t> </a:t>
+            </a:r>
+            <a:r>
+              <a:rPr lang="nl-NL" sz="1400" kern="0" dirty="0" err="1" smtClean="0">
+                <a:latin typeface="Courier New" panose="02070309020205020404" pitchFamily="49" charset="0"/>
+                <a:cs typeface="Courier New" panose="02070309020205020404" pitchFamily="49" charset="0"/>
+              </a:rPr>
+              <a:t>to</a:t>
+            </a:r>
+            <a:r>
+              <a:rPr lang="nl-NL" sz="1400" kern="0" dirty="0" smtClean="0">
+                <a:latin typeface="Courier New" panose="02070309020205020404" pitchFamily="49" charset="0"/>
+                <a:cs typeface="Courier New" panose="02070309020205020404" pitchFamily="49" charset="0"/>
+              </a:rPr>
+              <a:t> the dataframe</a:t>
+            </a:r>
+          </a:p>
+          <a:p>
+            <a:pPr>
+              <a:buFont typeface="+mj-lt"/>
+              <a:buAutoNum type="arabicPeriod"/>
+            </a:pPr>
+            <a:endParaRPr lang="nl-NL" sz="1400" kern="0" dirty="0" smtClean="0">
+              <a:latin typeface="Courier New" panose="02070309020205020404" pitchFamily="49" charset="0"/>
+              <a:cs typeface="Courier New" panose="02070309020205020404" pitchFamily="49" charset="0"/>
+            </a:endParaRPr>
+          </a:p>
+          <a:p>
+            <a:pPr>
+              <a:buFont typeface="+mj-lt"/>
+              <a:buAutoNum type="arabicPeriod"/>
+            </a:pPr>
+            <a:r>
+              <a:rPr lang="nl-NL" sz="1400" kern="0" dirty="0" smtClean="0">
+                <a:latin typeface="Courier New" panose="02070309020205020404" pitchFamily="49" charset="0"/>
+                <a:cs typeface="Courier New" panose="02070309020205020404" pitchFamily="49" charset="0"/>
+              </a:rPr>
+              <a:t>Make the </a:t>
+            </a:r>
+            <a:r>
+              <a:rPr lang="nl-NL" sz="1400" kern="0" dirty="0" err="1" smtClean="0">
+                <a:latin typeface="Courier New" panose="02070309020205020404" pitchFamily="49" charset="0"/>
+                <a:cs typeface="Courier New" panose="02070309020205020404" pitchFamily="49" charset="0"/>
+              </a:rPr>
+              <a:t>following</a:t>
+            </a:r>
+            <a:r>
+              <a:rPr lang="nl-NL" sz="1400" kern="0" dirty="0" smtClean="0">
+                <a:latin typeface="Courier New" panose="02070309020205020404" pitchFamily="49" charset="0"/>
+                <a:cs typeface="Courier New" panose="02070309020205020404" pitchFamily="49" charset="0"/>
+              </a:rPr>
+              <a:t> plots:</a:t>
+            </a:r>
+          </a:p>
+          <a:p>
+            <a:pPr lvl="1">
+              <a:buFont typeface="Wingdings" panose="05000000000000000000" pitchFamily="2" charset="2"/>
+              <a:buChar char="§"/>
+            </a:pPr>
+            <a:r>
+              <a:rPr lang="nl-NL" sz="1200" kern="0" dirty="0" smtClean="0">
+                <a:latin typeface="Courier New" panose="02070309020205020404" pitchFamily="49" charset="0"/>
+                <a:cs typeface="Courier New" panose="02070309020205020404" pitchFamily="49" charset="0"/>
+              </a:rPr>
+              <a:t>A </a:t>
+            </a:r>
+            <a:r>
+              <a:rPr lang="nl-NL" sz="1200" kern="0" dirty="0" err="1" smtClean="0">
+                <a:latin typeface="Courier New" panose="02070309020205020404" pitchFamily="49" charset="0"/>
+                <a:cs typeface="Courier New" panose="02070309020205020404" pitchFamily="49" charset="0"/>
+              </a:rPr>
+              <a:t>scatter</a:t>
+            </a:r>
+            <a:r>
+              <a:rPr lang="nl-NL" sz="1200" kern="0" dirty="0" smtClean="0">
+                <a:latin typeface="Courier New" panose="02070309020205020404" pitchFamily="49" charset="0"/>
+                <a:cs typeface="Courier New" panose="02070309020205020404" pitchFamily="49" charset="0"/>
+              </a:rPr>
+              <a:t> plot </a:t>
+            </a:r>
+            <a:r>
+              <a:rPr lang="nl-NL" sz="1200" kern="0" dirty="0">
+                <a:latin typeface="Courier New" panose="02070309020205020404" pitchFamily="49" charset="0"/>
+                <a:cs typeface="Courier New" panose="02070309020205020404" pitchFamily="49" charset="0"/>
+              </a:rPr>
+              <a:t>of (Y, Y’) (Y’ means </a:t>
+            </a:r>
+            <a:r>
+              <a:rPr lang="nl-NL" sz="1200" kern="0" dirty="0" err="1">
+                <a:latin typeface="Courier New" panose="02070309020205020404" pitchFamily="49" charset="0"/>
+                <a:cs typeface="Courier New" panose="02070309020205020404" pitchFamily="49" charset="0"/>
+              </a:rPr>
+              <a:t>predicted</a:t>
+            </a:r>
+            <a:r>
+              <a:rPr lang="nl-NL" sz="1200" kern="0" dirty="0">
+                <a:latin typeface="Courier New" panose="02070309020205020404" pitchFamily="49" charset="0"/>
+                <a:cs typeface="Courier New" panose="02070309020205020404" pitchFamily="49" charset="0"/>
+              </a:rPr>
+              <a:t> Y)</a:t>
+            </a:r>
+          </a:p>
+          <a:p>
+            <a:pPr lvl="1">
+              <a:buFont typeface="Wingdings" panose="05000000000000000000" pitchFamily="2" charset="2"/>
+              <a:buChar char="§"/>
+            </a:pPr>
+            <a:r>
+              <a:rPr lang="nl-NL" sz="1200" kern="0" dirty="0" smtClean="0">
+                <a:latin typeface="Courier New" panose="02070309020205020404" pitchFamily="49" charset="0"/>
+                <a:cs typeface="Courier New" panose="02070309020205020404" pitchFamily="49" charset="0"/>
+              </a:rPr>
+              <a:t>A </a:t>
+            </a:r>
+            <a:r>
+              <a:rPr lang="nl-NL" sz="1200" kern="0" dirty="0" err="1" smtClean="0">
+                <a:latin typeface="Courier New" panose="02070309020205020404" pitchFamily="49" charset="0"/>
+                <a:cs typeface="Courier New" panose="02070309020205020404" pitchFamily="49" charset="0"/>
+              </a:rPr>
+              <a:t>scatter</a:t>
+            </a:r>
+            <a:r>
+              <a:rPr lang="nl-NL" sz="1200" kern="0" dirty="0" smtClean="0">
+                <a:latin typeface="Courier New" panose="02070309020205020404" pitchFamily="49" charset="0"/>
+                <a:cs typeface="Courier New" panose="02070309020205020404" pitchFamily="49" charset="0"/>
+              </a:rPr>
+              <a:t> plot of (X, e) </a:t>
+            </a:r>
+          </a:p>
+          <a:p>
+            <a:pPr>
+              <a:buFont typeface="+mj-lt"/>
+              <a:buAutoNum type="arabicPeriod"/>
+            </a:pPr>
+            <a:endParaRPr lang="nl-NL" sz="1400" kern="0" dirty="0" smtClean="0">
+              <a:latin typeface="Courier New" panose="02070309020205020404" pitchFamily="49" charset="0"/>
+              <a:cs typeface="Courier New" panose="02070309020205020404" pitchFamily="49" charset="0"/>
+            </a:endParaRPr>
+          </a:p>
+          <a:p>
+            <a:pPr>
+              <a:buFont typeface="+mj-lt"/>
+              <a:buAutoNum type="arabicPeriod"/>
+            </a:pPr>
+            <a:r>
+              <a:rPr lang="nl-NL" sz="1400" kern="0" dirty="0" err="1" smtClean="0">
+                <a:latin typeface="Courier New" panose="02070309020205020404" pitchFamily="49" charset="0"/>
+                <a:cs typeface="Courier New" panose="02070309020205020404" pitchFamily="49" charset="0"/>
+              </a:rPr>
+              <a:t>What</a:t>
+            </a:r>
+            <a:r>
+              <a:rPr lang="nl-NL" sz="1400" kern="0" dirty="0" smtClean="0">
+                <a:latin typeface="Courier New" panose="02070309020205020404" pitchFamily="49" charset="0"/>
+                <a:cs typeface="Courier New" panose="02070309020205020404" pitchFamily="49" charset="0"/>
+              </a:rPr>
+              <a:t> is </a:t>
+            </a:r>
+            <a:r>
+              <a:rPr lang="nl-NL" sz="1400" kern="0" dirty="0" err="1" smtClean="0">
+                <a:latin typeface="Courier New" panose="02070309020205020404" pitchFamily="49" charset="0"/>
+                <a:cs typeface="Courier New" panose="02070309020205020404" pitchFamily="49" charset="0"/>
+              </a:rPr>
+              <a:t>your</a:t>
+            </a:r>
+            <a:r>
+              <a:rPr lang="nl-NL" sz="1400" kern="0" dirty="0" smtClean="0">
+                <a:latin typeface="Courier New" panose="02070309020205020404" pitchFamily="49" charset="0"/>
+                <a:cs typeface="Courier New" panose="02070309020205020404" pitchFamily="49" charset="0"/>
+              </a:rPr>
+              <a:t> </a:t>
+            </a:r>
+            <a:r>
+              <a:rPr lang="nl-NL" sz="1400" kern="0" dirty="0" err="1" smtClean="0">
+                <a:latin typeface="Courier New" panose="02070309020205020404" pitchFamily="49" charset="0"/>
+                <a:cs typeface="Courier New" panose="02070309020205020404" pitchFamily="49" charset="0"/>
+              </a:rPr>
+              <a:t>conclusion</a:t>
+            </a:r>
+            <a:r>
+              <a:rPr lang="nl-NL" sz="1400" kern="0" dirty="0" smtClean="0">
+                <a:latin typeface="Courier New" panose="02070309020205020404" pitchFamily="49" charset="0"/>
+                <a:cs typeface="Courier New" panose="02070309020205020404" pitchFamily="49" charset="0"/>
+              </a:rPr>
+              <a:t> </a:t>
+            </a:r>
+            <a:r>
+              <a:rPr lang="nl-NL" sz="1400" kern="0" dirty="0" err="1" smtClean="0">
+                <a:latin typeface="Courier New" panose="02070309020205020404" pitchFamily="49" charset="0"/>
+                <a:cs typeface="Courier New" panose="02070309020205020404" pitchFamily="49" charset="0"/>
+              </a:rPr>
+              <a:t>about</a:t>
+            </a:r>
+            <a:r>
+              <a:rPr lang="nl-NL" sz="1400" kern="0" dirty="0" smtClean="0">
+                <a:latin typeface="Courier New" panose="02070309020205020404" pitchFamily="49" charset="0"/>
+                <a:cs typeface="Courier New" panose="02070309020205020404" pitchFamily="49" charset="0"/>
+              </a:rPr>
+              <a:t> the fit? </a:t>
+            </a:r>
+            <a:r>
+              <a:rPr lang="nl-NL" sz="1400" kern="0" dirty="0" err="1" smtClean="0">
+                <a:latin typeface="Courier New" panose="02070309020205020404" pitchFamily="49" charset="0"/>
+                <a:cs typeface="Courier New" panose="02070309020205020404" pitchFamily="49" charset="0"/>
+              </a:rPr>
+              <a:t>Which</a:t>
+            </a:r>
+            <a:r>
+              <a:rPr lang="nl-NL" sz="1400" kern="0" dirty="0">
+                <a:latin typeface="Courier New" panose="02070309020205020404" pitchFamily="49" charset="0"/>
+                <a:cs typeface="Courier New" panose="02070309020205020404" pitchFamily="49" charset="0"/>
+              </a:rPr>
+              <a:t> </a:t>
+            </a:r>
+            <a:r>
+              <a:rPr lang="nl-NL" sz="1400" kern="0" dirty="0" err="1" smtClean="0">
+                <a:latin typeface="Courier New" panose="02070309020205020404" pitchFamily="49" charset="0"/>
+                <a:cs typeface="Courier New" panose="02070309020205020404" pitchFamily="49" charset="0"/>
+              </a:rPr>
+              <a:t>houses</a:t>
+            </a:r>
+            <a:r>
+              <a:rPr lang="nl-NL" sz="1400" kern="0" dirty="0" smtClean="0">
+                <a:latin typeface="Courier New" panose="02070309020205020404" pitchFamily="49" charset="0"/>
+                <a:cs typeface="Courier New" panose="02070309020205020404" pitchFamily="49" charset="0"/>
+              </a:rPr>
+              <a:t> are </a:t>
+            </a:r>
+            <a:r>
+              <a:rPr lang="nl-NL" sz="1400" kern="0" dirty="0" err="1" smtClean="0">
+                <a:latin typeface="Courier New" panose="02070309020205020404" pitchFamily="49" charset="0"/>
+                <a:cs typeface="Courier New" panose="02070309020205020404" pitchFamily="49" charset="0"/>
+              </a:rPr>
+              <a:t>predicted</a:t>
+            </a:r>
+            <a:r>
+              <a:rPr lang="nl-NL" sz="1400" kern="0" dirty="0" smtClean="0">
+                <a:latin typeface="Courier New" panose="02070309020205020404" pitchFamily="49" charset="0"/>
+                <a:cs typeface="Courier New" panose="02070309020205020404" pitchFamily="49" charset="0"/>
+              </a:rPr>
+              <a:t> </a:t>
+            </a:r>
+            <a:r>
+              <a:rPr lang="nl-NL" sz="1400" kern="0" dirty="0" err="1" smtClean="0">
+                <a:latin typeface="Courier New" panose="02070309020205020404" pitchFamily="49" charset="0"/>
+                <a:cs typeface="Courier New" panose="02070309020205020404" pitchFamily="49" charset="0"/>
+              </a:rPr>
+              <a:t>better</a:t>
+            </a:r>
+            <a:r>
+              <a:rPr lang="nl-NL" sz="1400" kern="0" dirty="0" smtClean="0">
+                <a:latin typeface="Courier New" panose="02070309020205020404" pitchFamily="49" charset="0"/>
+                <a:cs typeface="Courier New" panose="02070309020205020404" pitchFamily="49" charset="0"/>
+              </a:rPr>
+              <a:t>? </a:t>
+            </a:r>
+            <a:r>
+              <a:rPr lang="nl-NL" sz="1400" kern="0" dirty="0" err="1" smtClean="0">
+                <a:latin typeface="Courier New" panose="02070309020205020404" pitchFamily="49" charset="0"/>
+                <a:cs typeface="Courier New" panose="02070309020205020404" pitchFamily="49" charset="0"/>
+              </a:rPr>
+              <a:t>Cheap</a:t>
+            </a:r>
+            <a:r>
+              <a:rPr lang="nl-NL" sz="1400" kern="0" dirty="0">
+                <a:latin typeface="Courier New" panose="02070309020205020404" pitchFamily="49" charset="0"/>
+                <a:cs typeface="Courier New" panose="02070309020205020404" pitchFamily="49" charset="0"/>
+              </a:rPr>
+              <a:t> </a:t>
+            </a:r>
+            <a:r>
+              <a:rPr lang="nl-NL" sz="1400" kern="0" dirty="0" smtClean="0">
+                <a:latin typeface="Courier New" panose="02070309020205020404" pitchFamily="49" charset="0"/>
+                <a:cs typeface="Courier New" panose="02070309020205020404" pitchFamily="49" charset="0"/>
+              </a:rPr>
+              <a:t>or </a:t>
+            </a:r>
+            <a:r>
+              <a:rPr lang="nl-NL" sz="1400" kern="0" dirty="0" err="1" smtClean="0">
+                <a:latin typeface="Courier New" panose="02070309020205020404" pitchFamily="49" charset="0"/>
+                <a:cs typeface="Courier New" panose="02070309020205020404" pitchFamily="49" charset="0"/>
+              </a:rPr>
+              <a:t>expensive</a:t>
+            </a:r>
+            <a:r>
+              <a:rPr lang="nl-NL" sz="1400" kern="0" dirty="0" smtClean="0">
+                <a:latin typeface="Courier New" panose="02070309020205020404" pitchFamily="49" charset="0"/>
+                <a:cs typeface="Courier New" panose="02070309020205020404" pitchFamily="49" charset="0"/>
+              </a:rPr>
+              <a:t> house</a:t>
+            </a:r>
+            <a:r>
+              <a:rPr lang="nl-NL" sz="1400" kern="0" dirty="0" smtClean="0">
+                <a:latin typeface="Courier New" panose="02070309020205020404" pitchFamily="49" charset="0"/>
+                <a:cs typeface="Courier New" panose="02070309020205020404" pitchFamily="49" charset="0"/>
+              </a:rPr>
+              <a:t>?</a:t>
+            </a:r>
+          </a:p>
+          <a:p>
+            <a:pPr>
+              <a:buFont typeface="+mj-lt"/>
+              <a:buAutoNum type="arabicPeriod"/>
             </a:pPr>
             <a:endParaRPr lang="nl-NL" sz="1400" kern="0" dirty="0">
               <a:latin typeface="Courier New" panose="02070309020205020404" pitchFamily="49" charset="0"/>
@@ -6070,57 +7001,43 @@
             </a:endParaRPr>
           </a:p>
           <a:p>
-            <a:pPr marL="0" indent="0">
-              <a:buFont typeface="Zapf Dingbats" charset="2"/>
-              <a:buNone/>
+            <a:pPr>
+              <a:buFont typeface="+mj-lt"/>
+              <a:buAutoNum type="arabicPeriod"/>
             </a:pPr>
             <a:r>
-              <a:rPr lang="nl-NL" sz="1400" kern="0" dirty="0" err="1" smtClean="0">
-                <a:latin typeface="Courier New" panose="02070309020205020404" pitchFamily="49" charset="0"/>
-                <a:cs typeface="Courier New" panose="02070309020205020404" pitchFamily="49" charset="0"/>
-              </a:rPr>
-              <a:t>Calculate</a:t>
-            </a:r>
-            <a:r>
-              <a:rPr lang="nl-NL" sz="1400" kern="0" dirty="0" smtClean="0">
-                <a:latin typeface="Courier New" panose="02070309020205020404" pitchFamily="49" charset="0"/>
-                <a:cs typeface="Courier New" panose="02070309020205020404" pitchFamily="49" charset="0"/>
-              </a:rPr>
-              <a:t> R^2 </a:t>
-            </a:r>
-            <a:r>
-              <a:rPr lang="nl-NL" sz="1400" kern="0" dirty="0" err="1" smtClean="0">
-                <a:latin typeface="Courier New" panose="02070309020205020404" pitchFamily="49" charset="0"/>
-                <a:cs typeface="Courier New" panose="02070309020205020404" pitchFamily="49" charset="0"/>
-              </a:rPr>
-              <a:t>for</a:t>
-            </a:r>
-            <a:r>
-              <a:rPr lang="nl-NL" sz="1400" kern="0" dirty="0" smtClean="0">
-                <a:latin typeface="Courier New" panose="02070309020205020404" pitchFamily="49" charset="0"/>
-                <a:cs typeface="Courier New" panose="02070309020205020404" pitchFamily="49" charset="0"/>
-              </a:rPr>
-              <a:t> </a:t>
-            </a:r>
-            <a:r>
-              <a:rPr lang="nl-NL" sz="1400" kern="0" dirty="0" err="1" smtClean="0">
-                <a:latin typeface="Courier New" panose="02070309020205020404" pitchFamily="49" charset="0"/>
-                <a:cs typeface="Courier New" panose="02070309020205020404" pitchFamily="49" charset="0"/>
-              </a:rPr>
-              <a:t>both</a:t>
-            </a:r>
-            <a:r>
-              <a:rPr lang="nl-NL" sz="1400" kern="0" dirty="0" smtClean="0">
-                <a:latin typeface="Courier New" panose="02070309020205020404" pitchFamily="49" charset="0"/>
-                <a:cs typeface="Courier New" panose="02070309020205020404" pitchFamily="49" charset="0"/>
-              </a:rPr>
-              <a:t>, MSE</a:t>
-            </a:r>
-          </a:p>
-          <a:p>
-            <a:pPr marL="0" indent="0">
-              <a:buFont typeface="Zapf Dingbats" charset="2"/>
-              <a:buNone/>
+              <a:rPr lang="nl-NL" sz="1400" kern="0" dirty="0" err="1">
+                <a:latin typeface="Courier New" panose="02070309020205020404" pitchFamily="49" charset="0"/>
+                <a:cs typeface="Courier New" panose="02070309020205020404" pitchFamily="49" charset="0"/>
+              </a:rPr>
+              <a:t>What</a:t>
+            </a:r>
+            <a:r>
+              <a:rPr lang="nl-NL" sz="1400" kern="0" dirty="0">
+                <a:latin typeface="Courier New" panose="02070309020205020404" pitchFamily="49" charset="0"/>
+                <a:cs typeface="Courier New" panose="02070309020205020404" pitchFamily="49" charset="0"/>
+              </a:rPr>
+              <a:t> is the R</a:t>
+            </a:r>
+            <a:r>
+              <a:rPr lang="nl-NL" sz="1400" kern="0" baseline="30000" dirty="0">
+                <a:latin typeface="Courier New" panose="02070309020205020404" pitchFamily="49" charset="0"/>
+                <a:cs typeface="Courier New" panose="02070309020205020404" pitchFamily="49" charset="0"/>
+              </a:rPr>
+              <a:t>2</a:t>
+            </a:r>
+            <a:r>
+              <a:rPr lang="nl-NL" sz="1400" kern="0" dirty="0">
+                <a:latin typeface="Courier New" panose="02070309020205020404" pitchFamily="49" charset="0"/>
+                <a:cs typeface="Courier New" panose="02070309020205020404" pitchFamily="49" charset="0"/>
+              </a:rPr>
+              <a:t> of the model?</a:t>
+            </a:r>
+          </a:p>
+          <a:p>
+            <a:pPr>
+              <a:buFont typeface="+mj-lt"/>
+              <a:buAutoNum type="arabicPeriod"/>
             </a:pPr>
             <a:endParaRPr lang="nl-NL" sz="1400" kern="0" dirty="0">
               <a:latin typeface="Courier New" panose="02070309020205020404" pitchFamily="49" charset="0"/>
@@ -6128,9 +7045,43 @@
             </a:endParaRPr>
           </a:p>
           <a:p>
-            <a:pPr marL="0" indent="0">
-              <a:buFont typeface="Zapf Dingbats" charset="2"/>
-              <a:buNone/>
+            <a:pPr>
+              <a:buFont typeface="+mj-lt"/>
+              <a:buAutoNum type="arabicPeriod"/>
+            </a:pPr>
+            <a:r>
+              <a:rPr lang="nl-NL" sz="1400" kern="0" dirty="0" err="1">
+                <a:latin typeface="Courier New" panose="02070309020205020404" pitchFamily="49" charset="0"/>
+                <a:cs typeface="Courier New" panose="02070309020205020404" pitchFamily="49" charset="0"/>
+              </a:rPr>
+              <a:t>What</a:t>
+            </a:r>
+            <a:r>
+              <a:rPr lang="nl-NL" sz="1400" kern="0" dirty="0">
+                <a:latin typeface="Courier New" panose="02070309020205020404" pitchFamily="49" charset="0"/>
+                <a:cs typeface="Courier New" panose="02070309020205020404" pitchFamily="49" charset="0"/>
+              </a:rPr>
+              <a:t> is the root mean </a:t>
+            </a:r>
+            <a:r>
+              <a:rPr lang="nl-NL" sz="1400" kern="0" dirty="0" err="1">
+                <a:latin typeface="Courier New" panose="02070309020205020404" pitchFamily="49" charset="0"/>
+                <a:cs typeface="Courier New" panose="02070309020205020404" pitchFamily="49" charset="0"/>
+              </a:rPr>
+              <a:t>squared</a:t>
+            </a:r>
+            <a:r>
+              <a:rPr lang="nl-NL" sz="1400" kern="0" dirty="0">
+                <a:latin typeface="Courier New" panose="02070309020205020404" pitchFamily="49" charset="0"/>
+                <a:cs typeface="Courier New" panose="02070309020205020404" pitchFamily="49" charset="0"/>
+              </a:rPr>
+              <a:t> error (RMSE)?</a:t>
+            </a:r>
+          </a:p>
+          <a:p>
+            <a:pPr>
+              <a:buFont typeface="+mj-lt"/>
+              <a:buAutoNum type="arabicPeriod"/>
             </a:pPr>
             <a:endParaRPr lang="nl-NL" sz="1400" kern="0" dirty="0" smtClean="0">
               <a:latin typeface="Courier New" panose="02070309020205020404" pitchFamily="49" charset="0"/>
@@ -6138,31 +7089,62 @@
             </a:endParaRPr>
           </a:p>
           <a:p>
+            <a:pPr marL="533400" lvl="1" indent="0">
+              <a:buNone/>
+            </a:pPr>
+            <a:endParaRPr lang="nl-NL" sz="1100" kern="0" dirty="0">
+              <a:latin typeface="Courier New" panose="02070309020205020404" pitchFamily="49" charset="0"/>
+              <a:cs typeface="Courier New" panose="02070309020205020404" pitchFamily="49" charset="0"/>
+            </a:endParaRPr>
+          </a:p>
+          <a:p>
+            <a:pPr marL="57150" indent="0">
+              <a:buNone/>
+            </a:pPr>
+            <a:r>
+              <a:rPr lang="nl-NL" sz="1200" kern="0" dirty="0" smtClean="0">
+                <a:latin typeface="Courier New" panose="02070309020205020404" pitchFamily="49" charset="0"/>
+                <a:cs typeface="Courier New" panose="02070309020205020404" pitchFamily="49" charset="0"/>
+              </a:rPr>
+              <a:t> </a:t>
+            </a:r>
+          </a:p>
+          <a:p>
+            <a:pPr>
+              <a:buFont typeface="+mj-lt"/>
+              <a:buAutoNum type="arabicPeriod"/>
+            </a:pPr>
+            <a:endParaRPr lang="nl-NL" sz="1200" kern="0" dirty="0">
+              <a:latin typeface="Courier New" panose="02070309020205020404" pitchFamily="49" charset="0"/>
+              <a:cs typeface="Courier New" panose="02070309020205020404" pitchFamily="49" charset="0"/>
+            </a:endParaRPr>
+          </a:p>
+          <a:p>
+            <a:pPr>
+              <a:buFont typeface="+mj-lt"/>
+              <a:buAutoNum type="arabicPeriod"/>
+            </a:pPr>
+            <a:endParaRPr lang="nl-NL" sz="1200" kern="0" dirty="0">
+              <a:latin typeface="Courier New" panose="02070309020205020404" pitchFamily="49" charset="0"/>
+              <a:cs typeface="Courier New" panose="02070309020205020404" pitchFamily="49" charset="0"/>
+            </a:endParaRPr>
+          </a:p>
+          <a:p>
             <a:pPr marL="0" indent="0">
               <a:buFont typeface="Zapf Dingbats" charset="2"/>
               <a:buNone/>
             </a:pPr>
-            <a:endParaRPr lang="nl-NL" sz="1400" kern="0" dirty="0">
+            <a:endParaRPr lang="nl-NL" sz="1200" kern="0" dirty="0" smtClean="0">
               <a:latin typeface="Courier New" panose="02070309020205020404" pitchFamily="49" charset="0"/>
               <a:cs typeface="Courier New" panose="02070309020205020404" pitchFamily="49" charset="0"/>
             </a:endParaRPr>
           </a:p>
-          <a:p>
-            <a:pPr marL="0" indent="0">
-              <a:buFont typeface="Zapf Dingbats" charset="2"/>
-              <a:buNone/>
-            </a:pPr>
-            <a:endParaRPr lang="nl-NL" sz="1400" kern="0" dirty="0" smtClean="0">
-              <a:latin typeface="Courier New" panose="02070309020205020404" pitchFamily="49" charset="0"/>
-              <a:cs typeface="Courier New" panose="02070309020205020404" pitchFamily="49" charset="0"/>
-            </a:endParaRPr>
-          </a:p>
         </p:txBody>
       </p:sp>
     </p:spTree>
     <p:extLst>
       <p:ext uri="{BB962C8B-B14F-4D97-AF65-F5344CB8AC3E}">
-        <p14:creationId xmlns:p14="http://schemas.microsoft.com/office/powerpoint/2010/main" val="473578475"/>
+        <p14:creationId xmlns:p14="http://schemas.microsoft.com/office/powerpoint/2010/main" val="3377482893"/>
       </p:ext>
     </p:extLst>
   </p:cSld>
@@ -6240,23 +7222,23 @@
           <a:lstStyle/>
           <a:p>
             <a:r>
-              <a:rPr lang="nl-NL" sz="2400" dirty="0" smtClean="0"/>
+              <a:rPr lang="nl-NL" sz="2400" dirty="0"/>
               <a:t>Evaluation of </a:t>
             </a:r>
             <a:r>
-              <a:rPr lang="nl-NL" sz="2400" dirty="0" err="1" smtClean="0"/>
+              <a:rPr lang="nl-NL" sz="2400" dirty="0" err="1"/>
               <a:t>simple</a:t>
             </a:r>
             <a:r>
-              <a:rPr lang="nl-NL" sz="2400" dirty="0" smtClean="0"/>
+              <a:rPr lang="nl-NL" sz="2400" dirty="0"/>
               <a:t> </a:t>
             </a:r>
             <a:r>
-              <a:rPr lang="nl-NL" sz="2400" dirty="0" err="1" smtClean="0"/>
+              <a:rPr lang="nl-NL" sz="2400" dirty="0" err="1"/>
               <a:t>linear</a:t>
             </a:r>
             <a:r>
-              <a:rPr lang="nl-NL" sz="2400" dirty="0" smtClean="0"/>
+              <a:rPr lang="nl-NL" sz="2400" dirty="0"/>
               <a:t> </a:t>
             </a:r>
             <a:r>
@@ -6324,7 +7306,7 @@
     </p:spTree>
     <p:extLst>
       <p:ext uri="{BB962C8B-B14F-4D97-AF65-F5344CB8AC3E}">
-        <p14:creationId xmlns:p14="http://schemas.microsoft.com/office/powerpoint/2010/main" val="2912860890"/>
+        <p14:creationId xmlns:p14="http://schemas.microsoft.com/office/powerpoint/2010/main" val="1665294250"/>
       </p:ext>
     </p:extLst>
   </p:cSld>
@@ -6368,39 +7350,45 @@
           <a:p>
             <a:r>
               <a:rPr lang="nl-NL" dirty="0" err="1" smtClean="0"/>
-              <a:t>Qualitative</a:t>
-            </a:r>
-            <a:r>
-              <a:rPr lang="nl-NL" dirty="0" smtClean="0"/>
-              <a:t> variables</a:t>
+              <a:t>Overfitting</a:t>
             </a:r>
             <a:endParaRPr lang="nl-NL" dirty="0"/>
           </a:p>
         </p:txBody>
       </p:sp>
-      <p:sp>
-        <p:nvSpPr>
-          <p:cNvPr id="3" name="Tijdelijke aanduiding voor inhoud 2"/>
-          <p:cNvSpPr>
-            <a:spLocks noGrp="1"/>
-          </p:cNvSpPr>
+      <p:pic>
+        <p:nvPicPr>
+          <p:cNvPr id="4" name="Tijdelijke aanduiding voor inhoud 3"/>
+          <p:cNvPicPr>
+            <a:picLocks noGrp="1" noChangeAspect="1"/>
+          </p:cNvPicPr>
           <p:nvPr>
             <p:ph idx="1"/>
           </p:nvPr>
-        </p:nvSpPr>
-        <p:spPr/>
-        <p:txBody>
-          <a:bodyPr/>
-          <a:lstStyle/>
-          <a:p>
-            <a:endParaRPr lang="nl-NL"/>
-          </a:p>
-        </p:txBody>
-      </p:sp>
+        </p:nvPicPr>
+        <p:blipFill>
+          <a:blip r:embed="rId2">
+            <a:extLst>
+              <a:ext uri="{28A0092B-C50C-407E-A947-70E740481C1C}">
+                <a14:useLocalDpi xmlns:a14="http://schemas.microsoft.com/office/drawing/2010/main" val="0"/>
+              </a:ext>
+            </a:extLst>
+          </a:blip>
+          <a:stretch>
+            <a:fillRect/>
+          </a:stretch>
+        </p:blipFill>
+        <p:spPr>
+          <a:xfrm>
+            <a:off x="1835696" y="1916832"/>
+            <a:ext cx="4877978" cy="3312368"/>
+          </a:xfrm>
+        </p:spPr>
+      </p:pic>
     </p:spTree>
     <p:extLst>
       <p:ext uri="{BB962C8B-B14F-4D97-AF65-F5344CB8AC3E}">
-        <p14:creationId xmlns:p14="http://schemas.microsoft.com/office/powerpoint/2010/main" val="3378184546"/>
+        <p14:creationId xmlns:p14="http://schemas.microsoft.com/office/powerpoint/2010/main" val="2951509394"/>
       </p:ext>
     </p:extLst>
   </p:cSld>
@@ -6443,12 +7431,1519 @@
           <a:lstStyle/>
           <a:p>
             <a:r>
+              <a:rPr lang="nl-NL" dirty="0" smtClean="0"/>
+              <a:t>Training </a:t>
+            </a:r>
+            <a:r>
+              <a:rPr lang="nl-NL" dirty="0" err="1" smtClean="0"/>
+              <a:t>and</a:t>
+            </a:r>
+            <a:r>
+              <a:rPr lang="nl-NL" dirty="0" smtClean="0"/>
+              <a:t> test set</a:t>
+            </a:r>
+            <a:endParaRPr lang="nl-NL" dirty="0"/>
+          </a:p>
+        </p:txBody>
+      </p:sp>
+      <p:sp>
+        <p:nvSpPr>
+          <p:cNvPr id="11" name="Tijdelijke aanduiding voor inhoud 2"/>
+          <p:cNvSpPr>
+            <a:spLocks noGrp="1"/>
+          </p:cNvSpPr>
+          <p:nvPr>
+            <p:ph idx="1"/>
+          </p:nvPr>
+        </p:nvSpPr>
+        <p:spPr>
+          <a:xfrm>
+            <a:off x="1187624" y="4509120"/>
+            <a:ext cx="7303304" cy="3564053"/>
+          </a:xfrm>
+        </p:spPr>
+        <p:txBody>
+          <a:bodyPr/>
+          <a:lstStyle/>
+          <a:p>
+            <a:r>
+              <a:rPr lang="nl-NL" sz="1800" dirty="0" err="1" smtClean="0"/>
+              <a:t>Two</a:t>
+            </a:r>
+            <a:r>
+              <a:rPr lang="nl-NL" sz="1800" dirty="0" smtClean="0"/>
+              <a:t> </a:t>
+            </a:r>
+            <a:r>
+              <a:rPr lang="nl-NL" sz="1800" dirty="0" err="1" smtClean="0"/>
+              <a:t>models</a:t>
+            </a:r>
+            <a:r>
+              <a:rPr lang="nl-NL" sz="1800" dirty="0" smtClean="0"/>
+              <a:t> </a:t>
+            </a:r>
+            <a:r>
+              <a:rPr lang="nl-NL" sz="1800" dirty="0" err="1" smtClean="0"/>
+              <a:t>trained</a:t>
+            </a:r>
+            <a:r>
+              <a:rPr lang="nl-NL" sz="1800" dirty="0" smtClean="0"/>
+              <a:t> on the training data set</a:t>
+            </a:r>
+          </a:p>
+          <a:p>
+            <a:pPr lvl="1"/>
+            <a:r>
+              <a:rPr lang="nl-NL" sz="1600" dirty="0" smtClean="0"/>
+              <a:t>Simple model in green</a:t>
+            </a:r>
+          </a:p>
+          <a:p>
+            <a:pPr lvl="1"/>
+            <a:r>
+              <a:rPr lang="nl-NL" sz="1600" dirty="0" smtClean="0"/>
+              <a:t>Complex model in </a:t>
+            </a:r>
+            <a:r>
+              <a:rPr lang="nl-NL" sz="1600" dirty="0" err="1" smtClean="0"/>
+              <a:t>orange</a:t>
+            </a:r>
+            <a:endParaRPr lang="nl-NL" sz="1600" dirty="0" smtClean="0"/>
+          </a:p>
+          <a:p>
+            <a:pPr lvl="1"/>
+            <a:endParaRPr lang="nl-NL" sz="1600" dirty="0"/>
+          </a:p>
+          <a:p>
+            <a:r>
+              <a:rPr lang="nl-NL" sz="1800" dirty="0" smtClean="0"/>
+              <a:t>The test set is </a:t>
+            </a:r>
+            <a:r>
+              <a:rPr lang="nl-NL" sz="1800" dirty="0" err="1" smtClean="0"/>
+              <a:t>used</a:t>
+            </a:r>
+            <a:r>
+              <a:rPr lang="nl-NL" sz="1800" dirty="0" smtClean="0"/>
+              <a:t> </a:t>
+            </a:r>
+            <a:r>
+              <a:rPr lang="nl-NL" sz="1800" dirty="0" err="1" smtClean="0"/>
+              <a:t>only</a:t>
+            </a:r>
+            <a:r>
+              <a:rPr lang="nl-NL" sz="1800" dirty="0" smtClean="0"/>
+              <a:t> </a:t>
+            </a:r>
+            <a:r>
+              <a:rPr lang="nl-NL" sz="1800" dirty="0" err="1" smtClean="0"/>
+              <a:t>to</a:t>
+            </a:r>
+            <a:r>
+              <a:rPr lang="nl-NL" sz="1800" dirty="0" smtClean="0"/>
+              <a:t> </a:t>
+            </a:r>
+            <a:r>
+              <a:rPr lang="nl-NL" sz="1800" i="1" dirty="0" smtClean="0"/>
+              <a:t>test</a:t>
+            </a:r>
+            <a:r>
+              <a:rPr lang="nl-NL" sz="1800" dirty="0" smtClean="0"/>
+              <a:t> the data (</a:t>
+            </a:r>
+            <a:r>
+              <a:rPr lang="nl-NL" sz="1800" dirty="0" err="1" smtClean="0"/>
+              <a:t>not</a:t>
+            </a:r>
+            <a:r>
+              <a:rPr lang="nl-NL" sz="1800" dirty="0" smtClean="0"/>
+              <a:t> </a:t>
+            </a:r>
+            <a:r>
+              <a:rPr lang="nl-NL" sz="1800" dirty="0" err="1" smtClean="0"/>
+              <a:t>to</a:t>
+            </a:r>
+            <a:r>
+              <a:rPr lang="nl-NL" sz="1800" dirty="0" smtClean="0"/>
+              <a:t> </a:t>
+            </a:r>
+            <a:r>
+              <a:rPr lang="nl-NL" sz="1800" dirty="0" err="1" smtClean="0"/>
+              <a:t>calculate</a:t>
+            </a:r>
+            <a:r>
+              <a:rPr lang="nl-NL" sz="1800" dirty="0" smtClean="0"/>
+              <a:t> the </a:t>
+            </a:r>
+            <a:r>
+              <a:rPr lang="nl-NL" sz="1800" dirty="0" err="1" smtClean="0"/>
+              <a:t>coefficients</a:t>
+            </a:r>
+            <a:r>
+              <a:rPr lang="nl-NL" sz="1800" dirty="0" smtClean="0"/>
+              <a:t> / train the model).</a:t>
+            </a:r>
+          </a:p>
+          <a:p>
+            <a:pPr lvl="1"/>
+            <a:r>
+              <a:rPr lang="nl-NL" sz="1600" dirty="0" smtClean="0"/>
+              <a:t>The </a:t>
+            </a:r>
+            <a:r>
+              <a:rPr lang="nl-NL" sz="1600" dirty="0" err="1" smtClean="0"/>
+              <a:t>orange</a:t>
+            </a:r>
+            <a:r>
+              <a:rPr lang="nl-NL" sz="1600" dirty="0" smtClean="0"/>
+              <a:t> model </a:t>
+            </a:r>
+            <a:r>
+              <a:rPr lang="nl-NL" sz="1600" dirty="0" err="1" smtClean="0"/>
+              <a:t>overfits</a:t>
+            </a:r>
+            <a:r>
+              <a:rPr lang="nl-NL" sz="1600" dirty="0" smtClean="0"/>
+              <a:t>: </a:t>
+            </a:r>
+            <a:r>
+              <a:rPr lang="nl-NL" sz="1600" dirty="0" err="1" smtClean="0"/>
+              <a:t>it</a:t>
+            </a:r>
+            <a:r>
+              <a:rPr lang="nl-NL" sz="1600" dirty="0" smtClean="0"/>
+              <a:t> fits the training set ‘</a:t>
+            </a:r>
+            <a:r>
+              <a:rPr lang="nl-NL" sz="1600" dirty="0" err="1" smtClean="0"/>
+              <a:t>too</a:t>
+            </a:r>
+            <a:r>
+              <a:rPr lang="nl-NL" sz="1600" dirty="0" smtClean="0"/>
+              <a:t> well’ </a:t>
+            </a:r>
+          </a:p>
+          <a:p>
+            <a:endParaRPr lang="nl-NL" sz="1800" dirty="0"/>
+          </a:p>
+          <a:p>
+            <a:endParaRPr lang="nl-NL" dirty="0"/>
+          </a:p>
+          <a:p>
+            <a:endParaRPr lang="nl-NL" dirty="0"/>
+          </a:p>
+        </p:txBody>
+      </p:sp>
+      <p:pic>
+        <p:nvPicPr>
+          <p:cNvPr id="13" name="Afbeelding 12"/>
+          <p:cNvPicPr>
+            <a:picLocks noChangeAspect="1"/>
+          </p:cNvPicPr>
+          <p:nvPr/>
+        </p:nvPicPr>
+        <p:blipFill>
+          <a:blip r:embed="rId2">
+            <a:extLst>
+              <a:ext uri="{28A0092B-C50C-407E-A947-70E740481C1C}">
+                <a14:useLocalDpi xmlns:a14="http://schemas.microsoft.com/office/drawing/2010/main" val="0"/>
+              </a:ext>
+            </a:extLst>
+          </a:blip>
+          <a:stretch>
+            <a:fillRect/>
+          </a:stretch>
+        </p:blipFill>
+        <p:spPr>
+          <a:xfrm>
+            <a:off x="838200" y="1556792"/>
+            <a:ext cx="7448072" cy="2793027"/>
+          </a:xfrm>
+          <a:prstGeom prst="rect">
+            <a:avLst/>
+          </a:prstGeom>
+        </p:spPr>
+      </p:pic>
+    </p:spTree>
+    <p:extLst>
+      <p:ext uri="{BB962C8B-B14F-4D97-AF65-F5344CB8AC3E}">
+        <p14:creationId xmlns:p14="http://schemas.microsoft.com/office/powerpoint/2010/main" val="2062105980"/>
+      </p:ext>
+    </p:extLst>
+  </p:cSld>
+  <p:clrMapOvr>
+    <a:masterClrMapping/>
+  </p:clrMapOvr>
+</p:sld>
+</file>
+
+<file path=ppt/slides/slide15.xml><?xml version="1.0" encoding="utf-8"?>
+<p:sld xmlns:a="http://schemas.openxmlformats.org/drawingml/2006/main" xmlns:r="http://schemas.openxmlformats.org/officeDocument/2006/relationships" xmlns:p="http://schemas.openxmlformats.org/presentationml/2006/main">
+  <p:cSld>
+    <p:spTree>
+      <p:nvGrpSpPr>
+        <p:cNvPr id="1" name=""/>
+        <p:cNvGrpSpPr/>
+        <p:nvPr/>
+      </p:nvGrpSpPr>
+      <p:grpSpPr>
+        <a:xfrm>
+          <a:off x="0" y="0"/>
+          <a:ext cx="0" cy="0"/>
+          <a:chOff x="0" y="0"/>
+          <a:chExt cx="0" cy="0"/>
+        </a:xfrm>
+      </p:grpSpPr>
+      <p:sp>
+        <p:nvSpPr>
+          <p:cNvPr id="2" name="Titel 1"/>
+          <p:cNvSpPr>
+            <a:spLocks noGrp="1"/>
+          </p:cNvSpPr>
+          <p:nvPr>
+            <p:ph type="title"/>
+          </p:nvPr>
+        </p:nvSpPr>
+        <p:spPr/>
+        <p:txBody>
+          <a:bodyPr/>
+          <a:lstStyle/>
+          <a:p>
+            <a:r>
+              <a:rPr lang="nl-NL" dirty="0" smtClean="0"/>
+              <a:t>Training </a:t>
+            </a:r>
+            <a:r>
+              <a:rPr lang="nl-NL" dirty="0" err="1" smtClean="0"/>
+              <a:t>and</a:t>
+            </a:r>
+            <a:r>
+              <a:rPr lang="nl-NL" dirty="0" smtClean="0"/>
+              <a:t> test set</a:t>
+            </a:r>
+            <a:endParaRPr lang="nl-NL" dirty="0"/>
+          </a:p>
+        </p:txBody>
+      </p:sp>
+      <p:sp>
+        <p:nvSpPr>
+          <p:cNvPr id="3" name="Tijdelijke aanduiding voor inhoud 2"/>
+          <p:cNvSpPr>
+            <a:spLocks noGrp="1"/>
+          </p:cNvSpPr>
+          <p:nvPr>
+            <p:ph idx="1"/>
+          </p:nvPr>
+        </p:nvSpPr>
+        <p:spPr>
+          <a:xfrm>
+            <a:off x="762000" y="1762125"/>
+            <a:ext cx="7881938" cy="5041380"/>
+          </a:xfrm>
+        </p:spPr>
+        <p:txBody>
+          <a:bodyPr/>
+          <a:lstStyle/>
+          <a:p>
+            <a:r>
+              <a:rPr lang="nl-NL" sz="2400" dirty="0" err="1" smtClean="0"/>
+              <a:t>Usually</a:t>
+            </a:r>
+            <a:r>
+              <a:rPr lang="nl-NL" sz="2400" dirty="0"/>
+              <a:t> </a:t>
+            </a:r>
+            <a:r>
+              <a:rPr lang="nl-NL" sz="2400" dirty="0" smtClean="0"/>
+              <a:t>in machine </a:t>
+            </a:r>
+            <a:r>
+              <a:rPr lang="nl-NL" sz="2400" dirty="0" err="1" smtClean="0"/>
+              <a:t>learning</a:t>
+            </a:r>
+            <a:r>
+              <a:rPr lang="nl-NL" sz="2400" dirty="0" smtClean="0"/>
+              <a:t>, we split the data at the </a:t>
+            </a:r>
+            <a:r>
+              <a:rPr lang="nl-NL" sz="2400" dirty="0" err="1" smtClean="0"/>
+              <a:t>beginning</a:t>
+            </a:r>
+            <a:r>
+              <a:rPr lang="nl-NL" sz="2400" dirty="0" smtClean="0"/>
+              <a:t> </a:t>
+            </a:r>
+            <a:r>
+              <a:rPr lang="nl-NL" sz="2400" dirty="0" err="1" smtClean="0"/>
+              <a:t>into</a:t>
+            </a:r>
+            <a:r>
+              <a:rPr lang="nl-NL" sz="2400" dirty="0" smtClean="0"/>
+              <a:t> a </a:t>
+            </a:r>
+            <a:r>
+              <a:rPr lang="nl-NL" sz="2400" dirty="0" smtClean="0"/>
+              <a:t>training (70-80%) </a:t>
+            </a:r>
+            <a:r>
+              <a:rPr lang="nl-NL" sz="2400" dirty="0" err="1" smtClean="0"/>
+              <a:t>and</a:t>
+            </a:r>
+            <a:r>
+              <a:rPr lang="nl-NL" sz="2400" dirty="0" smtClean="0"/>
+              <a:t> test </a:t>
+            </a:r>
+            <a:r>
+              <a:rPr lang="nl-NL" sz="2400" dirty="0" smtClean="0"/>
+              <a:t>set (20-30%)</a:t>
+            </a:r>
+            <a:endParaRPr lang="nl-NL" sz="2400" dirty="0" smtClean="0"/>
+          </a:p>
+          <a:p>
+            <a:endParaRPr lang="nl-NL" sz="2400" dirty="0"/>
+          </a:p>
+          <a:p>
+            <a:r>
+              <a:rPr lang="nl-NL" sz="2400" dirty="0" smtClean="0"/>
+              <a:t>We train the model on the training set</a:t>
+            </a:r>
+          </a:p>
+          <a:p>
+            <a:endParaRPr lang="nl-NL" sz="2400" dirty="0"/>
+          </a:p>
+          <a:p>
+            <a:r>
+              <a:rPr lang="nl-NL" sz="2400" dirty="0" err="1" smtClean="0"/>
+              <a:t>Then</a:t>
+            </a:r>
+            <a:r>
+              <a:rPr lang="nl-NL" sz="2400" dirty="0" smtClean="0"/>
+              <a:t>, </a:t>
+            </a:r>
+            <a:r>
+              <a:rPr lang="nl-NL" sz="2400" i="1" dirty="0" err="1" smtClean="0"/>
+              <a:t>using</a:t>
+            </a:r>
+            <a:r>
+              <a:rPr lang="nl-NL" sz="2400" i="1" dirty="0" smtClean="0"/>
+              <a:t> the model </a:t>
+            </a:r>
+            <a:r>
+              <a:rPr lang="nl-NL" sz="2400" i="1" dirty="0" err="1" smtClean="0"/>
+              <a:t>coefficients</a:t>
+            </a:r>
+            <a:r>
+              <a:rPr lang="nl-NL" sz="2400" i="1" dirty="0" smtClean="0"/>
+              <a:t> from the training </a:t>
+            </a:r>
+            <a:r>
+              <a:rPr lang="nl-NL" sz="2400" i="1" dirty="0" smtClean="0"/>
+              <a:t>set,</a:t>
+            </a:r>
+            <a:r>
+              <a:rPr lang="nl-NL" sz="2400" dirty="0" smtClean="0"/>
+              <a:t> </a:t>
+            </a:r>
+            <a:r>
+              <a:rPr lang="nl-NL" sz="2400" dirty="0" smtClean="0"/>
+              <a:t>we report performance </a:t>
+            </a:r>
+            <a:r>
+              <a:rPr lang="nl-NL" sz="2400" b="1" dirty="0" smtClean="0"/>
+              <a:t>on the test </a:t>
+            </a:r>
+            <a:r>
+              <a:rPr lang="nl-NL" sz="2400" b="1" dirty="0" smtClean="0"/>
+              <a:t>set</a:t>
+            </a:r>
+          </a:p>
+          <a:p>
+            <a:endParaRPr lang="nl-NL" sz="2400" b="1" dirty="0"/>
+          </a:p>
+          <a:p>
+            <a:r>
+              <a:rPr lang="nl-NL" sz="2400" dirty="0" err="1" smtClean="0"/>
+              <a:t>So</a:t>
+            </a:r>
+            <a:r>
+              <a:rPr lang="nl-NL" sz="2400" dirty="0" smtClean="0"/>
+              <a:t>, in </a:t>
+            </a:r>
+            <a:r>
+              <a:rPr lang="nl-NL" sz="2400" dirty="0" err="1" smtClean="0"/>
+              <a:t>linear</a:t>
+            </a:r>
+            <a:r>
+              <a:rPr lang="nl-NL" sz="2400" dirty="0" smtClean="0"/>
+              <a:t> </a:t>
+            </a:r>
+            <a:r>
+              <a:rPr lang="nl-NL" sz="2400" dirty="0" err="1" smtClean="0"/>
+              <a:t>regression</a:t>
+            </a:r>
+            <a:r>
+              <a:rPr lang="nl-NL" sz="2400" dirty="0" smtClean="0"/>
+              <a:t>, we take the line we found </a:t>
+            </a:r>
+            <a:r>
+              <a:rPr lang="nl-NL" sz="2400" dirty="0" err="1" smtClean="0"/>
+              <a:t>with</a:t>
+            </a:r>
+            <a:r>
+              <a:rPr lang="nl-NL" sz="2400" dirty="0" smtClean="0"/>
+              <a:t> the train data </a:t>
+            </a:r>
+            <a:r>
+              <a:rPr lang="nl-NL" sz="2400" dirty="0" err="1" smtClean="0"/>
+              <a:t>and</a:t>
+            </a:r>
+            <a:r>
+              <a:rPr lang="nl-NL" sz="2400" dirty="0" smtClean="0"/>
+              <a:t> plot the test data </a:t>
+            </a:r>
+            <a:r>
+              <a:rPr lang="nl-NL" sz="2400" dirty="0" err="1" smtClean="0"/>
+              <a:t>around</a:t>
+            </a:r>
+            <a:r>
+              <a:rPr lang="nl-NL" sz="2400" dirty="0" smtClean="0"/>
+              <a:t> </a:t>
+            </a:r>
+            <a:r>
+              <a:rPr lang="nl-NL" sz="2400" dirty="0" err="1" smtClean="0"/>
+              <a:t>it</a:t>
+            </a:r>
+            <a:endParaRPr lang="nl-NL" sz="2400" dirty="0" smtClean="0"/>
+          </a:p>
+          <a:p>
+            <a:pPr marL="0" indent="0">
+              <a:buNone/>
+            </a:pPr>
+            <a:endParaRPr lang="nl-NL" sz="2400" b="1" dirty="0"/>
+          </a:p>
+        </p:txBody>
+      </p:sp>
+    </p:spTree>
+    <p:extLst>
+      <p:ext uri="{BB962C8B-B14F-4D97-AF65-F5344CB8AC3E}">
+        <p14:creationId xmlns:p14="http://schemas.microsoft.com/office/powerpoint/2010/main" val="159314781"/>
+      </p:ext>
+    </p:extLst>
+  </p:cSld>
+  <p:clrMapOvr>
+    <a:masterClrMapping/>
+  </p:clrMapOvr>
+</p:sld>
+</file>
+
+<file path=ppt/slides/slide16.xml><?xml version="1.0" encoding="utf-8"?>
+<p:sld xmlns:a="http://schemas.openxmlformats.org/drawingml/2006/main" xmlns:r="http://schemas.openxmlformats.org/officeDocument/2006/relationships" xmlns:p="http://schemas.openxmlformats.org/presentationml/2006/main">
+  <p:cSld>
+    <p:spTree>
+      <p:nvGrpSpPr>
+        <p:cNvPr id="1" name=""/>
+        <p:cNvGrpSpPr/>
+        <p:nvPr/>
+      </p:nvGrpSpPr>
+      <p:grpSpPr>
+        <a:xfrm>
+          <a:off x="0" y="0"/>
+          <a:ext cx="0" cy="0"/>
+          <a:chOff x="0" y="0"/>
+          <a:chExt cx="0" cy="0"/>
+        </a:xfrm>
+      </p:grpSpPr>
+      <p:sp>
+        <p:nvSpPr>
+          <p:cNvPr id="2" name="Titel 1"/>
+          <p:cNvSpPr>
+            <a:spLocks noGrp="1"/>
+          </p:cNvSpPr>
+          <p:nvPr>
+            <p:ph type="title"/>
+          </p:nvPr>
+        </p:nvSpPr>
+        <p:spPr/>
+        <p:txBody>
+          <a:bodyPr/>
+          <a:lstStyle/>
+          <a:p>
+            <a:r>
+              <a:rPr lang="nl-NL" dirty="0" smtClean="0"/>
+              <a:t>Topics</a:t>
+            </a:r>
+            <a:endParaRPr lang="nl-NL" dirty="0"/>
+          </a:p>
+        </p:txBody>
+      </p:sp>
+      <p:sp>
+        <p:nvSpPr>
+          <p:cNvPr id="3" name="Tijdelijke aanduiding voor inhoud 2"/>
+          <p:cNvSpPr>
+            <a:spLocks noGrp="1"/>
+          </p:cNvSpPr>
+          <p:nvPr>
+            <p:ph idx="1"/>
+          </p:nvPr>
+        </p:nvSpPr>
+        <p:spPr>
+          <a:xfrm>
+            <a:off x="762000" y="1762125"/>
+            <a:ext cx="7881938" cy="3268587"/>
+          </a:xfrm>
+        </p:spPr>
+        <p:txBody>
+          <a:bodyPr/>
+          <a:lstStyle/>
+          <a:p>
+            <a:r>
+              <a:rPr lang="nl-NL" sz="2400" dirty="0"/>
+              <a:t>Evaluation of </a:t>
+            </a:r>
+            <a:r>
+              <a:rPr lang="nl-NL" sz="2400" dirty="0" err="1"/>
+              <a:t>simple</a:t>
+            </a:r>
+            <a:r>
+              <a:rPr lang="nl-NL" sz="2400" dirty="0"/>
+              <a:t> </a:t>
+            </a:r>
+            <a:r>
+              <a:rPr lang="nl-NL" sz="2400" dirty="0" err="1"/>
+              <a:t>linear</a:t>
+            </a:r>
+            <a:r>
+              <a:rPr lang="nl-NL" sz="2400" dirty="0"/>
+              <a:t> </a:t>
+            </a:r>
+            <a:r>
+              <a:rPr lang="nl-NL" sz="2400" dirty="0" err="1" smtClean="0"/>
+              <a:t>regression</a:t>
+            </a:r>
+            <a:endParaRPr lang="nl-NL" sz="2400" dirty="0" smtClean="0"/>
+          </a:p>
+          <a:p>
+            <a:endParaRPr lang="nl-NL" sz="2400" dirty="0"/>
+          </a:p>
+          <a:p>
+            <a:r>
+              <a:rPr lang="nl-NL" sz="2400" dirty="0" err="1" smtClean="0"/>
+              <a:t>Overfitting</a:t>
+            </a:r>
+            <a:r>
+              <a:rPr lang="nl-NL" sz="2400" dirty="0" smtClean="0"/>
+              <a:t> </a:t>
+            </a:r>
+            <a:r>
+              <a:rPr lang="nl-NL" sz="2400" dirty="0" err="1" smtClean="0"/>
+              <a:t>and</a:t>
+            </a:r>
+            <a:r>
+              <a:rPr lang="nl-NL" sz="2400" dirty="0" smtClean="0"/>
+              <a:t> model </a:t>
+            </a:r>
+            <a:r>
+              <a:rPr lang="nl-NL" sz="2400" dirty="0" err="1" smtClean="0"/>
+              <a:t>validation</a:t>
+            </a:r>
+            <a:endParaRPr lang="nl-NL" sz="2400" dirty="0" smtClean="0"/>
+          </a:p>
+          <a:p>
+            <a:endParaRPr lang="nl-NL" sz="2400" dirty="0"/>
+          </a:p>
+          <a:p>
+            <a:r>
+              <a:rPr lang="nl-NL" sz="2400" dirty="0" smtClean="0"/>
+              <a:t>Multiple </a:t>
+            </a:r>
+            <a:r>
+              <a:rPr lang="nl-NL" sz="2400" dirty="0" err="1" smtClean="0"/>
+              <a:t>linear</a:t>
+            </a:r>
+            <a:r>
+              <a:rPr lang="nl-NL" sz="2400" dirty="0" smtClean="0"/>
+              <a:t> </a:t>
+            </a:r>
+            <a:r>
+              <a:rPr lang="nl-NL" sz="2400" dirty="0" err="1" smtClean="0"/>
+              <a:t>regression</a:t>
+            </a:r>
+            <a:endParaRPr lang="nl-NL" sz="2400" dirty="0" smtClean="0"/>
+          </a:p>
+          <a:p>
+            <a:endParaRPr lang="nl-NL" dirty="0"/>
+          </a:p>
+          <a:p>
+            <a:endParaRPr lang="nl-NL" dirty="0"/>
+          </a:p>
+        </p:txBody>
+      </p:sp>
+    </p:spTree>
+    <p:extLst>
+      <p:ext uri="{BB962C8B-B14F-4D97-AF65-F5344CB8AC3E}">
+        <p14:creationId xmlns:p14="http://schemas.microsoft.com/office/powerpoint/2010/main" val="3336436647"/>
+      </p:ext>
+    </p:extLst>
+  </p:cSld>
+  <p:clrMapOvr>
+    <a:masterClrMapping/>
+  </p:clrMapOvr>
+</p:sld>
+</file>
+
+<file path=ppt/slides/slide17.xml><?xml version="1.0" encoding="utf-8"?>
+<p:sld xmlns:a="http://schemas.openxmlformats.org/drawingml/2006/main" xmlns:r="http://schemas.openxmlformats.org/officeDocument/2006/relationships" xmlns:p="http://schemas.openxmlformats.org/presentationml/2006/main">
+  <p:cSld>
+    <p:spTree>
+      <p:nvGrpSpPr>
+        <p:cNvPr id="1" name=""/>
+        <p:cNvGrpSpPr/>
+        <p:nvPr/>
+      </p:nvGrpSpPr>
+      <p:grpSpPr>
+        <a:xfrm>
+          <a:off x="0" y="0"/>
+          <a:ext cx="0" cy="0"/>
+          <a:chOff x="0" y="0"/>
+          <a:chExt cx="0" cy="0"/>
+        </a:xfrm>
+      </p:grpSpPr>
+      <p:sp>
+        <p:nvSpPr>
+          <p:cNvPr id="2" name="Titel 1"/>
+          <p:cNvSpPr>
+            <a:spLocks noGrp="1"/>
+          </p:cNvSpPr>
+          <p:nvPr>
+            <p:ph type="title"/>
+          </p:nvPr>
+        </p:nvSpPr>
+        <p:spPr/>
+        <p:txBody>
+          <a:bodyPr/>
+          <a:lstStyle/>
+          <a:p>
+            <a:r>
+              <a:rPr lang="nl-NL" dirty="0" err="1" smtClean="0"/>
+              <a:t>Equation</a:t>
+            </a:r>
+            <a:endParaRPr lang="nl-NL" dirty="0"/>
+          </a:p>
+        </p:txBody>
+      </p:sp>
+      <mc:AlternateContent xmlns:mc="http://schemas.openxmlformats.org/markup-compatibility/2006">
+        <mc:Choice xmlns:a14="http://schemas.microsoft.com/office/drawing/2010/main" Requires="a14">
+          <p:sp>
+            <p:nvSpPr>
+              <p:cNvPr id="4" name="Tekstvak 3"/>
+              <p:cNvSpPr txBox="1"/>
+              <p:nvPr/>
+            </p:nvSpPr>
+            <p:spPr>
+              <a:xfrm>
+                <a:off x="1547664" y="2214792"/>
+                <a:ext cx="5832648" cy="584775"/>
+              </a:xfrm>
+              <a:prstGeom prst="rect">
+                <a:avLst/>
+              </a:prstGeom>
+              <a:noFill/>
+            </p:spPr>
+            <p:txBody>
+              <a:bodyPr wrap="square" rtlCol="0">
+                <a:spAutoFit/>
+              </a:bodyPr>
+              <a:lstStyle/>
+              <a:p>
+                <a:pPr/>
+                <a14:m>
+                  <m:oMathPara xmlns:m="http://schemas.openxmlformats.org/officeDocument/2006/math">
+                    <m:oMathParaPr>
+                      <m:jc m:val="centerGroup"/>
+                    </m:oMathParaPr>
+                    <m:oMath xmlns:m="http://schemas.openxmlformats.org/officeDocument/2006/math">
+                      <m:r>
+                        <a:rPr lang="nl-NL" sz="3200" b="0" i="1" smtClean="0">
+                          <a:latin typeface="Cambria Math" panose="02040503050406030204" pitchFamily="18" charset="0"/>
+                        </a:rPr>
+                        <m:t>𝑌</m:t>
+                      </m:r>
+                      <m:r>
+                        <a:rPr lang="nl-NL" sz="3200" b="0" i="1" smtClean="0">
+                          <a:latin typeface="Cambria Math" panose="02040503050406030204" pitchFamily="18" charset="0"/>
+                        </a:rPr>
+                        <m:t>=</m:t>
+                      </m:r>
+                      <m:sSub>
+                        <m:sSubPr>
+                          <m:ctrlPr>
+                            <a:rPr lang="nl-NL" sz="3200" b="0" i="1" smtClean="0">
+                              <a:latin typeface="Cambria Math" panose="02040503050406030204" pitchFamily="18" charset="0"/>
+                            </a:rPr>
+                          </m:ctrlPr>
+                        </m:sSubPr>
+                        <m:e>
+                          <m:r>
+                            <m:rPr>
+                              <m:sty m:val="p"/>
+                            </m:rPr>
+                            <a:rPr lang="nl-NL" sz="3200" b="0" i="0" smtClean="0">
+                              <a:latin typeface="Cambria Math" panose="02040503050406030204" pitchFamily="18" charset="0"/>
+                            </a:rPr>
+                            <m:t>b</m:t>
+                          </m:r>
+                        </m:e>
+                        <m:sub>
+                          <m:r>
+                            <a:rPr lang="nl-NL" sz="3200" b="0" i="1" smtClean="0">
+                              <a:latin typeface="Cambria Math" panose="02040503050406030204" pitchFamily="18" charset="0"/>
+                            </a:rPr>
+                            <m:t>0</m:t>
+                          </m:r>
+                        </m:sub>
+                      </m:sSub>
+                      <m:sSub>
+                        <m:sSubPr>
+                          <m:ctrlPr>
+                            <a:rPr lang="nl-NL" sz="3200" i="1">
+                              <a:latin typeface="Cambria Math" panose="02040503050406030204" pitchFamily="18" charset="0"/>
+                              <a:ea typeface="Cambria Math" panose="02040503050406030204" pitchFamily="18" charset="0"/>
+                            </a:rPr>
+                          </m:ctrlPr>
+                        </m:sSubPr>
+                        <m:e>
+                          <m:r>
+                            <a:rPr lang="nl-NL" sz="3200" b="0" i="1" smtClean="0">
+                              <a:latin typeface="Cambria Math" panose="02040503050406030204" pitchFamily="18" charset="0"/>
+                              <a:ea typeface="Cambria Math" panose="02040503050406030204" pitchFamily="18" charset="0"/>
+                            </a:rPr>
+                            <m:t>+ </m:t>
+                          </m:r>
+                          <m:r>
+                            <m:rPr>
+                              <m:sty m:val="p"/>
+                            </m:rPr>
+                            <a:rPr lang="nl-NL" sz="3200" b="0" i="0" smtClean="0">
+                              <a:latin typeface="Cambria Math" panose="02040503050406030204" pitchFamily="18" charset="0"/>
+                              <a:ea typeface="Cambria Math" panose="02040503050406030204" pitchFamily="18" charset="0"/>
+                            </a:rPr>
+                            <m:t>b</m:t>
+                          </m:r>
+                        </m:e>
+                        <m:sub>
+                          <m:r>
+                            <a:rPr lang="nl-NL" sz="3200" b="0" i="1" smtClean="0">
+                              <a:latin typeface="Cambria Math" panose="02040503050406030204" pitchFamily="18" charset="0"/>
+                              <a:ea typeface="Cambria Math" panose="02040503050406030204" pitchFamily="18" charset="0"/>
+                            </a:rPr>
+                            <m:t>1</m:t>
+                          </m:r>
+                        </m:sub>
+                      </m:sSub>
+                      <m:sSub>
+                        <m:sSubPr>
+                          <m:ctrlPr>
+                            <a:rPr lang="nl-NL" sz="3200" b="0" i="1" smtClean="0">
+                              <a:latin typeface="Cambria Math" panose="02040503050406030204" pitchFamily="18" charset="0"/>
+                              <a:ea typeface="Cambria Math" panose="02040503050406030204" pitchFamily="18" charset="0"/>
+                            </a:rPr>
+                          </m:ctrlPr>
+                        </m:sSubPr>
+                        <m:e>
+                          <m:r>
+                            <a:rPr lang="nl-NL" sz="3200" b="0" i="1" smtClean="0">
+                              <a:latin typeface="Cambria Math" panose="02040503050406030204" pitchFamily="18" charset="0"/>
+                              <a:ea typeface="Cambria Math" panose="02040503050406030204" pitchFamily="18" charset="0"/>
+                            </a:rPr>
+                            <m:t>𝑋</m:t>
+                          </m:r>
+                        </m:e>
+                        <m:sub>
+                          <m:r>
+                            <a:rPr lang="nl-NL" sz="3200" b="0" i="1" smtClean="0">
+                              <a:latin typeface="Cambria Math" panose="02040503050406030204" pitchFamily="18" charset="0"/>
+                              <a:ea typeface="Cambria Math" panose="02040503050406030204" pitchFamily="18" charset="0"/>
+                            </a:rPr>
+                            <m:t>1</m:t>
+                          </m:r>
+                        </m:sub>
+                      </m:sSub>
+                      <m:r>
+                        <a:rPr lang="nl-NL" sz="3200" b="0" i="1" smtClean="0">
+                          <a:latin typeface="Cambria Math" panose="02040503050406030204" pitchFamily="18" charset="0"/>
+                          <a:ea typeface="Cambria Math" panose="02040503050406030204" pitchFamily="18" charset="0"/>
+                        </a:rPr>
+                        <m:t>+</m:t>
+                      </m:r>
+                      <m:sSub>
+                        <m:sSubPr>
+                          <m:ctrlPr>
+                            <a:rPr lang="nl-NL" sz="3200" i="1">
+                              <a:latin typeface="Cambria Math" panose="02040503050406030204" pitchFamily="18" charset="0"/>
+                              <a:ea typeface="Cambria Math" panose="02040503050406030204" pitchFamily="18" charset="0"/>
+                            </a:rPr>
+                          </m:ctrlPr>
+                        </m:sSubPr>
+                        <m:e>
+                          <m:r>
+                            <a:rPr lang="nl-NL" sz="3200" i="1">
+                              <a:latin typeface="Cambria Math" panose="02040503050406030204" pitchFamily="18" charset="0"/>
+                              <a:ea typeface="Cambria Math" panose="02040503050406030204" pitchFamily="18" charset="0"/>
+                            </a:rPr>
+                            <m:t> </m:t>
+                          </m:r>
+                          <m:r>
+                            <m:rPr>
+                              <m:sty m:val="p"/>
+                            </m:rPr>
+                            <a:rPr lang="nl-NL" sz="3200">
+                              <a:latin typeface="Cambria Math" panose="02040503050406030204" pitchFamily="18" charset="0"/>
+                              <a:ea typeface="Cambria Math" panose="02040503050406030204" pitchFamily="18" charset="0"/>
+                            </a:rPr>
+                            <m:t>b</m:t>
+                          </m:r>
+                        </m:e>
+                        <m:sub>
+                          <m:r>
+                            <a:rPr lang="nl-NL" sz="3200" b="0" i="1" smtClean="0">
+                              <a:latin typeface="Cambria Math" panose="02040503050406030204" pitchFamily="18" charset="0"/>
+                              <a:ea typeface="Cambria Math" panose="02040503050406030204" pitchFamily="18" charset="0"/>
+                            </a:rPr>
+                            <m:t>2</m:t>
+                          </m:r>
+                        </m:sub>
+                      </m:sSub>
+                      <m:sSub>
+                        <m:sSubPr>
+                          <m:ctrlPr>
+                            <a:rPr lang="nl-NL" sz="3200" b="0" i="1" smtClean="0">
+                              <a:latin typeface="Cambria Math" panose="02040503050406030204" pitchFamily="18" charset="0"/>
+                              <a:ea typeface="Cambria Math" panose="02040503050406030204" pitchFamily="18" charset="0"/>
+                            </a:rPr>
+                          </m:ctrlPr>
+                        </m:sSubPr>
+                        <m:e>
+                          <m:r>
+                            <a:rPr lang="nl-NL" sz="3200" b="0" i="1" smtClean="0">
+                              <a:latin typeface="Cambria Math" panose="02040503050406030204" pitchFamily="18" charset="0"/>
+                              <a:ea typeface="Cambria Math" panose="02040503050406030204" pitchFamily="18" charset="0"/>
+                            </a:rPr>
+                            <m:t>𝑋</m:t>
+                          </m:r>
+                        </m:e>
+                        <m:sub>
+                          <m:r>
+                            <a:rPr lang="nl-NL" sz="3200" b="0" i="1" smtClean="0">
+                              <a:latin typeface="Cambria Math" panose="02040503050406030204" pitchFamily="18" charset="0"/>
+                              <a:ea typeface="Cambria Math" panose="02040503050406030204" pitchFamily="18" charset="0"/>
+                            </a:rPr>
+                            <m:t>2</m:t>
+                          </m:r>
+                        </m:sub>
+                      </m:sSub>
+                      <m:r>
+                        <a:rPr lang="nl-NL" sz="3200" b="0" i="0" smtClean="0">
+                          <a:latin typeface="Cambria Math" panose="02040503050406030204" pitchFamily="18" charset="0"/>
+                          <a:ea typeface="Cambria Math" panose="02040503050406030204" pitchFamily="18" charset="0"/>
+                        </a:rPr>
+                        <m:t>+</m:t>
+                      </m:r>
+                      <m:r>
+                        <a:rPr lang="nl-NL" sz="3200" b="0" i="1" smtClean="0">
+                          <a:latin typeface="Cambria Math" panose="02040503050406030204" pitchFamily="18" charset="0"/>
+                          <a:ea typeface="Cambria Math" panose="02040503050406030204" pitchFamily="18" charset="0"/>
+                        </a:rPr>
+                        <m:t>…+</m:t>
+                      </m:r>
+                      <m:r>
+                        <a:rPr lang="nl-NL" sz="3200" b="0" i="1" smtClean="0">
+                          <a:latin typeface="Cambria Math" panose="02040503050406030204" pitchFamily="18" charset="0"/>
+                          <a:ea typeface="Cambria Math" panose="02040503050406030204" pitchFamily="18" charset="0"/>
+                        </a:rPr>
+                        <m:t>𝑒</m:t>
+                      </m:r>
+                    </m:oMath>
+                  </m:oMathPara>
+                </a14:m>
+                <a:endParaRPr lang="nl-NL" sz="3200" dirty="0"/>
+              </a:p>
+            </p:txBody>
+          </p:sp>
+        </mc:Choice>
+        <mc:Fallback>
+          <p:sp>
+            <p:nvSpPr>
+              <p:cNvPr id="4" name="Tekstvak 3"/>
+              <p:cNvSpPr txBox="1">
+                <a:spLocks noRot="1" noChangeAspect="1" noMove="1" noResize="1" noEditPoints="1" noAdjustHandles="1" noChangeArrowheads="1" noChangeShapeType="1" noTextEdit="1"/>
+              </p:cNvSpPr>
+              <p:nvPr/>
+            </p:nvSpPr>
+            <p:spPr>
+              <a:xfrm>
+                <a:off x="1547664" y="2214792"/>
+                <a:ext cx="5832648" cy="584775"/>
+              </a:xfrm>
+              <a:prstGeom prst="rect">
+                <a:avLst/>
+              </a:prstGeom>
+              <a:blipFill>
+                <a:blip r:embed="rId2"/>
+                <a:stretch>
+                  <a:fillRect/>
+                </a:stretch>
+              </a:blipFill>
+            </p:spPr>
+            <p:txBody>
+              <a:bodyPr/>
+              <a:lstStyle/>
+              <a:p>
+                <a:r>
+                  <a:rPr lang="nl-NL">
+                    <a:noFill/>
+                  </a:rPr>
+                  <a:t> </a:t>
+                </a:r>
+              </a:p>
+            </p:txBody>
+          </p:sp>
+        </mc:Fallback>
+      </mc:AlternateContent>
+      <mc:AlternateContent xmlns:mc="http://schemas.openxmlformats.org/markup-compatibility/2006">
+        <mc:Choice xmlns:a14="http://schemas.microsoft.com/office/drawing/2010/main" Requires="a14">
+          <p:sp>
+            <p:nvSpPr>
+              <p:cNvPr id="6" name="Tekstvak 5"/>
+              <p:cNvSpPr txBox="1"/>
+              <p:nvPr/>
+            </p:nvSpPr>
+            <p:spPr>
+              <a:xfrm>
+                <a:off x="-108520" y="4410097"/>
+                <a:ext cx="9396672" cy="461665"/>
+              </a:xfrm>
+              <a:prstGeom prst="rect">
+                <a:avLst/>
+              </a:prstGeom>
+              <a:noFill/>
+            </p:spPr>
+            <p:txBody>
+              <a:bodyPr wrap="square" rtlCol="0">
+                <a:spAutoFit/>
+              </a:bodyPr>
+              <a:lstStyle/>
+              <a:p>
+                <a:pPr/>
+                <a14:m>
+                  <m:oMathPara xmlns:m="http://schemas.openxmlformats.org/officeDocument/2006/math">
+                    <m:oMathParaPr>
+                      <m:jc m:val="centerGroup"/>
+                    </m:oMathParaPr>
+                    <m:oMath xmlns:m="http://schemas.openxmlformats.org/officeDocument/2006/math">
+                      <m:r>
+                        <a:rPr lang="nl-NL" sz="2400" b="0" i="1" smtClean="0">
+                          <a:latin typeface="Cambria Math" panose="02040503050406030204" pitchFamily="18" charset="0"/>
+                        </a:rPr>
+                        <m:t>𝑤𝑎𝑔𝑒</m:t>
+                      </m:r>
+                      <m:r>
+                        <a:rPr lang="nl-NL" sz="2400" b="0" i="1" smtClean="0">
+                          <a:latin typeface="Cambria Math" panose="02040503050406030204" pitchFamily="18" charset="0"/>
+                        </a:rPr>
+                        <m:t>=2+0.3 ∙ </m:t>
+                      </m:r>
+                      <m:r>
+                        <a:rPr lang="nl-NL" sz="2400" i="1">
+                          <a:latin typeface="Cambria Math" panose="02040503050406030204" pitchFamily="18" charset="0"/>
+                          <a:ea typeface="Cambria Math" panose="02040503050406030204" pitchFamily="18" charset="0"/>
+                        </a:rPr>
+                        <m:t>𝑎𝑔𝑒</m:t>
+                      </m:r>
+                      <m:r>
+                        <a:rPr lang="nl-NL" sz="2400" i="1">
+                          <a:latin typeface="Cambria Math" panose="02040503050406030204" pitchFamily="18" charset="0"/>
+                          <a:ea typeface="Cambria Math" panose="02040503050406030204" pitchFamily="18" charset="0"/>
+                        </a:rPr>
+                        <m:t>+0.2∙</m:t>
+                      </m:r>
+                      <m:r>
+                        <a:rPr lang="nl-NL" sz="2400" i="1">
+                          <a:latin typeface="Cambria Math" panose="02040503050406030204" pitchFamily="18" charset="0"/>
+                          <a:ea typeface="Cambria Math" panose="02040503050406030204" pitchFamily="18" charset="0"/>
+                        </a:rPr>
+                        <m:t>𝑦𝑒𝑎𝑟𝑠</m:t>
+                      </m:r>
+                      <m:r>
+                        <a:rPr lang="nl-NL" sz="2400" i="1">
+                          <a:latin typeface="Cambria Math" panose="02040503050406030204" pitchFamily="18" charset="0"/>
+                          <a:ea typeface="Cambria Math" panose="02040503050406030204" pitchFamily="18" charset="0"/>
+                        </a:rPr>
+                        <m:t>_</m:t>
+                      </m:r>
+                      <m:r>
+                        <a:rPr lang="nl-NL" sz="2400" i="1">
+                          <a:latin typeface="Cambria Math" panose="02040503050406030204" pitchFamily="18" charset="0"/>
+                          <a:ea typeface="Cambria Math" panose="02040503050406030204" pitchFamily="18" charset="0"/>
+                        </a:rPr>
+                        <m:t>𝑒𝑥𝑝𝑒𝑟𝑖𝑒𝑛𝑐𝑒</m:t>
+                      </m:r>
+                      <m:r>
+                        <a:rPr lang="nl-NL" sz="2400" b="0" i="0" smtClean="0">
+                          <a:latin typeface="Cambria Math" panose="02040503050406030204" pitchFamily="18" charset="0"/>
+                          <a:ea typeface="Cambria Math" panose="02040503050406030204" pitchFamily="18" charset="0"/>
+                        </a:rPr>
+                        <m:t>+</m:t>
+                      </m:r>
+                      <m:r>
+                        <a:rPr lang="nl-NL" sz="2400" b="0" i="1" smtClean="0">
+                          <a:latin typeface="Cambria Math" panose="02040503050406030204" pitchFamily="18" charset="0"/>
+                          <a:ea typeface="Cambria Math" panose="02040503050406030204" pitchFamily="18" charset="0"/>
+                        </a:rPr>
+                        <m:t>…+</m:t>
+                      </m:r>
+                      <m:r>
+                        <a:rPr lang="nl-NL" sz="2400" b="0" i="1" smtClean="0">
+                          <a:latin typeface="Cambria Math" panose="02040503050406030204" pitchFamily="18" charset="0"/>
+                          <a:ea typeface="Cambria Math" panose="02040503050406030204" pitchFamily="18" charset="0"/>
+                        </a:rPr>
+                        <m:t>𝑒</m:t>
+                      </m:r>
+                    </m:oMath>
+                  </m:oMathPara>
+                </a14:m>
+                <a:endParaRPr lang="nl-NL" sz="2400" dirty="0"/>
+              </a:p>
+            </p:txBody>
+          </p:sp>
+        </mc:Choice>
+        <mc:Fallback>
+          <p:sp>
+            <p:nvSpPr>
+              <p:cNvPr id="6" name="Tekstvak 5"/>
+              <p:cNvSpPr txBox="1">
+                <a:spLocks noRot="1" noChangeAspect="1" noMove="1" noResize="1" noEditPoints="1" noAdjustHandles="1" noChangeArrowheads="1" noChangeShapeType="1" noTextEdit="1"/>
+              </p:cNvSpPr>
+              <p:nvPr/>
+            </p:nvSpPr>
+            <p:spPr>
+              <a:xfrm>
+                <a:off x="-108520" y="4410097"/>
+                <a:ext cx="9396672" cy="461665"/>
+              </a:xfrm>
+              <a:prstGeom prst="rect">
+                <a:avLst/>
+              </a:prstGeom>
+              <a:blipFill>
+                <a:blip r:embed="rId3"/>
+                <a:stretch>
+                  <a:fillRect b="-19737"/>
+                </a:stretch>
+              </a:blipFill>
+            </p:spPr>
+            <p:txBody>
+              <a:bodyPr/>
+              <a:lstStyle/>
+              <a:p>
+                <a:r>
+                  <a:rPr lang="nl-NL">
+                    <a:noFill/>
+                  </a:rPr>
+                  <a:t> </a:t>
+                </a:r>
+              </a:p>
+            </p:txBody>
+          </p:sp>
+        </mc:Fallback>
+      </mc:AlternateContent>
+      <p:sp>
+        <p:nvSpPr>
+          <p:cNvPr id="7" name="Tekstvak 6"/>
+          <p:cNvSpPr txBox="1"/>
+          <p:nvPr/>
+        </p:nvSpPr>
+        <p:spPr>
+          <a:xfrm>
+            <a:off x="3419872" y="3594488"/>
+            <a:ext cx="1963999" cy="461665"/>
+          </a:xfrm>
+          <a:prstGeom prst="rect">
+            <a:avLst/>
+          </a:prstGeom>
+          <a:noFill/>
+        </p:spPr>
+        <p:txBody>
+          <a:bodyPr wrap="none" rtlCol="0">
+            <a:spAutoFit/>
+          </a:bodyPr>
+          <a:lstStyle/>
+          <a:p>
+            <a:r>
+              <a:rPr lang="nl-NL" sz="2400" dirty="0" smtClean="0"/>
+              <a:t>For </a:t>
+            </a:r>
+            <a:r>
+              <a:rPr lang="nl-NL" sz="2400" dirty="0" err="1" smtClean="0"/>
+              <a:t>instance</a:t>
+            </a:r>
+            <a:r>
+              <a:rPr lang="nl-NL" sz="2400" dirty="0" smtClean="0"/>
+              <a:t>:</a:t>
+            </a:r>
+            <a:endParaRPr lang="nl-NL" sz="2400" dirty="0"/>
+          </a:p>
+        </p:txBody>
+      </p:sp>
+    </p:spTree>
+    <p:extLst>
+      <p:ext uri="{BB962C8B-B14F-4D97-AF65-F5344CB8AC3E}">
+        <p14:creationId xmlns:p14="http://schemas.microsoft.com/office/powerpoint/2010/main" val="2492126140"/>
+      </p:ext>
+    </p:extLst>
+  </p:cSld>
+  <p:clrMapOvr>
+    <a:masterClrMapping/>
+  </p:clrMapOvr>
+</p:sld>
+</file>
+
+<file path=ppt/slides/slide18.xml><?xml version="1.0" encoding="utf-8"?>
+<p:sld xmlns:a="http://schemas.openxmlformats.org/drawingml/2006/main" xmlns:r="http://schemas.openxmlformats.org/officeDocument/2006/relationships" xmlns:p="http://schemas.openxmlformats.org/presentationml/2006/main">
+  <p:cSld>
+    <p:spTree>
+      <p:nvGrpSpPr>
+        <p:cNvPr id="1" name=""/>
+        <p:cNvGrpSpPr/>
+        <p:nvPr/>
+      </p:nvGrpSpPr>
+      <p:grpSpPr>
+        <a:xfrm>
+          <a:off x="0" y="0"/>
+          <a:ext cx="0" cy="0"/>
+          <a:chOff x="0" y="0"/>
+          <a:chExt cx="0" cy="0"/>
+        </a:xfrm>
+      </p:grpSpPr>
+      <p:sp>
+        <p:nvSpPr>
+          <p:cNvPr id="2" name="Titel 1"/>
+          <p:cNvSpPr>
+            <a:spLocks noGrp="1"/>
+          </p:cNvSpPr>
+          <p:nvPr>
+            <p:ph type="title"/>
+          </p:nvPr>
+        </p:nvSpPr>
+        <p:spPr/>
+        <p:txBody>
+          <a:bodyPr/>
+          <a:lstStyle/>
+          <a:p>
+            <a:r>
+              <a:rPr lang="nl-NL" dirty="0" err="1" smtClean="0"/>
+              <a:t>Qualitative</a:t>
+            </a:r>
+            <a:r>
+              <a:rPr lang="nl-NL" dirty="0" smtClean="0"/>
+              <a:t> variables</a:t>
+            </a:r>
+            <a:endParaRPr lang="nl-NL" dirty="0"/>
+          </a:p>
+        </p:txBody>
+      </p:sp>
+      <p:sp>
+        <p:nvSpPr>
+          <p:cNvPr id="3" name="Tijdelijke aanduiding voor inhoud 2"/>
+          <p:cNvSpPr>
+            <a:spLocks noGrp="1"/>
+          </p:cNvSpPr>
+          <p:nvPr>
+            <p:ph idx="1"/>
+          </p:nvPr>
+        </p:nvSpPr>
+        <p:spPr>
+          <a:xfrm>
+            <a:off x="761999" y="1556792"/>
+            <a:ext cx="7881938" cy="2899255"/>
+          </a:xfrm>
+        </p:spPr>
+        <p:txBody>
+          <a:bodyPr/>
+          <a:lstStyle/>
+          <a:p>
+            <a:r>
+              <a:rPr lang="nl-NL" sz="2400" dirty="0" err="1" smtClean="0"/>
+              <a:t>Linear</a:t>
+            </a:r>
+            <a:r>
+              <a:rPr lang="nl-NL" sz="2400" dirty="0" smtClean="0"/>
+              <a:t> </a:t>
+            </a:r>
+            <a:r>
+              <a:rPr lang="nl-NL" sz="2400" dirty="0" err="1" smtClean="0"/>
+              <a:t>regression</a:t>
+            </a:r>
+            <a:r>
+              <a:rPr lang="nl-NL" sz="2400" dirty="0" smtClean="0"/>
+              <a:t> </a:t>
+            </a:r>
+            <a:r>
+              <a:rPr lang="nl-NL" sz="2400" dirty="0" err="1" smtClean="0"/>
+              <a:t>and</a:t>
+            </a:r>
+            <a:r>
+              <a:rPr lang="nl-NL" sz="2400" dirty="0"/>
+              <a:t> </a:t>
+            </a:r>
+            <a:r>
+              <a:rPr lang="nl-NL" sz="2400" dirty="0" err="1" smtClean="0"/>
+              <a:t>other</a:t>
+            </a:r>
+            <a:r>
+              <a:rPr lang="nl-NL" sz="2400" dirty="0" smtClean="0"/>
+              <a:t> </a:t>
+            </a:r>
+            <a:r>
+              <a:rPr lang="nl-NL" sz="2400" dirty="0" err="1" smtClean="0"/>
+              <a:t>algorithms</a:t>
+            </a:r>
+            <a:r>
+              <a:rPr lang="nl-NL" sz="2400" dirty="0" smtClean="0"/>
+              <a:t> </a:t>
+            </a:r>
+            <a:r>
+              <a:rPr lang="nl-NL" sz="2400" dirty="0" err="1" smtClean="0"/>
+              <a:t>only</a:t>
+            </a:r>
+            <a:r>
+              <a:rPr lang="nl-NL" sz="2400" dirty="0" smtClean="0"/>
+              <a:t> accept </a:t>
+            </a:r>
+            <a:r>
+              <a:rPr lang="nl-NL" sz="2400" dirty="0" err="1" smtClean="0"/>
+              <a:t>quantitative</a:t>
+            </a:r>
+            <a:r>
+              <a:rPr lang="nl-NL" sz="2400" dirty="0" smtClean="0"/>
+              <a:t> variables. </a:t>
+            </a:r>
+            <a:r>
+              <a:rPr lang="nl-NL" sz="2400" dirty="0" err="1" smtClean="0"/>
+              <a:t>So</a:t>
+            </a:r>
+            <a:r>
+              <a:rPr lang="nl-NL" sz="2400" dirty="0" smtClean="0"/>
+              <a:t> </a:t>
+            </a:r>
+            <a:r>
+              <a:rPr lang="nl-NL" sz="2400" dirty="0" err="1" smtClean="0"/>
+              <a:t>how</a:t>
+            </a:r>
+            <a:r>
+              <a:rPr lang="nl-NL" sz="2400" dirty="0" smtClean="0"/>
+              <a:t> </a:t>
+            </a:r>
+            <a:r>
+              <a:rPr lang="nl-NL" sz="2400" dirty="0" err="1" smtClean="0"/>
+              <a:t>can</a:t>
+            </a:r>
+            <a:r>
+              <a:rPr lang="nl-NL" sz="2400" dirty="0" smtClean="0"/>
+              <a:t> we </a:t>
+            </a:r>
+            <a:r>
+              <a:rPr lang="nl-NL" sz="2400" dirty="0" err="1" smtClean="0"/>
+              <a:t>use</a:t>
+            </a:r>
+            <a:r>
+              <a:rPr lang="nl-NL" sz="2400" dirty="0" smtClean="0"/>
+              <a:t> </a:t>
+            </a:r>
+            <a:r>
+              <a:rPr lang="nl-NL" sz="2400" dirty="0" err="1" smtClean="0"/>
+              <a:t>qualitative</a:t>
+            </a:r>
+            <a:r>
+              <a:rPr lang="nl-NL" sz="2400" dirty="0" smtClean="0"/>
+              <a:t> variables?</a:t>
+            </a:r>
+          </a:p>
+          <a:p>
+            <a:endParaRPr lang="nl-NL" sz="2400" dirty="0"/>
+          </a:p>
+          <a:p>
+            <a:r>
+              <a:rPr lang="nl-NL" sz="2400" dirty="0" err="1" smtClean="0"/>
+              <a:t>By</a:t>
+            </a:r>
+            <a:r>
+              <a:rPr lang="nl-NL" sz="2400" dirty="0" smtClean="0"/>
+              <a:t> </a:t>
+            </a:r>
+            <a:r>
+              <a:rPr lang="nl-NL" sz="2400" dirty="0" err="1" smtClean="0"/>
+              <a:t>creating</a:t>
+            </a:r>
+            <a:r>
+              <a:rPr lang="nl-NL" sz="2400" dirty="0" smtClean="0"/>
+              <a:t> </a:t>
+            </a:r>
+            <a:r>
+              <a:rPr lang="nl-NL" sz="2400" dirty="0" err="1" smtClean="0"/>
+              <a:t>so-called</a:t>
+            </a:r>
+            <a:r>
+              <a:rPr lang="nl-NL" sz="2400" dirty="0" smtClean="0"/>
+              <a:t> ‘dummy variables’. </a:t>
+            </a:r>
+            <a:r>
+              <a:rPr lang="nl-NL" sz="2400" dirty="0" err="1" smtClean="0"/>
+              <a:t>Pandas</a:t>
+            </a:r>
+            <a:r>
+              <a:rPr lang="nl-NL" sz="2400" dirty="0" smtClean="0"/>
+              <a:t> </a:t>
+            </a:r>
+            <a:r>
+              <a:rPr lang="nl-NL" sz="2400" dirty="0" err="1" smtClean="0"/>
+              <a:t>can</a:t>
+            </a:r>
+            <a:r>
+              <a:rPr lang="nl-NL" sz="2400" dirty="0" smtClean="0"/>
+              <a:t> </a:t>
+            </a:r>
+            <a:r>
+              <a:rPr lang="nl-NL" sz="2400" dirty="0" err="1" smtClean="0"/>
+              <a:t>create</a:t>
+            </a:r>
+            <a:r>
+              <a:rPr lang="nl-NL" sz="2400" dirty="0" smtClean="0"/>
+              <a:t> </a:t>
+            </a:r>
+            <a:r>
+              <a:rPr lang="nl-NL" sz="2400" dirty="0" err="1" smtClean="0"/>
+              <a:t>them</a:t>
+            </a:r>
+            <a:r>
+              <a:rPr lang="nl-NL" sz="2400" dirty="0" smtClean="0"/>
+              <a:t> </a:t>
+            </a:r>
+            <a:r>
+              <a:rPr lang="nl-NL" sz="2400" dirty="0" err="1" smtClean="0"/>
+              <a:t>automically</a:t>
+            </a:r>
+            <a:r>
+              <a:rPr lang="nl-NL" sz="2400" dirty="0" smtClean="0"/>
+              <a:t> </a:t>
+            </a:r>
+            <a:r>
+              <a:rPr lang="nl-NL" sz="2400" dirty="0" err="1" smtClean="0"/>
+              <a:t>with</a:t>
+            </a:r>
+            <a:r>
+              <a:rPr lang="nl-NL" sz="2400" dirty="0" smtClean="0"/>
+              <a:t> </a:t>
+            </a:r>
+            <a:r>
+              <a:rPr lang="nl-NL" sz="2400" dirty="0" err="1" smtClean="0"/>
+              <a:t>pd.get_dummies</a:t>
+            </a:r>
+            <a:r>
+              <a:rPr lang="nl-NL" sz="2400" dirty="0" smtClean="0"/>
+              <a:t>()</a:t>
+            </a:r>
+          </a:p>
+          <a:p>
+            <a:endParaRPr lang="nl-NL" sz="2400" dirty="0"/>
+          </a:p>
+        </p:txBody>
+      </p:sp>
+      <p:pic>
+        <p:nvPicPr>
+          <p:cNvPr id="4" name="Afbeelding 3"/>
+          <p:cNvPicPr>
+            <a:picLocks noChangeAspect="1"/>
+          </p:cNvPicPr>
+          <p:nvPr/>
+        </p:nvPicPr>
+        <p:blipFill>
+          <a:blip r:embed="rId2"/>
+          <a:stretch>
+            <a:fillRect/>
+          </a:stretch>
+        </p:blipFill>
+        <p:spPr>
+          <a:xfrm>
+            <a:off x="1820432" y="4292048"/>
+            <a:ext cx="5765073" cy="2009403"/>
+          </a:xfrm>
+          <a:prstGeom prst="rect">
+            <a:avLst/>
+          </a:prstGeom>
+        </p:spPr>
+      </p:pic>
+    </p:spTree>
+    <p:extLst>
+      <p:ext uri="{BB962C8B-B14F-4D97-AF65-F5344CB8AC3E}">
+        <p14:creationId xmlns:p14="http://schemas.microsoft.com/office/powerpoint/2010/main" val="3378184546"/>
+      </p:ext>
+    </p:extLst>
+  </p:cSld>
+  <p:clrMapOvr>
+    <a:masterClrMapping/>
+  </p:clrMapOvr>
+  <p:timing>
+    <p:tnLst>
+      <p:par>
+        <p:cTn id="1" dur="indefinite" restart="never" nodeType="tmRoot"/>
+      </p:par>
+    </p:tnLst>
+  </p:timing>
+</p:sld>
+</file>
+
+<file path=ppt/slides/slide19.xml><?xml version="1.0" encoding="utf-8"?>
+<p:sld xmlns:a="http://schemas.openxmlformats.org/drawingml/2006/main" xmlns:r="http://schemas.openxmlformats.org/officeDocument/2006/relationships" xmlns:p="http://schemas.openxmlformats.org/presentationml/2006/main">
+  <p:cSld>
+    <p:spTree>
+      <p:nvGrpSpPr>
+        <p:cNvPr id="1" name=""/>
+        <p:cNvGrpSpPr/>
+        <p:nvPr/>
+      </p:nvGrpSpPr>
+      <p:grpSpPr>
+        <a:xfrm>
+          <a:off x="0" y="0"/>
+          <a:ext cx="0" cy="0"/>
+          <a:chOff x="0" y="0"/>
+          <a:chExt cx="0" cy="0"/>
+        </a:xfrm>
+      </p:grpSpPr>
+      <p:sp>
+        <p:nvSpPr>
+          <p:cNvPr id="2" name="Titel 1"/>
+          <p:cNvSpPr>
+            <a:spLocks noGrp="1"/>
+          </p:cNvSpPr>
+          <p:nvPr>
+            <p:ph type="title"/>
+          </p:nvPr>
+        </p:nvSpPr>
+        <p:spPr/>
+        <p:txBody>
+          <a:bodyPr/>
+          <a:lstStyle/>
+          <a:p>
+            <a:r>
               <a:rPr lang="nl-NL" dirty="0" err="1" smtClean="0"/>
               <a:t>Exercise</a:t>
             </a:r>
             <a:r>
               <a:rPr lang="nl-NL" dirty="0" smtClean="0"/>
-              <a:t> 3</a:t>
+              <a:t> </a:t>
+            </a:r>
+            <a:r>
+              <a:rPr lang="nl-NL" dirty="0"/>
+              <a:t>2</a:t>
             </a:r>
             <a:endParaRPr lang="nl-NL" dirty="0"/>
           </a:p>
@@ -6465,7 +8960,7 @@
         <p:spPr bwMode="auto">
           <a:xfrm>
             <a:off x="838200" y="1844824"/>
-            <a:ext cx="7881938" cy="3668697"/>
+            <a:ext cx="7881938" cy="4530471"/>
           </a:xfrm>
           <a:prstGeom prst="rect">
             <a:avLst/>
@@ -6672,21 +9167,75 @@
           </a:lstStyle>
           <a:p>
             <a:pPr marL="0" indent="0">
-              <a:buFont typeface="Zapf Dingbats" charset="2"/>
               <a:buNone/>
             </a:pPr>
             <a:r>
+              <a:rPr lang="nl-NL" sz="1400" kern="0" dirty="0" err="1" smtClean="0">
+                <a:latin typeface="Courier New" panose="02070309020205020404" pitchFamily="49" charset="0"/>
+                <a:cs typeface="Courier New" panose="02070309020205020404" pitchFamily="49" charset="0"/>
+              </a:rPr>
+              <a:t>Use</a:t>
+            </a:r>
+            <a:r>
               <a:rPr lang="nl-NL" sz="1400" kern="0" dirty="0" smtClean="0">
                 <a:latin typeface="Courier New" panose="02070309020205020404" pitchFamily="49" charset="0"/>
                 <a:cs typeface="Courier New" panose="02070309020205020404" pitchFamily="49" charset="0"/>
               </a:rPr>
-              <a:t>Fit model </a:t>
-            </a:r>
+              <a:t> the Notebook </a:t>
+            </a:r>
+            <a:r>
+              <a:rPr lang="nl-NL" sz="1400" i="1" kern="0" dirty="0" err="1" smtClean="0">
+                <a:latin typeface="Courier New" panose="02070309020205020404" pitchFamily="49" charset="0"/>
+                <a:cs typeface="Courier New" panose="02070309020205020404" pitchFamily="49" charset="0"/>
+              </a:rPr>
+              <a:t>multiple_linear_regression</a:t>
+            </a:r>
+            <a:endParaRPr lang="nl-NL" sz="1400" kern="0" dirty="0" smtClean="0">
+              <a:latin typeface="Courier New" panose="02070309020205020404" pitchFamily="49" charset="0"/>
+              <a:cs typeface="Courier New" panose="02070309020205020404" pitchFamily="49" charset="0"/>
+            </a:endParaRPr>
+          </a:p>
+          <a:p>
+            <a:pPr>
+              <a:buFont typeface="+mj-lt"/>
+              <a:buAutoNum type="arabicPeriod"/>
+            </a:pPr>
+            <a:endParaRPr lang="nl-NL" sz="1400" kern="0" dirty="0">
+              <a:latin typeface="Courier New" panose="02070309020205020404" pitchFamily="49" charset="0"/>
+              <a:cs typeface="Courier New" panose="02070309020205020404" pitchFamily="49" charset="0"/>
+            </a:endParaRPr>
+          </a:p>
+          <a:p>
+            <a:pPr>
+              <a:buFont typeface="+mj-lt"/>
+              <a:buAutoNum type="arabicPeriod"/>
+            </a:pPr>
             <a:r>
               <a:rPr lang="nl-NL" sz="1400" kern="0" dirty="0" err="1" smtClean="0">
                 <a:latin typeface="Courier New" panose="02070309020205020404" pitchFamily="49" charset="0"/>
                 <a:cs typeface="Courier New" panose="02070309020205020404" pitchFamily="49" charset="0"/>
               </a:rPr>
+              <a:t>Creat</a:t>
+            </a:r>
+            <a:r>
+              <a:rPr lang="nl-NL" sz="1400" kern="0" dirty="0" err="1" smtClean="0">
+                <a:latin typeface="Courier New" panose="02070309020205020404" pitchFamily="49" charset="0"/>
+                <a:cs typeface="Courier New" panose="02070309020205020404" pitchFamily="49" charset="0"/>
+              </a:rPr>
+              <a:t>e</a:t>
+            </a:r>
+            <a:r>
+              <a:rPr lang="nl-NL" sz="1400" kern="0" dirty="0" smtClean="0">
+                <a:latin typeface="Courier New" panose="02070309020205020404" pitchFamily="49" charset="0"/>
+                <a:cs typeface="Courier New" panose="02070309020205020404" pitchFamily="49" charset="0"/>
+              </a:rPr>
+              <a:t> a dataframe </a:t>
+            </a:r>
+            <a:r>
+              <a:rPr lang="nl-NL" sz="1400" kern="0" dirty="0" err="1" smtClean="0">
+                <a:latin typeface="Courier New" panose="02070309020205020404" pitchFamily="49" charset="0"/>
+                <a:cs typeface="Courier New" panose="02070309020205020404" pitchFamily="49" charset="0"/>
+              </a:rPr>
               <a:t>with</a:t>
             </a:r>
             <a:r>
@@ -6694,13 +9243,265 @@
                 <a:latin typeface="Courier New" panose="02070309020205020404" pitchFamily="49" charset="0"/>
                 <a:cs typeface="Courier New" panose="02070309020205020404" pitchFamily="49" charset="0"/>
               </a:rPr>
-              <a:t> multiple variables?</a:t>
-            </a:r>
-          </a:p>
-          <a:p>
-            <a:pPr marL="0" indent="0">
-              <a:buFont typeface="Zapf Dingbats" charset="2"/>
-              <a:buNone/>
+              <a:t> 3 variables of </a:t>
+            </a:r>
+            <a:r>
+              <a:rPr lang="nl-NL" sz="1400" kern="0" dirty="0" err="1" smtClean="0">
+                <a:latin typeface="Courier New" panose="02070309020205020404" pitchFamily="49" charset="0"/>
+                <a:cs typeface="Courier New" panose="02070309020205020404" pitchFamily="49" charset="0"/>
+              </a:rPr>
+              <a:t>your</a:t>
+            </a:r>
+            <a:r>
+              <a:rPr lang="nl-NL" sz="1400" kern="0" dirty="0" smtClean="0">
+                <a:latin typeface="Courier New" panose="02070309020205020404" pitchFamily="49" charset="0"/>
+                <a:cs typeface="Courier New" panose="02070309020205020404" pitchFamily="49" charset="0"/>
+              </a:rPr>
+              <a:t> </a:t>
+            </a:r>
+            <a:r>
+              <a:rPr lang="nl-NL" sz="1400" kern="0" dirty="0" err="1" smtClean="0">
+                <a:latin typeface="Courier New" panose="02070309020205020404" pitchFamily="49" charset="0"/>
+                <a:cs typeface="Courier New" panose="02070309020205020404" pitchFamily="49" charset="0"/>
+              </a:rPr>
+              <a:t>choice</a:t>
+            </a:r>
+            <a:r>
+              <a:rPr lang="nl-NL" sz="1400" kern="0" dirty="0" smtClean="0">
+                <a:latin typeface="Courier New" panose="02070309020205020404" pitchFamily="49" charset="0"/>
+                <a:cs typeface="Courier New" panose="02070309020205020404" pitchFamily="49" charset="0"/>
+              </a:rPr>
+              <a:t> from the </a:t>
+            </a:r>
+            <a:r>
+              <a:rPr lang="nl-NL" sz="1400" kern="0" dirty="0" err="1" smtClean="0">
+                <a:latin typeface="Courier New" panose="02070309020205020404" pitchFamily="49" charset="0"/>
+                <a:cs typeface="Courier New" panose="02070309020205020404" pitchFamily="49" charset="0"/>
+              </a:rPr>
+              <a:t>Funda</a:t>
+            </a:r>
+            <a:r>
+              <a:rPr lang="nl-NL" sz="1400" kern="0" dirty="0" smtClean="0">
+                <a:latin typeface="Courier New" panose="02070309020205020404" pitchFamily="49" charset="0"/>
+                <a:cs typeface="Courier New" panose="02070309020205020404" pitchFamily="49" charset="0"/>
+              </a:rPr>
+              <a:t> data set as </a:t>
+            </a:r>
+            <a:r>
+              <a:rPr lang="nl-NL" sz="1400" kern="0" dirty="0" err="1" smtClean="0">
+                <a:latin typeface="Courier New" panose="02070309020205020404" pitchFamily="49" charset="0"/>
+                <a:cs typeface="Courier New" panose="02070309020205020404" pitchFamily="49" charset="0"/>
+              </a:rPr>
+              <a:t>your</a:t>
+            </a:r>
+            <a:r>
+              <a:rPr lang="nl-NL" sz="1400" kern="0" dirty="0" smtClean="0">
+                <a:latin typeface="Courier New" panose="02070309020205020404" pitchFamily="49" charset="0"/>
+                <a:cs typeface="Courier New" panose="02070309020205020404" pitchFamily="49" charset="0"/>
+              </a:rPr>
+              <a:t> independent variables (X). </a:t>
+            </a:r>
+            <a:r>
+              <a:rPr lang="nl-NL" sz="1400" kern="0" dirty="0" err="1" smtClean="0">
+                <a:latin typeface="Courier New" panose="02070309020205020404" pitchFamily="49" charset="0"/>
+                <a:cs typeface="Courier New" panose="02070309020205020404" pitchFamily="49" charset="0"/>
+              </a:rPr>
+              <a:t>Note</a:t>
+            </a:r>
+            <a:r>
+              <a:rPr lang="nl-NL" sz="1400" kern="0" dirty="0" smtClean="0">
+                <a:latin typeface="Courier New" panose="02070309020205020404" pitchFamily="49" charset="0"/>
+                <a:cs typeface="Courier New" panose="02070309020205020404" pitchFamily="49" charset="0"/>
+              </a:rPr>
+              <a:t>: </a:t>
+            </a:r>
+            <a:r>
+              <a:rPr lang="nl-NL" sz="1400" kern="0" dirty="0" err="1" smtClean="0">
+                <a:latin typeface="Courier New" panose="02070309020205020404" pitchFamily="49" charset="0"/>
+                <a:cs typeface="Courier New" panose="02070309020205020404" pitchFamily="49" charset="0"/>
+              </a:rPr>
+              <a:t>it</a:t>
+            </a:r>
+            <a:r>
+              <a:rPr lang="nl-NL" sz="1400" kern="0" dirty="0" smtClean="0">
+                <a:latin typeface="Courier New" panose="02070309020205020404" pitchFamily="49" charset="0"/>
+                <a:cs typeface="Courier New" panose="02070309020205020404" pitchFamily="49" charset="0"/>
+              </a:rPr>
+              <a:t> does </a:t>
+            </a:r>
+            <a:r>
+              <a:rPr lang="nl-NL" sz="1400" kern="0" dirty="0" err="1" smtClean="0">
+                <a:latin typeface="Courier New" panose="02070309020205020404" pitchFamily="49" charset="0"/>
+                <a:cs typeface="Courier New" panose="02070309020205020404" pitchFamily="49" charset="0"/>
+              </a:rPr>
+              <a:t>not</a:t>
+            </a:r>
+            <a:r>
+              <a:rPr lang="nl-NL" sz="1400" kern="0" dirty="0" smtClean="0">
+                <a:latin typeface="Courier New" panose="02070309020205020404" pitchFamily="49" charset="0"/>
+                <a:cs typeface="Courier New" panose="02070309020205020404" pitchFamily="49" charset="0"/>
+              </a:rPr>
+              <a:t> </a:t>
+            </a:r>
+            <a:r>
+              <a:rPr lang="nl-NL" sz="1400" kern="0" dirty="0" err="1" smtClean="0">
+                <a:latin typeface="Courier New" panose="02070309020205020404" pitchFamily="49" charset="0"/>
+                <a:cs typeface="Courier New" panose="02070309020205020404" pitchFamily="49" charset="0"/>
+              </a:rPr>
+              <a:t>work</a:t>
+            </a:r>
+            <a:r>
+              <a:rPr lang="nl-NL" sz="1400" kern="0" dirty="0" smtClean="0">
+                <a:latin typeface="Courier New" panose="02070309020205020404" pitchFamily="49" charset="0"/>
+                <a:cs typeface="Courier New" panose="02070309020205020404" pitchFamily="49" charset="0"/>
+              </a:rPr>
+              <a:t> </a:t>
+            </a:r>
+            <a:r>
+              <a:rPr lang="nl-NL" sz="1400" kern="0" dirty="0" err="1" smtClean="0">
+                <a:latin typeface="Courier New" panose="02070309020205020404" pitchFamily="49" charset="0"/>
+                <a:cs typeface="Courier New" panose="02070309020205020404" pitchFamily="49" charset="0"/>
+              </a:rPr>
+              <a:t>very</a:t>
+            </a:r>
+            <a:r>
+              <a:rPr lang="nl-NL" sz="1400" kern="0" dirty="0" smtClean="0">
+                <a:latin typeface="Courier New" panose="02070309020205020404" pitchFamily="49" charset="0"/>
+                <a:cs typeface="Courier New" panose="02070309020205020404" pitchFamily="49" charset="0"/>
+              </a:rPr>
+              <a:t> well </a:t>
+            </a:r>
+            <a:r>
+              <a:rPr lang="nl-NL" sz="1400" kern="0" dirty="0" err="1" smtClean="0">
+                <a:latin typeface="Courier New" panose="02070309020205020404" pitchFamily="49" charset="0"/>
+                <a:cs typeface="Courier New" panose="02070309020205020404" pitchFamily="49" charset="0"/>
+              </a:rPr>
+              <a:t>to</a:t>
+            </a:r>
+            <a:r>
+              <a:rPr lang="nl-NL" sz="1400" kern="0" dirty="0" smtClean="0">
+                <a:latin typeface="Courier New" panose="02070309020205020404" pitchFamily="49" charset="0"/>
+                <a:cs typeface="Courier New" panose="02070309020205020404" pitchFamily="49" charset="0"/>
+              </a:rPr>
+              <a:t> </a:t>
+            </a:r>
+            <a:r>
+              <a:rPr lang="nl-NL" sz="1400" kern="0" dirty="0" err="1" smtClean="0">
+                <a:latin typeface="Courier New" panose="02070309020205020404" pitchFamily="49" charset="0"/>
+                <a:cs typeface="Courier New" panose="02070309020205020404" pitchFamily="49" charset="0"/>
+              </a:rPr>
+              <a:t>choose</a:t>
+            </a:r>
+            <a:r>
+              <a:rPr lang="nl-NL" sz="1400" kern="0" dirty="0" smtClean="0">
+                <a:latin typeface="Courier New" panose="02070309020205020404" pitchFamily="49" charset="0"/>
+                <a:cs typeface="Courier New" panose="02070309020205020404" pitchFamily="49" charset="0"/>
+              </a:rPr>
+              <a:t> columns </a:t>
+            </a:r>
+            <a:r>
+              <a:rPr lang="nl-NL" sz="1400" kern="0" dirty="0" err="1" smtClean="0">
+                <a:latin typeface="Courier New" panose="02070309020205020404" pitchFamily="49" charset="0"/>
+                <a:cs typeface="Courier New" panose="02070309020205020404" pitchFamily="49" charset="0"/>
+              </a:rPr>
+              <a:t>that</a:t>
+            </a:r>
+            <a:r>
+              <a:rPr lang="nl-NL" sz="1400" kern="0" dirty="0" smtClean="0">
+                <a:latin typeface="Courier New" panose="02070309020205020404" pitchFamily="49" charset="0"/>
+                <a:cs typeface="Courier New" panose="02070309020205020404" pitchFamily="49" charset="0"/>
+              </a:rPr>
+              <a:t> are </a:t>
+            </a:r>
+            <a:r>
+              <a:rPr lang="nl-NL" sz="1400" kern="0" dirty="0" err="1" smtClean="0">
+                <a:latin typeface="Courier New" panose="02070309020205020404" pitchFamily="49" charset="0"/>
+                <a:cs typeface="Courier New" panose="02070309020205020404" pitchFamily="49" charset="0"/>
+              </a:rPr>
+              <a:t>highly</a:t>
+            </a:r>
+            <a:r>
+              <a:rPr lang="nl-NL" sz="1400" kern="0" dirty="0" smtClean="0">
+                <a:latin typeface="Courier New" panose="02070309020205020404" pitchFamily="49" charset="0"/>
+                <a:cs typeface="Courier New" panose="02070309020205020404" pitchFamily="49" charset="0"/>
+              </a:rPr>
+              <a:t> </a:t>
+            </a:r>
+            <a:r>
+              <a:rPr lang="nl-NL" sz="1400" kern="0" dirty="0" err="1" smtClean="0">
+                <a:latin typeface="Courier New" panose="02070309020205020404" pitchFamily="49" charset="0"/>
+                <a:cs typeface="Courier New" panose="02070309020205020404" pitchFamily="49" charset="0"/>
+              </a:rPr>
+              <a:t>correlated</a:t>
+            </a:r>
+            <a:r>
+              <a:rPr lang="nl-NL" sz="1400" kern="0" dirty="0" smtClean="0">
+                <a:latin typeface="Courier New" panose="02070309020205020404" pitchFamily="49" charset="0"/>
+                <a:cs typeface="Courier New" panose="02070309020205020404" pitchFamily="49" charset="0"/>
+              </a:rPr>
+              <a:t>, </a:t>
+            </a:r>
+            <a:r>
+              <a:rPr lang="nl-NL" sz="1400" kern="0" dirty="0" err="1" smtClean="0">
+                <a:latin typeface="Courier New" panose="02070309020205020404" pitchFamily="49" charset="0"/>
+                <a:cs typeface="Courier New" panose="02070309020205020404" pitchFamily="49" charset="0"/>
+              </a:rPr>
+              <a:t>such</a:t>
+            </a:r>
+            <a:r>
+              <a:rPr lang="nl-NL" sz="1400" kern="0" dirty="0" smtClean="0">
+                <a:latin typeface="Courier New" panose="02070309020205020404" pitchFamily="49" charset="0"/>
+                <a:cs typeface="Courier New" panose="02070309020205020404" pitchFamily="49" charset="0"/>
+              </a:rPr>
+              <a:t> as </a:t>
+            </a:r>
+            <a:r>
+              <a:rPr lang="nl-NL" sz="1400" i="1" kern="0" dirty="0" smtClean="0">
+                <a:latin typeface="Courier New" panose="02070309020205020404" pitchFamily="49" charset="0"/>
+                <a:cs typeface="Courier New" panose="02070309020205020404" pitchFamily="49" charset="0"/>
+              </a:rPr>
+              <a:t>rooms</a:t>
+            </a:r>
+            <a:r>
+              <a:rPr lang="nl-NL" sz="1400" kern="0" dirty="0" smtClean="0">
+                <a:latin typeface="Courier New" panose="02070309020205020404" pitchFamily="49" charset="0"/>
+                <a:cs typeface="Courier New" panose="02070309020205020404" pitchFamily="49" charset="0"/>
+              </a:rPr>
+              <a:t> </a:t>
+            </a:r>
+            <a:r>
+              <a:rPr lang="nl-NL" sz="1400" kern="0" dirty="0" err="1" smtClean="0">
+                <a:latin typeface="Courier New" panose="02070309020205020404" pitchFamily="49" charset="0"/>
+                <a:cs typeface="Courier New" panose="02070309020205020404" pitchFamily="49" charset="0"/>
+              </a:rPr>
+              <a:t>and</a:t>
+            </a:r>
+            <a:r>
+              <a:rPr lang="nl-NL" sz="1400" kern="0" dirty="0" smtClean="0">
+                <a:latin typeface="Courier New" panose="02070309020205020404" pitchFamily="49" charset="0"/>
+                <a:cs typeface="Courier New" panose="02070309020205020404" pitchFamily="49" charset="0"/>
+              </a:rPr>
+              <a:t> </a:t>
+            </a:r>
+            <a:r>
+              <a:rPr lang="nl-NL" sz="1400" i="1" kern="0" dirty="0" err="1" smtClean="0">
+                <a:latin typeface="Courier New" panose="02070309020205020404" pitchFamily="49" charset="0"/>
+                <a:cs typeface="Courier New" panose="02070309020205020404" pitchFamily="49" charset="0"/>
+              </a:rPr>
+              <a:t>bedrooms</a:t>
+            </a:r>
+            <a:r>
+              <a:rPr lang="nl-NL" sz="1400" kern="0" dirty="0" smtClean="0">
+                <a:latin typeface="Courier New" panose="02070309020205020404" pitchFamily="49" charset="0"/>
+                <a:cs typeface="Courier New" panose="02070309020205020404" pitchFamily="49" charset="0"/>
+              </a:rPr>
+              <a:t>.</a:t>
+            </a:r>
+          </a:p>
+          <a:p>
+            <a:pPr>
+              <a:buFont typeface="+mj-lt"/>
+              <a:buAutoNum type="arabicPeriod"/>
             </a:pPr>
             <a:endParaRPr lang="nl-NL" sz="1400" kern="0" dirty="0" smtClean="0">
               <a:latin typeface="Courier New" panose="02070309020205020404" pitchFamily="49" charset="0"/>
@@ -6708,95 +9509,54 @@
             </a:endParaRPr>
           </a:p>
           <a:p>
-            <a:pPr marL="0" indent="0">
-              <a:buFont typeface="Zapf Dingbats" charset="2"/>
-              <a:buNone/>
+            <a:pPr>
+              <a:buFont typeface="+mj-lt"/>
+              <a:buAutoNum type="arabicPeriod"/>
             </a:pPr>
             <a:r>
               <a:rPr lang="nl-NL" sz="1400" kern="0" dirty="0" smtClean="0">
                 <a:latin typeface="Courier New" panose="02070309020205020404" pitchFamily="49" charset="0"/>
                 <a:cs typeface="Courier New" panose="02070309020205020404" pitchFamily="49" charset="0"/>
               </a:rPr>
-              <a:t>Write down </a:t>
+              <a:t>Split the data </a:t>
             </a:r>
             <a:r>
               <a:rPr lang="nl-NL" sz="1400" kern="0" dirty="0" err="1" smtClean="0">
                 <a:latin typeface="Courier New" panose="02070309020205020404" pitchFamily="49" charset="0"/>
                 <a:cs typeface="Courier New" panose="02070309020205020404" pitchFamily="49" charset="0"/>
               </a:rPr>
-              <a:t>formula</a:t>
-            </a:r>
-            <a:endParaRPr lang="nl-NL" sz="1400" kern="0" dirty="0">
+              <a:t>into</a:t>
+            </a:r>
+            <a:r>
+              <a:rPr lang="nl-NL" sz="1400" kern="0" dirty="0" smtClean="0">
+                <a:latin typeface="Courier New" panose="02070309020205020404" pitchFamily="49" charset="0"/>
+                <a:cs typeface="Courier New" panose="02070309020205020404" pitchFamily="49" charset="0"/>
+              </a:rPr>
+              <a:t> a test set </a:t>
+            </a:r>
+            <a:r>
+              <a:rPr lang="nl-NL" sz="1400" kern="0" dirty="0" err="1" smtClean="0">
+                <a:latin typeface="Courier New" panose="02070309020205020404" pitchFamily="49" charset="0"/>
+                <a:cs typeface="Courier New" panose="02070309020205020404" pitchFamily="49" charset="0"/>
+              </a:rPr>
+              <a:t>and</a:t>
+            </a:r>
+            <a:r>
+              <a:rPr lang="nl-NL" sz="1400" kern="0" dirty="0" smtClean="0">
+                <a:latin typeface="Courier New" panose="02070309020205020404" pitchFamily="49" charset="0"/>
+                <a:cs typeface="Courier New" panose="02070309020205020404" pitchFamily="49" charset="0"/>
+              </a:rPr>
+              <a:t> a train set</a:t>
+            </a:r>
+            <a:endParaRPr lang="nl-NL" sz="1400" kern="0" dirty="0" smtClean="0">
               <a:latin typeface="Courier New" panose="02070309020205020404" pitchFamily="49" charset="0"/>
               <a:cs typeface="Courier New" panose="02070309020205020404" pitchFamily="49" charset="0"/>
             </a:endParaRPr>
           </a:p>
           <a:p>
-            <a:pPr marL="0" indent="0">
-              <a:buFont typeface="Zapf Dingbats" charset="2"/>
-              <a:buNone/>
-            </a:pPr>
-            <a:endParaRPr lang="nl-NL" sz="1400" kern="0" dirty="0">
-              <a:latin typeface="Courier New" panose="02070309020205020404" pitchFamily="49" charset="0"/>
-              <a:cs typeface="Courier New" panose="02070309020205020404" pitchFamily="49" charset="0"/>
-            </a:endParaRPr>
-          </a:p>
-          <a:p>
-            <a:pPr marL="0" indent="0">
-              <a:buFont typeface="Zapf Dingbats" charset="2"/>
-              <a:buNone/>
-            </a:pPr>
-            <a:r>
-              <a:rPr lang="nl-NL" sz="1400" kern="0" dirty="0" err="1" smtClean="0">
-                <a:latin typeface="Courier New" panose="02070309020205020404" pitchFamily="49" charset="0"/>
-                <a:cs typeface="Courier New" panose="02070309020205020404" pitchFamily="49" charset="0"/>
-              </a:rPr>
-              <a:t>Colinearity</a:t>
-            </a:r>
-            <a:r>
-              <a:rPr lang="nl-NL" sz="1400" kern="0" dirty="0" smtClean="0">
-                <a:latin typeface="Courier New" panose="02070309020205020404" pitchFamily="49" charset="0"/>
-                <a:cs typeface="Courier New" panose="02070309020205020404" pitchFamily="49" charset="0"/>
-              </a:rPr>
-              <a:t>? -&gt; </a:t>
-            </a:r>
-            <a:r>
-              <a:rPr lang="nl-NL" sz="1400" kern="0" dirty="0" err="1" smtClean="0">
-                <a:latin typeface="Courier New" panose="02070309020205020404" pitchFamily="49" charset="0"/>
-                <a:cs typeface="Courier New" panose="02070309020205020404" pitchFamily="49" charset="0"/>
-              </a:rPr>
-              <a:t>leave</a:t>
-            </a:r>
-            <a:r>
-              <a:rPr lang="nl-NL" sz="1400" kern="0" dirty="0" smtClean="0">
-                <a:latin typeface="Courier New" panose="02070309020205020404" pitchFamily="49" charset="0"/>
-                <a:cs typeface="Courier New" panose="02070309020205020404" pitchFamily="49" charset="0"/>
-              </a:rPr>
-              <a:t> out </a:t>
-            </a:r>
-            <a:r>
-              <a:rPr lang="nl-NL" sz="1400" kern="0" dirty="0" err="1" smtClean="0">
-                <a:latin typeface="Courier New" panose="02070309020205020404" pitchFamily="49" charset="0"/>
-                <a:cs typeface="Courier New" panose="02070309020205020404" pitchFamily="49" charset="0"/>
-              </a:rPr>
-              <a:t>bedrooms</a:t>
-            </a:r>
-            <a:r>
-              <a:rPr lang="nl-NL" sz="1400" kern="0" dirty="0" smtClean="0">
-                <a:latin typeface="Courier New" panose="02070309020205020404" pitchFamily="49" charset="0"/>
-                <a:cs typeface="Courier New" panose="02070309020205020404" pitchFamily="49" charset="0"/>
-              </a:rPr>
-              <a:t>?</a:t>
-            </a:r>
-            <a:endParaRPr lang="nl-NL" sz="1400" kern="0" dirty="0">
-              <a:latin typeface="Courier New" panose="02070309020205020404" pitchFamily="49" charset="0"/>
-              <a:cs typeface="Courier New" panose="02070309020205020404" pitchFamily="49" charset="0"/>
-            </a:endParaRPr>
-          </a:p>
-          <a:p>
-            <a:pPr marL="0" indent="0">
-              <a:buFont typeface="Zapf Dingbats" charset="2"/>
-              <a:buNone/>
+            <a:pPr>
+              <a:buFont typeface="+mj-lt"/>
+              <a:buAutoNum type="arabicPeriod"/>
             </a:pPr>
             <a:endParaRPr lang="nl-NL" sz="1400" kern="0" dirty="0" smtClean="0">
               <a:latin typeface="Courier New" panose="02070309020205020404" pitchFamily="49" charset="0"/>
@@ -6804,9 +9564,9 @@
             </a:endParaRPr>
           </a:p>
           <a:p>
-            <a:pPr marL="0" indent="0">
-              <a:buFont typeface="Zapf Dingbats" charset="2"/>
-              <a:buNone/>
+            <a:pPr>
+              <a:buFont typeface="+mj-lt"/>
+              <a:buAutoNum type="arabicPeriod"/>
             </a:pPr>
             <a:r>
               <a:rPr lang="nl-NL" sz="1400" kern="0" dirty="0" err="1" smtClean="0">
@@ -6820,17 +9580,80 @@
                 <a:latin typeface="Courier New" panose="02070309020205020404" pitchFamily="49" charset="0"/>
                 <a:cs typeface="Courier New" panose="02070309020205020404" pitchFamily="49" charset="0"/>
               </a:rPr>
-              <a:t> mode performance</a:t>
-            </a:r>
-            <a:endParaRPr lang="nl-NL" sz="1400" kern="0" dirty="0">
+              <a:t> model performance </a:t>
+            </a:r>
+            <a:r>
+              <a:rPr lang="nl-NL" sz="1400" kern="0" dirty="0" err="1" smtClean="0">
+                <a:latin typeface="Courier New" panose="02070309020205020404" pitchFamily="49" charset="0"/>
+                <a:cs typeface="Courier New" panose="02070309020205020404" pitchFamily="49" charset="0"/>
+              </a:rPr>
+              <a:t>by</a:t>
+            </a:r>
+            <a:r>
+              <a:rPr lang="nl-NL" sz="1400" kern="0" dirty="0" smtClean="0">
+                <a:latin typeface="Courier New" panose="02070309020205020404" pitchFamily="49" charset="0"/>
+                <a:cs typeface="Courier New" panose="02070309020205020404" pitchFamily="49" charset="0"/>
+              </a:rPr>
+              <a:t> </a:t>
+            </a:r>
+            <a:r>
+              <a:rPr lang="nl-NL" sz="1400" kern="0" dirty="0" err="1" smtClean="0">
+                <a:latin typeface="Courier New" panose="02070309020205020404" pitchFamily="49" charset="0"/>
+                <a:cs typeface="Courier New" panose="02070309020205020404" pitchFamily="49" charset="0"/>
+              </a:rPr>
+              <a:t>calculating</a:t>
+            </a:r>
+            <a:r>
+              <a:rPr lang="nl-NL" sz="1400" kern="0" dirty="0" smtClean="0">
+                <a:latin typeface="Courier New" panose="02070309020205020404" pitchFamily="49" charset="0"/>
+                <a:cs typeface="Courier New" panose="02070309020205020404" pitchFamily="49" charset="0"/>
+              </a:rPr>
+              <a:t> R</a:t>
+            </a:r>
+            <a:r>
+              <a:rPr lang="nl-NL" sz="1400" kern="0" baseline="30000" dirty="0" smtClean="0">
+                <a:latin typeface="Courier New" panose="02070309020205020404" pitchFamily="49" charset="0"/>
+                <a:cs typeface="Courier New" panose="02070309020205020404" pitchFamily="49" charset="0"/>
+              </a:rPr>
+              <a:t>2</a:t>
+            </a:r>
+            <a:r>
+              <a:rPr lang="nl-NL" sz="1400" kern="0" dirty="0" smtClean="0">
+                <a:latin typeface="Courier New" panose="02070309020205020404" pitchFamily="49" charset="0"/>
+                <a:cs typeface="Courier New" panose="02070309020205020404" pitchFamily="49" charset="0"/>
+              </a:rPr>
+              <a:t> </a:t>
+            </a:r>
+            <a:r>
+              <a:rPr lang="nl-NL" sz="1400" kern="0" dirty="0" err="1" smtClean="0">
+                <a:latin typeface="Courier New" panose="02070309020205020404" pitchFamily="49" charset="0"/>
+                <a:cs typeface="Courier New" panose="02070309020205020404" pitchFamily="49" charset="0"/>
+              </a:rPr>
+              <a:t>and</a:t>
+            </a:r>
+            <a:r>
+              <a:rPr lang="nl-NL" sz="1400" kern="0" dirty="0" smtClean="0">
+                <a:latin typeface="Courier New" panose="02070309020205020404" pitchFamily="49" charset="0"/>
+                <a:cs typeface="Courier New" panose="02070309020205020404" pitchFamily="49" charset="0"/>
+              </a:rPr>
+              <a:t> RMSE </a:t>
+            </a:r>
+            <a:r>
+              <a:rPr lang="nl-NL" sz="1400" i="1" kern="0" dirty="0" smtClean="0">
+                <a:latin typeface="Courier New" panose="02070309020205020404" pitchFamily="49" charset="0"/>
+                <a:cs typeface="Courier New" panose="02070309020205020404" pitchFamily="49" charset="0"/>
+              </a:rPr>
+              <a:t>on the test set</a:t>
+            </a:r>
+            <a:endParaRPr lang="nl-NL" sz="1400" kern="0" dirty="0" smtClean="0">
               <a:latin typeface="Courier New" panose="02070309020205020404" pitchFamily="49" charset="0"/>
               <a:cs typeface="Courier New" panose="02070309020205020404" pitchFamily="49" charset="0"/>
             </a:endParaRPr>
           </a:p>
           <a:p>
-            <a:pPr marL="0" indent="0">
-              <a:buFont typeface="Zapf Dingbats" charset="2"/>
-              <a:buNone/>
+            <a:pPr>
+              <a:buFont typeface="+mj-lt"/>
+              <a:buAutoNum type="arabicPeriod"/>
             </a:pPr>
             <a:endParaRPr lang="nl-NL" sz="1400" kern="0" dirty="0" smtClean="0">
               <a:latin typeface="Courier New" panose="02070309020205020404" pitchFamily="49" charset="0"/>
@@ -6838,16 +9661,23 @@
             </a:endParaRPr>
           </a:p>
           <a:p>
-            <a:pPr marL="0" indent="0">
-              <a:buFont typeface="Zapf Dingbats" charset="2"/>
-              <a:buNone/>
+            <a:pPr>
+              <a:buFont typeface="+mj-lt"/>
+              <a:buAutoNum type="arabicPeriod"/>
             </a:pPr>
             <a:r>
+              <a:rPr lang="nl-NL" sz="1400" kern="0" dirty="0" smtClean="0">
+                <a:latin typeface="Courier New" panose="02070309020205020404" pitchFamily="49" charset="0"/>
+                <a:cs typeface="Courier New" panose="02070309020205020404" pitchFamily="49" charset="0"/>
+              </a:rPr>
+              <a:t>Make a plot of the </a:t>
+            </a:r>
+            <a:r>
               <a:rPr lang="nl-NL" sz="1400" kern="0" dirty="0" err="1" smtClean="0">
                 <a:latin typeface="Courier New" panose="02070309020205020404" pitchFamily="49" charset="0"/>
                 <a:cs typeface="Courier New" panose="02070309020205020404" pitchFamily="49" charset="0"/>
               </a:rPr>
-              <a:t>Predict</a:t>
+              <a:t>predicted</a:t>
             </a:r>
             <a:r>
               <a:rPr lang="nl-NL" sz="1400" kern="0" dirty="0" smtClean="0">
@@ -6861,7 +9691,84 @@
                 <a:latin typeface="Courier New" panose="02070309020205020404" pitchFamily="49" charset="0"/>
                 <a:cs typeface="Courier New" panose="02070309020205020404" pitchFamily="49" charset="0"/>
               </a:rPr>
-              <a:t>value</a:t>
+              <a:t>price</a:t>
+            </a:r>
+            <a:r>
+              <a:rPr lang="nl-NL" sz="1400" kern="0" dirty="0" smtClean="0">
+                <a:latin typeface="Courier New" panose="02070309020205020404" pitchFamily="49" charset="0"/>
+                <a:cs typeface="Courier New" panose="02070309020205020404" pitchFamily="49" charset="0"/>
+              </a:rPr>
+              <a:t> vs. the </a:t>
+            </a:r>
+            <a:r>
+              <a:rPr lang="nl-NL" sz="1400" kern="0" dirty="0" err="1" smtClean="0">
+                <a:latin typeface="Courier New" panose="02070309020205020404" pitchFamily="49" charset="0"/>
+                <a:cs typeface="Courier New" panose="02070309020205020404" pitchFamily="49" charset="0"/>
+              </a:rPr>
+              <a:t>actual</a:t>
+            </a:r>
+            <a:r>
+              <a:rPr lang="nl-NL" sz="1400" kern="0" dirty="0" smtClean="0">
+                <a:latin typeface="Courier New" panose="02070309020205020404" pitchFamily="49" charset="0"/>
+                <a:cs typeface="Courier New" panose="02070309020205020404" pitchFamily="49" charset="0"/>
+              </a:rPr>
+              <a:t> </a:t>
+            </a:r>
+            <a:r>
+              <a:rPr lang="nl-NL" sz="1400" kern="0" dirty="0" err="1" smtClean="0">
+                <a:latin typeface="Courier New" panose="02070309020205020404" pitchFamily="49" charset="0"/>
+                <a:cs typeface="Courier New" panose="02070309020205020404" pitchFamily="49" charset="0"/>
+              </a:rPr>
+              <a:t>price</a:t>
+            </a:r>
+            <a:r>
+              <a:rPr lang="nl-NL" sz="1400" kern="0" dirty="0" smtClean="0">
+                <a:latin typeface="Courier New" panose="02070309020205020404" pitchFamily="49" charset="0"/>
+                <a:cs typeface="Courier New" panose="02070309020205020404" pitchFamily="49" charset="0"/>
+              </a:rPr>
+              <a:t>. </a:t>
+            </a:r>
+            <a:r>
+              <a:rPr lang="nl-NL" sz="1400" kern="0" dirty="0" err="1" smtClean="0">
+                <a:latin typeface="Courier New" panose="02070309020205020404" pitchFamily="49" charset="0"/>
+                <a:cs typeface="Courier New" panose="02070309020205020404" pitchFamily="49" charset="0"/>
+              </a:rPr>
+              <a:t>Which</a:t>
+            </a:r>
+            <a:r>
+              <a:rPr lang="nl-NL" sz="1400" kern="0" dirty="0" smtClean="0">
+                <a:latin typeface="Courier New" panose="02070309020205020404" pitchFamily="49" charset="0"/>
+                <a:cs typeface="Courier New" panose="02070309020205020404" pitchFamily="49" charset="0"/>
+              </a:rPr>
+              <a:t> </a:t>
+            </a:r>
+            <a:r>
+              <a:rPr lang="nl-NL" sz="1400" kern="0" dirty="0" err="1" smtClean="0">
+                <a:latin typeface="Courier New" panose="02070309020205020404" pitchFamily="49" charset="0"/>
+                <a:cs typeface="Courier New" panose="02070309020205020404" pitchFamily="49" charset="0"/>
+              </a:rPr>
+              <a:t>prices</a:t>
+            </a:r>
+            <a:r>
+              <a:rPr lang="nl-NL" sz="1400" kern="0" dirty="0" smtClean="0">
+                <a:latin typeface="Courier New" panose="02070309020205020404" pitchFamily="49" charset="0"/>
+                <a:cs typeface="Courier New" panose="02070309020205020404" pitchFamily="49" charset="0"/>
+              </a:rPr>
+              <a:t> are </a:t>
+            </a:r>
+            <a:r>
+              <a:rPr lang="nl-NL" sz="1400" kern="0" dirty="0" err="1" smtClean="0">
+                <a:latin typeface="Courier New" panose="02070309020205020404" pitchFamily="49" charset="0"/>
+                <a:cs typeface="Courier New" panose="02070309020205020404" pitchFamily="49" charset="0"/>
+              </a:rPr>
+              <a:t>predicted</a:t>
+            </a:r>
+            <a:r>
+              <a:rPr lang="nl-NL" sz="1400" kern="0" dirty="0" smtClean="0">
+                <a:latin typeface="Courier New" panose="02070309020205020404" pitchFamily="49" charset="0"/>
+                <a:cs typeface="Courier New" panose="02070309020205020404" pitchFamily="49" charset="0"/>
+              </a:rPr>
+              <a:t> well?</a:t>
             </a:r>
             <a:endParaRPr lang="nl-NL" sz="1400" kern="0" dirty="0" smtClean="0">
               <a:latin typeface="Courier New" panose="02070309020205020404" pitchFamily="49" charset="0"/>
@@ -6930,6 +9837,13 @@
   <p:clrMapOvr>
     <a:masterClrMapping/>
   </p:clrMapOvr>
+  <p:timing>
+    <p:tnLst>
+      <p:par>
+        <p:cTn id="1" dur="indefinite" restart="never" nodeType="tmRoot"/>
+      </p:par>
+    </p:tnLst>
+  </p:timing>
 </p:sld>
 </file>
 
@@ -7117,8 +10031,16 @@
           <a:lstStyle/>
           <a:p>
             <a:r>
+              <a:rPr lang="nl-NL" dirty="0" err="1" smtClean="0"/>
+              <a:t>Decision</a:t>
+            </a:r>
+            <a:r>
               <a:rPr lang="nl-NL" dirty="0" smtClean="0"/>
-              <a:t>Intro</a:t>
+              <a:t> on </a:t>
+            </a:r>
+            <a:r>
+              <a:rPr lang="nl-NL" dirty="0" err="1" smtClean="0"/>
+              <a:t>assignments</a:t>
             </a:r>
             <a:endParaRPr lang="nl-NL" dirty="0"/>
           </a:p>
@@ -7126,7 +10048,7 @@
       </p:sp>
       <p:sp>
         <p:nvSpPr>
-          <p:cNvPr id="9" name="Tijdelijke aanduiding voor inhoud 8"/>
+          <p:cNvPr id="3" name="Tijdelijke aanduiding voor inhoud 2"/>
           <p:cNvSpPr>
             <a:spLocks noGrp="1"/>
           </p:cNvSpPr>
@@ -7134,32 +10056,264 @@
             <p:ph idx="1"/>
           </p:nvPr>
         </p:nvSpPr>
-        <p:spPr/>
+        <p:spPr>
+          <a:xfrm>
+            <a:off x="762000" y="1762125"/>
+            <a:ext cx="7881938" cy="3908762"/>
+          </a:xfrm>
+        </p:spPr>
         <p:txBody>
           <a:bodyPr/>
           <a:lstStyle/>
           <a:p>
-            <a:endParaRPr lang="nl-NL"/>
+            <a:r>
+              <a:rPr lang="nl-NL" sz="2000" dirty="0" err="1" smtClean="0"/>
+              <a:t>Logistic</a:t>
+            </a:r>
+            <a:r>
+              <a:rPr lang="nl-NL" sz="2000" dirty="0" smtClean="0"/>
+              <a:t> </a:t>
+            </a:r>
+            <a:r>
+              <a:rPr lang="nl-NL" sz="2000" dirty="0" err="1" smtClean="0"/>
+              <a:t>regression</a:t>
+            </a:r>
+            <a:r>
+              <a:rPr lang="nl-NL" sz="2000" dirty="0" smtClean="0"/>
+              <a:t> </a:t>
+            </a:r>
+            <a:r>
+              <a:rPr lang="nl-NL" sz="2000" dirty="0" err="1" smtClean="0"/>
+              <a:t>will</a:t>
+            </a:r>
+            <a:r>
+              <a:rPr lang="nl-NL" sz="2000" dirty="0" smtClean="0"/>
+              <a:t> </a:t>
+            </a:r>
+            <a:r>
+              <a:rPr lang="nl-NL" sz="2000" dirty="0" err="1" smtClean="0"/>
+              <a:t>be</a:t>
+            </a:r>
+            <a:r>
+              <a:rPr lang="nl-NL" sz="2000" dirty="0" smtClean="0"/>
+              <a:t> cut from the program </a:t>
+            </a:r>
+            <a:r>
+              <a:rPr lang="nl-NL" sz="2000" dirty="0" err="1" smtClean="0"/>
+              <a:t>and</a:t>
+            </a:r>
+            <a:r>
+              <a:rPr lang="nl-NL" sz="2000" dirty="0" smtClean="0"/>
+              <a:t> from </a:t>
+            </a:r>
+            <a:r>
+              <a:rPr lang="nl-NL" sz="2000" dirty="0" err="1" smtClean="0"/>
+              <a:t>Assignment</a:t>
+            </a:r>
+            <a:r>
+              <a:rPr lang="nl-NL" sz="2000" dirty="0" smtClean="0"/>
+              <a:t> 1</a:t>
+            </a:r>
+          </a:p>
+          <a:p>
+            <a:endParaRPr lang="nl-NL" sz="2000" dirty="0"/>
+          </a:p>
+          <a:p>
+            <a:r>
+              <a:rPr lang="nl-NL" sz="2000" dirty="0" smtClean="0"/>
+              <a:t>On </a:t>
+            </a:r>
+            <a:r>
+              <a:rPr lang="nl-NL" sz="2000" dirty="0" err="1" smtClean="0"/>
+              <a:t>Monday</a:t>
+            </a:r>
+            <a:r>
+              <a:rPr lang="nl-NL" sz="2000" dirty="0" smtClean="0"/>
+              <a:t>, we </a:t>
+            </a:r>
+            <a:r>
+              <a:rPr lang="nl-NL" sz="2000" dirty="0" err="1" smtClean="0"/>
+              <a:t>will</a:t>
+            </a:r>
+            <a:r>
+              <a:rPr lang="nl-NL" sz="2000" dirty="0" smtClean="0"/>
+              <a:t> start </a:t>
+            </a:r>
+            <a:r>
+              <a:rPr lang="nl-NL" sz="2000" dirty="0" err="1" smtClean="0"/>
+              <a:t>with</a:t>
+            </a:r>
+            <a:r>
+              <a:rPr lang="nl-NL" sz="2000" dirty="0" smtClean="0"/>
+              <a:t> machine </a:t>
+            </a:r>
+            <a:r>
+              <a:rPr lang="nl-NL" sz="2000" dirty="0" err="1" smtClean="0"/>
+              <a:t>learning</a:t>
+            </a:r>
+            <a:endParaRPr lang="nl-NL" sz="2000" dirty="0" smtClean="0"/>
+          </a:p>
+          <a:p>
+            <a:pPr lvl="1"/>
+            <a:r>
+              <a:rPr lang="nl-NL" sz="2000" dirty="0" smtClean="0"/>
+              <a:t>I </a:t>
+            </a:r>
+            <a:r>
+              <a:rPr lang="nl-NL" sz="2000" dirty="0" err="1" smtClean="0"/>
+              <a:t>will</a:t>
+            </a:r>
+            <a:r>
+              <a:rPr lang="nl-NL" sz="2000" dirty="0" smtClean="0"/>
+              <a:t> cut down </a:t>
+            </a:r>
+            <a:r>
+              <a:rPr lang="nl-NL" sz="2000" dirty="0" err="1" smtClean="0"/>
+              <a:t>Assigment</a:t>
+            </a:r>
+            <a:r>
+              <a:rPr lang="nl-NL" sz="2000" dirty="0" smtClean="0"/>
+              <a:t> 2 </a:t>
+            </a:r>
+            <a:r>
+              <a:rPr lang="nl-NL" sz="2000" dirty="0" err="1" smtClean="0"/>
+              <a:t>somewhat</a:t>
+            </a:r>
+            <a:endParaRPr lang="nl-NL" sz="2000" dirty="0" smtClean="0"/>
+          </a:p>
+          <a:p>
+            <a:pPr lvl="1"/>
+            <a:endParaRPr lang="nl-NL" sz="2000" dirty="0"/>
+          </a:p>
+          <a:p>
+            <a:r>
+              <a:rPr lang="nl-NL" sz="2000" dirty="0" smtClean="0"/>
+              <a:t>In the winter break, I </a:t>
+            </a:r>
+            <a:r>
+              <a:rPr lang="nl-NL" sz="2000" dirty="0" err="1" smtClean="0"/>
+              <a:t>will</a:t>
+            </a:r>
+            <a:r>
+              <a:rPr lang="nl-NL" sz="2000" dirty="0" smtClean="0"/>
+              <a:t> have a look at the </a:t>
+            </a:r>
+            <a:r>
+              <a:rPr lang="nl-NL" sz="2000" dirty="0" err="1" smtClean="0"/>
+              <a:t>remaining</a:t>
+            </a:r>
+            <a:r>
+              <a:rPr lang="nl-NL" sz="2000" dirty="0" smtClean="0"/>
+              <a:t> </a:t>
+            </a:r>
+            <a:r>
+              <a:rPr lang="nl-NL" sz="2000" dirty="0" err="1" smtClean="0"/>
+              <a:t>assignments</a:t>
+            </a:r>
+            <a:r>
+              <a:rPr lang="nl-NL" sz="2000" dirty="0" smtClean="0"/>
+              <a:t> </a:t>
+            </a:r>
+            <a:r>
+              <a:rPr lang="nl-NL" sz="2000" dirty="0" err="1" smtClean="0"/>
+              <a:t>to</a:t>
+            </a:r>
+            <a:r>
+              <a:rPr lang="nl-NL" sz="2000" dirty="0" smtClean="0"/>
+              <a:t> </a:t>
+            </a:r>
+            <a:r>
+              <a:rPr lang="nl-NL" sz="2000" dirty="0" err="1" smtClean="0"/>
+              <a:t>clarify</a:t>
+            </a:r>
+            <a:r>
+              <a:rPr lang="nl-NL" sz="2000" dirty="0" smtClean="0"/>
+              <a:t> </a:t>
+            </a:r>
+            <a:r>
+              <a:rPr lang="nl-NL" sz="2000" dirty="0" err="1" smtClean="0"/>
+              <a:t>things</a:t>
+            </a:r>
+            <a:endParaRPr lang="nl-NL" sz="2000" dirty="0" smtClean="0"/>
+          </a:p>
+          <a:p>
+            <a:endParaRPr lang="nl-NL" sz="2000" dirty="0"/>
+          </a:p>
+          <a:p>
+            <a:r>
+              <a:rPr lang="nl-NL" sz="2000" dirty="0" smtClean="0"/>
+              <a:t>From </a:t>
+            </a:r>
+            <a:r>
+              <a:rPr lang="nl-NL" sz="2000" dirty="0" err="1" smtClean="0"/>
+              <a:t>that</a:t>
+            </a:r>
+            <a:r>
+              <a:rPr lang="nl-NL" sz="2000" dirty="0" smtClean="0"/>
+              <a:t> point on, the </a:t>
+            </a:r>
+            <a:r>
+              <a:rPr lang="nl-NL" sz="2000" dirty="0" err="1" smtClean="0"/>
+              <a:t>Assignments</a:t>
+            </a:r>
+            <a:r>
+              <a:rPr lang="nl-NL" sz="2000" dirty="0" smtClean="0"/>
+              <a:t> </a:t>
+            </a:r>
+            <a:r>
+              <a:rPr lang="nl-NL" sz="2000" dirty="0" err="1" smtClean="0"/>
+              <a:t>will</a:t>
+            </a:r>
+            <a:r>
+              <a:rPr lang="nl-NL" sz="2000" dirty="0" smtClean="0"/>
+              <a:t> </a:t>
+            </a:r>
+            <a:r>
+              <a:rPr lang="nl-NL" sz="2000" dirty="0" err="1" smtClean="0"/>
+              <a:t>remain</a:t>
+            </a:r>
+            <a:r>
+              <a:rPr lang="nl-NL" sz="2000" dirty="0" smtClean="0"/>
+              <a:t> </a:t>
+            </a:r>
+            <a:r>
+              <a:rPr lang="nl-NL" sz="2000" dirty="0" err="1" smtClean="0"/>
+              <a:t>fixed</a:t>
+            </a:r>
+            <a:r>
+              <a:rPr lang="nl-NL" sz="2000" dirty="0" smtClean="0"/>
+              <a:t>; of course, help </a:t>
+            </a:r>
+            <a:r>
+              <a:rPr lang="nl-NL" sz="2000" dirty="0" err="1" smtClean="0"/>
+              <a:t>remains</a:t>
+            </a:r>
+            <a:r>
+              <a:rPr lang="nl-NL" sz="2000" dirty="0" smtClean="0"/>
+              <a:t> </a:t>
+            </a:r>
+            <a:r>
+              <a:rPr lang="nl-NL" sz="2000" dirty="0" err="1" smtClean="0"/>
+              <a:t>available</a:t>
+            </a:r>
+            <a:r>
+              <a:rPr lang="nl-NL" sz="2000" dirty="0" smtClean="0"/>
+              <a:t> </a:t>
+            </a:r>
+            <a:endParaRPr lang="nl-NL" sz="2000" dirty="0"/>
           </a:p>
         </p:txBody>
       </p:sp>
     </p:spTree>
     <p:extLst>
       <p:ext uri="{BB962C8B-B14F-4D97-AF65-F5344CB8AC3E}">
-        <p14:creationId xmlns:p14="http://schemas.microsoft.com/office/powerpoint/2010/main" val="2394972632"/>
+        <p14:creationId xmlns:p14="http://schemas.microsoft.com/office/powerpoint/2010/main" val="366909963"/>
       </p:ext>
     </p:extLst>
   </p:cSld>
   <p:clrMapOvr>
     <a:masterClrMapping/>
   </p:clrMapOvr>
-  <p:timing>
-    <p:tnLst>
-      <p:par>
-        <p:cTn id="1" dur="indefinite" restart="never" nodeType="tmRoot"/>
-      </p:par>
-    </p:tnLst>
-  </p:timing>
 </p:sld>
 </file>
 
@@ -7197,7 +10351,7 @@
           <a:p>
             <a:r>
               <a:rPr lang="nl-NL" dirty="0" smtClean="0"/>
-              <a:t>Topics</a:t>
+              <a:t>Feedback</a:t>
             </a:r>
             <a:endParaRPr lang="nl-NL" dirty="0"/>
           </a:p>
@@ -7215,8 +10369,8 @@
         </p:nvSpPr>
         <p:spPr>
           <a:xfrm>
-            <a:off x="762000" y="1762125"/>
-            <a:ext cx="7881938" cy="3268587"/>
+            <a:off x="776840" y="1501480"/>
+            <a:ext cx="7881938" cy="3779496"/>
           </a:xfrm>
         </p:spPr>
         <p:txBody>
@@ -7224,91 +10378,321 @@
           <a:lstStyle/>
           <a:p>
             <a:r>
-              <a:rPr lang="nl-NL" sz="2400" dirty="0" smtClean="0"/>
-              <a:t>Evaluation of </a:t>
-            </a:r>
-            <a:r>
-              <a:rPr lang="nl-NL" sz="2400" dirty="0" err="1" smtClean="0"/>
-              <a:t>simple</a:t>
-            </a:r>
-            <a:r>
-              <a:rPr lang="nl-NL" sz="2400" dirty="0" smtClean="0"/>
+              <a:rPr lang="nl-NL" sz="2000" b="1" dirty="0" smtClean="0"/>
+              <a:t>Well </a:t>
+            </a:r>
+            <a:r>
+              <a:rPr lang="nl-NL" sz="2000" b="1" dirty="0" err="1" smtClean="0"/>
+              <a:t>done</a:t>
+            </a:r>
+            <a:r>
+              <a:rPr lang="nl-NL" sz="2000" b="1" dirty="0" smtClean="0"/>
+              <a:t>!</a:t>
+            </a:r>
+          </a:p>
+          <a:p>
+            <a:endParaRPr lang="nl-NL" sz="1600" dirty="0"/>
+          </a:p>
+          <a:p>
+            <a:r>
+              <a:rPr lang="nl-NL" sz="1600" dirty="0" smtClean="0"/>
+              <a:t>I made a </a:t>
+            </a:r>
+            <a:r>
+              <a:rPr lang="nl-NL" sz="1600" dirty="0" err="1" smtClean="0"/>
+              <a:t>mistake</a:t>
+            </a:r>
+            <a:r>
+              <a:rPr lang="nl-NL" sz="1600" dirty="0" smtClean="0"/>
+              <a:t> swapping b</a:t>
+            </a:r>
+            <a:r>
+              <a:rPr lang="nl-NL" sz="1600" baseline="-25000" dirty="0" smtClean="0"/>
+              <a:t>0 </a:t>
+            </a:r>
+            <a:r>
+              <a:rPr lang="nl-NL" sz="1600" dirty="0" err="1" smtClean="0"/>
+              <a:t>and</a:t>
+            </a:r>
+            <a:r>
+              <a:rPr lang="nl-NL" sz="1600" dirty="0" smtClean="0"/>
+              <a:t> b</a:t>
+            </a:r>
+            <a:r>
+              <a:rPr lang="nl-NL" sz="1600" baseline="-25000" dirty="0" smtClean="0"/>
+              <a:t>1</a:t>
+            </a:r>
+            <a:r>
+              <a:rPr lang="nl-NL" sz="1600" dirty="0" smtClean="0"/>
               <a:t> </a:t>
             </a:r>
             <a:r>
-              <a:rPr lang="nl-NL" sz="2400" dirty="0" err="1" smtClean="0"/>
-              <a:t>linear</a:t>
-            </a:r>
-            <a:r>
-              <a:rPr lang="nl-NL" sz="2400" dirty="0" smtClean="0"/>
+              <a:rPr lang="nl-NL" sz="1600" dirty="0" err="1" smtClean="0"/>
+              <a:t>around</a:t>
+            </a:r>
+            <a:r>
+              <a:rPr lang="nl-NL" sz="1600" dirty="0" smtClean="0"/>
+              <a:t>, </a:t>
+            </a:r>
+            <a:r>
+              <a:rPr lang="nl-NL" sz="1600" dirty="0" err="1" smtClean="0"/>
+              <a:t>which</a:t>
+            </a:r>
+            <a:r>
+              <a:rPr lang="nl-NL" sz="1600" dirty="0" smtClean="0"/>
+              <a:t> is </a:t>
+            </a:r>
+            <a:r>
+              <a:rPr lang="nl-NL" sz="1600" dirty="0" err="1" smtClean="0"/>
+              <a:t>why</a:t>
+            </a:r>
+            <a:r>
+              <a:rPr lang="nl-NL" sz="1600" dirty="0" smtClean="0"/>
+              <a:t> the </a:t>
+            </a:r>
+            <a:r>
+              <a:rPr lang="nl-NL" sz="1600" dirty="0" err="1" smtClean="0"/>
+              <a:t>formula</a:t>
+            </a:r>
+            <a:r>
+              <a:rPr lang="nl-NL" sz="1600" dirty="0" smtClean="0"/>
               <a:t> </a:t>
             </a:r>
             <a:r>
-              <a:rPr lang="nl-NL" sz="2400" dirty="0" err="1" smtClean="0"/>
-              <a:t>regression</a:t>
-            </a:r>
-            <a:endParaRPr lang="nl-NL" sz="2400" dirty="0" smtClean="0"/>
-          </a:p>
-          <a:p>
-            <a:endParaRPr lang="nl-NL" sz="2400" dirty="0"/>
-          </a:p>
-          <a:p>
-            <a:r>
-              <a:rPr lang="nl-NL" sz="2400" dirty="0" err="1" smtClean="0"/>
-              <a:t>Overfitting</a:t>
-            </a:r>
-            <a:r>
-              <a:rPr lang="nl-NL" sz="2400" dirty="0" smtClean="0"/>
+              <a:rPr lang="nl-NL" sz="1600" dirty="0" err="1" smtClean="0"/>
+              <a:t>looked</a:t>
+            </a:r>
+            <a:r>
+              <a:rPr lang="nl-NL" sz="1600" dirty="0" smtClean="0"/>
               <a:t> </a:t>
             </a:r>
             <a:r>
-              <a:rPr lang="nl-NL" sz="2400" dirty="0" err="1" smtClean="0"/>
-              <a:t>and</a:t>
-            </a:r>
-            <a:r>
-              <a:rPr lang="nl-NL" sz="2400" dirty="0" smtClean="0"/>
-              <a:t> model </a:t>
-            </a:r>
-            <a:r>
-              <a:rPr lang="nl-NL" sz="2400" dirty="0" err="1" smtClean="0"/>
-              <a:t>validation</a:t>
-            </a:r>
-            <a:endParaRPr lang="nl-NL" sz="2400" dirty="0" smtClean="0"/>
-          </a:p>
-          <a:p>
-            <a:endParaRPr lang="nl-NL" sz="2400" dirty="0"/>
-          </a:p>
-          <a:p>
-            <a:r>
-              <a:rPr lang="nl-NL" sz="2400" dirty="0" smtClean="0"/>
-              <a:t>Multiple </a:t>
-            </a:r>
-            <a:r>
-              <a:rPr lang="nl-NL" sz="2400" dirty="0" err="1" smtClean="0"/>
-              <a:t>linear</a:t>
-            </a:r>
-            <a:r>
-              <a:rPr lang="nl-NL" sz="2400" dirty="0" smtClean="0"/>
+              <a:rPr lang="nl-NL" sz="1600" dirty="0" err="1" smtClean="0"/>
+              <a:t>weird</a:t>
+            </a:r>
+            <a:endParaRPr lang="nl-NL" sz="1600" dirty="0" smtClean="0"/>
+          </a:p>
+          <a:p>
+            <a:endParaRPr lang="nl-NL" sz="1600" dirty="0"/>
+          </a:p>
+          <a:p>
+            <a:r>
+              <a:rPr lang="nl-NL" sz="1600" dirty="0" err="1" smtClean="0">
+                <a:latin typeface="Courier New" panose="02070309020205020404" pitchFamily="49" charset="0"/>
+                <a:cs typeface="Courier New" panose="02070309020205020404" pitchFamily="49" charset="0"/>
+              </a:rPr>
+              <a:t>predict</a:t>
+            </a:r>
+            <a:r>
+              <a:rPr lang="nl-NL" sz="1600" dirty="0" smtClean="0">
+                <a:latin typeface="Courier New" panose="02070309020205020404" pitchFamily="49" charset="0"/>
+                <a:cs typeface="Courier New" panose="02070309020205020404" pitchFamily="49" charset="0"/>
+              </a:rPr>
+              <a:t>(x) </a:t>
+            </a:r>
+            <a:r>
+              <a:rPr lang="nl-NL" sz="1600" dirty="0" err="1" smtClean="0"/>
+              <a:t>uses</a:t>
+            </a:r>
+            <a:r>
+              <a:rPr lang="nl-NL" sz="1600" dirty="0" smtClean="0"/>
+              <a:t> x </a:t>
+            </a:r>
+            <a:r>
+              <a:rPr lang="nl-NL" sz="1600" dirty="0" err="1" smtClean="0"/>
+              <a:t>values</a:t>
+            </a:r>
+            <a:r>
+              <a:rPr lang="nl-NL" sz="1600" dirty="0" smtClean="0"/>
+              <a:t>, </a:t>
+            </a:r>
+            <a:r>
+              <a:rPr lang="nl-NL" sz="1600" dirty="0" err="1" smtClean="0"/>
+              <a:t>can</a:t>
+            </a:r>
+            <a:r>
+              <a:rPr lang="nl-NL" sz="1600" dirty="0" smtClean="0"/>
               <a:t> </a:t>
             </a:r>
             <a:r>
-              <a:rPr lang="nl-NL" sz="2400" dirty="0" err="1" smtClean="0"/>
-              <a:t>regression</a:t>
-            </a:r>
-            <a:endParaRPr lang="nl-NL" sz="2400" dirty="0" smtClean="0"/>
-          </a:p>
-          <a:p>
-            <a:endParaRPr lang="nl-NL" dirty="0"/>
-          </a:p>
-          <a:p>
-            <a:endParaRPr lang="nl-NL" dirty="0"/>
-          </a:p>
-        </p:txBody>
-      </p:sp>
+              <a:rPr lang="nl-NL" sz="1600" dirty="0" err="1" smtClean="0"/>
+              <a:t>be</a:t>
+            </a:r>
+            <a:r>
+              <a:rPr lang="nl-NL" sz="1600" dirty="0" smtClean="0"/>
+              <a:t> single </a:t>
+            </a:r>
+            <a:r>
+              <a:rPr lang="nl-NL" sz="1600" dirty="0" err="1" smtClean="0"/>
+              <a:t>value</a:t>
+            </a:r>
+            <a:r>
+              <a:rPr lang="nl-NL" sz="1600" dirty="0" smtClean="0"/>
+              <a:t> or array, </a:t>
+            </a:r>
+            <a:r>
+              <a:rPr lang="nl-NL" sz="1600" dirty="0" err="1" smtClean="0"/>
+              <a:t>old</a:t>
+            </a:r>
+            <a:r>
+              <a:rPr lang="nl-NL" sz="1600" dirty="0" smtClean="0"/>
+              <a:t> or new </a:t>
+            </a:r>
+            <a:r>
+              <a:rPr lang="nl-NL" sz="1600" dirty="0" err="1" smtClean="0"/>
+              <a:t>values</a:t>
+            </a:r>
+            <a:r>
+              <a:rPr lang="nl-NL" sz="1600" dirty="0" smtClean="0"/>
+              <a:t>. E.g.</a:t>
+            </a:r>
+          </a:p>
+          <a:p>
+            <a:pPr lvl="1"/>
+            <a:r>
+              <a:rPr lang="nl-NL" sz="1600" dirty="0" err="1" smtClean="0">
+                <a:latin typeface="Courier New" panose="02070309020205020404" pitchFamily="49" charset="0"/>
+                <a:cs typeface="Courier New" panose="02070309020205020404" pitchFamily="49" charset="0"/>
+              </a:rPr>
+              <a:t>predict</a:t>
+            </a:r>
+            <a:r>
+              <a:rPr lang="nl-NL" sz="1600" dirty="0" smtClean="0">
+                <a:latin typeface="Courier New" panose="02070309020205020404" pitchFamily="49" charset="0"/>
+                <a:cs typeface="Courier New" panose="02070309020205020404" pitchFamily="49" charset="0"/>
+              </a:rPr>
+              <a:t>(70) = 270000 </a:t>
+            </a:r>
+            <a:r>
+              <a:rPr lang="nl-NL" sz="1600" dirty="0" err="1" smtClean="0">
+                <a:latin typeface="Courier New" panose="02070309020205020404" pitchFamily="49" charset="0"/>
+                <a:cs typeface="Courier New" panose="02070309020205020404" pitchFamily="49" charset="0"/>
+              </a:rPr>
+              <a:t>euros</a:t>
+            </a:r>
+            <a:endParaRPr lang="nl-NL" sz="1600" dirty="0" smtClean="0">
+              <a:latin typeface="Courier New" panose="02070309020205020404" pitchFamily="49" charset="0"/>
+              <a:cs typeface="Courier New" panose="02070309020205020404" pitchFamily="49" charset="0"/>
+            </a:endParaRPr>
+          </a:p>
+          <a:p>
+            <a:pPr lvl="1"/>
+            <a:r>
+              <a:rPr lang="nl-NL" sz="1600" dirty="0" err="1" smtClean="0">
+                <a:latin typeface="Courier New" panose="02070309020205020404" pitchFamily="49" charset="0"/>
+                <a:cs typeface="Courier New" panose="02070309020205020404" pitchFamily="49" charset="0"/>
+              </a:rPr>
+              <a:t>predict</a:t>
+            </a:r>
+            <a:r>
+              <a:rPr lang="nl-NL" sz="1600" dirty="0" smtClean="0">
+                <a:latin typeface="Courier New" panose="02070309020205020404" pitchFamily="49" charset="0"/>
+                <a:cs typeface="Courier New" panose="02070309020205020404" pitchFamily="49" charset="0"/>
+              </a:rPr>
+              <a:t>([70, 50]) = [270000, 200000]</a:t>
+            </a:r>
+          </a:p>
+          <a:p>
+            <a:pPr lvl="1"/>
+            <a:endParaRPr lang="nl-NL" sz="1600" dirty="0"/>
+          </a:p>
+          <a:p>
+            <a:r>
+              <a:rPr lang="nl-NL" sz="1600" dirty="0" smtClean="0"/>
+              <a:t>This </a:t>
+            </a:r>
+            <a:r>
+              <a:rPr lang="nl-NL" sz="1600" dirty="0" err="1" smtClean="0"/>
+              <a:t>warning</a:t>
+            </a:r>
+            <a:r>
+              <a:rPr lang="nl-NL" sz="1600" dirty="0" smtClean="0"/>
+              <a:t> </a:t>
+            </a:r>
+            <a:r>
+              <a:rPr lang="nl-NL" sz="1600" dirty="0" err="1" smtClean="0"/>
+              <a:t>can</a:t>
+            </a:r>
+            <a:r>
+              <a:rPr lang="nl-NL" sz="1600" dirty="0" smtClean="0"/>
+              <a:t> </a:t>
+            </a:r>
+            <a:r>
+              <a:rPr lang="nl-NL" sz="1600" dirty="0" err="1" smtClean="0"/>
+              <a:t>be</a:t>
+            </a:r>
+            <a:r>
+              <a:rPr lang="nl-NL" sz="1600" dirty="0" smtClean="0"/>
+              <a:t> </a:t>
+            </a:r>
+            <a:r>
+              <a:rPr lang="nl-NL" sz="1600" dirty="0" err="1" smtClean="0"/>
+              <a:t>safely</a:t>
+            </a:r>
+            <a:r>
+              <a:rPr lang="nl-NL" sz="1600" dirty="0" smtClean="0"/>
+              <a:t> </a:t>
+            </a:r>
+            <a:r>
+              <a:rPr lang="nl-NL" sz="1600" dirty="0" err="1" smtClean="0"/>
+              <a:t>ignored</a:t>
+            </a:r>
+            <a:r>
+              <a:rPr lang="nl-NL" sz="1600" dirty="0" smtClean="0"/>
+              <a:t>, or set this: </a:t>
+            </a:r>
+            <a:r>
+              <a:rPr lang="nl-NL" sz="1600" dirty="0" err="1">
+                <a:latin typeface="Courier New" panose="02070309020205020404" pitchFamily="49" charset="0"/>
+                <a:cs typeface="Courier New" panose="02070309020205020404" pitchFamily="49" charset="0"/>
+              </a:rPr>
+              <a:t>pd.options.mode.chained_assignment</a:t>
+            </a:r>
+            <a:r>
+              <a:rPr lang="nl-NL" sz="1600" dirty="0">
+                <a:latin typeface="Courier New" panose="02070309020205020404" pitchFamily="49" charset="0"/>
+                <a:cs typeface="Courier New" panose="02070309020205020404" pitchFamily="49" charset="0"/>
+              </a:rPr>
+              <a:t> = None</a:t>
+            </a:r>
+          </a:p>
+          <a:p>
+            <a:endParaRPr lang="nl-NL" sz="1600" dirty="0" smtClean="0"/>
+          </a:p>
+          <a:p>
+            <a:pPr lvl="1"/>
+            <a:endParaRPr lang="nl-NL" sz="1400" dirty="0"/>
+          </a:p>
+        </p:txBody>
+      </p:sp>
+      <p:pic>
+        <p:nvPicPr>
+          <p:cNvPr id="4" name="Afbeelding 3"/>
+          <p:cNvPicPr>
+            <a:picLocks noChangeAspect="1"/>
+          </p:cNvPicPr>
+          <p:nvPr/>
+        </p:nvPicPr>
+        <p:blipFill>
+          <a:blip r:embed="rId2"/>
+          <a:stretch>
+            <a:fillRect/>
+          </a:stretch>
+        </p:blipFill>
+        <p:spPr>
+          <a:xfrm>
+            <a:off x="668314" y="4696241"/>
+            <a:ext cx="7975624" cy="1720088"/>
+          </a:xfrm>
+          <a:prstGeom prst="rect">
+            <a:avLst/>
+          </a:prstGeom>
+        </p:spPr>
+      </p:pic>
     </p:spTree>
     <p:extLst>
       <p:ext uri="{BB962C8B-B14F-4D97-AF65-F5344CB8AC3E}">
-        <p14:creationId xmlns:p14="http://schemas.microsoft.com/office/powerpoint/2010/main" val="76400321"/>
+        <p14:creationId xmlns:p14="http://schemas.microsoft.com/office/powerpoint/2010/main" val="518586372"/>
       </p:ext>
     </p:extLst>
   </p:cSld>
@@ -7345,43 +10729,14 @@
             <p:ph type="title"/>
           </p:nvPr>
         </p:nvSpPr>
-        <p:spPr>
-          <a:xfrm>
-            <a:off x="899592" y="332656"/>
-            <a:ext cx="6172200" cy="1077218"/>
-          </a:xfrm>
-        </p:spPr>
+        <p:spPr/>
         <p:txBody>
           <a:bodyPr/>
           <a:lstStyle/>
           <a:p>
             <a:r>
-              <a:rPr lang="nl-NL" dirty="0" err="1" smtClean="0"/>
-              <a:t>Assumptions</a:t>
-            </a:r>
-            <a:r>
               <a:rPr lang="nl-NL" dirty="0" smtClean="0"/>
-              <a:t> of </a:t>
-            </a:r>
-            <a:r>
-              <a:rPr lang="nl-NL" dirty="0" err="1" smtClean="0"/>
-              <a:t>simple</a:t>
-            </a:r>
-            <a:r>
-              <a:rPr lang="nl-NL" dirty="0" smtClean="0"/>
-              <a:t> </a:t>
-            </a:r>
-            <a:r>
-              <a:rPr lang="nl-NL" dirty="0" err="1" smtClean="0"/>
-              <a:t>linear</a:t>
-            </a:r>
-            <a:r>
-              <a:rPr lang="nl-NL" dirty="0" smtClean="0"/>
-              <a:t> </a:t>
-            </a:r>
-            <a:r>
-              <a:rPr lang="nl-NL" dirty="0" err="1" smtClean="0"/>
-              <a:t>regression</a:t>
+              <a:t>Topics</a:t>
             </a:r>
             <a:endParaRPr lang="nl-NL" dirty="0"/>
           </a:p>
@@ -7399,293 +10754,1303 @@
         </p:nvSpPr>
         <p:spPr>
           <a:xfrm>
-            <a:off x="3131840" y="1916832"/>
-            <a:ext cx="4248472" cy="4142673"/>
+            <a:off x="762000" y="1762125"/>
+            <a:ext cx="7881938" cy="3268587"/>
           </a:xfrm>
         </p:spPr>
         <p:txBody>
           <a:bodyPr/>
           <a:lstStyle/>
           <a:p>
-            <a:pPr marL="514350" indent="-514350">
-              <a:buFont typeface="+mj-lt"/>
-              <a:buAutoNum type="arabicPeriod"/>
-            </a:pPr>
-            <a:r>
-              <a:rPr lang="nl-NL" sz="2000" dirty="0" err="1" smtClean="0"/>
-              <a:t>Linearity</a:t>
-            </a:r>
-            <a:r>
-              <a:rPr lang="nl-NL" sz="2000" dirty="0" smtClean="0"/>
-              <a:t> (the points are </a:t>
-            </a:r>
-            <a:r>
-              <a:rPr lang="nl-NL" sz="2000" dirty="0" err="1" smtClean="0"/>
-              <a:t>around</a:t>
-            </a:r>
-            <a:r>
-              <a:rPr lang="nl-NL" sz="2000" dirty="0" smtClean="0"/>
-              <a:t> a straight line, </a:t>
-            </a:r>
-            <a:r>
-              <a:rPr lang="nl-NL" sz="2000" dirty="0" err="1" smtClean="0"/>
-              <a:t>not</a:t>
-            </a:r>
-            <a:r>
-              <a:rPr lang="nl-NL" sz="2000" dirty="0" smtClean="0"/>
-              <a:t> on a </a:t>
-            </a:r>
-            <a:r>
-              <a:rPr lang="nl-NL" sz="2000" dirty="0" err="1" smtClean="0"/>
-              <a:t>curved</a:t>
-            </a:r>
-            <a:r>
-              <a:rPr lang="nl-NL" sz="2000" dirty="0" smtClean="0"/>
-              <a:t> line)</a:t>
-            </a:r>
-          </a:p>
-          <a:p>
-            <a:pPr marL="514350" indent="-514350">
-              <a:buFont typeface="+mj-lt"/>
-              <a:buAutoNum type="arabicPeriod"/>
-            </a:pPr>
-            <a:endParaRPr lang="nl-NL" sz="2000" dirty="0" smtClean="0"/>
-          </a:p>
-          <a:p>
-            <a:pPr marL="514350" indent="-514350">
-              <a:buFont typeface="+mj-lt"/>
-              <a:buAutoNum type="arabicPeriod"/>
-            </a:pPr>
-            <a:r>
-              <a:rPr lang="nl-NL" sz="2000" dirty="0" err="1" smtClean="0"/>
-              <a:t>Equal</a:t>
-            </a:r>
-            <a:r>
-              <a:rPr lang="nl-NL" sz="2000" dirty="0" smtClean="0"/>
+            <a:r>
+              <a:rPr lang="nl-NL" sz="2400" dirty="0"/>
+              <a:t>Evaluation of </a:t>
+            </a:r>
+            <a:r>
+              <a:rPr lang="nl-NL" sz="2400" dirty="0" err="1"/>
+              <a:t>simple</a:t>
+            </a:r>
+            <a:r>
+              <a:rPr lang="nl-NL" sz="2400" dirty="0"/>
               <a:t> </a:t>
             </a:r>
             <a:r>
-              <a:rPr lang="nl-NL" sz="2000" dirty="0" err="1" smtClean="0"/>
-              <a:t>variance</a:t>
-            </a:r>
-            <a:r>
-              <a:rPr lang="nl-NL" sz="2000" dirty="0" smtClean="0"/>
-              <a:t> (the </a:t>
-            </a:r>
-            <a:r>
-              <a:rPr lang="nl-NL" sz="2000" dirty="0" err="1" smtClean="0"/>
-              <a:t>distance</a:t>
-            </a:r>
-            <a:r>
-              <a:rPr lang="nl-NL" sz="2000" dirty="0" smtClean="0"/>
+              <a:rPr lang="nl-NL" sz="2400" dirty="0" err="1"/>
+              <a:t>linear</a:t>
+            </a:r>
+            <a:r>
+              <a:rPr lang="nl-NL" sz="2400" dirty="0"/>
               <a:t> </a:t>
             </a:r>
             <a:r>
-              <a:rPr lang="nl-NL" sz="2000" dirty="0" err="1" smtClean="0"/>
-              <a:t>between</a:t>
-            </a:r>
-            <a:r>
-              <a:rPr lang="nl-NL" sz="2000" dirty="0" smtClean="0"/>
-              <a:t> the points </a:t>
-            </a:r>
-            <a:r>
-              <a:rPr lang="nl-NL" sz="2000" dirty="0" err="1" smtClean="0"/>
+              <a:rPr lang="nl-NL" sz="2400" dirty="0" err="1" smtClean="0"/>
+              <a:t>regression</a:t>
+            </a:r>
+            <a:endParaRPr lang="nl-NL" sz="2400" dirty="0" smtClean="0"/>
+          </a:p>
+          <a:p>
+            <a:endParaRPr lang="nl-NL" sz="2400" dirty="0"/>
+          </a:p>
+          <a:p>
+            <a:r>
+              <a:rPr lang="nl-NL" sz="2400" dirty="0" err="1" smtClean="0"/>
+              <a:t>Overfitting</a:t>
+            </a:r>
+            <a:r>
+              <a:rPr lang="nl-NL" sz="2400" dirty="0" smtClean="0"/>
+              <a:t> </a:t>
+            </a:r>
+            <a:r>
+              <a:rPr lang="nl-NL" sz="2400" dirty="0" err="1" smtClean="0"/>
               <a:t>and</a:t>
             </a:r>
             <a:r>
-              <a:rPr lang="nl-NL" sz="2000" dirty="0" smtClean="0"/>
-              <a:t> the line does </a:t>
-            </a:r>
-            <a:r>
-              <a:rPr lang="nl-NL" sz="2000" dirty="0" err="1" smtClean="0"/>
-              <a:t>not</a:t>
-            </a:r>
-            <a:r>
-              <a:rPr lang="nl-NL" sz="2000" dirty="0" smtClean="0"/>
-              <a:t> change </a:t>
-            </a:r>
-            <a:r>
-              <a:rPr lang="nl-NL" sz="2000" dirty="0" err="1" smtClean="0"/>
-              <a:t>very</a:t>
-            </a:r>
-            <a:r>
-              <a:rPr lang="nl-NL" sz="2000" dirty="0" smtClean="0"/>
+              <a:rPr lang="nl-NL" sz="2400" dirty="0" smtClean="0"/>
+              <a:t> model </a:t>
+            </a:r>
+            <a:r>
+              <a:rPr lang="nl-NL" sz="2400" dirty="0" err="1" smtClean="0"/>
+              <a:t>validation</a:t>
+            </a:r>
+            <a:endParaRPr lang="nl-NL" sz="2400" dirty="0" smtClean="0"/>
+          </a:p>
+          <a:p>
+            <a:endParaRPr lang="nl-NL" sz="2400" dirty="0"/>
+          </a:p>
+          <a:p>
+            <a:r>
+              <a:rPr lang="nl-NL" sz="2400" dirty="0" smtClean="0"/>
+              <a:t>Multiple </a:t>
+            </a:r>
+            <a:r>
+              <a:rPr lang="nl-NL" sz="2400" dirty="0" err="1" smtClean="0"/>
+              <a:t>linear</a:t>
+            </a:r>
+            <a:r>
+              <a:rPr lang="nl-NL" sz="2400" dirty="0" smtClean="0"/>
               <a:t> </a:t>
             </a:r>
             <a:r>
-              <a:rPr lang="nl-NL" sz="2000" dirty="0" err="1" smtClean="0"/>
-              <a:t>much</a:t>
-            </a:r>
-            <a:r>
-              <a:rPr lang="nl-NL" sz="2000" dirty="0" smtClean="0"/>
-              <a:t>)</a:t>
-            </a:r>
-          </a:p>
-          <a:p>
-            <a:pPr marL="514350" indent="-514350">
-              <a:buFont typeface="+mj-lt"/>
-              <a:buAutoNum type="arabicPeriod"/>
-            </a:pPr>
-            <a:endParaRPr lang="nl-NL" sz="2000" dirty="0"/>
-          </a:p>
-          <a:p>
-            <a:pPr marL="514350" indent="-514350">
-              <a:buFont typeface="+mj-lt"/>
-              <a:buAutoNum type="arabicPeriod"/>
-            </a:pPr>
-            <a:r>
-              <a:rPr lang="nl-NL" sz="2000" dirty="0" err="1" smtClean="0">
-                <a:solidFill>
-                  <a:srgbClr val="949494"/>
-                </a:solidFill>
-              </a:rPr>
-              <a:t>Residuals</a:t>
-            </a:r>
-            <a:r>
-              <a:rPr lang="nl-NL" sz="2000" dirty="0" smtClean="0">
-                <a:solidFill>
-                  <a:srgbClr val="949494"/>
-                </a:solidFill>
-              </a:rPr>
-              <a:t> are </a:t>
-            </a:r>
-            <a:r>
-              <a:rPr lang="nl-NL" sz="2000" dirty="0" err="1" smtClean="0">
-                <a:solidFill>
-                  <a:srgbClr val="949494"/>
-                </a:solidFill>
-              </a:rPr>
-              <a:t>normally</a:t>
-            </a:r>
-            <a:r>
-              <a:rPr lang="nl-NL" sz="2000" dirty="0" smtClean="0">
-                <a:solidFill>
-                  <a:srgbClr val="949494"/>
-                </a:solidFill>
-              </a:rPr>
+              <a:rPr lang="nl-NL" sz="2400" dirty="0" err="1" smtClean="0"/>
+              <a:t>regression</a:t>
+            </a:r>
+            <a:endParaRPr lang="nl-NL" sz="2400" dirty="0" smtClean="0"/>
+          </a:p>
+          <a:p>
+            <a:endParaRPr lang="nl-NL" dirty="0"/>
+          </a:p>
+          <a:p>
+            <a:endParaRPr lang="nl-NL" dirty="0"/>
+          </a:p>
+        </p:txBody>
+      </p:sp>
+    </p:spTree>
+    <p:extLst>
+      <p:ext uri="{BB962C8B-B14F-4D97-AF65-F5344CB8AC3E}">
+        <p14:creationId xmlns:p14="http://schemas.microsoft.com/office/powerpoint/2010/main" val="865748801"/>
+      </p:ext>
+    </p:extLst>
+  </p:cSld>
+  <p:clrMapOvr>
+    <a:masterClrMapping/>
+  </p:clrMapOvr>
+</p:sld>
+</file>
+
+<file path=ppt/slides/slide6.xml><?xml version="1.0" encoding="utf-8"?>
+<p:sld xmlns:a="http://schemas.openxmlformats.org/drawingml/2006/main" xmlns:r="http://schemas.openxmlformats.org/officeDocument/2006/relationships" xmlns:p="http://schemas.openxmlformats.org/presentationml/2006/main">
+  <p:cSld>
+    <p:spTree>
+      <p:nvGrpSpPr>
+        <p:cNvPr id="1" name=""/>
+        <p:cNvGrpSpPr/>
+        <p:nvPr/>
+      </p:nvGrpSpPr>
+      <p:grpSpPr>
+        <a:xfrm>
+          <a:off x="0" y="0"/>
+          <a:ext cx="0" cy="0"/>
+          <a:chOff x="0" y="0"/>
+          <a:chExt cx="0" cy="0"/>
+        </a:xfrm>
+      </p:grpSpPr>
+      <p:sp>
+        <p:nvSpPr>
+          <p:cNvPr id="2" name="Titel 1"/>
+          <p:cNvSpPr>
+            <a:spLocks noGrp="1"/>
+          </p:cNvSpPr>
+          <p:nvPr>
+            <p:ph type="title"/>
+          </p:nvPr>
+        </p:nvSpPr>
+        <p:spPr/>
+        <p:txBody>
+          <a:bodyPr/>
+          <a:lstStyle/>
+          <a:p>
+            <a:r>
+              <a:rPr lang="nl-NL" dirty="0" err="1" smtClean="0"/>
+              <a:t>Recap</a:t>
+            </a:r>
+            <a:endParaRPr lang="en-US" dirty="0"/>
+          </a:p>
+        </p:txBody>
+      </p:sp>
+      <p:sp>
+        <p:nvSpPr>
+          <p:cNvPr id="5" name="Text Box 8"/>
+          <p:cNvSpPr txBox="1">
+            <a:spLocks noChangeArrowheads="1"/>
+          </p:cNvSpPr>
+          <p:nvPr/>
+        </p:nvSpPr>
+        <p:spPr bwMode="auto">
+          <a:xfrm>
+            <a:off x="683568" y="3756357"/>
+            <a:ext cx="7416824" cy="3416320"/>
+          </a:xfrm>
+          <a:prstGeom prst="rect">
+            <a:avLst/>
+          </a:prstGeom>
+          <a:noFill/>
+          <a:ln w="12700">
+            <a:noFill/>
+            <a:miter lim="800000"/>
+            <a:headEnd type="none" w="sm" len="sm"/>
+            <a:tailEnd type="none" w="sm" len="sm"/>
+          </a:ln>
+        </p:spPr>
+        <p:txBody>
+          <a:bodyPr wrap="square">
+            <a:spAutoFit/>
+          </a:bodyPr>
+          <a:lstStyle/>
+          <a:p>
+            <a:r>
+              <a:rPr lang="nl-NL" sz="1800" dirty="0"/>
+              <a:t>Y = </a:t>
+            </a:r>
+            <a:r>
+              <a:rPr lang="nl-NL" sz="1800" dirty="0" err="1"/>
+              <a:t>dependent</a:t>
+            </a:r>
+            <a:r>
+              <a:rPr lang="nl-NL" sz="1800" dirty="0"/>
               <a:t> </a:t>
             </a:r>
             <a:r>
-              <a:rPr lang="nl-NL" sz="2000" dirty="0" err="1" smtClean="0">
-                <a:solidFill>
-                  <a:srgbClr val="949494"/>
-                </a:solidFill>
-              </a:rPr>
-              <a:t>distributed</a:t>
-            </a:r>
-            <a:r>
-              <a:rPr lang="nl-NL" sz="2000" dirty="0" smtClean="0">
-                <a:solidFill>
-                  <a:srgbClr val="949494"/>
-                </a:solidFill>
-              </a:rPr>
-              <a:t> (</a:t>
-            </a:r>
-            <a:r>
-              <a:rPr lang="nl-NL" sz="2000" dirty="0" err="1" smtClean="0">
-                <a:solidFill>
-                  <a:srgbClr val="949494"/>
-                </a:solidFill>
-              </a:rPr>
-              <a:t>ignore</a:t>
-            </a:r>
-            <a:r>
-              <a:rPr lang="nl-NL" sz="2000" dirty="0" smtClean="0">
-                <a:solidFill>
-                  <a:srgbClr val="949494"/>
-                </a:solidFill>
-              </a:rPr>
-              <a:t> this </a:t>
-            </a:r>
-            <a:r>
-              <a:rPr lang="nl-NL" sz="2000" dirty="0" err="1" smtClean="0">
-                <a:solidFill>
-                  <a:srgbClr val="949494"/>
-                </a:solidFill>
-              </a:rPr>
-              <a:t>one</a:t>
-            </a:r>
-            <a:r>
-              <a:rPr lang="nl-NL" sz="2000" dirty="0" smtClean="0">
-                <a:solidFill>
-                  <a:srgbClr val="949494"/>
-                </a:solidFill>
-              </a:rPr>
+              <a:rPr lang="nl-NL" sz="1800" dirty="0" err="1" smtClean="0"/>
+              <a:t>variable</a:t>
+            </a:r>
+            <a:r>
+              <a:rPr lang="nl-NL" sz="1800" dirty="0" smtClean="0"/>
+              <a:t>: views</a:t>
+            </a:r>
+            <a:endParaRPr lang="nl-NL" sz="1800" dirty="0"/>
+          </a:p>
+          <a:p>
+            <a:r>
+              <a:rPr lang="nl-NL" sz="1800" dirty="0" smtClean="0"/>
+              <a:t>X = independent </a:t>
+            </a:r>
+            <a:r>
+              <a:rPr lang="nl-NL" sz="1800" dirty="0" err="1" smtClean="0"/>
+              <a:t>variable</a:t>
+            </a:r>
+            <a:r>
+              <a:rPr lang="nl-NL" sz="1800" dirty="0" smtClean="0"/>
+              <a:t>: </a:t>
+            </a:r>
+            <a:r>
+              <a:rPr lang="nl-NL" sz="1800" dirty="0" err="1" smtClean="0"/>
+              <a:t>subscribers</a:t>
+            </a:r>
+            <a:endParaRPr lang="nl-NL" sz="1800" dirty="0" smtClean="0"/>
+          </a:p>
+          <a:p>
+            <a:endParaRPr lang="nl-NL" sz="1800" dirty="0" smtClean="0"/>
+          </a:p>
+          <a:p>
+            <a:r>
+              <a:rPr lang="nl-NL" sz="1800" i="1" dirty="0" err="1" smtClean="0"/>
+              <a:t>Coefficients</a:t>
+            </a:r>
+            <a:r>
+              <a:rPr lang="nl-NL" sz="1800" i="1" dirty="0"/>
               <a:t> </a:t>
             </a:r>
             <a:r>
-              <a:rPr lang="nl-NL" sz="2000" dirty="0" err="1" smtClean="0">
-                <a:solidFill>
-                  <a:srgbClr val="949494"/>
-                </a:solidFill>
-              </a:rPr>
-              <a:t>for</a:t>
-            </a:r>
-            <a:r>
-              <a:rPr lang="nl-NL" sz="2000" dirty="0" smtClean="0">
-                <a:solidFill>
-                  <a:srgbClr val="949494"/>
-                </a:solidFill>
-              </a:rPr>
+              <a:rPr lang="nl-NL" sz="1800" i="1" dirty="0" smtClean="0"/>
+              <a:t>(constant):</a:t>
+            </a:r>
+            <a:endParaRPr lang="nl-NL" sz="1800" i="1" dirty="0"/>
+          </a:p>
+          <a:p>
+            <a:r>
+              <a:rPr lang="nl-NL" sz="1800" dirty="0" smtClean="0"/>
+              <a:t>b</a:t>
+            </a:r>
+            <a:r>
+              <a:rPr lang="nl-NL" sz="1800" baseline="-25000" dirty="0" smtClean="0"/>
+              <a:t>0</a:t>
+            </a:r>
+            <a:r>
+              <a:rPr lang="nl-NL" sz="1800" dirty="0" smtClean="0"/>
+              <a:t> = </a:t>
+            </a:r>
+            <a:r>
+              <a:rPr lang="nl-NL" sz="1800" dirty="0" err="1" smtClean="0"/>
+              <a:t>intercept</a:t>
+            </a:r>
+            <a:r>
+              <a:rPr lang="nl-NL" sz="1800" dirty="0" smtClean="0"/>
+              <a:t>: </a:t>
+            </a:r>
+            <a:r>
+              <a:rPr lang="nl-NL" sz="1800" dirty="0" err="1" smtClean="0"/>
+              <a:t>how</a:t>
+            </a:r>
+            <a:r>
+              <a:rPr lang="nl-NL" sz="1800" dirty="0" smtClean="0"/>
               <a:t> </a:t>
             </a:r>
             <a:r>
-              <a:rPr lang="nl-NL" sz="2000" dirty="0" err="1" smtClean="0">
-                <a:solidFill>
-                  <a:srgbClr val="949494"/>
-                </a:solidFill>
-              </a:rPr>
-              <a:t>now</a:t>
-            </a:r>
-            <a:r>
-              <a:rPr lang="nl-NL" sz="2000" dirty="0" smtClean="0">
-                <a:solidFill>
-                  <a:srgbClr val="949494"/>
-                </a:solidFill>
-              </a:rPr>
-              <a:t>)</a:t>
-            </a:r>
-          </a:p>
-          <a:p>
-            <a:pPr marL="514350" indent="-514350">
-              <a:buFont typeface="+mj-lt"/>
-              <a:buAutoNum type="arabicPeriod"/>
-            </a:pPr>
-            <a:endParaRPr lang="nl-NL" dirty="0" smtClean="0"/>
-          </a:p>
-          <a:p>
-            <a:pPr marL="514350" indent="-514350">
-              <a:buFont typeface="+mj-lt"/>
-              <a:buAutoNum type="arabicPeriod"/>
-            </a:pPr>
-            <a:endParaRPr lang="nl-NL" dirty="0"/>
-          </a:p>
-        </p:txBody>
-      </p:sp>
+              <a:rPr lang="nl-NL" sz="1800" dirty="0" err="1" smtClean="0"/>
+              <a:t>many</a:t>
+            </a:r>
+            <a:r>
+              <a:rPr lang="nl-NL" sz="1800" dirty="0" smtClean="0"/>
+              <a:t> views </a:t>
+            </a:r>
+            <a:r>
+              <a:rPr lang="nl-NL" sz="1800" dirty="0" err="1" smtClean="0"/>
+              <a:t>with</a:t>
+            </a:r>
+            <a:r>
+              <a:rPr lang="nl-NL" sz="1800" dirty="0" smtClean="0"/>
+              <a:t> no </a:t>
+            </a:r>
+            <a:r>
+              <a:rPr lang="nl-NL" sz="1800" dirty="0" err="1" smtClean="0"/>
+              <a:t>subscribers</a:t>
+            </a:r>
+            <a:r>
+              <a:rPr lang="nl-NL" sz="1800" dirty="0" smtClean="0"/>
+              <a:t> = 46</a:t>
+            </a:r>
+          </a:p>
+          <a:p>
+            <a:r>
+              <a:rPr lang="nl-NL" sz="1800" dirty="0" smtClean="0"/>
+              <a:t>b</a:t>
+            </a:r>
+            <a:r>
+              <a:rPr lang="nl-NL" sz="1800" baseline="-25000" dirty="0" smtClean="0"/>
+              <a:t>1 </a:t>
+            </a:r>
+            <a:r>
+              <a:rPr lang="nl-NL" sz="1800" dirty="0" smtClean="0"/>
+              <a:t>= </a:t>
+            </a:r>
+            <a:r>
+              <a:rPr lang="nl-NL" sz="1800" dirty="0" err="1" smtClean="0"/>
+              <a:t>slope</a:t>
+            </a:r>
+            <a:r>
+              <a:rPr lang="nl-NL" sz="1800" dirty="0" smtClean="0"/>
+              <a:t>: views per </a:t>
+            </a:r>
+            <a:r>
+              <a:rPr lang="nl-NL" sz="1800" dirty="0" err="1" smtClean="0"/>
+              <a:t>subscriber</a:t>
+            </a:r>
+            <a:r>
+              <a:rPr lang="nl-NL" sz="1800" dirty="0" smtClean="0"/>
+              <a:t> = 416.7</a:t>
+            </a:r>
+          </a:p>
+          <a:p>
+            <a:endParaRPr lang="nl-NL" sz="1800" dirty="0" smtClean="0"/>
+          </a:p>
+          <a:p>
+            <a:r>
+              <a:rPr lang="nl-NL" sz="1800" dirty="0" smtClean="0"/>
+              <a:t>e = error / </a:t>
+            </a:r>
+            <a:r>
+              <a:rPr lang="nl-NL" sz="1800" dirty="0" err="1" smtClean="0"/>
+              <a:t>residual</a:t>
+            </a:r>
+            <a:r>
+              <a:rPr lang="nl-NL" sz="1800" dirty="0" smtClean="0"/>
+              <a:t>: </a:t>
+            </a:r>
+            <a:r>
+              <a:rPr lang="nl-NL" sz="1800" dirty="0" err="1" smtClean="0"/>
+              <a:t>what’s</a:t>
+            </a:r>
+            <a:r>
+              <a:rPr lang="nl-NL" sz="1800" dirty="0" smtClean="0"/>
+              <a:t> </a:t>
+            </a:r>
+            <a:r>
+              <a:rPr lang="nl-NL" sz="1800" dirty="0" err="1" smtClean="0"/>
+              <a:t>left</a:t>
+            </a:r>
+            <a:r>
+              <a:rPr lang="nl-NL" sz="1800" dirty="0" smtClean="0"/>
+              <a:t> over, </a:t>
+            </a:r>
+            <a:r>
+              <a:rPr lang="nl-NL" sz="1800" dirty="0" err="1" smtClean="0"/>
+              <a:t>what</a:t>
+            </a:r>
+            <a:r>
+              <a:rPr lang="nl-NL" sz="1800" dirty="0" smtClean="0"/>
+              <a:t> we </a:t>
+            </a:r>
+            <a:r>
+              <a:rPr lang="nl-NL" sz="1800" dirty="0" err="1" smtClean="0"/>
+              <a:t>can’t</a:t>
+            </a:r>
+            <a:r>
+              <a:rPr lang="nl-NL" sz="1800" dirty="0" smtClean="0"/>
+              <a:t> </a:t>
+            </a:r>
+            <a:r>
+              <a:rPr lang="nl-NL" sz="1800" dirty="0" err="1" smtClean="0"/>
+              <a:t>explain</a:t>
+            </a:r>
+            <a:endParaRPr lang="nl-NL" sz="1800" dirty="0"/>
+          </a:p>
+          <a:p>
+            <a:endParaRPr lang="nl-NL" sz="1800" dirty="0" smtClean="0"/>
+          </a:p>
+          <a:p>
+            <a:r>
+              <a:rPr lang="nl-NL" sz="1800" dirty="0" smtClean="0"/>
+              <a:t>The </a:t>
+            </a:r>
+            <a:r>
+              <a:rPr lang="nl-NL" sz="1800" dirty="0" err="1" smtClean="0"/>
+              <a:t>algorithm</a:t>
+            </a:r>
+            <a:r>
+              <a:rPr lang="nl-NL" sz="1800" dirty="0" smtClean="0"/>
+              <a:t> </a:t>
+            </a:r>
+            <a:r>
+              <a:rPr lang="nl-NL" sz="1800" dirty="0" err="1" smtClean="0"/>
+              <a:t>that</a:t>
+            </a:r>
+            <a:r>
+              <a:rPr lang="nl-NL" sz="1800" dirty="0" smtClean="0"/>
+              <a:t> </a:t>
+            </a:r>
+            <a:r>
+              <a:rPr lang="nl-NL" sz="1800" dirty="0" err="1" smtClean="0"/>
+              <a:t>finds</a:t>
+            </a:r>
+            <a:r>
+              <a:rPr lang="nl-NL" sz="1800" dirty="0" smtClean="0"/>
+              <a:t> the line </a:t>
+            </a:r>
+            <a:r>
+              <a:rPr lang="nl-NL" sz="1800" b="1" dirty="0" err="1" smtClean="0"/>
+              <a:t>minimizes</a:t>
+            </a:r>
+            <a:r>
+              <a:rPr lang="nl-NL" sz="1800" b="1" dirty="0" smtClean="0"/>
+              <a:t> the </a:t>
+            </a:r>
+            <a:r>
+              <a:rPr lang="nl-NL" sz="1800" b="1" i="1" dirty="0" err="1" smtClean="0"/>
+              <a:t>squared</a:t>
+            </a:r>
+            <a:r>
+              <a:rPr lang="nl-NL" sz="1800" b="1" dirty="0" smtClean="0"/>
+              <a:t> </a:t>
+            </a:r>
+            <a:r>
+              <a:rPr lang="nl-NL" sz="1800" b="1" dirty="0" err="1" smtClean="0"/>
+              <a:t>errors</a:t>
+            </a:r>
+            <a:endParaRPr lang="nl-NL" sz="1800" dirty="0" smtClean="0"/>
+          </a:p>
+          <a:p>
+            <a:endParaRPr lang="nl-NL" sz="1800" dirty="0" smtClean="0"/>
+          </a:p>
+          <a:p>
+            <a:endParaRPr lang="nl-NL" sz="1800" dirty="0"/>
+          </a:p>
+        </p:txBody>
+      </p:sp>
+      <mc:AlternateContent xmlns:mc="http://schemas.openxmlformats.org/markup-compatibility/2006" xmlns:a14="http://schemas.microsoft.com/office/drawing/2010/main">
+        <mc:Choice Requires="a14">
+          <p:sp>
+            <p:nvSpPr>
+              <p:cNvPr id="3" name="Tekstvak 2"/>
+              <p:cNvSpPr txBox="1"/>
+              <p:nvPr/>
+            </p:nvSpPr>
+            <p:spPr>
+              <a:xfrm>
+                <a:off x="323528" y="2276872"/>
+                <a:ext cx="4392488" cy="584775"/>
+              </a:xfrm>
+              <a:prstGeom prst="rect">
+                <a:avLst/>
+              </a:prstGeom>
+              <a:noFill/>
+            </p:spPr>
+            <p:txBody>
+              <a:bodyPr wrap="square" rtlCol="0">
+                <a:spAutoFit/>
+              </a:bodyPr>
+              <a:lstStyle/>
+              <a:p>
+                <a:pPr/>
+                <a14:m>
+                  <m:oMathPara xmlns:m="http://schemas.openxmlformats.org/officeDocument/2006/math">
+                    <m:oMathParaPr>
+                      <m:jc m:val="centerGroup"/>
+                    </m:oMathParaPr>
+                    <m:oMath xmlns:m="http://schemas.openxmlformats.org/officeDocument/2006/math">
+                      <m:r>
+                        <a:rPr lang="nl-NL" sz="3200" b="0" i="1" smtClean="0">
+                          <a:latin typeface="Cambria Math" panose="02040503050406030204" pitchFamily="18" charset="0"/>
+                        </a:rPr>
+                        <m:t>𝑌</m:t>
+                      </m:r>
+                      <m:r>
+                        <a:rPr lang="nl-NL" sz="3200" b="0" i="1" smtClean="0">
+                          <a:latin typeface="Cambria Math" panose="02040503050406030204" pitchFamily="18" charset="0"/>
+                        </a:rPr>
+                        <m:t>=</m:t>
+                      </m:r>
+                      <m:sSub>
+                        <m:sSubPr>
+                          <m:ctrlPr>
+                            <a:rPr lang="nl-NL" sz="3200" b="0" i="1" smtClean="0">
+                              <a:latin typeface="Cambria Math" panose="02040503050406030204" pitchFamily="18" charset="0"/>
+                            </a:rPr>
+                          </m:ctrlPr>
+                        </m:sSubPr>
+                        <m:e>
+                          <m:r>
+                            <m:rPr>
+                              <m:sty m:val="p"/>
+                            </m:rPr>
+                            <a:rPr lang="nl-NL" sz="3200" b="0" i="0" smtClean="0">
+                              <a:latin typeface="Cambria Math" panose="02040503050406030204" pitchFamily="18" charset="0"/>
+                            </a:rPr>
+                            <m:t>b</m:t>
+                          </m:r>
+                        </m:e>
+                        <m:sub>
+                          <m:r>
+                            <a:rPr lang="nl-NL" sz="3200" b="0" i="1" smtClean="0">
+                              <a:latin typeface="Cambria Math" panose="02040503050406030204" pitchFamily="18" charset="0"/>
+                            </a:rPr>
+                            <m:t>0</m:t>
+                          </m:r>
+                        </m:sub>
+                      </m:sSub>
+                      <m:sSub>
+                        <m:sSubPr>
+                          <m:ctrlPr>
+                            <a:rPr lang="nl-NL" sz="3200" i="1">
+                              <a:latin typeface="Cambria Math" panose="02040503050406030204" pitchFamily="18" charset="0"/>
+                              <a:ea typeface="Cambria Math" panose="02040503050406030204" pitchFamily="18" charset="0"/>
+                            </a:rPr>
+                          </m:ctrlPr>
+                        </m:sSubPr>
+                        <m:e>
+                          <m:r>
+                            <a:rPr lang="nl-NL" sz="3200" b="0" i="1" smtClean="0">
+                              <a:latin typeface="Cambria Math" panose="02040503050406030204" pitchFamily="18" charset="0"/>
+                              <a:ea typeface="Cambria Math" panose="02040503050406030204" pitchFamily="18" charset="0"/>
+                            </a:rPr>
+                            <m:t>+ </m:t>
+                          </m:r>
+                          <m:r>
+                            <m:rPr>
+                              <m:sty m:val="p"/>
+                            </m:rPr>
+                            <a:rPr lang="nl-NL" sz="3200" b="0" i="0" smtClean="0">
+                              <a:latin typeface="Cambria Math" panose="02040503050406030204" pitchFamily="18" charset="0"/>
+                              <a:ea typeface="Cambria Math" panose="02040503050406030204" pitchFamily="18" charset="0"/>
+                            </a:rPr>
+                            <m:t>b</m:t>
+                          </m:r>
+                        </m:e>
+                        <m:sub>
+                          <m:r>
+                            <a:rPr lang="nl-NL" sz="3200" b="0" i="1" smtClean="0">
+                              <a:latin typeface="Cambria Math" panose="02040503050406030204" pitchFamily="18" charset="0"/>
+                              <a:ea typeface="Cambria Math" panose="02040503050406030204" pitchFamily="18" charset="0"/>
+                            </a:rPr>
+                            <m:t>1</m:t>
+                          </m:r>
+                        </m:sub>
+                      </m:sSub>
+                      <m:r>
+                        <a:rPr lang="nl-NL" sz="3200" b="0" i="1" smtClean="0">
+                          <a:latin typeface="Cambria Math" panose="02040503050406030204" pitchFamily="18" charset="0"/>
+                          <a:ea typeface="Cambria Math" panose="02040503050406030204" pitchFamily="18" charset="0"/>
+                        </a:rPr>
+                        <m:t>𝑋</m:t>
+                      </m:r>
+                      <m:r>
+                        <a:rPr lang="nl-NL" sz="3200" b="0" i="0" smtClean="0">
+                          <a:latin typeface="Cambria Math" panose="02040503050406030204" pitchFamily="18" charset="0"/>
+                          <a:ea typeface="Cambria Math" panose="02040503050406030204" pitchFamily="18" charset="0"/>
+                        </a:rPr>
+                        <m:t>+</m:t>
+                      </m:r>
+                      <m:r>
+                        <a:rPr lang="nl-NL" sz="3200" b="0" i="1" smtClean="0">
+                          <a:latin typeface="Cambria Math" panose="02040503050406030204" pitchFamily="18" charset="0"/>
+                          <a:ea typeface="Cambria Math" panose="02040503050406030204" pitchFamily="18" charset="0"/>
+                        </a:rPr>
+                        <m:t>𝑒</m:t>
+                      </m:r>
+                    </m:oMath>
+                  </m:oMathPara>
+                </a14:m>
+                <a:endParaRPr lang="nl-NL" sz="3200" dirty="0"/>
+              </a:p>
+            </p:txBody>
+          </p:sp>
+        </mc:Choice>
+        <mc:Fallback xmlns="">
+          <p:sp>
+            <p:nvSpPr>
+              <p:cNvPr id="3" name="Tekstvak 2"/>
+              <p:cNvSpPr txBox="1">
+                <a:spLocks noRot="1" noChangeAspect="1" noMove="1" noResize="1" noEditPoints="1" noAdjustHandles="1" noChangeArrowheads="1" noChangeShapeType="1" noTextEdit="1"/>
+              </p:cNvSpPr>
+              <p:nvPr/>
+            </p:nvSpPr>
+            <p:spPr>
+              <a:xfrm>
+                <a:off x="323528" y="2276872"/>
+                <a:ext cx="4392488" cy="584775"/>
+              </a:xfrm>
+              <a:prstGeom prst="rect">
+                <a:avLst/>
+              </a:prstGeom>
+              <a:blipFill>
+                <a:blip r:embed="rId2"/>
+                <a:stretch>
+                  <a:fillRect/>
+                </a:stretch>
+              </a:blipFill>
+            </p:spPr>
+            <p:txBody>
+              <a:bodyPr/>
+              <a:lstStyle/>
+              <a:p>
+                <a:r>
+                  <a:rPr lang="nl-NL">
+                    <a:noFill/>
+                  </a:rPr>
+                  <a:t> </a:t>
+                </a:r>
+              </a:p>
+            </p:txBody>
+          </p:sp>
+        </mc:Fallback>
+      </mc:AlternateContent>
       <p:pic>
         <p:nvPicPr>
-          <p:cNvPr id="5" name="Afbeelding 4"/>
+          <p:cNvPr id="13" name="Afbeelding 12"/>
           <p:cNvPicPr>
             <a:picLocks noChangeAspect="1"/>
           </p:cNvPicPr>
           <p:nvPr/>
         </p:nvPicPr>
         <p:blipFill>
-          <a:blip r:embed="rId2"/>
+          <a:blip r:embed="rId3"/>
           <a:stretch>
             <a:fillRect/>
           </a:stretch>
         </p:blipFill>
         <p:spPr>
           <a:xfrm>
-            <a:off x="251520" y="1988840"/>
-            <a:ext cx="2748359" cy="2842053"/>
+            <a:off x="5355277" y="1330287"/>
+            <a:ext cx="3350209" cy="3464421"/>
           </a:xfrm>
           <a:prstGeom prst="rect">
             <a:avLst/>
           </a:prstGeom>
         </p:spPr>
       </p:pic>
+      <p:cxnSp>
+        <p:nvCxnSpPr>
+          <p:cNvPr id="8" name="Rechte verbindingslijn 7"/>
+          <p:cNvCxnSpPr/>
+          <p:nvPr/>
+        </p:nvCxnSpPr>
+        <p:spPr bwMode="auto">
+          <a:xfrm>
+            <a:off x="8460432" y="2708920"/>
+            <a:ext cx="0" cy="537550"/>
+          </a:xfrm>
+          <a:prstGeom prst="line">
+            <a:avLst/>
+          </a:prstGeom>
+          <a:ln>
+            <a:headEnd type="none" w="med" len="med"/>
+            <a:tailEnd type="none" w="med" len="med"/>
+          </a:ln>
+        </p:spPr>
+        <p:style>
+          <a:lnRef idx="1">
+            <a:schemeClr val="accent6"/>
+          </a:lnRef>
+          <a:fillRef idx="0">
+            <a:schemeClr val="accent6"/>
+          </a:fillRef>
+          <a:effectRef idx="0">
+            <a:schemeClr val="accent6"/>
+          </a:effectRef>
+          <a:fontRef idx="minor">
+            <a:schemeClr val="tx1"/>
+          </a:fontRef>
+        </p:style>
+      </p:cxnSp>
+      <p:cxnSp>
+        <p:nvCxnSpPr>
+          <p:cNvPr id="7" name="Rechte verbindingslijn 6"/>
+          <p:cNvCxnSpPr/>
+          <p:nvPr/>
+        </p:nvCxnSpPr>
+        <p:spPr bwMode="auto">
+          <a:xfrm>
+            <a:off x="8299240" y="1736812"/>
+            <a:ext cx="0" cy="1080120"/>
+          </a:xfrm>
+          <a:prstGeom prst="line">
+            <a:avLst/>
+          </a:prstGeom>
+          <a:ln>
+            <a:headEnd type="none" w="med" len="med"/>
+            <a:tailEnd type="none" w="med" len="med"/>
+          </a:ln>
+        </p:spPr>
+        <p:style>
+          <a:lnRef idx="1">
+            <a:schemeClr val="accent6"/>
+          </a:lnRef>
+          <a:fillRef idx="0">
+            <a:schemeClr val="accent6"/>
+          </a:fillRef>
+          <a:effectRef idx="0">
+            <a:schemeClr val="accent6"/>
+          </a:effectRef>
+          <a:fontRef idx="minor">
+            <a:schemeClr val="tx1"/>
+          </a:fontRef>
+        </p:style>
+      </p:cxnSp>
+      <p:sp>
+        <p:nvSpPr>
+          <p:cNvPr id="12" name="Tekstvak 11"/>
+          <p:cNvSpPr txBox="1"/>
+          <p:nvPr/>
+        </p:nvSpPr>
+        <p:spPr>
+          <a:xfrm>
+            <a:off x="7705167" y="3384867"/>
+            <a:ext cx="1176925" cy="307777"/>
+          </a:xfrm>
+          <a:prstGeom prst="rect">
+            <a:avLst/>
+          </a:prstGeom>
+          <a:noFill/>
+        </p:spPr>
+        <p:txBody>
+          <a:bodyPr wrap="none" rtlCol="0">
+            <a:spAutoFit/>
+          </a:bodyPr>
+          <a:lstStyle/>
+          <a:p>
+            <a:r>
+              <a:rPr lang="nl-NL" dirty="0" smtClean="0"/>
+              <a:t>e ≈ 10,000M</a:t>
+            </a:r>
+            <a:endParaRPr lang="nl-NL" dirty="0"/>
+          </a:p>
+        </p:txBody>
+      </p:sp>
+      <p:sp>
+        <p:nvSpPr>
+          <p:cNvPr id="11" name="Tekstvak 10"/>
+          <p:cNvSpPr txBox="1"/>
+          <p:nvPr/>
+        </p:nvSpPr>
+        <p:spPr>
+          <a:xfrm>
+            <a:off x="7054255" y="2049800"/>
+            <a:ext cx="1236236" cy="307777"/>
+          </a:xfrm>
+          <a:prstGeom prst="rect">
+            <a:avLst/>
+          </a:prstGeom>
+          <a:noFill/>
+        </p:spPr>
+        <p:txBody>
+          <a:bodyPr wrap="none" rtlCol="0">
+            <a:spAutoFit/>
+          </a:bodyPr>
+          <a:lstStyle/>
+          <a:p>
+            <a:r>
+              <a:rPr lang="nl-NL" dirty="0" smtClean="0"/>
+              <a:t>e ≈ -27,000M</a:t>
+            </a:r>
+            <a:endParaRPr lang="nl-NL" dirty="0"/>
+          </a:p>
+        </p:txBody>
+      </p:sp>
+    </p:spTree>
+    <p:extLst>
+      <p:ext uri="{BB962C8B-B14F-4D97-AF65-F5344CB8AC3E}">
+        <p14:creationId xmlns:p14="http://schemas.microsoft.com/office/powerpoint/2010/main" val="248956452"/>
+      </p:ext>
+    </p:extLst>
+  </p:cSld>
+  <p:clrMapOvr>
+    <a:masterClrMapping/>
+  </p:clrMapOvr>
+  <p:transition spd="slow"/>
+  <p:timing>
+    <p:tnLst>
+      <p:par>
+        <p:cTn id="1" dur="indefinite" restart="never" nodeType="tmRoot">
+          <p:childTnLst>
+            <p:seq concurrent="1" nextAc="seek">
+              <p:cTn id="2" dur="indefinite" nodeType="mainSeq">
+                <p:childTnLst>
+                  <p:par>
+                    <p:cTn id="3" fill="hold">
+                      <p:stCondLst>
+                        <p:cond delay="indefinite"/>
+                      </p:stCondLst>
+                      <p:childTnLst>
+                        <p:par>
+                          <p:cTn id="4" fill="hold">
+                            <p:stCondLst>
+                              <p:cond delay="0"/>
+                            </p:stCondLst>
+                            <p:childTnLst>
+                              <p:par>
+                                <p:cTn id="5" presetID="1" presetClass="entr" presetSubtype="0" fill="hold" grpId="0" nodeType="clickEffect">
+                                  <p:stCondLst>
+                                    <p:cond delay="0"/>
+                                  </p:stCondLst>
+                                  <p:childTnLst>
+                                    <p:set>
+                                      <p:cBhvr>
+                                        <p:cTn id="6" dur="1" fill="hold">
+                                          <p:stCondLst>
+                                            <p:cond delay="0"/>
+                                          </p:stCondLst>
+                                        </p:cTn>
+                                        <p:tgtEl>
+                                          <p:spTgt spid="12"/>
+                                        </p:tgtEl>
+                                        <p:attrNameLst>
+                                          <p:attrName>style.visibility</p:attrName>
+                                        </p:attrNameLst>
+                                      </p:cBhvr>
+                                      <p:to>
+                                        <p:strVal val="visible"/>
+                                      </p:to>
+                                    </p:set>
+                                  </p:childTnLst>
+                                </p:cTn>
+                              </p:par>
+                              <p:par>
+                                <p:cTn id="7" presetID="1" presetClass="entr" presetSubtype="0" fill="hold" nodeType="withEffect">
+                                  <p:stCondLst>
+                                    <p:cond delay="0"/>
+                                  </p:stCondLst>
+                                  <p:childTnLst>
+                                    <p:set>
+                                      <p:cBhvr>
+                                        <p:cTn id="8" dur="1" fill="hold">
+                                          <p:stCondLst>
+                                            <p:cond delay="0"/>
+                                          </p:stCondLst>
+                                        </p:cTn>
+                                        <p:tgtEl>
+                                          <p:spTgt spid="8"/>
+                                        </p:tgtEl>
+                                        <p:attrNameLst>
+                                          <p:attrName>style.visibility</p:attrName>
+                                        </p:attrNameLst>
+                                      </p:cBhvr>
+                                      <p:to>
+                                        <p:strVal val="visible"/>
+                                      </p:to>
+                                    </p:set>
+                                  </p:childTnLst>
+                                </p:cTn>
+                              </p:par>
+                            </p:childTnLst>
+                          </p:cTn>
+                        </p:par>
+                      </p:childTnLst>
+                    </p:cTn>
+                  </p:par>
+                  <p:par>
+                    <p:cTn id="9" fill="hold">
+                      <p:stCondLst>
+                        <p:cond delay="indefinite"/>
+                      </p:stCondLst>
+                      <p:childTnLst>
+                        <p:par>
+                          <p:cTn id="10" fill="hold">
+                            <p:stCondLst>
+                              <p:cond delay="0"/>
+                            </p:stCondLst>
+                            <p:childTnLst>
+                              <p:par>
+                                <p:cTn id="11" presetID="1" presetClass="entr" presetSubtype="0" fill="hold" nodeType="clickEffect">
+                                  <p:stCondLst>
+                                    <p:cond delay="0"/>
+                                  </p:stCondLst>
+                                  <p:childTnLst>
+                                    <p:set>
+                                      <p:cBhvr>
+                                        <p:cTn id="12" dur="1" fill="hold">
+                                          <p:stCondLst>
+                                            <p:cond delay="0"/>
+                                          </p:stCondLst>
+                                        </p:cTn>
+                                        <p:tgtEl>
+                                          <p:spTgt spid="7"/>
+                                        </p:tgtEl>
+                                        <p:attrNameLst>
+                                          <p:attrName>style.visibility</p:attrName>
+                                        </p:attrNameLst>
+                                      </p:cBhvr>
+                                      <p:to>
+                                        <p:strVal val="visible"/>
+                                      </p:to>
+                                    </p:set>
+                                  </p:childTnLst>
+                                </p:cTn>
+                              </p:par>
+                              <p:par>
+                                <p:cTn id="13" presetID="1" presetClass="entr" presetSubtype="0" fill="hold" grpId="0" nodeType="withEffect">
+                                  <p:stCondLst>
+                                    <p:cond delay="0"/>
+                                  </p:stCondLst>
+                                  <p:childTnLst>
+                                    <p:set>
+                                      <p:cBhvr>
+                                        <p:cTn id="14" dur="1" fill="hold">
+                                          <p:stCondLst>
+                                            <p:cond delay="0"/>
+                                          </p:stCondLst>
+                                        </p:cTn>
+                                        <p:tgtEl>
+                                          <p:spTgt spid="11"/>
+                                        </p:tgtEl>
+                                        <p:attrNameLst>
+                                          <p:attrName>style.visibility</p:attrName>
+                                        </p:attrNameLst>
+                                      </p:cBhvr>
+                                      <p:to>
+                                        <p:strVal val="visible"/>
+                                      </p:to>
+                                    </p:set>
+                                  </p:childTnLst>
+                                </p:cTn>
+                              </p:par>
+                            </p:childTnLst>
+                          </p:cTn>
+                        </p:par>
+                      </p:childTnLst>
+                    </p:cTn>
+                  </p:par>
+                </p:childTnLst>
+              </p:cTn>
+              <p:prevCondLst>
+                <p:cond evt="onPrev" delay="0">
+                  <p:tgtEl>
+                    <p:sldTgt/>
+                  </p:tgtEl>
+                </p:cond>
+              </p:prevCondLst>
+              <p:nextCondLst>
+                <p:cond evt="onNext" delay="0">
+                  <p:tgtEl>
+                    <p:sldTgt/>
+                  </p:tgtEl>
+                </p:cond>
+              </p:nextCondLst>
+            </p:seq>
+          </p:childTnLst>
+        </p:cTn>
+      </p:par>
+    </p:tnLst>
+    <p:bldLst>
+      <p:bldP spid="12" grpId="0"/>
+      <p:bldP spid="11" grpId="0"/>
+    </p:bldLst>
+  </p:timing>
+</p:sld>
+</file>
+
+<file path=ppt/slides/slide7.xml><?xml version="1.0" encoding="utf-8"?>
+<p:sld xmlns:a="http://schemas.openxmlformats.org/drawingml/2006/main" xmlns:r="http://schemas.openxmlformats.org/officeDocument/2006/relationships" xmlns:p="http://schemas.openxmlformats.org/presentationml/2006/main">
+  <p:cSld>
+    <p:spTree>
+      <p:nvGrpSpPr>
+        <p:cNvPr id="1" name=""/>
+        <p:cNvGrpSpPr/>
+        <p:nvPr/>
+      </p:nvGrpSpPr>
+      <p:grpSpPr>
+        <a:xfrm>
+          <a:off x="0" y="0"/>
+          <a:ext cx="0" cy="0"/>
+          <a:chOff x="0" y="0"/>
+          <a:chExt cx="0" cy="0"/>
+        </a:xfrm>
+      </p:grpSpPr>
+      <p:sp>
+        <p:nvSpPr>
+          <p:cNvPr id="2" name="Titel 1"/>
+          <p:cNvSpPr>
+            <a:spLocks noGrp="1"/>
+          </p:cNvSpPr>
+          <p:nvPr>
+            <p:ph type="title"/>
+          </p:nvPr>
+        </p:nvSpPr>
+        <p:spPr>
+          <a:xfrm>
+            <a:off x="899592" y="332656"/>
+            <a:ext cx="6172200" cy="1077218"/>
+          </a:xfrm>
+        </p:spPr>
+        <p:txBody>
+          <a:bodyPr/>
+          <a:lstStyle/>
+          <a:p>
+            <a:r>
+              <a:rPr lang="nl-NL" dirty="0" err="1" smtClean="0"/>
+              <a:t>Assumptions</a:t>
+            </a:r>
+            <a:r>
+              <a:rPr lang="nl-NL" dirty="0" smtClean="0"/>
+              <a:t> of </a:t>
+            </a:r>
+            <a:r>
+              <a:rPr lang="nl-NL" dirty="0" err="1" smtClean="0"/>
+              <a:t>simple</a:t>
+            </a:r>
+            <a:r>
+              <a:rPr lang="nl-NL" dirty="0" smtClean="0"/>
+              <a:t> </a:t>
+            </a:r>
+            <a:r>
+              <a:rPr lang="nl-NL" dirty="0" err="1" smtClean="0"/>
+              <a:t>linear</a:t>
+            </a:r>
+            <a:r>
+              <a:rPr lang="nl-NL" dirty="0" smtClean="0"/>
+              <a:t> </a:t>
+            </a:r>
+            <a:r>
+              <a:rPr lang="nl-NL" dirty="0" err="1" smtClean="0"/>
+              <a:t>regression</a:t>
+            </a:r>
+            <a:endParaRPr lang="nl-NL" dirty="0"/>
+          </a:p>
+        </p:txBody>
+      </p:sp>
+      <p:sp>
+        <p:nvSpPr>
+          <p:cNvPr id="3" name="Tijdelijke aanduiding voor inhoud 2"/>
+          <p:cNvSpPr>
+            <a:spLocks noGrp="1"/>
+          </p:cNvSpPr>
+          <p:nvPr>
+            <p:ph idx="1"/>
+          </p:nvPr>
+        </p:nvSpPr>
+        <p:spPr>
+          <a:xfrm>
+            <a:off x="3563888" y="1916832"/>
+            <a:ext cx="3816424" cy="4672048"/>
+          </a:xfrm>
+        </p:spPr>
+        <p:txBody>
+          <a:bodyPr/>
+          <a:lstStyle/>
+          <a:p>
+            <a:pPr marL="514350" indent="-514350">
+              <a:buFont typeface="+mj-lt"/>
+              <a:buAutoNum type="arabicPeriod"/>
+            </a:pPr>
+            <a:r>
+              <a:rPr lang="nl-NL" sz="1800" dirty="0" err="1" smtClean="0"/>
+              <a:t>Linearity</a:t>
+            </a:r>
+            <a:r>
+              <a:rPr lang="nl-NL" sz="1800" dirty="0" smtClean="0"/>
+              <a:t> (the points are </a:t>
+            </a:r>
+            <a:r>
+              <a:rPr lang="nl-NL" sz="1800" dirty="0" err="1" smtClean="0"/>
+              <a:t>around</a:t>
+            </a:r>
+            <a:r>
+              <a:rPr lang="nl-NL" sz="1800" dirty="0" smtClean="0"/>
+              <a:t> a straight line, </a:t>
+            </a:r>
+            <a:r>
+              <a:rPr lang="nl-NL" sz="1800" dirty="0" err="1" smtClean="0"/>
+              <a:t>not</a:t>
+            </a:r>
+            <a:r>
+              <a:rPr lang="nl-NL" sz="1800" dirty="0" smtClean="0"/>
+              <a:t> on a </a:t>
+            </a:r>
+            <a:r>
+              <a:rPr lang="nl-NL" sz="1800" dirty="0" err="1" smtClean="0"/>
+              <a:t>curved</a:t>
+            </a:r>
+            <a:r>
+              <a:rPr lang="nl-NL" sz="1800" dirty="0" smtClean="0"/>
+              <a:t> line)</a:t>
+            </a:r>
+          </a:p>
+          <a:p>
+            <a:pPr marL="514350" indent="-514350">
+              <a:buFont typeface="+mj-lt"/>
+              <a:buAutoNum type="arabicPeriod"/>
+            </a:pPr>
+            <a:endParaRPr lang="nl-NL" sz="1800" dirty="0" smtClean="0"/>
+          </a:p>
+          <a:p>
+            <a:pPr marL="514350" indent="-514350">
+              <a:buFont typeface="+mj-lt"/>
+              <a:buAutoNum type="arabicPeriod"/>
+            </a:pPr>
+            <a:r>
+              <a:rPr lang="nl-NL" sz="1800" dirty="0" err="1" smtClean="0"/>
+              <a:t>Equal</a:t>
+            </a:r>
+            <a:r>
+              <a:rPr lang="nl-NL" sz="1800" dirty="0" smtClean="0"/>
+              <a:t> </a:t>
+            </a:r>
+            <a:r>
+              <a:rPr lang="nl-NL" sz="1800" dirty="0" err="1" smtClean="0"/>
+              <a:t>variance</a:t>
+            </a:r>
+            <a:r>
+              <a:rPr lang="nl-NL" sz="1800" dirty="0" smtClean="0"/>
+              <a:t> (the </a:t>
+            </a:r>
+            <a:r>
+              <a:rPr lang="nl-NL" sz="1800" dirty="0" err="1" smtClean="0"/>
+              <a:t>distance</a:t>
+            </a:r>
+            <a:r>
+              <a:rPr lang="nl-NL" sz="1800" dirty="0" smtClean="0"/>
+              <a:t> </a:t>
+            </a:r>
+            <a:r>
+              <a:rPr lang="nl-NL" sz="1800" dirty="0" err="1" smtClean="0"/>
+              <a:t>between</a:t>
+            </a:r>
+            <a:r>
+              <a:rPr lang="nl-NL" sz="1800" dirty="0" smtClean="0"/>
+              <a:t> the points </a:t>
+            </a:r>
+            <a:r>
+              <a:rPr lang="nl-NL" sz="1800" dirty="0" err="1" smtClean="0"/>
+              <a:t>and</a:t>
+            </a:r>
+            <a:r>
+              <a:rPr lang="nl-NL" sz="1800" dirty="0" smtClean="0"/>
+              <a:t> the line does </a:t>
+            </a:r>
+            <a:r>
+              <a:rPr lang="nl-NL" sz="1800" dirty="0" err="1" smtClean="0"/>
+              <a:t>not</a:t>
+            </a:r>
+            <a:r>
+              <a:rPr lang="nl-NL" sz="1800" dirty="0" smtClean="0"/>
+              <a:t> change </a:t>
+            </a:r>
+            <a:r>
+              <a:rPr lang="nl-NL" sz="1800" dirty="0" err="1" smtClean="0"/>
+              <a:t>very</a:t>
+            </a:r>
+            <a:r>
+              <a:rPr lang="nl-NL" sz="1800" dirty="0" smtClean="0"/>
+              <a:t> </a:t>
+            </a:r>
+            <a:r>
+              <a:rPr lang="nl-NL" sz="1800" dirty="0" err="1" smtClean="0"/>
+              <a:t>much</a:t>
+            </a:r>
+            <a:r>
+              <a:rPr lang="nl-NL" sz="1800" dirty="0" smtClean="0"/>
+              <a:t>)</a:t>
+            </a:r>
+          </a:p>
+          <a:p>
+            <a:pPr marL="514350" indent="-514350">
+              <a:buFont typeface="+mj-lt"/>
+              <a:buAutoNum type="arabicPeriod"/>
+            </a:pPr>
+            <a:endParaRPr lang="nl-NL" sz="1800" dirty="0"/>
+          </a:p>
+          <a:p>
+            <a:pPr marL="514350" indent="-514350">
+              <a:buFont typeface="+mj-lt"/>
+              <a:buAutoNum type="arabicPeriod"/>
+            </a:pPr>
+            <a:r>
+              <a:rPr lang="nl-NL" sz="1800" dirty="0" err="1" smtClean="0">
+                <a:solidFill>
+                  <a:srgbClr val="949494"/>
+                </a:solidFill>
+              </a:rPr>
+              <a:t>Residuals</a:t>
+            </a:r>
+            <a:r>
+              <a:rPr lang="nl-NL" sz="1800" dirty="0" smtClean="0">
+                <a:solidFill>
+                  <a:srgbClr val="949494"/>
+                </a:solidFill>
+              </a:rPr>
+              <a:t> are </a:t>
+            </a:r>
+            <a:r>
+              <a:rPr lang="nl-NL" sz="1800" dirty="0" err="1" smtClean="0">
+                <a:solidFill>
+                  <a:srgbClr val="949494"/>
+                </a:solidFill>
+              </a:rPr>
+              <a:t>normally</a:t>
+            </a:r>
+            <a:r>
+              <a:rPr lang="nl-NL" sz="1800" dirty="0" smtClean="0">
+                <a:solidFill>
+                  <a:srgbClr val="949494"/>
+                </a:solidFill>
+              </a:rPr>
+              <a:t> </a:t>
+            </a:r>
+            <a:r>
+              <a:rPr lang="nl-NL" sz="1800" dirty="0" err="1" smtClean="0">
+                <a:solidFill>
+                  <a:srgbClr val="949494"/>
+                </a:solidFill>
+              </a:rPr>
+              <a:t>distributed</a:t>
+            </a:r>
+            <a:r>
+              <a:rPr lang="nl-NL" sz="1800" dirty="0" smtClean="0">
+                <a:solidFill>
+                  <a:srgbClr val="949494"/>
+                </a:solidFill>
+              </a:rPr>
+              <a:t> (</a:t>
+            </a:r>
+            <a:r>
+              <a:rPr lang="nl-NL" sz="1800" dirty="0" err="1" smtClean="0">
+                <a:solidFill>
+                  <a:srgbClr val="949494"/>
+                </a:solidFill>
+              </a:rPr>
+              <a:t>ignore</a:t>
+            </a:r>
+            <a:r>
+              <a:rPr lang="nl-NL" sz="1800" dirty="0" smtClean="0">
+                <a:solidFill>
+                  <a:srgbClr val="949494"/>
+                </a:solidFill>
+              </a:rPr>
+              <a:t> this </a:t>
+            </a:r>
+            <a:r>
+              <a:rPr lang="nl-NL" sz="1800" dirty="0" err="1" smtClean="0">
+                <a:solidFill>
+                  <a:srgbClr val="949494"/>
+                </a:solidFill>
+              </a:rPr>
+              <a:t>one</a:t>
+            </a:r>
+            <a:r>
+              <a:rPr lang="nl-NL" sz="1800" dirty="0" smtClean="0">
+                <a:solidFill>
+                  <a:srgbClr val="949494"/>
+                </a:solidFill>
+              </a:rPr>
+              <a:t> </a:t>
+            </a:r>
+            <a:r>
+              <a:rPr lang="nl-NL" sz="1800" dirty="0" err="1" smtClean="0">
+                <a:solidFill>
+                  <a:srgbClr val="949494"/>
+                </a:solidFill>
+              </a:rPr>
+              <a:t>for</a:t>
+            </a:r>
+            <a:r>
+              <a:rPr lang="nl-NL" sz="1800" dirty="0" smtClean="0">
+                <a:solidFill>
+                  <a:srgbClr val="949494"/>
+                </a:solidFill>
+              </a:rPr>
+              <a:t> </a:t>
+            </a:r>
+            <a:r>
+              <a:rPr lang="nl-NL" sz="1800" dirty="0" err="1" smtClean="0">
+                <a:solidFill>
+                  <a:srgbClr val="949494"/>
+                </a:solidFill>
+              </a:rPr>
+              <a:t>now</a:t>
+            </a:r>
+            <a:r>
+              <a:rPr lang="nl-NL" sz="1800" dirty="0" smtClean="0">
+                <a:solidFill>
+                  <a:srgbClr val="949494"/>
+                </a:solidFill>
+              </a:rPr>
+              <a:t>)</a:t>
+            </a:r>
+          </a:p>
+          <a:p>
+            <a:pPr marL="514350" indent="-514350">
+              <a:buFont typeface="+mj-lt"/>
+              <a:buAutoNum type="arabicPeriod"/>
+            </a:pPr>
+            <a:endParaRPr lang="nl-NL" sz="2400" dirty="0" smtClean="0"/>
+          </a:p>
+          <a:p>
+            <a:pPr marL="514350" indent="-514350">
+              <a:buFont typeface="+mj-lt"/>
+              <a:buAutoNum type="arabicPeriod"/>
+            </a:pPr>
+            <a:endParaRPr lang="nl-NL" sz="2400" dirty="0"/>
+          </a:p>
+        </p:txBody>
+      </p:sp>
       <p:pic>
         <p:nvPicPr>
           <p:cNvPr id="7" name="Afbeelding 6"/>
@@ -7695,7 +12060,7 @@
           <p:nvPr/>
         </p:nvPicPr>
         <p:blipFill>
-          <a:blip r:embed="rId3" cstate="print">
+          <a:blip r:embed="rId2" cstate="print">
             <a:extLst>
               <a:ext uri="{28A0092B-C50C-407E-A947-70E740481C1C}">
                 <a14:useLocalDpi xmlns:a14="http://schemas.microsoft.com/office/drawing/2010/main" val="0"/>
@@ -7725,7 +12090,7 @@
           <p:nvPr/>
         </p:nvPicPr>
         <p:blipFill>
-          <a:blip r:embed="rId4" cstate="print">
+          <a:blip r:embed="rId3" cstate="print">
             <a:extLst>
               <a:ext uri="{28A0092B-C50C-407E-A947-70E740481C1C}">
                 <a14:useLocalDpi xmlns:a14="http://schemas.microsoft.com/office/drawing/2010/main" val="0"/>
@@ -7746,6 +12111,30 @@
           </a:prstGeom>
         </p:spPr>
       </p:pic>
+      <p:pic>
+        <p:nvPicPr>
+          <p:cNvPr id="9" name="Afbeelding 8"/>
+          <p:cNvPicPr>
+            <a:picLocks noChangeAspect="1"/>
+          </p:cNvPicPr>
+          <p:nvPr/>
+        </p:nvPicPr>
+        <p:blipFill>
+          <a:blip r:embed="rId4"/>
+          <a:stretch>
+            <a:fillRect/>
+          </a:stretch>
+        </p:blipFill>
+        <p:spPr>
+          <a:xfrm>
+            <a:off x="434285" y="2060848"/>
+            <a:ext cx="2841571" cy="2880320"/>
+          </a:xfrm>
+          <a:prstGeom prst="rect">
+            <a:avLst/>
+          </a:prstGeom>
+        </p:spPr>
+      </p:pic>
     </p:spTree>
     <p:extLst>
       <p:ext uri="{BB962C8B-B14F-4D97-AF65-F5344CB8AC3E}">
@@ -7756,305 +12145,126 @@
   <p:clrMapOvr>
     <a:masterClrMapping/>
   </p:clrMapOvr>
-</p:sld>
-</file>
-
-<file path=ppt/slides/slide6.xml><?xml version="1.0" encoding="utf-8"?>
-<p:sld xmlns:a="http://schemas.openxmlformats.org/drawingml/2006/main" xmlns:r="http://schemas.openxmlformats.org/officeDocument/2006/relationships" xmlns:p="http://schemas.openxmlformats.org/presentationml/2006/main">
-  <p:cSld>
-    <p:spTree>
-      <p:nvGrpSpPr>
-        <p:cNvPr id="1" name=""/>
-        <p:cNvGrpSpPr/>
-        <p:nvPr/>
-      </p:nvGrpSpPr>
-      <p:grpSpPr>
-        <a:xfrm>
-          <a:off x="0" y="0"/>
-          <a:ext cx="0" cy="0"/>
-          <a:chOff x="0" y="0"/>
-          <a:chExt cx="0" cy="0"/>
-        </a:xfrm>
-      </p:grpSpPr>
-      <p:sp>
-        <p:nvSpPr>
-          <p:cNvPr id="2" name="Titel 1"/>
-          <p:cNvSpPr>
-            <a:spLocks noGrp="1"/>
-          </p:cNvSpPr>
-          <p:nvPr>
-            <p:ph type="title"/>
-          </p:nvPr>
-        </p:nvSpPr>
-        <p:spPr/>
-        <p:txBody>
-          <a:bodyPr/>
-          <a:lstStyle/>
-          <a:p>
-            <a:r>
-              <a:rPr lang="nl-NL" dirty="0" err="1" smtClean="0"/>
-              <a:t>Inspect</a:t>
-            </a:r>
-            <a:r>
-              <a:rPr lang="nl-NL" dirty="0" smtClean="0"/>
-              <a:t> </a:t>
-            </a:r>
-            <a:r>
-              <a:rPr lang="nl-NL" dirty="0" err="1" smtClean="0"/>
-              <a:t>residuals</a:t>
-            </a:r>
-            <a:r>
-              <a:rPr lang="nl-NL" dirty="0" smtClean="0"/>
-              <a:t>/</a:t>
-            </a:r>
-            <a:r>
-              <a:rPr lang="nl-NL" dirty="0" err="1" smtClean="0"/>
-              <a:t>errors</a:t>
-            </a:r>
-            <a:endParaRPr lang="nl-NL" dirty="0"/>
-          </a:p>
-        </p:txBody>
-      </p:sp>
-      <p:pic>
-        <p:nvPicPr>
-          <p:cNvPr id="4" name="Afbeelding 3"/>
-          <p:cNvPicPr>
-            <a:picLocks noChangeAspect="1"/>
-          </p:cNvPicPr>
-          <p:nvPr/>
-        </p:nvPicPr>
-        <p:blipFill>
-          <a:blip r:embed="rId2"/>
-          <a:stretch>
-            <a:fillRect/>
-          </a:stretch>
-        </p:blipFill>
-        <p:spPr>
-          <a:xfrm>
-            <a:off x="467544" y="2132856"/>
-            <a:ext cx="2748359" cy="2842053"/>
-          </a:xfrm>
-          <a:prstGeom prst="rect">
-            <a:avLst/>
-          </a:prstGeom>
-        </p:spPr>
-      </p:pic>
-    </p:spTree>
-    <p:extLst>
-      <p:ext uri="{BB962C8B-B14F-4D97-AF65-F5344CB8AC3E}">
-        <p14:creationId xmlns:p14="http://schemas.microsoft.com/office/powerpoint/2010/main" val="557714835"/>
-      </p:ext>
-    </p:extLst>
-  </p:cSld>
-  <p:clrMapOvr>
-    <a:masterClrMapping/>
-  </p:clrMapOvr>
-</p:sld>
-</file>
-
-<file path=ppt/slides/slide7.xml><?xml version="1.0" encoding="utf-8"?>
-<p:sld xmlns:a="http://schemas.openxmlformats.org/drawingml/2006/main" xmlns:r="http://schemas.openxmlformats.org/officeDocument/2006/relationships" xmlns:p="http://schemas.openxmlformats.org/presentationml/2006/main">
-  <p:cSld>
-    <p:spTree>
-      <p:nvGrpSpPr>
-        <p:cNvPr id="1" name=""/>
-        <p:cNvGrpSpPr/>
-        <p:nvPr/>
-      </p:nvGrpSpPr>
-      <p:grpSpPr>
-        <a:xfrm>
-          <a:off x="0" y="0"/>
-          <a:ext cx="0" cy="0"/>
-          <a:chOff x="0" y="0"/>
-          <a:chExt cx="0" cy="0"/>
-        </a:xfrm>
-      </p:grpSpPr>
-      <p:sp>
-        <p:nvSpPr>
-          <p:cNvPr id="2" name="Titel 1"/>
-          <p:cNvSpPr>
-            <a:spLocks noGrp="1"/>
-          </p:cNvSpPr>
-          <p:nvPr>
-            <p:ph type="title"/>
-          </p:nvPr>
-        </p:nvSpPr>
-        <p:spPr/>
-        <p:txBody>
-          <a:bodyPr/>
-          <a:lstStyle/>
-          <a:p>
-            <a:r>
-              <a:rPr lang="nl-NL" dirty="0" err="1" smtClean="0"/>
-              <a:t>Transformations</a:t>
-            </a:r>
-            <a:endParaRPr lang="nl-NL" dirty="0"/>
-          </a:p>
-        </p:txBody>
-      </p:sp>
-      <p:sp>
-        <p:nvSpPr>
-          <p:cNvPr id="3" name="Tijdelijke aanduiding voor inhoud 2"/>
-          <p:cNvSpPr>
-            <a:spLocks noGrp="1"/>
-          </p:cNvSpPr>
-          <p:nvPr>
-            <p:ph idx="1"/>
-          </p:nvPr>
-        </p:nvSpPr>
-        <p:spPr>
-          <a:xfrm>
-            <a:off x="762000" y="1762125"/>
-            <a:ext cx="4242048" cy="5146024"/>
-          </a:xfrm>
-        </p:spPr>
-        <p:txBody>
-          <a:bodyPr/>
-          <a:lstStyle/>
-          <a:p>
-            <a:r>
-              <a:rPr lang="nl-NL" sz="2400" dirty="0" err="1" smtClean="0"/>
-              <a:t>Sometimes</a:t>
-            </a:r>
-            <a:r>
-              <a:rPr lang="nl-NL" sz="2400" dirty="0" smtClean="0"/>
-              <a:t> a </a:t>
-            </a:r>
-            <a:r>
-              <a:rPr lang="nl-NL" sz="2400" i="1" dirty="0" err="1" smtClean="0"/>
-              <a:t>transformation</a:t>
-            </a:r>
-            <a:r>
-              <a:rPr lang="nl-NL" sz="2400" i="1" dirty="0" smtClean="0"/>
-              <a:t> </a:t>
-            </a:r>
-            <a:r>
-              <a:rPr lang="nl-NL" sz="2400" dirty="0" smtClean="0"/>
-              <a:t>of a </a:t>
-            </a:r>
-            <a:r>
-              <a:rPr lang="nl-NL" sz="2400" dirty="0" err="1" smtClean="0"/>
-              <a:t>variable</a:t>
-            </a:r>
-            <a:r>
-              <a:rPr lang="nl-NL" sz="2400" dirty="0" smtClean="0"/>
-              <a:t> </a:t>
-            </a:r>
-            <a:r>
-              <a:rPr lang="nl-NL" sz="2400" dirty="0" err="1" smtClean="0"/>
-              <a:t>can</a:t>
-            </a:r>
-            <a:r>
-              <a:rPr lang="nl-NL" sz="2400" dirty="0" smtClean="0"/>
-              <a:t> </a:t>
-            </a:r>
-            <a:r>
-              <a:rPr lang="nl-NL" sz="2400" dirty="0" err="1" smtClean="0"/>
-              <a:t>improve</a:t>
-            </a:r>
-            <a:r>
-              <a:rPr lang="nl-NL" sz="2400" dirty="0" smtClean="0"/>
-              <a:t> the model fit</a:t>
-            </a:r>
-          </a:p>
-          <a:p>
-            <a:endParaRPr lang="nl-NL" sz="2400" dirty="0"/>
-          </a:p>
-          <a:p>
-            <a:r>
-              <a:rPr lang="nl-NL" sz="2400" dirty="0" err="1" smtClean="0"/>
-              <a:t>Typical</a:t>
-            </a:r>
-            <a:r>
-              <a:rPr lang="nl-NL" sz="2400" dirty="0" smtClean="0"/>
-              <a:t> </a:t>
-            </a:r>
-            <a:r>
-              <a:rPr lang="nl-NL" sz="2400" dirty="0" err="1" smtClean="0"/>
-              <a:t>transformations</a:t>
-            </a:r>
-            <a:r>
-              <a:rPr lang="nl-NL" sz="2400" dirty="0" smtClean="0"/>
-              <a:t> </a:t>
-            </a:r>
-            <a:r>
-              <a:rPr lang="nl-NL" sz="2400" dirty="0" err="1" smtClean="0"/>
-              <a:t>include</a:t>
-            </a:r>
-            <a:r>
-              <a:rPr lang="nl-NL" sz="2400" dirty="0" smtClean="0"/>
-              <a:t>:</a:t>
-            </a:r>
-          </a:p>
-          <a:p>
-            <a:pPr lvl="1"/>
-            <a:r>
-              <a:rPr lang="nl-NL" sz="2400" baseline="30000" dirty="0" smtClean="0"/>
-              <a:t>10</a:t>
-            </a:r>
-            <a:r>
-              <a:rPr lang="nl-NL" sz="2400" dirty="0" smtClean="0"/>
-              <a:t>log(x)</a:t>
-            </a:r>
-          </a:p>
-          <a:p>
-            <a:pPr lvl="1"/>
-            <a:r>
-              <a:rPr lang="nl-NL" sz="2400" dirty="0" smtClean="0"/>
-              <a:t>√(x)</a:t>
-            </a:r>
-          </a:p>
-          <a:p>
-            <a:pPr lvl="1"/>
-            <a:endParaRPr lang="nl-NL" sz="2400" dirty="0"/>
-          </a:p>
-          <a:p>
-            <a:r>
-              <a:rPr lang="nl-NL" sz="2600" dirty="0" err="1" smtClean="0"/>
-              <a:t>Remember</a:t>
-            </a:r>
-            <a:r>
-              <a:rPr lang="nl-NL" sz="2600" dirty="0" smtClean="0"/>
-              <a:t> </a:t>
-            </a:r>
-            <a:r>
-              <a:rPr lang="nl-NL" sz="2600" dirty="0" err="1" smtClean="0"/>
-              <a:t>to</a:t>
-            </a:r>
-            <a:r>
-              <a:rPr lang="nl-NL" sz="2600" dirty="0" smtClean="0"/>
-              <a:t> </a:t>
-            </a:r>
-            <a:r>
-              <a:rPr lang="nl-NL" sz="2600" dirty="0" err="1" smtClean="0"/>
-              <a:t>apply</a:t>
-            </a:r>
-            <a:r>
-              <a:rPr lang="nl-NL" sz="2600" dirty="0" smtClean="0"/>
-              <a:t> the reverse </a:t>
-            </a:r>
-            <a:r>
-              <a:rPr lang="nl-NL" sz="2600" dirty="0" err="1" smtClean="0"/>
-              <a:t>transformation</a:t>
-            </a:r>
-            <a:endParaRPr lang="nl-NL" sz="2600" dirty="0" smtClean="0"/>
-          </a:p>
-          <a:p>
-            <a:pPr lvl="1"/>
-            <a:endParaRPr lang="nl-NL" dirty="0"/>
-          </a:p>
-        </p:txBody>
-      </p:sp>
-    </p:spTree>
-    <p:extLst>
-      <p:ext uri="{BB962C8B-B14F-4D97-AF65-F5344CB8AC3E}">
-        <p14:creationId xmlns:p14="http://schemas.microsoft.com/office/powerpoint/2010/main" val="562055895"/>
-      </p:ext>
-    </p:extLst>
-  </p:cSld>
-  <p:clrMapOvr>
-    <a:masterClrMapping/>
-  </p:clrMapOvr>
+  <p:timing>
+    <p:tnLst>
+      <p:par>
+        <p:cTn id="1" dur="indefinite" restart="never" nodeType="tmRoot">
+          <p:childTnLst>
+            <p:seq concurrent="1" nextAc="seek">
+              <p:cTn id="2" dur="indefinite" nodeType="mainSeq">
+                <p:childTnLst>
+                  <p:par>
+                    <p:cTn id="3" fill="hold">
+                      <p:stCondLst>
+                        <p:cond delay="indefinite"/>
+                      </p:stCondLst>
+                      <p:childTnLst>
+                        <p:par>
+                          <p:cTn id="4" fill="hold">
+                            <p:stCondLst>
+                              <p:cond delay="0"/>
+                            </p:stCondLst>
+                            <p:childTnLst>
+                              <p:par>
+                                <p:cTn id="5" presetID="1" presetClass="entr" presetSubtype="0" fill="hold" nodeType="clickEffect">
+                                  <p:stCondLst>
+                                    <p:cond delay="0"/>
+                                  </p:stCondLst>
+                                  <p:childTnLst>
+                                    <p:set>
+                                      <p:cBhvr>
+                                        <p:cTn id="6" dur="1" fill="hold">
+                                          <p:stCondLst>
+                                            <p:cond delay="0"/>
+                                          </p:stCondLst>
+                                        </p:cTn>
+                                        <p:tgtEl>
+                                          <p:spTgt spid="7"/>
+                                        </p:tgtEl>
+                                        <p:attrNameLst>
+                                          <p:attrName>style.visibility</p:attrName>
+                                        </p:attrNameLst>
+                                      </p:cBhvr>
+                                      <p:to>
+                                        <p:strVal val="visible"/>
+                                      </p:to>
+                                    </p:set>
+                                  </p:childTnLst>
+                                </p:cTn>
+                              </p:par>
+                            </p:childTnLst>
+                          </p:cTn>
+                        </p:par>
+                      </p:childTnLst>
+                    </p:cTn>
+                  </p:par>
+                  <p:par>
+                    <p:cTn id="7" fill="hold">
+                      <p:stCondLst>
+                        <p:cond delay="indefinite"/>
+                      </p:stCondLst>
+                      <p:childTnLst>
+                        <p:par>
+                          <p:cTn id="8" fill="hold">
+                            <p:stCondLst>
+                              <p:cond delay="0"/>
+                            </p:stCondLst>
+                            <p:childTnLst>
+                              <p:par>
+                                <p:cTn id="9" presetID="1" presetClass="entr" presetSubtype="0" fill="hold" nodeType="clickEffect">
+                                  <p:stCondLst>
+                                    <p:cond delay="0"/>
+                                  </p:stCondLst>
+                                  <p:childTnLst>
+                                    <p:set>
+                                      <p:cBhvr>
+                                        <p:cTn id="10" dur="1" fill="hold">
+                                          <p:stCondLst>
+                                            <p:cond delay="0"/>
+                                          </p:stCondLst>
+                                        </p:cTn>
+                                        <p:tgtEl>
+                                          <p:spTgt spid="8"/>
+                                        </p:tgtEl>
+                                        <p:attrNameLst>
+                                          <p:attrName>style.visibility</p:attrName>
+                                        </p:attrNameLst>
+                                      </p:cBhvr>
+                                      <p:to>
+                                        <p:strVal val="visible"/>
+                                      </p:to>
+                                    </p:set>
+                                  </p:childTnLst>
+                                </p:cTn>
+                              </p:par>
+                            </p:childTnLst>
+                          </p:cTn>
+                        </p:par>
+                      </p:childTnLst>
+                    </p:cTn>
+                  </p:par>
+                </p:childTnLst>
+              </p:cTn>
+              <p:prevCondLst>
+                <p:cond evt="onPrev" delay="0">
+                  <p:tgtEl>
+                    <p:sldTgt/>
+                  </p:tgtEl>
+                </p:cond>
+              </p:prevCondLst>
+              <p:nextCondLst>
+                <p:cond evt="onNext" delay="0">
+                  <p:tgtEl>
+                    <p:sldTgt/>
+                  </p:tgtEl>
+                </p:cond>
+              </p:nextCondLst>
+            </p:seq>
+          </p:childTnLst>
+        </p:cTn>
+      </p:par>
+    </p:tnLst>
+  </p:timing>
 </p:sld>
 </file>
 
@@ -8087,8 +12297,8 @@
         </p:nvSpPr>
         <p:spPr>
           <a:xfrm>
-            <a:off x="827584" y="615351"/>
-            <a:ext cx="6172200" cy="584775"/>
+            <a:off x="827584" y="404664"/>
+            <a:ext cx="6172200" cy="579438"/>
           </a:xfrm>
         </p:spPr>
         <p:txBody>
@@ -8097,1155 +12307,234 @@
           <a:p>
             <a:r>
               <a:rPr lang="nl-NL" dirty="0" err="1" smtClean="0"/>
-              <a:t>Exercise</a:t>
+              <a:t>Inspect</a:t>
             </a:r>
             <a:r>
               <a:rPr lang="nl-NL" dirty="0" smtClean="0"/>
-              <a:t> 1: </a:t>
+              <a:t> </a:t>
             </a:r>
             <a:r>
               <a:rPr lang="nl-NL" dirty="0" err="1" smtClean="0"/>
-              <a:t>evaluation</a:t>
+              <a:t>residuals</a:t>
+            </a:r>
+            <a:r>
+              <a:rPr lang="nl-NL" dirty="0" smtClean="0"/>
+              <a:t>/</a:t>
+            </a:r>
+            <a:r>
+              <a:rPr lang="nl-NL" dirty="0" err="1" smtClean="0"/>
+              <a:t>errors</a:t>
             </a:r>
             <a:endParaRPr lang="nl-NL" dirty="0"/>
           </a:p>
         </p:txBody>
       </p:sp>
-      <p:sp>
-        <p:nvSpPr>
-          <p:cNvPr id="3" name="Tijdelijke aanduiding voor inhoud 2"/>
-          <p:cNvSpPr>
-            <a:spLocks noGrp="1"/>
-          </p:cNvSpPr>
-          <p:nvPr>
-            <p:ph idx="1"/>
-          </p:nvPr>
-        </p:nvSpPr>
+      <p:pic>
+        <p:nvPicPr>
+          <p:cNvPr id="5" name="Afbeelding 4"/>
+          <p:cNvPicPr>
+            <a:picLocks noChangeAspect="1"/>
+          </p:cNvPicPr>
+          <p:nvPr/>
+        </p:nvPicPr>
+        <p:blipFill>
+          <a:blip r:embed="rId2"/>
+          <a:stretch>
+            <a:fillRect/>
+          </a:stretch>
+        </p:blipFill>
         <p:spPr>
           <a:xfrm>
-            <a:off x="683568" y="1700808"/>
-            <a:ext cx="7881938" cy="2111347"/>
+            <a:off x="2843808" y="1153483"/>
+            <a:ext cx="2710432" cy="2747392"/>
           </a:xfrm>
+          <a:prstGeom prst="rect">
+            <a:avLst/>
+          </a:prstGeom>
         </p:spPr>
-        <p:txBody>
-          <a:bodyPr/>
-          <a:lstStyle/>
-          <a:p>
-            <a:pPr marL="0" indent="0">
-              <a:buNone/>
-            </a:pPr>
-            <a:endParaRPr lang="nl-NL" sz="1600" dirty="0" smtClean="0">
-              <a:latin typeface="Courier New" panose="02070309020205020404" pitchFamily="49" charset="0"/>
-              <a:cs typeface="Courier New" panose="02070309020205020404" pitchFamily="49" charset="0"/>
-            </a:endParaRPr>
-          </a:p>
-          <a:p>
-            <a:pPr marL="0" indent="0">
-              <a:buNone/>
-            </a:pPr>
-            <a:endParaRPr lang="nl-NL" sz="1600" dirty="0">
-              <a:latin typeface="Courier New" panose="02070309020205020404" pitchFamily="49" charset="0"/>
-              <a:cs typeface="Courier New" panose="02070309020205020404" pitchFamily="49" charset="0"/>
-            </a:endParaRPr>
-          </a:p>
-          <a:p>
-            <a:pPr marL="0" indent="0">
-              <a:buNone/>
-            </a:pPr>
-            <a:endParaRPr lang="nl-NL" sz="1600" dirty="0" smtClean="0">
-              <a:latin typeface="Courier New" panose="02070309020205020404" pitchFamily="49" charset="0"/>
-              <a:cs typeface="Courier New" panose="02070309020205020404" pitchFamily="49" charset="0"/>
-            </a:endParaRPr>
-          </a:p>
-          <a:p>
-            <a:pPr marL="0" indent="0">
-              <a:buNone/>
-            </a:pPr>
-            <a:endParaRPr lang="nl-NL" sz="1600" dirty="0">
-              <a:latin typeface="Courier New" panose="02070309020205020404" pitchFamily="49" charset="0"/>
-              <a:cs typeface="Courier New" panose="02070309020205020404" pitchFamily="49" charset="0"/>
-            </a:endParaRPr>
-          </a:p>
-          <a:p>
-            <a:pPr marL="0" indent="0">
-              <a:buNone/>
-            </a:pPr>
-            <a:endParaRPr lang="nl-NL" sz="1600" dirty="0" smtClean="0">
-              <a:latin typeface="Courier New" panose="02070309020205020404" pitchFamily="49" charset="0"/>
-              <a:cs typeface="Courier New" panose="02070309020205020404" pitchFamily="49" charset="0"/>
-            </a:endParaRPr>
-          </a:p>
-          <a:p>
-            <a:pPr marL="0" indent="0">
-              <a:buNone/>
-            </a:pPr>
-            <a:endParaRPr lang="nl-NL" sz="1600" dirty="0">
-              <a:latin typeface="Courier New" panose="02070309020205020404" pitchFamily="49" charset="0"/>
-              <a:cs typeface="Courier New" panose="02070309020205020404" pitchFamily="49" charset="0"/>
-            </a:endParaRPr>
-          </a:p>
-          <a:p>
-            <a:pPr marL="0" indent="0">
-              <a:buNone/>
-            </a:pPr>
-            <a:endParaRPr lang="nl-NL" sz="1600" dirty="0" smtClean="0">
-              <a:latin typeface="Courier New" panose="02070309020205020404" pitchFamily="49" charset="0"/>
-              <a:cs typeface="Courier New" panose="02070309020205020404" pitchFamily="49" charset="0"/>
-            </a:endParaRPr>
-          </a:p>
-        </p:txBody>
-      </p:sp>
-      <p:sp>
-        <p:nvSpPr>
-          <p:cNvPr id="4" name="Tijdelijke aanduiding voor inhoud 2"/>
-          <p:cNvSpPr txBox="1">
-            <a:spLocks/>
-          </p:cNvSpPr>
+      </p:pic>
+      <p:pic>
+        <p:nvPicPr>
+          <p:cNvPr id="6" name="Afbeelding 5"/>
+          <p:cNvPicPr>
+            <a:picLocks noChangeAspect="1"/>
+          </p:cNvPicPr>
           <p:nvPr/>
-        </p:nvSpPr>
-        <p:spPr bwMode="auto">
+        </p:nvPicPr>
+        <p:blipFill>
+          <a:blip r:embed="rId3"/>
+          <a:stretch>
+            <a:fillRect/>
+          </a:stretch>
+        </p:blipFill>
+        <p:spPr>
           <a:xfrm>
-            <a:off x="692672" y="1484784"/>
-            <a:ext cx="7881938" cy="6370975"/>
+            <a:off x="2699792" y="3900875"/>
+            <a:ext cx="3078286" cy="2722560"/>
+          </a:xfrm>
+          <a:prstGeom prst="rect">
+            <a:avLst/>
+          </a:prstGeom>
+        </p:spPr>
+      </p:pic>
+      <p:sp>
+        <p:nvSpPr>
+          <p:cNvPr id="7" name="Tekstvak 6"/>
+          <p:cNvSpPr txBox="1"/>
+          <p:nvPr/>
+        </p:nvSpPr>
+        <p:spPr>
+          <a:xfrm>
+            <a:off x="827584" y="2185279"/>
+            <a:ext cx="1518364" cy="369332"/>
           </a:xfrm>
           <a:prstGeom prst="rect">
             <a:avLst/>
           </a:prstGeom>
           <a:noFill/>
-          <a:ln w="9525">
-            <a:noFill/>
-            <a:miter lim="800000"/>
-            <a:headEnd/>
-            <a:tailEnd/>
-          </a:ln>
-          <a:effectLst/>
         </p:spPr>
         <p:txBody>
-          <a:bodyPr vert="horz" wrap="square" lIns="91440" tIns="45720" rIns="91440" bIns="45720" numCol="1" anchor="t" anchorCtr="0" compatLnSpc="1">
-            <a:prstTxWarp prst="textNoShape">
-              <a:avLst/>
-            </a:prstTxWarp>
+          <a:bodyPr wrap="none" rtlCol="0">
             <a:spAutoFit/>
           </a:bodyPr>
-          <a:lstStyle>
-            <a:lvl1pPr marL="342900" indent="-342900" algn="l" rtl="0" fontAlgn="base">
-              <a:spcBef>
-                <a:spcPct val="20000"/>
-              </a:spcBef>
-              <a:spcAft>
-                <a:spcPct val="0"/>
-              </a:spcAft>
-              <a:buClr>
-                <a:srgbClr val="ED0010"/>
-              </a:buClr>
-              <a:buSzPct val="60000"/>
-              <a:buFont typeface="Zapf Dingbats" charset="2"/>
-              <a:buChar char="n"/>
-              <a:defRPr sz="2800">
-                <a:solidFill>
-                  <a:srgbClr val="000000"/>
-                </a:solidFill>
-                <a:latin typeface="+mn-lt"/>
-                <a:ea typeface="+mn-ea"/>
-                <a:cs typeface="+mn-cs"/>
-              </a:defRPr>
-            </a:lvl1pPr>
-            <a:lvl2pPr marL="819150" indent="-285750" algn="l" rtl="0" fontAlgn="base">
-              <a:spcBef>
-                <a:spcPct val="20000"/>
-              </a:spcBef>
-              <a:spcAft>
-                <a:spcPct val="0"/>
-              </a:spcAft>
-              <a:buClr>
-                <a:schemeClr val="accent1"/>
-              </a:buClr>
-              <a:buSzPct val="60000"/>
-              <a:buFont typeface="Zapf Dingbats" charset="2"/>
-              <a:buChar char="n"/>
-              <a:defRPr sz="2600">
-                <a:solidFill>
-                  <a:srgbClr val="000000"/>
-                </a:solidFill>
-                <a:latin typeface="+mn-lt"/>
-              </a:defRPr>
-            </a:lvl2pPr>
-            <a:lvl3pPr marL="1143000" indent="-228600" algn="l" rtl="0" fontAlgn="base">
-              <a:spcBef>
-                <a:spcPct val="20000"/>
-              </a:spcBef>
-              <a:spcAft>
-                <a:spcPct val="0"/>
-              </a:spcAft>
-              <a:buClr>
-                <a:schemeClr val="accent1"/>
-              </a:buClr>
-              <a:buSzPct val="60000"/>
-              <a:buFont typeface="Zapf Dingbats" charset="2"/>
-              <a:buChar char="n"/>
-              <a:defRPr sz="2400">
-                <a:solidFill>
-                  <a:srgbClr val="000000"/>
-                </a:solidFill>
-                <a:latin typeface="+mn-lt"/>
-              </a:defRPr>
-            </a:lvl3pPr>
-            <a:lvl4pPr marL="1562100" indent="-228600" algn="l" rtl="0" fontAlgn="base">
-              <a:spcBef>
-                <a:spcPct val="20000"/>
-              </a:spcBef>
-              <a:spcAft>
-                <a:spcPct val="0"/>
-              </a:spcAft>
-              <a:buClr>
-                <a:schemeClr val="accent1"/>
-              </a:buClr>
-              <a:buSzPct val="60000"/>
-              <a:buFont typeface="Zapf Dingbats" charset="2"/>
-              <a:buChar char="n"/>
-              <a:defRPr sz="2200">
-                <a:solidFill>
-                  <a:srgbClr val="000000"/>
-                </a:solidFill>
-                <a:latin typeface="+mn-lt"/>
-              </a:defRPr>
-            </a:lvl4pPr>
-            <a:lvl5pPr marL="1981200" indent="-228600" algn="l" rtl="0" fontAlgn="base">
-              <a:spcBef>
-                <a:spcPct val="20000"/>
-              </a:spcBef>
-              <a:spcAft>
-                <a:spcPct val="0"/>
-              </a:spcAft>
-              <a:buClr>
-                <a:schemeClr val="accent1"/>
-              </a:buClr>
-              <a:buSzPct val="60000"/>
-              <a:buFont typeface="Zapf Dingbats" charset="2"/>
-              <a:buChar char="n"/>
-              <a:defRPr sz="2000">
-                <a:solidFill>
-                  <a:srgbClr val="000000"/>
-                </a:solidFill>
-                <a:latin typeface="+mn-lt"/>
-              </a:defRPr>
-            </a:lvl5pPr>
-            <a:lvl6pPr marL="2438400" indent="-228600" algn="l" rtl="0" fontAlgn="base">
-              <a:spcBef>
-                <a:spcPct val="20000"/>
-              </a:spcBef>
-              <a:spcAft>
-                <a:spcPct val="0"/>
-              </a:spcAft>
-              <a:buClr>
-                <a:schemeClr val="accent1"/>
-              </a:buClr>
-              <a:buSzPct val="60000"/>
-              <a:buFont typeface="Zapf Dingbats" charset="2"/>
-              <a:buChar char="n"/>
-              <a:defRPr sz="2000">
-                <a:solidFill>
-                  <a:srgbClr val="000000"/>
-                </a:solidFill>
-                <a:latin typeface="+mn-lt"/>
-              </a:defRPr>
-            </a:lvl6pPr>
-            <a:lvl7pPr marL="2895600" indent="-228600" algn="l" rtl="0" fontAlgn="base">
-              <a:spcBef>
-                <a:spcPct val="20000"/>
-              </a:spcBef>
-              <a:spcAft>
-                <a:spcPct val="0"/>
-              </a:spcAft>
-              <a:buClr>
-                <a:schemeClr val="accent1"/>
-              </a:buClr>
-              <a:buSzPct val="60000"/>
-              <a:buFont typeface="Zapf Dingbats" charset="2"/>
-              <a:buChar char="n"/>
-              <a:defRPr sz="2000">
-                <a:solidFill>
-                  <a:srgbClr val="000000"/>
-                </a:solidFill>
-                <a:latin typeface="+mn-lt"/>
-              </a:defRPr>
-            </a:lvl7pPr>
-            <a:lvl8pPr marL="3352800" indent="-228600" algn="l" rtl="0" fontAlgn="base">
-              <a:spcBef>
-                <a:spcPct val="20000"/>
-              </a:spcBef>
-              <a:spcAft>
-                <a:spcPct val="0"/>
-              </a:spcAft>
-              <a:buClr>
-                <a:schemeClr val="accent1"/>
-              </a:buClr>
-              <a:buSzPct val="60000"/>
-              <a:buFont typeface="Zapf Dingbats" charset="2"/>
-              <a:buChar char="n"/>
-              <a:defRPr sz="2000">
-                <a:solidFill>
-                  <a:srgbClr val="000000"/>
-                </a:solidFill>
-                <a:latin typeface="+mn-lt"/>
-              </a:defRPr>
-            </a:lvl8pPr>
-            <a:lvl9pPr marL="3810000" indent="-228600" algn="l" rtl="0" fontAlgn="base">
-              <a:spcBef>
-                <a:spcPct val="20000"/>
-              </a:spcBef>
-              <a:spcAft>
-                <a:spcPct val="0"/>
-              </a:spcAft>
-              <a:buClr>
-                <a:schemeClr val="accent1"/>
-              </a:buClr>
-              <a:buSzPct val="60000"/>
-              <a:buFont typeface="Zapf Dingbats" charset="2"/>
-              <a:buChar char="n"/>
-              <a:defRPr sz="2000">
-                <a:solidFill>
-                  <a:srgbClr val="000000"/>
-                </a:solidFill>
-                <a:latin typeface="+mn-lt"/>
-              </a:defRPr>
-            </a:lvl9pPr>
-          </a:lstStyle>
-          <a:p>
-            <a:pPr marL="0" indent="0">
-              <a:buFont typeface="Zapf Dingbats" charset="2"/>
-              <a:buNone/>
-            </a:pPr>
-            <a:r>
-              <a:rPr lang="nl-NL" sz="1400" kern="0" dirty="0" smtClean="0">
-                <a:latin typeface="Courier New" panose="02070309020205020404" pitchFamily="49" charset="0"/>
-                <a:cs typeface="Courier New" panose="02070309020205020404" pitchFamily="49" charset="0"/>
-              </a:rPr>
-              <a:t>Continue in the Notebook </a:t>
-            </a:r>
-            <a:r>
-              <a:rPr lang="nl-NL" sz="1400" kern="0" dirty="0" err="1" smtClean="0">
-                <a:latin typeface="Courier New" panose="02070309020205020404" pitchFamily="49" charset="0"/>
-                <a:cs typeface="Courier New" panose="02070309020205020404" pitchFamily="49" charset="0"/>
-              </a:rPr>
-              <a:t>with</a:t>
-            </a:r>
-            <a:r>
-              <a:rPr lang="nl-NL" sz="1400" kern="0" dirty="0" smtClean="0">
-                <a:latin typeface="Courier New" panose="02070309020205020404" pitchFamily="49" charset="0"/>
-                <a:cs typeface="Courier New" panose="02070309020205020404" pitchFamily="49" charset="0"/>
-              </a:rPr>
-              <a:t> the </a:t>
-            </a:r>
-            <a:r>
-              <a:rPr lang="nl-NL" sz="1400" kern="0" dirty="0" err="1" smtClean="0">
-                <a:latin typeface="Courier New" panose="02070309020205020404" pitchFamily="49" charset="0"/>
-                <a:cs typeface="Courier New" panose="02070309020205020404" pitchFamily="49" charset="0"/>
-              </a:rPr>
-              <a:t>regression</a:t>
-            </a:r>
-            <a:r>
-              <a:rPr lang="nl-NL" sz="1400" kern="0" dirty="0" smtClean="0">
-                <a:latin typeface="Courier New" panose="02070309020205020404" pitchFamily="49" charset="0"/>
-                <a:cs typeface="Courier New" panose="02070309020205020404" pitchFamily="49" charset="0"/>
-              </a:rPr>
-              <a:t> from </a:t>
-            </a:r>
-            <a:r>
-              <a:rPr lang="nl-NL" sz="1400" kern="0" dirty="0" err="1" smtClean="0">
-                <a:latin typeface="Courier New" panose="02070309020205020404" pitchFamily="49" charset="0"/>
-                <a:cs typeface="Courier New" panose="02070309020205020404" pitchFamily="49" charset="0"/>
-              </a:rPr>
-              <a:t>Exercise</a:t>
-            </a:r>
-            <a:r>
-              <a:rPr lang="nl-NL" sz="1400" kern="0" dirty="0" smtClean="0">
-                <a:latin typeface="Courier New" panose="02070309020205020404" pitchFamily="49" charset="0"/>
-                <a:cs typeface="Courier New" panose="02070309020205020404" pitchFamily="49" charset="0"/>
-              </a:rPr>
-              <a:t> 3 from the last </a:t>
-            </a:r>
-            <a:r>
-              <a:rPr lang="nl-NL" sz="1400" kern="0" dirty="0" err="1" smtClean="0">
-                <a:latin typeface="Courier New" panose="02070309020205020404" pitchFamily="49" charset="0"/>
-                <a:cs typeface="Courier New" panose="02070309020205020404" pitchFamily="49" charset="0"/>
-              </a:rPr>
-              <a:t>lesson</a:t>
-            </a:r>
-            <a:r>
-              <a:rPr lang="nl-NL" sz="1400" kern="0" dirty="0" smtClean="0">
-                <a:latin typeface="Courier New" panose="02070309020205020404" pitchFamily="49" charset="0"/>
-                <a:cs typeface="Courier New" panose="02070309020205020404" pitchFamily="49" charset="0"/>
-              </a:rPr>
-              <a:t>. We are </a:t>
-            </a:r>
-            <a:r>
-              <a:rPr lang="nl-NL" sz="1400" kern="0" dirty="0" err="1" smtClean="0">
-                <a:latin typeface="Courier New" panose="02070309020205020404" pitchFamily="49" charset="0"/>
-                <a:cs typeface="Courier New" panose="02070309020205020404" pitchFamily="49" charset="0"/>
-              </a:rPr>
-              <a:t>going</a:t>
-            </a:r>
-            <a:r>
-              <a:rPr lang="nl-NL" sz="1400" kern="0" dirty="0" smtClean="0">
-                <a:latin typeface="Courier New" panose="02070309020205020404" pitchFamily="49" charset="0"/>
-                <a:cs typeface="Courier New" panose="02070309020205020404" pitchFamily="49" charset="0"/>
-              </a:rPr>
+          <a:lstStyle/>
+          <a:p>
+            <a:r>
+              <a:rPr lang="nl-NL" sz="1800" dirty="0" err="1" smtClean="0"/>
+              <a:t>Linear</a:t>
+            </a:r>
+            <a:r>
+              <a:rPr lang="nl-NL" sz="1800" dirty="0" smtClean="0"/>
+              <a:t> model</a:t>
+            </a:r>
+            <a:endParaRPr lang="nl-NL" sz="1800" dirty="0"/>
+          </a:p>
+        </p:txBody>
+      </p:sp>
+      <p:sp>
+        <p:nvSpPr>
+          <p:cNvPr id="8" name="Tekstvak 7"/>
+          <p:cNvSpPr txBox="1"/>
+          <p:nvPr/>
+        </p:nvSpPr>
+        <p:spPr>
+          <a:xfrm>
+            <a:off x="827584" y="4800490"/>
+            <a:ext cx="1628533" cy="923330"/>
+          </a:xfrm>
+          <a:prstGeom prst="rect">
+            <a:avLst/>
+          </a:prstGeom>
+          <a:noFill/>
+        </p:spPr>
+        <p:txBody>
+          <a:bodyPr wrap="square" rtlCol="0">
+            <a:spAutoFit/>
+          </a:bodyPr>
+          <a:lstStyle/>
+          <a:p>
+            <a:r>
+              <a:rPr lang="nl-NL" sz="1800" dirty="0" err="1" smtClean="0"/>
+              <a:t>Residuals</a:t>
+            </a:r>
+            <a:r>
+              <a:rPr lang="nl-NL" sz="1800" dirty="0" smtClean="0"/>
+              <a:t> (</a:t>
+            </a:r>
+            <a:r>
+              <a:rPr lang="nl-NL" sz="1800" dirty="0" err="1" smtClean="0"/>
+              <a:t>distance</a:t>
+            </a:r>
+            <a:r>
+              <a:rPr lang="nl-NL" sz="1800" dirty="0" smtClean="0"/>
+              <a:t> from the line)</a:t>
+            </a:r>
+            <a:endParaRPr lang="nl-NL" sz="1800" dirty="0"/>
+          </a:p>
+        </p:txBody>
+      </p:sp>
+      <p:sp>
+        <p:nvSpPr>
+          <p:cNvPr id="9" name="Tekstvak 8"/>
+          <p:cNvSpPr txBox="1"/>
+          <p:nvPr/>
+        </p:nvSpPr>
+        <p:spPr>
+          <a:xfrm>
+            <a:off x="6588224" y="2852936"/>
+            <a:ext cx="1944216" cy="1477328"/>
+          </a:xfrm>
+          <a:prstGeom prst="rect">
+            <a:avLst/>
+          </a:prstGeom>
+          <a:noFill/>
+        </p:spPr>
+        <p:txBody>
+          <a:bodyPr wrap="square" rtlCol="0">
+            <a:spAutoFit/>
+          </a:bodyPr>
+          <a:lstStyle/>
+          <a:p>
+            <a:r>
+              <a:rPr lang="nl-NL" sz="1800" dirty="0" smtClean="0"/>
+              <a:t>This means </a:t>
+            </a:r>
+            <a:r>
+              <a:rPr lang="nl-NL" sz="1800" dirty="0" err="1" smtClean="0"/>
+              <a:t>our</a:t>
+            </a:r>
+            <a:r>
+              <a:rPr lang="nl-NL" sz="1800" dirty="0" smtClean="0"/>
               <a:t> </a:t>
             </a:r>
             <a:r>
-              <a:rPr lang="nl-NL" sz="1400" kern="0" dirty="0" err="1" smtClean="0">
-                <a:latin typeface="Courier New" panose="02070309020205020404" pitchFamily="49" charset="0"/>
-                <a:cs typeface="Courier New" panose="02070309020205020404" pitchFamily="49" charset="0"/>
-              </a:rPr>
-              <a:t>to</a:t>
-            </a:r>
-            <a:r>
-              <a:rPr lang="nl-NL" sz="1400" kern="0" dirty="0" smtClean="0">
-                <a:latin typeface="Courier New" panose="02070309020205020404" pitchFamily="49" charset="0"/>
-                <a:cs typeface="Courier New" panose="02070309020205020404" pitchFamily="49" charset="0"/>
-              </a:rPr>
+              <a:rPr lang="nl-NL" sz="1800" dirty="0" err="1" smtClean="0"/>
+              <a:t>predictions</a:t>
+            </a:r>
+            <a:r>
+              <a:rPr lang="nl-NL" sz="1800" dirty="0" smtClean="0"/>
+              <a:t> are </a:t>
+            </a:r>
+            <a:r>
+              <a:rPr lang="nl-NL" sz="1800" dirty="0" err="1" smtClean="0"/>
+              <a:t>poor</a:t>
+            </a:r>
+            <a:r>
+              <a:rPr lang="nl-NL" sz="1800" dirty="0" smtClean="0"/>
               <a:t> </a:t>
             </a:r>
             <a:r>
-              <a:rPr lang="nl-NL" sz="1400" kern="0" dirty="0" err="1" smtClean="0">
-                <a:latin typeface="Courier New" panose="02070309020205020404" pitchFamily="49" charset="0"/>
-                <a:cs typeface="Courier New" panose="02070309020205020404" pitchFamily="49" charset="0"/>
-              </a:rPr>
-              <a:t>evaluate</a:t>
-            </a:r>
-            <a:r>
-              <a:rPr lang="nl-NL" sz="1400" kern="0" dirty="0" smtClean="0">
-                <a:latin typeface="Courier New" panose="02070309020205020404" pitchFamily="49" charset="0"/>
-                <a:cs typeface="Courier New" panose="02070309020205020404" pitchFamily="49" charset="0"/>
-              </a:rPr>
-              <a:t> the fit of the model, </a:t>
-            </a:r>
-            <a:r>
-              <a:rPr lang="nl-NL" sz="1400" kern="0" dirty="0" err="1" smtClean="0">
-                <a:latin typeface="Courier New" panose="02070309020205020404" pitchFamily="49" charset="0"/>
-                <a:cs typeface="Courier New" panose="02070309020205020404" pitchFamily="49" charset="0"/>
-              </a:rPr>
-              <a:t>with</a:t>
-            </a:r>
-            <a:r>
-              <a:rPr lang="nl-NL" sz="1400" kern="0" dirty="0" smtClean="0">
-                <a:latin typeface="Courier New" panose="02070309020205020404" pitchFamily="49" charset="0"/>
-                <a:cs typeface="Courier New" panose="02070309020205020404" pitchFamily="49" charset="0"/>
-              </a:rPr>
-              <a:t>:</a:t>
-            </a:r>
-          </a:p>
-          <a:p>
-            <a:pPr marL="0" indent="0">
-              <a:buFont typeface="Zapf Dingbats" charset="2"/>
-              <a:buNone/>
-            </a:pPr>
-            <a:endParaRPr lang="nl-NL" sz="1400" kern="0" dirty="0">
-              <a:latin typeface="Courier New" panose="02070309020205020404" pitchFamily="49" charset="0"/>
-              <a:cs typeface="Courier New" panose="02070309020205020404" pitchFamily="49" charset="0"/>
-            </a:endParaRPr>
-          </a:p>
-          <a:p>
-            <a:pPr marL="0" indent="0">
-              <a:buFont typeface="Zapf Dingbats" charset="2"/>
-              <a:buNone/>
-            </a:pPr>
-            <a:r>
-              <a:rPr lang="nl-NL" sz="1400" kern="0" dirty="0" smtClean="0">
-                <a:latin typeface="Courier New" panose="02070309020205020404" pitchFamily="49" charset="0"/>
-                <a:cs typeface="Courier New" panose="02070309020205020404" pitchFamily="49" charset="0"/>
-              </a:rPr>
-              <a:t>X: </a:t>
-            </a:r>
-            <a:r>
-              <a:rPr lang="nl-NL" sz="1400" kern="0" dirty="0" err="1" smtClean="0">
-                <a:latin typeface="Courier New" panose="02070309020205020404" pitchFamily="49" charset="0"/>
-                <a:cs typeface="Courier New" panose="02070309020205020404" pitchFamily="49" charset="0"/>
-              </a:rPr>
-              <a:t>surface</a:t>
-            </a:r>
-            <a:r>
-              <a:rPr lang="nl-NL" sz="1400" kern="0" dirty="0" smtClean="0">
-                <a:latin typeface="Courier New" panose="02070309020205020404" pitchFamily="49" charset="0"/>
-                <a:cs typeface="Courier New" panose="02070309020205020404" pitchFamily="49" charset="0"/>
-              </a:rPr>
-              <a:t> area in m</a:t>
-            </a:r>
-            <a:r>
-              <a:rPr lang="nl-NL" sz="1400" kern="0" baseline="30000" dirty="0" smtClean="0">
-                <a:latin typeface="Courier New" panose="02070309020205020404" pitchFamily="49" charset="0"/>
-                <a:cs typeface="Courier New" panose="02070309020205020404" pitchFamily="49" charset="0"/>
-              </a:rPr>
-              <a:t>2</a:t>
-            </a:r>
-            <a:endParaRPr lang="nl-NL" sz="1400" kern="0" dirty="0" smtClean="0">
-              <a:latin typeface="Courier New" panose="02070309020205020404" pitchFamily="49" charset="0"/>
-              <a:cs typeface="Courier New" panose="02070309020205020404" pitchFamily="49" charset="0"/>
-            </a:endParaRPr>
-          </a:p>
-          <a:p>
-            <a:pPr marL="0" indent="0">
-              <a:buFont typeface="Zapf Dingbats" charset="2"/>
-              <a:buNone/>
-            </a:pPr>
-            <a:r>
-              <a:rPr lang="nl-NL" sz="1400" kern="0" dirty="0" smtClean="0">
-                <a:latin typeface="Courier New" panose="02070309020205020404" pitchFamily="49" charset="0"/>
-                <a:cs typeface="Courier New" panose="02070309020205020404" pitchFamily="49" charset="0"/>
-              </a:rPr>
-              <a:t>Y: </a:t>
-            </a:r>
-            <a:r>
-              <a:rPr lang="nl-NL" sz="1400" kern="0" dirty="0" err="1" smtClean="0">
-                <a:latin typeface="Courier New" panose="02070309020205020404" pitchFamily="49" charset="0"/>
-                <a:cs typeface="Courier New" panose="02070309020205020404" pitchFamily="49" charset="0"/>
-              </a:rPr>
-              <a:t>price</a:t>
-            </a:r>
-            <a:r>
-              <a:rPr lang="nl-NL" sz="1400" kern="0" dirty="0" smtClean="0">
-                <a:latin typeface="Courier New" panose="02070309020205020404" pitchFamily="49" charset="0"/>
-                <a:cs typeface="Courier New" panose="02070309020205020404" pitchFamily="49" charset="0"/>
-              </a:rPr>
-              <a:t> in </a:t>
-            </a:r>
-            <a:r>
-              <a:rPr lang="nl-NL" sz="1400" kern="0" dirty="0" err="1" smtClean="0">
-                <a:latin typeface="Courier New" panose="02070309020205020404" pitchFamily="49" charset="0"/>
-                <a:cs typeface="Courier New" panose="02070309020205020404" pitchFamily="49" charset="0"/>
-              </a:rPr>
-              <a:t>euros</a:t>
-            </a:r>
-            <a:endParaRPr lang="nl-NL" sz="1400" kern="0" dirty="0" smtClean="0">
-              <a:latin typeface="Courier New" panose="02070309020205020404" pitchFamily="49" charset="0"/>
-              <a:cs typeface="Courier New" panose="02070309020205020404" pitchFamily="49" charset="0"/>
-            </a:endParaRPr>
-          </a:p>
-          <a:p>
-            <a:pPr marL="0" indent="0">
-              <a:buFont typeface="Zapf Dingbats" charset="2"/>
-              <a:buNone/>
-            </a:pPr>
-            <a:endParaRPr lang="nl-NL" sz="1400" kern="0" dirty="0">
-              <a:latin typeface="Courier New" panose="02070309020205020404" pitchFamily="49" charset="0"/>
-              <a:cs typeface="Courier New" panose="02070309020205020404" pitchFamily="49" charset="0"/>
-            </a:endParaRPr>
-          </a:p>
-          <a:p>
-            <a:pPr>
-              <a:buFont typeface="+mj-lt"/>
-              <a:buAutoNum type="arabicPeriod"/>
-            </a:pPr>
-            <a:r>
-              <a:rPr lang="nl-NL" sz="1400" kern="0" dirty="0" err="1" smtClean="0">
-                <a:latin typeface="Courier New" panose="02070309020205020404" pitchFamily="49" charset="0"/>
-                <a:cs typeface="Courier New" panose="02070309020205020404" pitchFamily="49" charset="0"/>
-              </a:rPr>
-              <a:t>What</a:t>
-            </a:r>
-            <a:r>
-              <a:rPr lang="nl-NL" sz="1400" kern="0" dirty="0" smtClean="0">
-                <a:latin typeface="Courier New" panose="02070309020205020404" pitchFamily="49" charset="0"/>
-                <a:cs typeface="Courier New" panose="02070309020205020404" pitchFamily="49" charset="0"/>
-              </a:rPr>
-              <a:t> is the R</a:t>
-            </a:r>
-            <a:r>
-              <a:rPr lang="nl-NL" sz="1400" kern="0" baseline="30000" dirty="0" smtClean="0">
-                <a:latin typeface="Courier New" panose="02070309020205020404" pitchFamily="49" charset="0"/>
-                <a:cs typeface="Courier New" panose="02070309020205020404" pitchFamily="49" charset="0"/>
-              </a:rPr>
-              <a:t>2</a:t>
-            </a:r>
-            <a:r>
-              <a:rPr lang="nl-NL" sz="1400" kern="0" dirty="0" smtClean="0">
-                <a:latin typeface="Courier New" panose="02070309020205020404" pitchFamily="49" charset="0"/>
-                <a:cs typeface="Courier New" panose="02070309020205020404" pitchFamily="49" charset="0"/>
-              </a:rPr>
-              <a:t> </a:t>
-            </a:r>
-            <a:r>
-              <a:rPr lang="nl-NL" sz="1400" kern="0" dirty="0" smtClean="0">
-                <a:latin typeface="Courier New" panose="02070309020205020404" pitchFamily="49" charset="0"/>
-                <a:cs typeface="Courier New" panose="02070309020205020404" pitchFamily="49" charset="0"/>
-              </a:rPr>
-              <a:t>of the model?</a:t>
-            </a:r>
-            <a:endParaRPr lang="nl-NL" sz="1400" kern="0" dirty="0">
-              <a:latin typeface="Courier New" panose="02070309020205020404" pitchFamily="49" charset="0"/>
-              <a:cs typeface="Courier New" panose="02070309020205020404" pitchFamily="49" charset="0"/>
-            </a:endParaRPr>
-          </a:p>
-          <a:p>
-            <a:pPr>
-              <a:buFont typeface="+mj-lt"/>
-              <a:buAutoNum type="arabicPeriod"/>
-            </a:pPr>
-            <a:endParaRPr lang="nl-NL" sz="1400" kern="0" dirty="0">
-              <a:latin typeface="Courier New" panose="02070309020205020404" pitchFamily="49" charset="0"/>
-              <a:cs typeface="Courier New" panose="02070309020205020404" pitchFamily="49" charset="0"/>
-            </a:endParaRPr>
-          </a:p>
-          <a:p>
-            <a:pPr>
-              <a:buFont typeface="+mj-lt"/>
-              <a:buAutoNum type="arabicPeriod"/>
-            </a:pPr>
-            <a:r>
-              <a:rPr lang="nl-NL" sz="1400" kern="0" dirty="0" err="1" smtClean="0">
-                <a:latin typeface="Courier New" panose="02070309020205020404" pitchFamily="49" charset="0"/>
-                <a:cs typeface="Courier New" panose="02070309020205020404" pitchFamily="49" charset="0"/>
-              </a:rPr>
-              <a:t>What</a:t>
-            </a:r>
-            <a:r>
-              <a:rPr lang="nl-NL" sz="1400" kern="0" dirty="0" smtClean="0">
-                <a:latin typeface="Courier New" panose="02070309020205020404" pitchFamily="49" charset="0"/>
-                <a:cs typeface="Courier New" panose="02070309020205020404" pitchFamily="49" charset="0"/>
-              </a:rPr>
-              <a:t> is the mean </a:t>
-            </a:r>
-            <a:r>
-              <a:rPr lang="nl-NL" sz="1400" kern="0" dirty="0" err="1" smtClean="0">
-                <a:latin typeface="Courier New" panose="02070309020205020404" pitchFamily="49" charset="0"/>
-                <a:cs typeface="Courier New" panose="02070309020205020404" pitchFamily="49" charset="0"/>
-              </a:rPr>
-              <a:t>squared</a:t>
-            </a:r>
-            <a:r>
-              <a:rPr lang="nl-NL" sz="1400" kern="0" dirty="0" smtClean="0">
-                <a:latin typeface="Courier New" panose="02070309020205020404" pitchFamily="49" charset="0"/>
-                <a:cs typeface="Courier New" panose="02070309020205020404" pitchFamily="49" charset="0"/>
-              </a:rPr>
-              <a:t> error (MSE)?</a:t>
-            </a:r>
-          </a:p>
-          <a:p>
-            <a:pPr>
-              <a:buFont typeface="+mj-lt"/>
-              <a:buAutoNum type="arabicPeriod"/>
-            </a:pPr>
-            <a:endParaRPr lang="nl-NL" sz="1400" kern="0" dirty="0">
-              <a:latin typeface="Courier New" panose="02070309020205020404" pitchFamily="49" charset="0"/>
-              <a:cs typeface="Courier New" panose="02070309020205020404" pitchFamily="49" charset="0"/>
-            </a:endParaRPr>
-          </a:p>
-          <a:p>
-            <a:pPr>
-              <a:buFont typeface="+mj-lt"/>
-              <a:buAutoNum type="arabicPeriod"/>
-            </a:pPr>
-            <a:r>
-              <a:rPr lang="nl-NL" sz="1400" kern="0" dirty="0" err="1" smtClean="0">
-                <a:latin typeface="Courier New" panose="02070309020205020404" pitchFamily="49" charset="0"/>
-                <a:cs typeface="Courier New" panose="02070309020205020404" pitchFamily="49" charset="0"/>
-              </a:rPr>
-              <a:t>Calculate</a:t>
-            </a:r>
-            <a:r>
-              <a:rPr lang="nl-NL" sz="1400" kern="0" dirty="0" smtClean="0">
-                <a:latin typeface="Courier New" panose="02070309020205020404" pitchFamily="49" charset="0"/>
-                <a:cs typeface="Courier New" panose="02070309020205020404" pitchFamily="49" charset="0"/>
-              </a:rPr>
-              <a:t> the </a:t>
-            </a:r>
-            <a:r>
-              <a:rPr lang="nl-NL" sz="1400" kern="0" dirty="0" err="1" smtClean="0">
-                <a:latin typeface="Courier New" panose="02070309020205020404" pitchFamily="49" charset="0"/>
-                <a:cs typeface="Courier New" panose="02070309020205020404" pitchFamily="49" charset="0"/>
-              </a:rPr>
-              <a:t>residuals</a:t>
-            </a:r>
-            <a:r>
-              <a:rPr lang="nl-NL" sz="1400" kern="0" dirty="0" smtClean="0">
-                <a:latin typeface="Courier New" panose="02070309020205020404" pitchFamily="49" charset="0"/>
-                <a:cs typeface="Courier New" panose="02070309020205020404" pitchFamily="49" charset="0"/>
-              </a:rPr>
-              <a:t> (e) </a:t>
-            </a:r>
-            <a:r>
-              <a:rPr lang="nl-NL" sz="1400" kern="0" dirty="0" err="1" smtClean="0">
-                <a:latin typeface="Courier New" panose="02070309020205020404" pitchFamily="49" charset="0"/>
-                <a:cs typeface="Courier New" panose="02070309020205020404" pitchFamily="49" charset="0"/>
-              </a:rPr>
-              <a:t>and</a:t>
-            </a:r>
-            <a:r>
-              <a:rPr lang="nl-NL" sz="1400" kern="0" dirty="0" smtClean="0">
-                <a:latin typeface="Courier New" panose="02070309020205020404" pitchFamily="49" charset="0"/>
-                <a:cs typeface="Courier New" panose="02070309020205020404" pitchFamily="49" charset="0"/>
-              </a:rPr>
-              <a:t> </a:t>
-            </a:r>
-            <a:r>
-              <a:rPr lang="nl-NL" sz="1400" kern="0" dirty="0" err="1" smtClean="0">
-                <a:latin typeface="Courier New" panose="02070309020205020404" pitchFamily="49" charset="0"/>
-                <a:cs typeface="Courier New" panose="02070309020205020404" pitchFamily="49" charset="0"/>
-              </a:rPr>
-              <a:t>add</a:t>
-            </a:r>
-            <a:r>
-              <a:rPr lang="nl-NL" sz="1400" kern="0" dirty="0" smtClean="0">
-                <a:latin typeface="Courier New" panose="02070309020205020404" pitchFamily="49" charset="0"/>
-                <a:cs typeface="Courier New" panose="02070309020205020404" pitchFamily="49" charset="0"/>
-              </a:rPr>
-              <a:t> </a:t>
-            </a:r>
-            <a:r>
-              <a:rPr lang="nl-NL" sz="1400" kern="0" dirty="0" err="1" smtClean="0">
-                <a:latin typeface="Courier New" panose="02070309020205020404" pitchFamily="49" charset="0"/>
-                <a:cs typeface="Courier New" panose="02070309020205020404" pitchFamily="49" charset="0"/>
-              </a:rPr>
-              <a:t>them</a:t>
-            </a:r>
-            <a:r>
-              <a:rPr lang="nl-NL" sz="1400" kern="0" dirty="0" smtClean="0">
-                <a:latin typeface="Courier New" panose="02070309020205020404" pitchFamily="49" charset="0"/>
-                <a:cs typeface="Courier New" panose="02070309020205020404" pitchFamily="49" charset="0"/>
-              </a:rPr>
-              <a:t> </a:t>
-            </a:r>
-            <a:r>
-              <a:rPr lang="nl-NL" sz="1400" kern="0" dirty="0" err="1" smtClean="0">
-                <a:latin typeface="Courier New" panose="02070309020205020404" pitchFamily="49" charset="0"/>
-                <a:cs typeface="Courier New" panose="02070309020205020404" pitchFamily="49" charset="0"/>
-              </a:rPr>
-              <a:t>to</a:t>
-            </a:r>
-            <a:r>
-              <a:rPr lang="nl-NL" sz="1400" kern="0" dirty="0" smtClean="0">
-                <a:latin typeface="Courier New" panose="02070309020205020404" pitchFamily="49" charset="0"/>
-                <a:cs typeface="Courier New" panose="02070309020205020404" pitchFamily="49" charset="0"/>
-              </a:rPr>
-              <a:t> the dataframe</a:t>
-            </a:r>
-          </a:p>
-          <a:p>
-            <a:pPr>
-              <a:buFont typeface="+mj-lt"/>
-              <a:buAutoNum type="arabicPeriod"/>
-            </a:pPr>
-            <a:endParaRPr lang="nl-NL" sz="1400" kern="0" dirty="0" smtClean="0">
-              <a:latin typeface="Courier New" panose="02070309020205020404" pitchFamily="49" charset="0"/>
-              <a:cs typeface="Courier New" panose="02070309020205020404" pitchFamily="49" charset="0"/>
-            </a:endParaRPr>
-          </a:p>
-          <a:p>
-            <a:pPr>
-              <a:buFont typeface="+mj-lt"/>
-              <a:buAutoNum type="arabicPeriod"/>
-            </a:pPr>
-            <a:r>
-              <a:rPr lang="nl-NL" sz="1400" kern="0" dirty="0" smtClean="0">
-                <a:latin typeface="Courier New" panose="02070309020205020404" pitchFamily="49" charset="0"/>
-                <a:cs typeface="Courier New" panose="02070309020205020404" pitchFamily="49" charset="0"/>
-              </a:rPr>
-              <a:t>Make the </a:t>
-            </a:r>
-            <a:r>
-              <a:rPr lang="nl-NL" sz="1400" kern="0" dirty="0" err="1" smtClean="0">
-                <a:latin typeface="Courier New" panose="02070309020205020404" pitchFamily="49" charset="0"/>
-                <a:cs typeface="Courier New" panose="02070309020205020404" pitchFamily="49" charset="0"/>
-              </a:rPr>
-              <a:t>following</a:t>
-            </a:r>
-            <a:r>
-              <a:rPr lang="nl-NL" sz="1400" kern="0" dirty="0" smtClean="0">
-                <a:latin typeface="Courier New" panose="02070309020205020404" pitchFamily="49" charset="0"/>
-                <a:cs typeface="Courier New" panose="02070309020205020404" pitchFamily="49" charset="0"/>
-              </a:rPr>
-              <a:t> plots:</a:t>
-            </a:r>
-          </a:p>
-          <a:p>
-            <a:pPr lvl="1">
-              <a:buFont typeface="Wingdings" panose="05000000000000000000" pitchFamily="2" charset="2"/>
-              <a:buChar char="§"/>
-            </a:pPr>
-            <a:r>
-              <a:rPr lang="nl-NL" sz="1200" kern="0" dirty="0">
-                <a:latin typeface="Courier New" panose="02070309020205020404" pitchFamily="49" charset="0"/>
-                <a:cs typeface="Courier New" panose="02070309020205020404" pitchFamily="49" charset="0"/>
-              </a:rPr>
-              <a:t>A </a:t>
-            </a:r>
-            <a:r>
-              <a:rPr lang="nl-NL" sz="1200" kern="0" dirty="0" err="1" smtClean="0">
-                <a:latin typeface="Courier New" panose="02070309020205020404" pitchFamily="49" charset="0"/>
-                <a:cs typeface="Courier New" panose="02070309020205020404" pitchFamily="49" charset="0"/>
-              </a:rPr>
-              <a:t>scatter</a:t>
-            </a:r>
-            <a:r>
-              <a:rPr lang="nl-NL" sz="1200" kern="0" dirty="0" smtClean="0">
-                <a:latin typeface="Courier New" panose="02070309020205020404" pitchFamily="49" charset="0"/>
-                <a:cs typeface="Courier New" panose="02070309020205020404" pitchFamily="49" charset="0"/>
-              </a:rPr>
-              <a:t> plot </a:t>
-            </a:r>
-            <a:r>
-              <a:rPr lang="nl-NL" sz="1200" kern="0" dirty="0">
-                <a:latin typeface="Courier New" panose="02070309020205020404" pitchFamily="49" charset="0"/>
-                <a:cs typeface="Courier New" panose="02070309020205020404" pitchFamily="49" charset="0"/>
-              </a:rPr>
-              <a:t>of (Y, Y’) (Y’ means </a:t>
-            </a:r>
-            <a:r>
-              <a:rPr lang="nl-NL" sz="1200" kern="0" dirty="0" err="1">
-                <a:latin typeface="Courier New" panose="02070309020205020404" pitchFamily="49" charset="0"/>
-                <a:cs typeface="Courier New" panose="02070309020205020404" pitchFamily="49" charset="0"/>
-              </a:rPr>
-              <a:t>predicted</a:t>
-            </a:r>
-            <a:r>
-              <a:rPr lang="nl-NL" sz="1200" kern="0" dirty="0">
-                <a:latin typeface="Courier New" panose="02070309020205020404" pitchFamily="49" charset="0"/>
-                <a:cs typeface="Courier New" panose="02070309020205020404" pitchFamily="49" charset="0"/>
-              </a:rPr>
-              <a:t> Y)</a:t>
-            </a:r>
-          </a:p>
-          <a:p>
-            <a:pPr lvl="1">
-              <a:buFont typeface="Wingdings" panose="05000000000000000000" pitchFamily="2" charset="2"/>
-              <a:buChar char="§"/>
-            </a:pPr>
-            <a:r>
-              <a:rPr lang="nl-NL" sz="1200" kern="0" dirty="0">
-                <a:latin typeface="Courier New" panose="02070309020205020404" pitchFamily="49" charset="0"/>
-                <a:cs typeface="Courier New" panose="02070309020205020404" pitchFamily="49" charset="0"/>
-              </a:rPr>
-              <a:t>A </a:t>
-            </a:r>
-            <a:r>
-              <a:rPr lang="nl-NL" sz="1200" kern="0" dirty="0" err="1" smtClean="0">
-                <a:latin typeface="Courier New" panose="02070309020205020404" pitchFamily="49" charset="0"/>
-                <a:cs typeface="Courier New" panose="02070309020205020404" pitchFamily="49" charset="0"/>
-              </a:rPr>
-              <a:t>scatter</a:t>
-            </a:r>
-            <a:r>
-              <a:rPr lang="nl-NL" sz="1200" kern="0" dirty="0" smtClean="0">
-                <a:latin typeface="Courier New" panose="02070309020205020404" pitchFamily="49" charset="0"/>
-                <a:cs typeface="Courier New" panose="02070309020205020404" pitchFamily="49" charset="0"/>
-              </a:rPr>
-              <a:t> plot </a:t>
-            </a:r>
-            <a:r>
-              <a:rPr lang="nl-NL" sz="1200" kern="0" dirty="0">
-                <a:latin typeface="Courier New" panose="02070309020205020404" pitchFamily="49" charset="0"/>
-                <a:cs typeface="Courier New" panose="02070309020205020404" pitchFamily="49" charset="0"/>
-              </a:rPr>
-              <a:t>of (X, e</a:t>
-            </a:r>
-            <a:r>
-              <a:rPr lang="nl-NL" sz="1200" kern="0" dirty="0" smtClean="0">
-                <a:latin typeface="Courier New" panose="02070309020205020404" pitchFamily="49" charset="0"/>
-                <a:cs typeface="Courier New" panose="02070309020205020404" pitchFamily="49" charset="0"/>
-              </a:rPr>
-              <a:t>) </a:t>
-            </a:r>
-            <a:endParaRPr lang="nl-NL" sz="1200" kern="0" dirty="0">
-              <a:latin typeface="Courier New" panose="02070309020205020404" pitchFamily="49" charset="0"/>
-              <a:cs typeface="Courier New" panose="02070309020205020404" pitchFamily="49" charset="0"/>
-            </a:endParaRPr>
-          </a:p>
-          <a:p>
-            <a:pPr>
-              <a:buFont typeface="+mj-lt"/>
-              <a:buAutoNum type="arabicPeriod"/>
-            </a:pPr>
-            <a:endParaRPr lang="nl-NL" sz="1400" kern="0" dirty="0" smtClean="0">
-              <a:latin typeface="Courier New" panose="02070309020205020404" pitchFamily="49" charset="0"/>
-              <a:cs typeface="Courier New" panose="02070309020205020404" pitchFamily="49" charset="0"/>
-            </a:endParaRPr>
-          </a:p>
-          <a:p>
-            <a:pPr>
-              <a:buFont typeface="+mj-lt"/>
-              <a:buAutoNum type="arabicPeriod"/>
-            </a:pPr>
-            <a:r>
-              <a:rPr lang="nl-NL" sz="1400" kern="0" dirty="0" err="1" smtClean="0">
-                <a:latin typeface="Courier New" panose="02070309020205020404" pitchFamily="49" charset="0"/>
-                <a:cs typeface="Courier New" panose="02070309020205020404" pitchFamily="49" charset="0"/>
-              </a:rPr>
-              <a:t>What</a:t>
-            </a:r>
-            <a:r>
-              <a:rPr lang="nl-NL" sz="1400" kern="0" dirty="0" smtClean="0">
-                <a:latin typeface="Courier New" panose="02070309020205020404" pitchFamily="49" charset="0"/>
-                <a:cs typeface="Courier New" panose="02070309020205020404" pitchFamily="49" charset="0"/>
-              </a:rPr>
-              <a:t> is </a:t>
-            </a:r>
-            <a:r>
-              <a:rPr lang="nl-NL" sz="1400" kern="0" dirty="0" err="1" smtClean="0">
-                <a:latin typeface="Courier New" panose="02070309020205020404" pitchFamily="49" charset="0"/>
-                <a:cs typeface="Courier New" panose="02070309020205020404" pitchFamily="49" charset="0"/>
-              </a:rPr>
-              <a:t>your</a:t>
-            </a:r>
-            <a:r>
-              <a:rPr lang="nl-NL" sz="1400" kern="0" dirty="0" smtClean="0">
-                <a:latin typeface="Courier New" panose="02070309020205020404" pitchFamily="49" charset="0"/>
-                <a:cs typeface="Courier New" panose="02070309020205020404" pitchFamily="49" charset="0"/>
-              </a:rPr>
-              <a:t> </a:t>
-            </a:r>
-            <a:r>
-              <a:rPr lang="nl-NL" sz="1400" kern="0" dirty="0" err="1" smtClean="0">
-                <a:latin typeface="Courier New" panose="02070309020205020404" pitchFamily="49" charset="0"/>
-                <a:cs typeface="Courier New" panose="02070309020205020404" pitchFamily="49" charset="0"/>
-              </a:rPr>
-              <a:t>conclusion</a:t>
-            </a:r>
-            <a:r>
-              <a:rPr lang="nl-NL" sz="1400" kern="0" dirty="0" smtClean="0">
-                <a:latin typeface="Courier New" panose="02070309020205020404" pitchFamily="49" charset="0"/>
-                <a:cs typeface="Courier New" panose="02070309020205020404" pitchFamily="49" charset="0"/>
-              </a:rPr>
-              <a:t> </a:t>
-            </a:r>
-            <a:r>
-              <a:rPr lang="nl-NL" sz="1400" kern="0" dirty="0" err="1" smtClean="0">
-                <a:latin typeface="Courier New" panose="02070309020205020404" pitchFamily="49" charset="0"/>
-                <a:cs typeface="Courier New" panose="02070309020205020404" pitchFamily="49" charset="0"/>
-              </a:rPr>
-              <a:t>about</a:t>
-            </a:r>
-            <a:r>
-              <a:rPr lang="nl-NL" sz="1400" kern="0" dirty="0" smtClean="0">
-                <a:latin typeface="Courier New" panose="02070309020205020404" pitchFamily="49" charset="0"/>
-                <a:cs typeface="Courier New" panose="02070309020205020404" pitchFamily="49" charset="0"/>
-              </a:rPr>
-              <a:t> the fit? </a:t>
-            </a:r>
-            <a:r>
-              <a:rPr lang="nl-NL" sz="1400" kern="0" dirty="0" err="1" smtClean="0">
-                <a:latin typeface="Courier New" panose="02070309020205020404" pitchFamily="49" charset="0"/>
-                <a:cs typeface="Courier New" panose="02070309020205020404" pitchFamily="49" charset="0"/>
-              </a:rPr>
-              <a:t>Which</a:t>
-            </a:r>
-            <a:r>
-              <a:rPr lang="nl-NL" sz="1400" kern="0" dirty="0">
-                <a:latin typeface="Courier New" panose="02070309020205020404" pitchFamily="49" charset="0"/>
-                <a:cs typeface="Courier New" panose="02070309020205020404" pitchFamily="49" charset="0"/>
-              </a:rPr>
-              <a:t> </a:t>
-            </a:r>
-            <a:r>
-              <a:rPr lang="nl-NL" sz="1400" kern="0" dirty="0" err="1" smtClean="0">
-                <a:latin typeface="Courier New" panose="02070309020205020404" pitchFamily="49" charset="0"/>
-                <a:cs typeface="Courier New" panose="02070309020205020404" pitchFamily="49" charset="0"/>
-              </a:rPr>
-              <a:t>houses</a:t>
-            </a:r>
-            <a:r>
-              <a:rPr lang="nl-NL" sz="1400" kern="0" dirty="0" smtClean="0">
-                <a:latin typeface="Courier New" panose="02070309020205020404" pitchFamily="49" charset="0"/>
-                <a:cs typeface="Courier New" panose="02070309020205020404" pitchFamily="49" charset="0"/>
-              </a:rPr>
-              <a:t> (</a:t>
-            </a:r>
-            <a:r>
-              <a:rPr lang="nl-NL" sz="1400" kern="0" dirty="0" err="1" smtClean="0">
-                <a:latin typeface="Courier New" panose="02070309020205020404" pitchFamily="49" charset="0"/>
-                <a:cs typeface="Courier New" panose="02070309020205020404" pitchFamily="49" charset="0"/>
-              </a:rPr>
-              <a:t>with</a:t>
-            </a:r>
-            <a:r>
-              <a:rPr lang="nl-NL" sz="1400" kern="0" dirty="0" smtClean="0">
-                <a:latin typeface="Courier New" panose="02070309020205020404" pitchFamily="49" charset="0"/>
-                <a:cs typeface="Courier New" panose="02070309020205020404" pitchFamily="49" charset="0"/>
-              </a:rPr>
-              <a:t> </a:t>
-            </a:r>
-          </a:p>
-          <a:p>
-            <a:pPr>
-              <a:buFont typeface="+mj-lt"/>
-              <a:buAutoNum type="arabicPeriod"/>
-            </a:pPr>
-            <a:endParaRPr lang="nl-NL" sz="1400" kern="0" dirty="0">
-              <a:latin typeface="Courier New" panose="02070309020205020404" pitchFamily="49" charset="0"/>
-              <a:cs typeface="Courier New" panose="02070309020205020404" pitchFamily="49" charset="0"/>
-            </a:endParaRPr>
-          </a:p>
-          <a:p>
-            <a:pPr>
-              <a:buFont typeface="+mj-lt"/>
-              <a:buAutoNum type="arabicPeriod"/>
-            </a:pPr>
-            <a:r>
-              <a:rPr lang="nl-NL" sz="1400" kern="0" dirty="0" err="1" smtClean="0">
-                <a:latin typeface="Courier New" panose="02070309020205020404" pitchFamily="49" charset="0"/>
-                <a:cs typeface="Courier New" panose="02070309020205020404" pitchFamily="49" charset="0"/>
-              </a:rPr>
-              <a:t>Try</a:t>
-            </a:r>
-            <a:r>
-              <a:rPr lang="nl-NL" sz="1400" kern="0" dirty="0" smtClean="0">
-                <a:latin typeface="Courier New" panose="02070309020205020404" pitchFamily="49" charset="0"/>
-                <a:cs typeface="Courier New" panose="02070309020205020404" pitchFamily="49" charset="0"/>
-              </a:rPr>
-              <a:t> </a:t>
-            </a:r>
-            <a:r>
-              <a:rPr lang="nl-NL" sz="1400" kern="0" dirty="0" err="1" smtClean="0">
-                <a:latin typeface="Courier New" panose="02070309020205020404" pitchFamily="49" charset="0"/>
-                <a:cs typeface="Courier New" panose="02070309020205020404" pitchFamily="49" charset="0"/>
-              </a:rPr>
-              <a:t>to</a:t>
-            </a:r>
-            <a:r>
-              <a:rPr lang="nl-NL" sz="1400" kern="0" dirty="0" smtClean="0">
-                <a:latin typeface="Courier New" panose="02070309020205020404" pitchFamily="49" charset="0"/>
-                <a:cs typeface="Courier New" panose="02070309020205020404" pitchFamily="49" charset="0"/>
-              </a:rPr>
-              <a:t> </a:t>
-            </a:r>
-            <a:r>
-              <a:rPr lang="nl-NL" sz="1400" kern="0" dirty="0" err="1" smtClean="0">
-                <a:latin typeface="Courier New" panose="02070309020205020404" pitchFamily="49" charset="0"/>
-                <a:cs typeface="Courier New" panose="02070309020205020404" pitchFamily="49" charset="0"/>
-              </a:rPr>
-              <a:t>improve</a:t>
-            </a:r>
-            <a:r>
-              <a:rPr lang="nl-NL" sz="1400" kern="0" dirty="0" smtClean="0">
-                <a:latin typeface="Courier New" panose="02070309020205020404" pitchFamily="49" charset="0"/>
-                <a:cs typeface="Courier New" panose="02070309020205020404" pitchFamily="49" charset="0"/>
-              </a:rPr>
-              <a:t> the model fit </a:t>
-            </a:r>
-            <a:r>
-              <a:rPr lang="nl-NL" sz="1400" kern="0" dirty="0" err="1" smtClean="0">
-                <a:latin typeface="Courier New" panose="02070309020205020404" pitchFamily="49" charset="0"/>
-                <a:cs typeface="Courier New" panose="02070309020205020404" pitchFamily="49" charset="0"/>
-              </a:rPr>
-              <a:t>by</a:t>
-            </a:r>
-            <a:r>
-              <a:rPr lang="nl-NL" sz="1400" kern="0" dirty="0" smtClean="0">
-                <a:latin typeface="Courier New" panose="02070309020205020404" pitchFamily="49" charset="0"/>
-                <a:cs typeface="Courier New" panose="02070309020205020404" pitchFamily="49" charset="0"/>
-              </a:rPr>
-              <a:t> </a:t>
-            </a:r>
-            <a:r>
-              <a:rPr lang="nl-NL" sz="1400" kern="0" dirty="0" err="1" smtClean="0">
-                <a:latin typeface="Courier New" panose="02070309020205020404" pitchFamily="49" charset="0"/>
-                <a:cs typeface="Courier New" panose="02070309020205020404" pitchFamily="49" charset="0"/>
-              </a:rPr>
-              <a:t>transforming</a:t>
-            </a:r>
-            <a:r>
-              <a:rPr lang="nl-NL" sz="1400" kern="0" dirty="0" smtClean="0">
-                <a:latin typeface="Courier New" panose="02070309020205020404" pitchFamily="49" charset="0"/>
-                <a:cs typeface="Courier New" panose="02070309020205020404" pitchFamily="49" charset="0"/>
-              </a:rPr>
-              <a:t> </a:t>
-            </a:r>
-            <a:r>
-              <a:rPr lang="nl-NL" sz="1400" kern="0" dirty="0" err="1" smtClean="0">
-                <a:latin typeface="Courier New" panose="02070309020205020404" pitchFamily="49" charset="0"/>
-                <a:cs typeface="Courier New" panose="02070309020205020404" pitchFamily="49" charset="0"/>
-              </a:rPr>
-              <a:t>one</a:t>
-            </a:r>
-            <a:r>
-              <a:rPr lang="nl-NL" sz="1400" kern="0" dirty="0" smtClean="0">
-                <a:latin typeface="Courier New" panose="02070309020205020404" pitchFamily="49" charset="0"/>
-                <a:cs typeface="Courier New" panose="02070309020205020404" pitchFamily="49" charset="0"/>
-              </a:rPr>
-              <a:t> or </a:t>
-            </a:r>
-            <a:r>
-              <a:rPr lang="nl-NL" sz="1400" kern="0" dirty="0" err="1" smtClean="0">
-                <a:latin typeface="Courier New" panose="02070309020205020404" pitchFamily="49" charset="0"/>
-                <a:cs typeface="Courier New" panose="02070309020205020404" pitchFamily="49" charset="0"/>
-              </a:rPr>
-              <a:t>both</a:t>
-            </a:r>
-            <a:r>
-              <a:rPr lang="nl-NL" sz="1400" kern="0" dirty="0" smtClean="0">
-                <a:latin typeface="Courier New" panose="02070309020205020404" pitchFamily="49" charset="0"/>
-                <a:cs typeface="Courier New" panose="02070309020205020404" pitchFamily="49" charset="0"/>
-              </a:rPr>
-              <a:t> of the variables  </a:t>
-            </a:r>
-          </a:p>
-          <a:p>
-            <a:pPr>
-              <a:buFont typeface="+mj-lt"/>
-              <a:buAutoNum type="arabicPeriod"/>
-            </a:pPr>
-            <a:endParaRPr lang="nl-NL" sz="1200" kern="0" dirty="0" smtClean="0">
-              <a:latin typeface="Courier New" panose="02070309020205020404" pitchFamily="49" charset="0"/>
-              <a:cs typeface="Courier New" panose="02070309020205020404" pitchFamily="49" charset="0"/>
-            </a:endParaRPr>
-          </a:p>
-          <a:p>
-            <a:pPr marL="533400" lvl="1" indent="0">
-              <a:buNone/>
-            </a:pPr>
-            <a:endParaRPr lang="nl-NL" sz="1100" kern="0" dirty="0">
-              <a:latin typeface="Courier New" panose="02070309020205020404" pitchFamily="49" charset="0"/>
-              <a:cs typeface="Courier New" panose="02070309020205020404" pitchFamily="49" charset="0"/>
-            </a:endParaRPr>
-          </a:p>
-          <a:p>
-            <a:pPr marL="57150" indent="0">
-              <a:buNone/>
-            </a:pPr>
-            <a:r>
-              <a:rPr lang="nl-NL" sz="1200" kern="0" dirty="0" smtClean="0">
-                <a:latin typeface="Courier New" panose="02070309020205020404" pitchFamily="49" charset="0"/>
-                <a:cs typeface="Courier New" panose="02070309020205020404" pitchFamily="49" charset="0"/>
-              </a:rPr>
-              <a:t> </a:t>
-            </a:r>
-          </a:p>
-          <a:p>
-            <a:pPr>
-              <a:buFont typeface="+mj-lt"/>
-              <a:buAutoNum type="arabicPeriod"/>
-            </a:pPr>
-            <a:endParaRPr lang="nl-NL" sz="1200" kern="0" dirty="0">
-              <a:latin typeface="Courier New" panose="02070309020205020404" pitchFamily="49" charset="0"/>
-              <a:cs typeface="Courier New" panose="02070309020205020404" pitchFamily="49" charset="0"/>
-            </a:endParaRPr>
-          </a:p>
-          <a:p>
-            <a:pPr>
-              <a:buFont typeface="+mj-lt"/>
-              <a:buAutoNum type="arabicPeriod"/>
-            </a:pPr>
-            <a:endParaRPr lang="nl-NL" sz="1200" kern="0" dirty="0">
-              <a:latin typeface="Courier New" panose="02070309020205020404" pitchFamily="49" charset="0"/>
-              <a:cs typeface="Courier New" panose="02070309020205020404" pitchFamily="49" charset="0"/>
-            </a:endParaRPr>
-          </a:p>
-          <a:p>
-            <a:pPr marL="0" indent="0">
-              <a:buFont typeface="Zapf Dingbats" charset="2"/>
-              <a:buNone/>
-            </a:pPr>
-            <a:endParaRPr lang="nl-NL" sz="1200" kern="0" dirty="0" smtClean="0">
-              <a:latin typeface="Courier New" panose="02070309020205020404" pitchFamily="49" charset="0"/>
-              <a:cs typeface="Courier New" panose="02070309020205020404" pitchFamily="49" charset="0"/>
-            </a:endParaRPr>
+              <a:rPr lang="nl-NL" sz="1800" dirty="0" err="1" smtClean="0"/>
+              <a:t>for</a:t>
+            </a:r>
+            <a:r>
+              <a:rPr lang="nl-NL" sz="1800" dirty="0" smtClean="0"/>
+              <a:t> high </a:t>
+            </a:r>
+            <a:r>
+              <a:rPr lang="nl-NL" sz="1800" dirty="0" err="1" smtClean="0"/>
+              <a:t>numbers</a:t>
+            </a:r>
+            <a:r>
+              <a:rPr lang="nl-NL" sz="1800" dirty="0" smtClean="0"/>
+              <a:t> of </a:t>
+            </a:r>
+            <a:r>
+              <a:rPr lang="nl-NL" sz="1800" dirty="0" err="1" smtClean="0"/>
+              <a:t>subscribers</a:t>
+            </a:r>
+            <a:r>
+              <a:rPr lang="nl-NL" sz="1800" dirty="0" smtClean="0"/>
+              <a:t>!</a:t>
+            </a:r>
+            <a:endParaRPr lang="nl-NL" sz="1800" dirty="0"/>
           </a:p>
         </p:txBody>
       </p:sp>
     </p:spTree>
     <p:extLst>
       <p:ext uri="{BB962C8B-B14F-4D97-AF65-F5344CB8AC3E}">
-        <p14:creationId xmlns:p14="http://schemas.microsoft.com/office/powerpoint/2010/main" val="3377482893"/>
+        <p14:creationId xmlns:p14="http://schemas.microsoft.com/office/powerpoint/2010/main" val="557714835"/>
       </p:ext>
     </p:extLst>
   </p:cSld>
@@ -9296,124 +12585,684 @@
           <a:p>
             <a:r>
               <a:rPr lang="nl-NL" dirty="0" smtClean="0"/>
-              <a:t>Topics</a:t>
+              <a:t>Model fit: R</a:t>
+            </a:r>
+            <a:r>
+              <a:rPr lang="nl-NL" baseline="30000" dirty="0" smtClean="0"/>
+              <a:t>2</a:t>
             </a:r>
             <a:endParaRPr lang="nl-NL" dirty="0"/>
           </a:p>
         </p:txBody>
       </p:sp>
-      <p:sp>
-        <p:nvSpPr>
-          <p:cNvPr id="3" name="Tijdelijke aanduiding voor inhoud 2"/>
-          <p:cNvSpPr>
-            <a:spLocks noGrp="1"/>
-          </p:cNvSpPr>
-          <p:nvPr>
-            <p:ph idx="1"/>
-          </p:nvPr>
+      <mc:AlternateContent xmlns:mc="http://schemas.openxmlformats.org/markup-compatibility/2006">
+        <mc:Choice xmlns:a14="http://schemas.microsoft.com/office/drawing/2010/main" Requires="a14">
+          <p:sp>
+            <p:nvSpPr>
+              <p:cNvPr id="3" name="Tijdelijke aanduiding voor inhoud 2"/>
+              <p:cNvSpPr>
+                <a:spLocks noGrp="1"/>
+              </p:cNvSpPr>
+              <p:nvPr>
+                <p:ph idx="1"/>
+              </p:nvPr>
+            </p:nvSpPr>
+            <p:spPr>
+              <a:xfrm>
+                <a:off x="762000" y="1762125"/>
+                <a:ext cx="2729880" cy="3295197"/>
+              </a:xfrm>
+            </p:spPr>
+            <p:txBody>
+              <a:bodyPr/>
+              <a:lstStyle/>
+              <a:p>
+                <a:pPr marL="0" indent="0">
+                  <a:buNone/>
+                </a:pPr>
+                <a14:m>
+                  <m:oMathPara xmlns:m="http://schemas.openxmlformats.org/officeDocument/2006/math">
+                    <m:oMathParaPr>
+                      <m:jc m:val="centerGroup"/>
+                    </m:oMathParaPr>
+                    <m:oMath xmlns:m="http://schemas.openxmlformats.org/officeDocument/2006/math">
+                      <m:sSup>
+                        <m:sSupPr>
+                          <m:ctrlPr>
+                            <a:rPr lang="nl-NL" sz="1800" b="0" i="1" smtClean="0">
+                              <a:latin typeface="Cambria Math" panose="02040503050406030204" pitchFamily="18" charset="0"/>
+                            </a:rPr>
+                          </m:ctrlPr>
+                        </m:sSupPr>
+                        <m:e>
+                          <m:r>
+                            <a:rPr lang="nl-NL" sz="1800" b="0" i="1" smtClean="0">
+                              <a:latin typeface="Cambria Math" panose="02040503050406030204" pitchFamily="18" charset="0"/>
+                            </a:rPr>
+                            <m:t>𝑅</m:t>
+                          </m:r>
+                        </m:e>
+                        <m:sup>
+                          <m:r>
+                            <a:rPr lang="nl-NL" sz="1800" b="0" i="1" smtClean="0">
+                              <a:latin typeface="Cambria Math" panose="02040503050406030204" pitchFamily="18" charset="0"/>
+                            </a:rPr>
+                            <m:t>2</m:t>
+                          </m:r>
+                        </m:sup>
+                      </m:sSup>
+                      <m:r>
+                        <a:rPr lang="nl-NL" sz="1800" b="0" i="1" smtClean="0">
+                          <a:latin typeface="Cambria Math" panose="02040503050406030204" pitchFamily="18" charset="0"/>
+                        </a:rPr>
+                        <m:t>= </m:t>
+                      </m:r>
+                      <m:f>
+                        <m:fPr>
+                          <m:ctrlPr>
+                            <a:rPr lang="nl-NL" sz="1800" i="1" smtClean="0">
+                              <a:latin typeface="Cambria Math" panose="02040503050406030204" pitchFamily="18" charset="0"/>
+                            </a:rPr>
+                          </m:ctrlPr>
+                        </m:fPr>
+                        <m:num>
+                          <m:r>
+                            <a:rPr lang="nl-NL" sz="1800" b="0" i="1" smtClean="0">
+                              <a:latin typeface="Cambria Math" panose="02040503050406030204" pitchFamily="18" charset="0"/>
+                            </a:rPr>
+                            <m:t>𝑣𝑎𝑟𝑖𝑎𝑛𝑐𝑒</m:t>
+                          </m:r>
+                          <m:r>
+                            <a:rPr lang="nl-NL" sz="1800" b="0" i="1" smtClean="0">
+                              <a:latin typeface="Cambria Math" panose="02040503050406030204" pitchFamily="18" charset="0"/>
+                            </a:rPr>
+                            <m:t> </m:t>
+                          </m:r>
+                          <m:r>
+                            <a:rPr lang="nl-NL" sz="1800" b="0" i="1" smtClean="0">
+                              <a:latin typeface="Cambria Math" panose="02040503050406030204" pitchFamily="18" charset="0"/>
+                            </a:rPr>
+                            <m:t>𝑖𝑛</m:t>
+                          </m:r>
+                          <m:r>
+                            <a:rPr lang="nl-NL" sz="1800" b="0" i="1" smtClean="0">
+                              <a:latin typeface="Cambria Math" panose="02040503050406030204" pitchFamily="18" charset="0"/>
+                            </a:rPr>
+                            <m:t> </m:t>
+                          </m:r>
+                          <m:r>
+                            <a:rPr lang="nl-NL" sz="1800" b="0" i="1" smtClean="0">
+                              <a:latin typeface="Cambria Math" panose="02040503050406030204" pitchFamily="18" charset="0"/>
+                            </a:rPr>
+                            <m:t>𝑑𝑒𝑝𝑒𝑛𝑑𝑒𝑛𝑡</m:t>
+                          </m:r>
+                          <m:r>
+                            <a:rPr lang="nl-NL" sz="1800" b="0" i="1" smtClean="0">
+                              <a:latin typeface="Cambria Math" panose="02040503050406030204" pitchFamily="18" charset="0"/>
+                            </a:rPr>
+                            <m:t> </m:t>
+                          </m:r>
+                          <m:r>
+                            <a:rPr lang="nl-NL" sz="1800" b="0" i="1" smtClean="0">
+                              <a:latin typeface="Cambria Math" panose="02040503050406030204" pitchFamily="18" charset="0"/>
+                            </a:rPr>
+                            <m:t>𝑣𝑎𝑟𝑖𝑎𝑏𝑙𝑒</m:t>
+                          </m:r>
+                          <m:r>
+                            <a:rPr lang="nl-NL" sz="1800" b="0" i="1" smtClean="0">
+                              <a:latin typeface="Cambria Math" panose="02040503050406030204" pitchFamily="18" charset="0"/>
+                            </a:rPr>
+                            <m:t> </m:t>
+                          </m:r>
+                          <m:r>
+                            <a:rPr lang="nl-NL" sz="1800" b="0" i="1" smtClean="0">
+                              <a:latin typeface="Cambria Math" panose="02040503050406030204" pitchFamily="18" charset="0"/>
+                            </a:rPr>
+                            <m:t>𝑒𝑥𝑝𝑙𝑎𝑖𝑛𝑒𝑑</m:t>
+                          </m:r>
+                          <m:r>
+                            <a:rPr lang="nl-NL" sz="1800" b="0" i="1" smtClean="0">
+                              <a:latin typeface="Cambria Math" panose="02040503050406030204" pitchFamily="18" charset="0"/>
+                            </a:rPr>
+                            <m:t> </m:t>
+                          </m:r>
+                          <m:r>
+                            <a:rPr lang="nl-NL" sz="1800" b="0" i="1" smtClean="0">
+                              <a:latin typeface="Cambria Math" panose="02040503050406030204" pitchFamily="18" charset="0"/>
+                            </a:rPr>
+                            <m:t>𝑏𝑦</m:t>
+                          </m:r>
+                          <m:r>
+                            <a:rPr lang="nl-NL" sz="1800" b="0" i="1" smtClean="0">
+                              <a:latin typeface="Cambria Math" panose="02040503050406030204" pitchFamily="18" charset="0"/>
+                            </a:rPr>
+                            <m:t> </m:t>
+                          </m:r>
+                          <m:r>
+                            <a:rPr lang="nl-NL" sz="1800" b="0" i="1" smtClean="0">
+                              <a:latin typeface="Cambria Math" panose="02040503050406030204" pitchFamily="18" charset="0"/>
+                            </a:rPr>
+                            <m:t>𝑚𝑜𝑑𝑒𝑙</m:t>
+                          </m:r>
+                        </m:num>
+                        <m:den>
+                          <m:r>
+                            <a:rPr lang="nl-NL" sz="1800" b="0" i="1" smtClean="0">
+                              <a:latin typeface="Cambria Math" panose="02040503050406030204" pitchFamily="18" charset="0"/>
+                            </a:rPr>
+                            <m:t>𝑡𝑜𝑡𝑎𝑙</m:t>
+                          </m:r>
+                          <m:r>
+                            <a:rPr lang="nl-NL" sz="1800" b="0" i="1" smtClean="0">
+                              <a:latin typeface="Cambria Math" panose="02040503050406030204" pitchFamily="18" charset="0"/>
+                            </a:rPr>
+                            <m:t> </m:t>
+                          </m:r>
+                          <m:r>
+                            <a:rPr lang="nl-NL" sz="1800" b="0" i="1" smtClean="0">
+                              <a:latin typeface="Cambria Math" panose="02040503050406030204" pitchFamily="18" charset="0"/>
+                            </a:rPr>
+                            <m:t>𝑣𝑎𝑟𝑖𝑎𝑛𝑐𝑒</m:t>
+                          </m:r>
+                        </m:den>
+                      </m:f>
+                    </m:oMath>
+                  </m:oMathPara>
+                </a14:m>
+                <a:endParaRPr lang="nl-NL" sz="2000" dirty="0" smtClean="0"/>
+              </a:p>
+              <a:p>
+                <a:endParaRPr lang="nl-NL" sz="2000" dirty="0"/>
+              </a:p>
+              <a:p>
+                <a:r>
+                  <a:rPr lang="nl-NL" sz="2000" dirty="0" err="1" smtClean="0"/>
+                  <a:t>Varies</a:t>
+                </a:r>
+                <a:r>
+                  <a:rPr lang="nl-NL" sz="2000" dirty="0" smtClean="0"/>
+                  <a:t> from 0 </a:t>
+                </a:r>
+                <a:r>
+                  <a:rPr lang="nl-NL" sz="2000" dirty="0" err="1" smtClean="0"/>
+                  <a:t>to</a:t>
+                </a:r>
+                <a:r>
+                  <a:rPr lang="nl-NL" sz="2000" dirty="0" smtClean="0"/>
+                  <a:t> </a:t>
+                </a:r>
+                <a:r>
+                  <a:rPr lang="nl-NL" sz="2000" dirty="0" smtClean="0"/>
+                  <a:t>1</a:t>
+                </a:r>
+              </a:p>
+              <a:p>
+                <a:endParaRPr lang="nl-NL" sz="2000" dirty="0"/>
+              </a:p>
+              <a:p>
+                <a:r>
+                  <a:rPr lang="nl-NL" sz="2000" dirty="0" smtClean="0"/>
+                  <a:t>The </a:t>
+                </a:r>
+                <a:r>
+                  <a:rPr lang="nl-NL" sz="2000" dirty="0" err="1" smtClean="0"/>
+                  <a:t>proportion</a:t>
+                </a:r>
+                <a:r>
+                  <a:rPr lang="nl-NL" sz="2000" dirty="0" smtClean="0"/>
+                  <a:t> of </a:t>
+                </a:r>
+                <a:r>
+                  <a:rPr lang="nl-NL" sz="2000" dirty="0" err="1" smtClean="0"/>
+                  <a:t>variance</a:t>
+                </a:r>
+                <a:r>
+                  <a:rPr lang="nl-NL" sz="2000" dirty="0" smtClean="0"/>
+                  <a:t> </a:t>
+                </a:r>
+                <a:r>
+                  <a:rPr lang="nl-NL" sz="2000" dirty="0" err="1" smtClean="0"/>
+                  <a:t>that</a:t>
+                </a:r>
+                <a:r>
+                  <a:rPr lang="nl-NL" sz="2000" dirty="0" smtClean="0"/>
+                  <a:t> </a:t>
+                </a:r>
+                <a:r>
+                  <a:rPr lang="nl-NL" sz="2000" dirty="0" err="1" smtClean="0"/>
+                  <a:t>you</a:t>
+                </a:r>
+                <a:r>
+                  <a:rPr lang="nl-NL" sz="2000" dirty="0" smtClean="0"/>
+                  <a:t> </a:t>
+                </a:r>
+                <a:r>
+                  <a:rPr lang="nl-NL" sz="2000" dirty="0" err="1" smtClean="0"/>
+                  <a:t>can</a:t>
+                </a:r>
+                <a:r>
+                  <a:rPr lang="nl-NL" sz="2000" dirty="0" smtClean="0"/>
+                  <a:t> </a:t>
+                </a:r>
+                <a:r>
+                  <a:rPr lang="nl-NL" sz="2000" dirty="0" err="1" smtClean="0"/>
+                  <a:t>explain</a:t>
+                </a:r>
+                <a:r>
+                  <a:rPr lang="nl-NL" sz="2000" dirty="0" smtClean="0"/>
+                  <a:t> </a:t>
+                </a:r>
+                <a:r>
+                  <a:rPr lang="nl-NL" sz="2000" dirty="0" err="1" smtClean="0"/>
+                  <a:t>with</a:t>
+                </a:r>
+                <a:r>
+                  <a:rPr lang="nl-NL" sz="2000" dirty="0" smtClean="0"/>
+                  <a:t> </a:t>
+                </a:r>
+                <a:r>
+                  <a:rPr lang="nl-NL" sz="2000" dirty="0" err="1" smtClean="0"/>
+                  <a:t>your</a:t>
+                </a:r>
+                <a:r>
+                  <a:rPr lang="nl-NL" sz="2000" dirty="0" smtClean="0"/>
+                  <a:t> model</a:t>
+                </a:r>
+                <a:endParaRPr lang="nl-NL" sz="2000" dirty="0"/>
+              </a:p>
+            </p:txBody>
+          </p:sp>
+        </mc:Choice>
+        <mc:Fallback>
+          <p:sp>
+            <p:nvSpPr>
+              <p:cNvPr id="3" name="Tijdelijke aanduiding voor inhoud 2"/>
+              <p:cNvSpPr>
+                <a:spLocks noGrp="1" noRot="1" noChangeAspect="1" noMove="1" noResize="1" noEditPoints="1" noAdjustHandles="1" noChangeArrowheads="1" noChangeShapeType="1" noTextEdit="1"/>
+              </p:cNvSpPr>
+              <p:nvPr>
+                <p:ph idx="1"/>
+              </p:nvPr>
+            </p:nvSpPr>
+            <p:spPr>
+              <a:xfrm>
+                <a:off x="762000" y="1762125"/>
+                <a:ext cx="2729880" cy="3295197"/>
+              </a:xfrm>
+              <a:blipFill>
+                <a:blip r:embed="rId2"/>
+                <a:stretch>
+                  <a:fillRect r="-107813" b="-2403"/>
+                </a:stretch>
+              </a:blipFill>
+            </p:spPr>
+            <p:txBody>
+              <a:bodyPr/>
+              <a:lstStyle/>
+              <a:p>
+                <a:r>
+                  <a:rPr lang="nl-NL">
+                    <a:noFill/>
+                  </a:rPr>
+                  <a:t> </a:t>
+                </a:r>
+              </a:p>
+            </p:txBody>
+          </p:sp>
+        </mc:Fallback>
+      </mc:AlternateContent>
+      <p:sp>
+        <p:nvSpPr>
+          <p:cNvPr id="4" name="Ovaal 3"/>
+          <p:cNvSpPr/>
+          <p:nvPr/>
         </p:nvSpPr>
         <p:spPr>
           <a:xfrm>
-            <a:off x="762000" y="1762125"/>
-            <a:ext cx="7881938" cy="3268587"/>
+            <a:off x="3707904" y="2924944"/>
+            <a:ext cx="3744416" cy="3384376"/>
           </a:xfrm>
+          <a:prstGeom prst="ellipse">
+            <a:avLst/>
+          </a:prstGeom>
         </p:spPr>
-        <p:txBody>
-          <a:bodyPr/>
+        <p:style>
+          <a:lnRef idx="2">
+            <a:schemeClr val="accent1">
+              <a:shade val="50000"/>
+            </a:schemeClr>
+          </a:lnRef>
+          <a:fillRef idx="1">
+            <a:schemeClr val="accent1"/>
+          </a:fillRef>
+          <a:effectRef idx="0">
+            <a:schemeClr val="accent1"/>
+          </a:effectRef>
+          <a:fontRef idx="minor">
+            <a:schemeClr val="lt1"/>
+          </a:fontRef>
+        </p:style>
+        <p:txBody>
+          <a:bodyPr rtlCol="0" anchor="ctr"/>
           <a:lstStyle/>
           <a:p>
-            <a:r>
-              <a:rPr lang="nl-NL" sz="2400" dirty="0" smtClean="0"/>
-              <a:t>Evaluation of </a:t>
-            </a:r>
-            <a:r>
-              <a:rPr lang="nl-NL" sz="2400" dirty="0" err="1" smtClean="0"/>
-              <a:t>simple</a:t>
-            </a:r>
-            <a:r>
-              <a:rPr lang="nl-NL" sz="2400" dirty="0" smtClean="0"/>
+            <a:pPr algn="ctr"/>
+            <a:r>
+              <a:rPr lang="nl-NL" sz="1800" dirty="0" err="1" smtClean="0">
+                <a:solidFill>
+                  <a:schemeClr val="accent6">
+                    <a:lumMod val="60000"/>
+                    <a:lumOff val="40000"/>
+                  </a:schemeClr>
+                </a:solidFill>
+              </a:rPr>
+              <a:t>All</a:t>
+            </a:r>
+            <a:r>
+              <a:rPr lang="nl-NL" sz="1800" dirty="0" smtClean="0">
+                <a:solidFill>
+                  <a:schemeClr val="accent6">
+                    <a:lumMod val="60000"/>
+                    <a:lumOff val="40000"/>
+                  </a:schemeClr>
+                </a:solidFill>
+              </a:rPr>
+              <a:t> the </a:t>
+            </a:r>
+            <a:r>
+              <a:rPr lang="nl-NL" sz="1800" dirty="0" err="1" smtClean="0">
+                <a:solidFill>
+                  <a:schemeClr val="accent6">
+                    <a:lumMod val="60000"/>
+                    <a:lumOff val="40000"/>
+                  </a:schemeClr>
+                </a:solidFill>
+              </a:rPr>
+              <a:t>variation</a:t>
+            </a:r>
+            <a:r>
+              <a:rPr lang="nl-NL" sz="1800" dirty="0" smtClean="0">
+                <a:solidFill>
+                  <a:schemeClr val="accent6">
+                    <a:lumMod val="60000"/>
+                    <a:lumOff val="40000"/>
+                  </a:schemeClr>
+                </a:solidFill>
+              </a:rPr>
               <a:t> </a:t>
             </a:r>
             <a:r>
-              <a:rPr lang="nl-NL" sz="2400" dirty="0" err="1" smtClean="0"/>
-              <a:t>linear</a:t>
-            </a:r>
-            <a:r>
-              <a:rPr lang="nl-NL" sz="2400" dirty="0" smtClean="0"/>
+              <a:rPr lang="nl-NL" sz="1800" dirty="0" err="1" smtClean="0">
+                <a:solidFill>
+                  <a:schemeClr val="accent6">
+                    <a:lumMod val="60000"/>
+                    <a:lumOff val="40000"/>
+                  </a:schemeClr>
+                </a:solidFill>
+              </a:rPr>
+              <a:t>that</a:t>
+            </a:r>
+            <a:endParaRPr lang="nl-NL" sz="1800" dirty="0">
+              <a:solidFill>
+                <a:schemeClr val="accent6">
+                  <a:lumMod val="60000"/>
+                  <a:lumOff val="40000"/>
+                </a:schemeClr>
+              </a:solidFill>
+            </a:endParaRPr>
+          </a:p>
+          <a:p>
+            <a:pPr algn="ctr"/>
+            <a:r>
+              <a:rPr lang="nl-NL" sz="1800" dirty="0" err="1" smtClean="0">
+                <a:solidFill>
+                  <a:schemeClr val="accent6">
+                    <a:lumMod val="60000"/>
+                    <a:lumOff val="40000"/>
+                  </a:schemeClr>
+                </a:solidFill>
+              </a:rPr>
+              <a:t>exists</a:t>
+            </a:r>
+            <a:r>
+              <a:rPr lang="nl-NL" sz="1800" dirty="0" smtClean="0">
+                <a:solidFill>
+                  <a:schemeClr val="accent6">
+                    <a:lumMod val="60000"/>
+                    <a:lumOff val="40000"/>
+                  </a:schemeClr>
+                </a:solidFill>
+              </a:rPr>
+              <a:t> in YouTube views (</a:t>
+            </a:r>
+            <a:r>
+              <a:rPr lang="nl-NL" sz="1800" dirty="0" err="1" smtClean="0">
+                <a:solidFill>
+                  <a:schemeClr val="accent6">
+                    <a:lumMod val="60000"/>
+                    <a:lumOff val="40000"/>
+                  </a:schemeClr>
+                </a:solidFill>
+              </a:rPr>
+              <a:t>some</a:t>
+            </a:r>
+            <a:r>
+              <a:rPr lang="nl-NL" sz="1800" dirty="0" smtClean="0">
+                <a:solidFill>
+                  <a:schemeClr val="accent6">
+                    <a:lumMod val="60000"/>
+                    <a:lumOff val="40000"/>
+                  </a:schemeClr>
+                </a:solidFill>
+              </a:rPr>
+              <a:t> have </a:t>
+            </a:r>
+            <a:r>
+              <a:rPr lang="nl-NL" sz="1800" dirty="0" err="1" smtClean="0">
+                <a:solidFill>
+                  <a:schemeClr val="accent6">
+                    <a:lumMod val="60000"/>
+                    <a:lumOff val="40000"/>
+                  </a:schemeClr>
+                </a:solidFill>
+              </a:rPr>
+              <a:t>many</a:t>
+            </a:r>
+            <a:r>
+              <a:rPr lang="nl-NL" sz="1800" dirty="0" smtClean="0">
+                <a:solidFill>
+                  <a:schemeClr val="accent6">
+                    <a:lumMod val="60000"/>
+                    <a:lumOff val="40000"/>
+                  </a:schemeClr>
+                </a:solidFill>
+              </a:rPr>
+              <a:t> views, </a:t>
+            </a:r>
+            <a:r>
+              <a:rPr lang="nl-NL" sz="1800" dirty="0" err="1" smtClean="0">
+                <a:solidFill>
+                  <a:schemeClr val="accent6">
+                    <a:lumMod val="60000"/>
+                    <a:lumOff val="40000"/>
+                  </a:schemeClr>
+                </a:solidFill>
+              </a:rPr>
+              <a:t>some</a:t>
+            </a:r>
+            <a:r>
+              <a:rPr lang="nl-NL" sz="1800" dirty="0" smtClean="0">
+                <a:solidFill>
+                  <a:schemeClr val="accent6">
+                    <a:lumMod val="60000"/>
+                    <a:lumOff val="40000"/>
+                  </a:schemeClr>
+                </a:solidFill>
+              </a:rPr>
               <a:t> </a:t>
             </a:r>
             <a:r>
-              <a:rPr lang="nl-NL" sz="2400" dirty="0" err="1" smtClean="0"/>
-              <a:t>regression</a:t>
-            </a:r>
-            <a:endParaRPr lang="nl-NL" sz="2400" dirty="0" smtClean="0"/>
-          </a:p>
-          <a:p>
-            <a:endParaRPr lang="nl-NL" sz="2400" dirty="0"/>
-          </a:p>
-          <a:p>
-            <a:r>
-              <a:rPr lang="nl-NL" sz="2400" dirty="0" err="1" smtClean="0"/>
-              <a:t>Overfitting</a:t>
-            </a:r>
-            <a:r>
-              <a:rPr lang="nl-NL" sz="2400" dirty="0" smtClean="0"/>
+              <a:rPr lang="nl-NL" sz="1800" dirty="0" err="1" smtClean="0">
+                <a:solidFill>
+                  <a:schemeClr val="accent6">
+                    <a:lumMod val="60000"/>
+                    <a:lumOff val="40000"/>
+                  </a:schemeClr>
+                </a:solidFill>
+              </a:rPr>
+              <a:t>very</a:t>
+            </a:r>
+            <a:r>
+              <a:rPr lang="nl-NL" sz="1800" dirty="0" smtClean="0">
+                <a:solidFill>
+                  <a:schemeClr val="accent6">
+                    <a:lumMod val="60000"/>
+                    <a:lumOff val="40000"/>
+                  </a:schemeClr>
+                </a:solidFill>
+              </a:rPr>
               <a:t> </a:t>
             </a:r>
             <a:r>
-              <a:rPr lang="nl-NL" sz="2400" dirty="0" err="1" smtClean="0"/>
-              <a:t>and</a:t>
-            </a:r>
-            <a:r>
-              <a:rPr lang="nl-NL" sz="2400" dirty="0" smtClean="0"/>
-              <a:t> model </a:t>
-            </a:r>
-            <a:r>
-              <a:rPr lang="nl-NL" sz="2400" dirty="0" err="1" smtClean="0"/>
-              <a:t>validation</a:t>
-            </a:r>
-            <a:endParaRPr lang="nl-NL" sz="2400" dirty="0" smtClean="0"/>
-          </a:p>
-          <a:p>
-            <a:endParaRPr lang="nl-NL" sz="2400" dirty="0"/>
-          </a:p>
-          <a:p>
-            <a:r>
-              <a:rPr lang="nl-NL" sz="2400" dirty="0" smtClean="0"/>
-              <a:t>Multiple </a:t>
-            </a:r>
-            <a:r>
-              <a:rPr lang="nl-NL" sz="2400" dirty="0" err="1" smtClean="0"/>
-              <a:t>linear</a:t>
-            </a:r>
-            <a:r>
-              <a:rPr lang="nl-NL" sz="2400" dirty="0" smtClean="0"/>
+              <a:rPr lang="nl-NL" sz="1800" dirty="0" err="1" smtClean="0">
+                <a:solidFill>
+                  <a:schemeClr val="accent6">
+                    <a:lumMod val="60000"/>
+                    <a:lumOff val="40000"/>
+                  </a:schemeClr>
+                </a:solidFill>
+              </a:rPr>
+              <a:t>little</a:t>
+            </a:r>
+            <a:r>
+              <a:rPr lang="nl-NL" sz="1800" dirty="0" smtClean="0">
+                <a:solidFill>
+                  <a:schemeClr val="accent6">
+                    <a:lumMod val="60000"/>
+                    <a:lumOff val="40000"/>
+                  </a:schemeClr>
+                </a:solidFill>
+              </a:rPr>
+              <a:t>)</a:t>
+            </a:r>
+            <a:endParaRPr lang="nl-NL" sz="1800" dirty="0">
+              <a:solidFill>
+                <a:schemeClr val="accent6">
+                  <a:lumMod val="60000"/>
+                  <a:lumOff val="40000"/>
+                </a:schemeClr>
+              </a:solidFill>
+            </a:endParaRPr>
+          </a:p>
+        </p:txBody>
+      </p:sp>
+      <p:sp>
+        <p:nvSpPr>
+          <p:cNvPr id="5" name="Ovaal 4"/>
+          <p:cNvSpPr/>
+          <p:nvPr/>
+        </p:nvSpPr>
+        <p:spPr>
+          <a:xfrm>
+            <a:off x="6407696" y="1880828"/>
+            <a:ext cx="2736304" cy="2736304"/>
+          </a:xfrm>
+          <a:prstGeom prst="ellipse">
+            <a:avLst/>
+          </a:prstGeom>
+          <a:solidFill>
+            <a:srgbClr val="FFFF00"/>
+          </a:solidFill>
+        </p:spPr>
+        <p:style>
+          <a:lnRef idx="2">
+            <a:schemeClr val="accent1">
+              <a:shade val="50000"/>
+            </a:schemeClr>
+          </a:lnRef>
+          <a:fillRef idx="1">
+            <a:schemeClr val="accent1"/>
+          </a:fillRef>
+          <a:effectRef idx="0">
+            <a:schemeClr val="accent1"/>
+          </a:effectRef>
+          <a:fontRef idx="minor">
+            <a:schemeClr val="lt1"/>
+          </a:fontRef>
+        </p:style>
+        <p:txBody>
+          <a:bodyPr rtlCol="0" anchor="ctr"/>
+          <a:lstStyle/>
+          <a:p>
+            <a:pPr algn="ctr"/>
+            <a:r>
+              <a:rPr lang="nl-NL" sz="1800" dirty="0" smtClean="0"/>
+              <a:t>R</a:t>
+            </a:r>
+            <a:r>
+              <a:rPr lang="nl-NL" sz="1800" baseline="30000" dirty="0" smtClean="0"/>
+              <a:t>2 </a:t>
+            </a:r>
+            <a:r>
+              <a:rPr lang="nl-NL" sz="1800" dirty="0" smtClean="0"/>
+              <a:t>=0.62</a:t>
+            </a:r>
+          </a:p>
+          <a:p>
+            <a:pPr algn="ctr"/>
+            <a:r>
+              <a:rPr lang="nl-NL" sz="1800" dirty="0" smtClean="0"/>
+              <a:t> The </a:t>
+            </a:r>
+            <a:r>
+              <a:rPr lang="nl-NL" sz="1800" dirty="0" err="1" smtClean="0"/>
+              <a:t>variation</a:t>
+            </a:r>
+            <a:r>
+              <a:rPr lang="nl-NL" sz="1800" dirty="0" smtClean="0"/>
+              <a:t> we </a:t>
+            </a:r>
+            <a:r>
+              <a:rPr lang="nl-NL" sz="1800" dirty="0" err="1" smtClean="0"/>
+              <a:t>can</a:t>
+            </a:r>
+            <a:r>
+              <a:rPr lang="nl-NL" sz="1800" dirty="0" smtClean="0"/>
               <a:t> </a:t>
             </a:r>
             <a:r>
-              <a:rPr lang="nl-NL" sz="2400" dirty="0" err="1" smtClean="0"/>
-              <a:t>regression</a:t>
-            </a:r>
-            <a:endParaRPr lang="nl-NL" sz="2400" dirty="0" smtClean="0"/>
-          </a:p>
-          <a:p>
-            <a:endParaRPr lang="nl-NL" dirty="0"/>
-          </a:p>
-          <a:p>
-            <a:endParaRPr lang="nl-NL" dirty="0"/>
+              <a:rPr lang="nl-NL" sz="1800" dirty="0" err="1" smtClean="0"/>
+              <a:t>explain</a:t>
+            </a:r>
+            <a:r>
+              <a:rPr lang="nl-NL" sz="1800" dirty="0"/>
+              <a:t>:</a:t>
+            </a:r>
+            <a:r>
+              <a:rPr lang="nl-NL" sz="1800" dirty="0" smtClean="0"/>
+              <a:t> 62%</a:t>
+            </a:r>
+            <a:endParaRPr lang="nl-NL" sz="1800" dirty="0"/>
           </a:p>
         </p:txBody>
       </p:sp>
     </p:spTree>
     <p:extLst>
       <p:ext uri="{BB962C8B-B14F-4D97-AF65-F5344CB8AC3E}">
-        <p14:creationId xmlns:p14="http://schemas.microsoft.com/office/powerpoint/2010/main" val="739240308"/>
+        <p14:creationId xmlns:p14="http://schemas.microsoft.com/office/powerpoint/2010/main" val="2268549695"/>
       </p:ext>
     </p:extLst>
   </p:cSld>
   <p:clrMapOvr>
     <a:masterClrMapping/>
   </p:clrMapOvr>
+  <p:timing>
+    <p:tnLst>
+      <p:par>
+        <p:cTn id="1" dur="indefinite" restart="never" nodeType="tmRoot"/>
+      </p:par>
+    </p:tnLst>
+  </p:timing>
 </p:sld>
 </file>
 

--- a/slides/ddl-w5l2.pptx
+++ b/slides/ddl-w5l2.pptx
@@ -308,7 +308,7 @@
             <a:fld id="{373F1B60-BDF4-4D63-AD79-99D5A5B1DF99}" type="datetime1">
               <a:rPr lang="en-US"/>
               <a:pPr/>
-              <a:t>12/11/2018</a:t>
+              <a:t>12/12/2018</a:t>
             </a:fld>
             <a:endParaRPr lang="en-US"/>
           </a:p>
@@ -527,7 +527,7 @@
             <a:fld id="{4387A7AA-DFE9-4771-BEDE-3294FCEBFB02}" type="datetime1">
               <a:rPr lang="en-US"/>
               <a:pPr/>
-              <a:t>12/11/2018</a:t>
+              <a:t>12/12/2018</a:t>
             </a:fld>
             <a:endParaRPr lang="en-US"/>
           </a:p>
@@ -918,7 +918,7 @@
             <a:fld id="{8541E2CD-DBF4-40F9-B6F8-EEFD0DF8A138}" type="datetime1">
               <a:rPr lang="en-US"/>
               <a:pPr/>
-              <a:t>12/11/2018</a:t>
+              <a:t>12/12/2018</a:t>
             </a:fld>
             <a:endParaRPr lang="en-US"/>
           </a:p>
@@ -1133,7 +1133,7 @@
             <a:fld id="{93F21019-3A00-48AC-9663-40DF67A83229}" type="datetime1">
               <a:rPr lang="en-US"/>
               <a:pPr/>
-              <a:t>12/11/2018</a:t>
+              <a:t>12/12/2018</a:t>
             </a:fld>
             <a:endParaRPr lang="en-US">
               <a:solidFill>
@@ -1319,7 +1319,7 @@
             <a:fld id="{8B2EF9C8-0AC3-4A53-9A61-1834A571F420}" type="datetime1">
               <a:rPr lang="en-US"/>
               <a:pPr/>
-              <a:t>12/11/2018</a:t>
+              <a:t>12/12/2018</a:t>
             </a:fld>
             <a:endParaRPr lang="en-US" sz="1400">
               <a:solidFill>
@@ -1516,7 +1516,7 @@
             <a:fld id="{F02960F3-A385-4905-A491-FDC17E063DD1}" type="datetime1">
               <a:rPr lang="en-US"/>
               <a:pPr/>
-              <a:t>12/11/2018</a:t>
+              <a:t>12/12/2018</a:t>
             </a:fld>
             <a:endParaRPr lang="en-US" sz="1400">
               <a:solidFill>
@@ -1775,7 +1775,7 @@
             <a:fld id="{CD3AD70A-8E2A-47B5-AC18-ABBB5A8E737D}" type="datetime1">
               <a:rPr lang="en-US"/>
               <a:pPr/>
-              <a:t>12/11/2018</a:t>
+              <a:t>12/12/2018</a:t>
             </a:fld>
             <a:endParaRPr lang="en-US" sz="1400">
               <a:solidFill>
@@ -2011,7 +2011,7 @@
             <a:fld id="{07008C2E-9BD6-496B-BFC3-B4A975EBC85E}" type="datetime1">
               <a:rPr lang="en-US"/>
               <a:pPr/>
-              <a:t>12/11/2018</a:t>
+              <a:t>12/12/2018</a:t>
             </a:fld>
             <a:endParaRPr lang="en-US" sz="1400">
               <a:solidFill>
@@ -2190,7 +2190,7 @@
             <a:fld id="{1AA2C3CF-866C-4FDE-B76D-4E9536901630}" type="datetime1">
               <a:rPr lang="en-US"/>
               <a:pPr/>
-              <a:t>12/11/2018</a:t>
+              <a:t>12/12/2018</a:t>
             </a:fld>
             <a:endParaRPr lang="en-US" sz="1400">
               <a:solidFill>
@@ -2369,7 +2369,7 @@
             <a:fld id="{555EE259-FE08-4558-B721-B189FFE77284}" type="datetime1">
               <a:rPr lang="en-US"/>
               <a:pPr/>
-              <a:t>12/11/2018</a:t>
+              <a:t>12/12/2018</a:t>
             </a:fld>
             <a:endParaRPr lang="en-US" sz="1400">
               <a:solidFill>
@@ -2638,7 +2638,7 @@
             <a:fld id="{0AF4064E-5624-49AB-B7C6-E301A8F6B1FF}" type="datetime1">
               <a:rPr lang="en-US"/>
               <a:pPr/>
-              <a:t>12/11/2018</a:t>
+              <a:t>12/12/2018</a:t>
             </a:fld>
             <a:endParaRPr lang="en-US" sz="1400">
               <a:solidFill>
@@ -2835,7 +2835,7 @@
             <a:fld id="{CBC97FCD-6C54-4833-B032-BFBCDFA8379D}" type="datetime1">
               <a:rPr lang="en-US"/>
               <a:pPr/>
-              <a:t>12/11/2018</a:t>
+              <a:t>12/12/2018</a:t>
             </a:fld>
             <a:endParaRPr lang="en-US" sz="1400">
               <a:solidFill>
@@ -3044,7 +3044,7 @@
             <a:fld id="{F04AA577-515A-431F-98B6-3B03494ABB11}" type="datetime1">
               <a:rPr lang="en-US"/>
               <a:pPr/>
-              <a:t>12/11/2018</a:t>
+              <a:t>12/12/2018</a:t>
             </a:fld>
             <a:endParaRPr lang="en-US" sz="1400">
               <a:solidFill>
@@ -3349,7 +3349,7 @@
             <a:fld id="{6475F1A4-C474-4345-A800-2F40B0E4E70C}" type="datetime1">
               <a:rPr lang="en-US"/>
               <a:pPr/>
-              <a:t>12/11/2018</a:t>
+              <a:t>12/12/2018</a:t>
             </a:fld>
             <a:endParaRPr lang="en-US" sz="1400">
               <a:solidFill>
@@ -3793,7 +3793,7 @@
             <a:fld id="{7BA535AB-820E-4207-9DA8-5F37106C7AF4}" type="datetime1">
               <a:rPr lang="en-US"/>
               <a:pPr/>
-              <a:t>12/11/2018</a:t>
+              <a:t>12/12/2018</a:t>
             </a:fld>
             <a:endParaRPr lang="en-US" sz="1400">
               <a:solidFill>
@@ -3928,7 +3928,7 @@
             <a:fld id="{0A7E69FA-D7EE-42C0-9117-1971B541885F}" type="datetime1">
               <a:rPr lang="en-US"/>
               <a:pPr/>
-              <a:t>12/11/2018</a:t>
+              <a:t>12/12/2018</a:t>
             </a:fld>
             <a:endParaRPr lang="en-US" sz="1400">
               <a:solidFill>
@@ -4040,7 +4040,7 @@
             <a:fld id="{10D7644E-1B5D-4325-BA79-338DF2B89B56}" type="datetime1">
               <a:rPr lang="en-US"/>
               <a:pPr/>
-              <a:t>12/11/2018</a:t>
+              <a:t>12/12/2018</a:t>
             </a:fld>
             <a:endParaRPr lang="en-US" sz="1400">
               <a:solidFill>
@@ -4334,7 +4334,7 @@
             <a:fld id="{B790C882-0B74-4932-8998-E9ABB8AF1740}" type="datetime1">
               <a:rPr lang="en-US"/>
               <a:pPr/>
-              <a:t>12/11/2018</a:t>
+              <a:t>12/12/2018</a:t>
             </a:fld>
             <a:endParaRPr lang="en-US" sz="1400">
               <a:solidFill>
@@ -4604,7 +4604,7 @@
             <a:fld id="{9DC585DC-AE7D-44C1-90AB-C3A391DEA065}" type="datetime1">
               <a:rPr lang="en-US"/>
               <a:pPr/>
-              <a:t>12/11/2018</a:t>
+              <a:t>12/12/2018</a:t>
             </a:fld>
             <a:endParaRPr lang="en-US" sz="1400">
               <a:solidFill>
@@ -4868,7 +4868,7 @@
             <a:fld id="{256CE565-1940-4E5F-9190-C0815CEAAA9D}" type="datetime1">
               <a:rPr lang="en-US"/>
               <a:pPr/>
-              <a:t>12/11/2018</a:t>
+              <a:t>12/12/2018</a:t>
             </a:fld>
             <a:endParaRPr lang="en-US"/>
           </a:p>
@@ -5674,11 +5674,7 @@
             </a:r>
             <a:r>
               <a:rPr lang="nl-NL" sz="2400" dirty="0" smtClean="0"/>
-              <a:t> </a:t>
-            </a:r>
-            <a:r>
-              <a:rPr lang="nl-NL" sz="2400" dirty="0" smtClean="0"/>
-              <a:t>(</a:t>
+              <a:t> (</a:t>
             </a:r>
             <a:r>
               <a:rPr lang="nl-NL" sz="2400" dirty="0" err="1" smtClean="0"/>
@@ -5686,11 +5682,7 @@
             </a:r>
             <a:r>
               <a:rPr lang="nl-NL" sz="2400" dirty="0" smtClean="0"/>
-              <a:t> the ‘sticks</a:t>
-            </a:r>
-            <a:r>
-              <a:rPr lang="nl-NL" sz="2400" dirty="0" smtClean="0"/>
-              <a:t>’)</a:t>
+              <a:t> the ‘sticks’)</a:t>
             </a:r>
             <a:endParaRPr lang="nl-NL" sz="2200" dirty="0" smtClean="0"/>
           </a:p>
@@ -6083,11 +6075,7 @@
             </a:r>
             <a:r>
               <a:rPr lang="nl-NL" dirty="0" smtClean="0"/>
-              <a:t> 1: </a:t>
-            </a:r>
-            <a:r>
-              <a:rPr lang="nl-NL" dirty="0" smtClean="0"/>
-              <a:t>model </a:t>
+              <a:t> 1: model </a:t>
             </a:r>
             <a:r>
               <a:rPr lang="nl-NL" dirty="0" err="1" smtClean="0"/>
@@ -6980,14 +6968,7 @@
                 <a:latin typeface="Courier New" panose="02070309020205020404" pitchFamily="49" charset="0"/>
                 <a:cs typeface="Courier New" panose="02070309020205020404" pitchFamily="49" charset="0"/>
               </a:rPr>
-              <a:t> house</a:t>
-            </a:r>
-            <a:r>
-              <a:rPr lang="nl-NL" sz="1400" kern="0" dirty="0" smtClean="0">
-                <a:latin typeface="Courier New" panose="02070309020205020404" pitchFamily="49" charset="0"/>
-                <a:cs typeface="Courier New" panose="02070309020205020404" pitchFamily="49" charset="0"/>
-              </a:rPr>
-              <a:t>?</a:t>
+              <a:t> house?</a:t>
             </a:r>
           </a:p>
           <a:p>
@@ -7779,11 +7760,7 @@
             </a:r>
             <a:r>
               <a:rPr lang="nl-NL" sz="2400" dirty="0" smtClean="0"/>
-              <a:t> a </a:t>
-            </a:r>
-            <a:r>
-              <a:rPr lang="nl-NL" sz="2400" dirty="0" smtClean="0"/>
-              <a:t>training (70-80%) </a:t>
+              <a:t> a training (70-80%) </a:t>
             </a:r>
             <a:r>
               <a:rPr lang="nl-NL" sz="2400" dirty="0" err="1" smtClean="0"/>
@@ -7791,13 +7768,8 @@
             </a:r>
             <a:r>
               <a:rPr lang="nl-NL" sz="2400" dirty="0" smtClean="0"/>
-              <a:t> test </a:t>
-            </a:r>
-            <a:r>
-              <a:rPr lang="nl-NL" sz="2400" dirty="0" smtClean="0"/>
-              <a:t>set (20-30%)</a:t>
-            </a:r>
-            <a:endParaRPr lang="nl-NL" sz="2400" dirty="0" smtClean="0"/>
+              <a:t> test set (20-30%)</a:t>
+            </a:r>
           </a:p>
           <a:p>
             <a:endParaRPr lang="nl-NL" sz="2400" dirty="0"/>
@@ -7834,27 +7806,15 @@
             </a:r>
             <a:r>
               <a:rPr lang="nl-NL" sz="2400" i="1" dirty="0" smtClean="0"/>
-              <a:t> from the training </a:t>
-            </a:r>
-            <a:r>
-              <a:rPr lang="nl-NL" sz="2400" i="1" dirty="0" smtClean="0"/>
-              <a:t>set,</a:t>
+              <a:t> from the training set,</a:t>
             </a:r>
             <a:r>
               <a:rPr lang="nl-NL" sz="2400" dirty="0" smtClean="0"/>
-              <a:t> </a:t>
-            </a:r>
-            <a:r>
-              <a:rPr lang="nl-NL" sz="2400" dirty="0" smtClean="0"/>
-              <a:t>we report performance </a:t>
+              <a:t> we report performance </a:t>
             </a:r>
             <a:r>
               <a:rPr lang="nl-NL" sz="2400" b="1" dirty="0" smtClean="0"/>
-              <a:t>on the test </a:t>
-            </a:r>
-            <a:r>
-              <a:rPr lang="nl-NL" sz="2400" b="1" dirty="0" smtClean="0"/>
-              <a:t>set</a:t>
+              <a:t>on the test set</a:t>
             </a:r>
           </a:p>
           <a:p>
@@ -8131,8 +8091,8 @@
           </a:p>
         </p:txBody>
       </p:sp>
-      <mc:AlternateContent xmlns:mc="http://schemas.openxmlformats.org/markup-compatibility/2006">
-        <mc:Choice xmlns:a14="http://schemas.microsoft.com/office/drawing/2010/main" Requires="a14">
+      <mc:AlternateContent xmlns:mc="http://schemas.openxmlformats.org/markup-compatibility/2006" xmlns:a14="http://schemas.microsoft.com/office/drawing/2010/main">
+        <mc:Choice Requires="a14">
           <p:sp>
             <p:nvSpPr>
               <p:cNvPr id="4" name="Tekstvak 3"/>
@@ -8370,7 +8330,7 @@
             </p:txBody>
           </p:sp>
         </mc:Choice>
-        <mc:Fallback>
+        <mc:Fallback xmlns="">
           <p:sp>
             <p:nvSpPr>
               <p:cNvPr id="4" name="Tekstvak 3"/>
@@ -8409,8 +8369,8 @@
           </p:sp>
         </mc:Fallback>
       </mc:AlternateContent>
-      <mc:AlternateContent xmlns:mc="http://schemas.openxmlformats.org/markup-compatibility/2006">
-        <mc:Choice xmlns:a14="http://schemas.microsoft.com/office/drawing/2010/main" Requires="a14">
+      <mc:AlternateContent xmlns:mc="http://schemas.openxmlformats.org/markup-compatibility/2006" xmlns:a14="http://schemas.microsoft.com/office/drawing/2010/main">
+        <mc:Choice Requires="a14">
           <p:sp>
             <p:nvSpPr>
               <p:cNvPr id="6" name="Tekstvak 5"/>
@@ -8516,7 +8476,7 @@
             </p:txBody>
           </p:sp>
         </mc:Choice>
-        <mc:Fallback>
+        <mc:Fallback xmlns="">
           <p:sp>
             <p:nvSpPr>
               <p:cNvPr id="6" name="Tekstvak 5"/>
@@ -8945,7 +8905,6 @@
               <a:rPr lang="nl-NL" dirty="0"/>
               <a:t>2</a:t>
             </a:r>
-            <a:endParaRPr lang="nl-NL" dirty="0"/>
           </a:p>
         </p:txBody>
       </p:sp>
@@ -9215,14 +9174,7 @@
                 <a:latin typeface="Courier New" panose="02070309020205020404" pitchFamily="49" charset="0"/>
                 <a:cs typeface="Courier New" panose="02070309020205020404" pitchFamily="49" charset="0"/>
               </a:rPr>
-              <a:t>Creat</a:t>
-            </a:r>
-            <a:r>
-              <a:rPr lang="nl-NL" sz="1400" kern="0" dirty="0" err="1" smtClean="0">
-                <a:latin typeface="Courier New" panose="02070309020205020404" pitchFamily="49" charset="0"/>
-                <a:cs typeface="Courier New" panose="02070309020205020404" pitchFamily="49" charset="0"/>
-              </a:rPr>
-              <a:t>e</a:t>
+              <a:t>Create</a:t>
             </a:r>
             <a:r>
               <a:rPr lang="nl-NL" sz="1400" kern="0" dirty="0" smtClean="0">
@@ -9548,10 +9500,6 @@
               </a:rPr>
               <a:t> a train set</a:t>
             </a:r>
-            <a:endParaRPr lang="nl-NL" sz="1400" kern="0" dirty="0" smtClean="0">
-              <a:latin typeface="Courier New" panose="02070309020205020404" pitchFamily="49" charset="0"/>
-              <a:cs typeface="Courier New" panose="02070309020205020404" pitchFamily="49" charset="0"/>
-            </a:endParaRPr>
           </a:p>
           <a:p>
             <a:pPr>
@@ -9770,10 +9718,6 @@
               </a:rPr>
               <a:t> well?</a:t>
             </a:r>
-            <a:endParaRPr lang="nl-NL" sz="1400" kern="0" dirty="0" smtClean="0">
-              <a:latin typeface="Courier New" panose="02070309020205020404" pitchFamily="49" charset="0"/>
-              <a:cs typeface="Courier New" panose="02070309020205020404" pitchFamily="49" charset="0"/>
-            </a:endParaRPr>
           </a:p>
           <a:p>
             <a:pPr marL="0" indent="0">
@@ -10059,7 +10003,7 @@
         <p:spPr>
           <a:xfrm>
             <a:off x="762000" y="1762125"/>
-            <a:ext cx="7881938" cy="3908762"/>
+            <a:ext cx="7881938" cy="3600986"/>
           </a:xfrm>
         </p:spPr>
         <p:txBody>
@@ -10096,15 +10040,7 @@
             </a:r>
             <a:r>
               <a:rPr lang="nl-NL" sz="2000" dirty="0" smtClean="0"/>
-              <a:t> cut from the program </a:t>
-            </a:r>
-            <a:r>
-              <a:rPr lang="nl-NL" sz="2000" dirty="0" err="1" smtClean="0"/>
-              <a:t>and</a:t>
-            </a:r>
-            <a:r>
-              <a:rPr lang="nl-NL" sz="2000" dirty="0" smtClean="0"/>
-              <a:t> from </a:t>
+              <a:t> cut from </a:t>
             </a:r>
             <a:r>
               <a:rPr lang="nl-NL" sz="2000" dirty="0" err="1" smtClean="0"/>
@@ -10116,7 +10052,7 @@
             </a:r>
           </a:p>
           <a:p>
-            <a:endParaRPr lang="nl-NL" sz="2000" dirty="0"/>
+            <a:endParaRPr lang="nl-NL" sz="2000" dirty="0" smtClean="0"/>
           </a:p>
           <a:p>
             <a:r>
@@ -10156,8 +10092,12 @@
           <a:p>
             <a:pPr lvl="1"/>
             <a:r>
+              <a:rPr lang="nl-NL" sz="2000" dirty="0" err="1" smtClean="0"/>
+              <a:t>Assignment</a:t>
+            </a:r>
+            <a:r>
               <a:rPr lang="nl-NL" sz="2000" dirty="0" smtClean="0"/>
-              <a:t>I </a:t>
+              <a:t> 2 </a:t>
             </a:r>
             <a:r>
               <a:rPr lang="nl-NL" sz="2000" dirty="0" err="1" smtClean="0"/>
@@ -10165,30 +10105,62 @@
             </a:r>
             <a:r>
               <a:rPr lang="nl-NL" sz="2000" dirty="0" smtClean="0"/>
-              <a:t> cut down </a:t>
+              <a:t> </a:t>
             </a:r>
             <a:r>
               <a:rPr lang="nl-NL" sz="2000" dirty="0" err="1" smtClean="0"/>
-              <a:t>Assigment</a:t>
+              <a:t>be</a:t>
             </a:r>
             <a:r>
               <a:rPr lang="nl-NL" sz="2000" dirty="0" smtClean="0"/>
-              <a:t> 2 </a:t>
+              <a:t> </a:t>
             </a:r>
             <a:r>
               <a:rPr lang="nl-NL" sz="2000" dirty="0" err="1" smtClean="0"/>
-              <a:t>somewhat</a:t>
+              <a:t>shortened</a:t>
+            </a:r>
+            <a:r>
+              <a:rPr lang="nl-NL" sz="2000" dirty="0" smtClean="0"/>
+              <a:t>: </a:t>
+            </a:r>
+            <a:r>
+              <a:rPr lang="nl-NL" sz="2000" i="1" dirty="0" err="1" smtClean="0"/>
+              <a:t>choose</a:t>
+            </a:r>
+            <a:r>
+              <a:rPr lang="nl-NL" sz="2000" i="1" dirty="0" smtClean="0"/>
+              <a:t> </a:t>
+            </a:r>
+            <a:r>
+              <a:rPr lang="nl-NL" sz="2000" dirty="0" err="1" smtClean="0"/>
+              <a:t>one</a:t>
+            </a:r>
+            <a:r>
+              <a:rPr lang="nl-NL" sz="2000" dirty="0" smtClean="0"/>
+              <a:t> </a:t>
+            </a:r>
+            <a:r>
+              <a:rPr lang="nl-NL" sz="2000" dirty="0" err="1" smtClean="0"/>
+              <a:t>algorithm</a:t>
             </a:r>
             <a:endParaRPr lang="nl-NL" sz="2000" dirty="0" smtClean="0"/>
           </a:p>
           <a:p>
             <a:pPr lvl="1"/>
-            <a:endParaRPr lang="nl-NL" sz="2000" dirty="0"/>
+            <a:endParaRPr lang="nl-NL" sz="2000" dirty="0" smtClean="0"/>
           </a:p>
           <a:p>
             <a:r>
               <a:rPr lang="nl-NL" sz="2000" dirty="0" smtClean="0"/>
-              <a:t>In the winter break, I </a:t>
+              <a:t>In the </a:t>
+            </a:r>
+            <a:r>
+              <a:rPr lang="nl-NL" sz="2000" dirty="0" smtClean="0"/>
+              <a:t>Christmas</a:t>
+            </a:r>
+            <a:r>
+              <a:rPr lang="nl-NL" sz="2000" dirty="0" smtClean="0"/>
+              <a:t> break, I </a:t>
             </a:r>
             <a:r>
               <a:rPr lang="nl-NL" sz="2000" dirty="0" err="1" smtClean="0"/>
@@ -10237,7 +10209,7 @@
             <a:endParaRPr lang="nl-NL" sz="2000" dirty="0" smtClean="0"/>
           </a:p>
           <a:p>
-            <a:endParaRPr lang="nl-NL" sz="2000" dirty="0"/>
+            <a:endParaRPr lang="nl-NL" sz="2000" dirty="0" smtClean="0"/>
           </a:p>
           <a:p>
             <a:r>
@@ -10254,7 +10226,7 @@
             </a:r>
             <a:r>
               <a:rPr lang="nl-NL" sz="2000" dirty="0" err="1" smtClean="0"/>
-              <a:t>Assignments</a:t>
+              <a:t>assignments</a:t>
             </a:r>
             <a:r>
               <a:rPr lang="nl-NL" sz="2000" dirty="0" smtClean="0"/>
@@ -12595,8 +12567,8 @@
           </a:p>
         </p:txBody>
       </p:sp>
-      <mc:AlternateContent xmlns:mc="http://schemas.openxmlformats.org/markup-compatibility/2006">
-        <mc:Choice xmlns:a14="http://schemas.microsoft.com/office/drawing/2010/main" Requires="a14">
+      <mc:AlternateContent xmlns:mc="http://schemas.openxmlformats.org/markup-compatibility/2006" xmlns:a14="http://schemas.microsoft.com/office/drawing/2010/main">
+        <mc:Choice Requires="a14">
           <p:sp>
             <p:nvSpPr>
               <p:cNvPr id="3" name="Tijdelijke aanduiding voor inhoud 2"/>
@@ -12789,11 +12761,7 @@
                 </a:r>
                 <a:r>
                   <a:rPr lang="nl-NL" sz="2000" dirty="0" smtClean="0"/>
-                  <a:t> </a:t>
-                </a:r>
-                <a:r>
-                  <a:rPr lang="nl-NL" sz="2000" dirty="0" smtClean="0"/>
-                  <a:t>1</a:t>
+                  <a:t> 1</a:t>
                 </a:r>
               </a:p>
               <a:p>
@@ -12873,7 +12841,7 @@
             </p:txBody>
           </p:sp>
         </mc:Choice>
-        <mc:Fallback>
+        <mc:Fallback xmlns="">
           <p:sp>
             <p:nvSpPr>
               <p:cNvPr id="3" name="Tijdelijke aanduiding voor inhoud 2"/>

--- a/slides/ddl-w5l2.pptx
+++ b/slides/ddl-w5l2.pptx
@@ -10152,15 +10152,7 @@
           <a:p>
             <a:r>
               <a:rPr lang="nl-NL" sz="2000" dirty="0" smtClean="0"/>
-              <a:t>In the </a:t>
-            </a:r>
-            <a:r>
-              <a:rPr lang="nl-NL" sz="2000" dirty="0" smtClean="0"/>
-              <a:t>Christmas</a:t>
-            </a:r>
-            <a:r>
-              <a:rPr lang="nl-NL" sz="2000" dirty="0" smtClean="0"/>
-              <a:t> break, I </a:t>
+              <a:t>In the Christmas break, I </a:t>
             </a:r>
             <a:r>
               <a:rPr lang="nl-NL" sz="2000" dirty="0" err="1" smtClean="0"/>

--- a/slides/ddl-w5l2.pptx
+++ b/slides/ddl-w5l2.pptx
@@ -6180,7 +6180,7 @@
         <p:spPr bwMode="auto">
           <a:xfrm>
             <a:off x="827584" y="1722552"/>
-            <a:ext cx="7881938" cy="5890843"/>
+            <a:ext cx="7881938" cy="6149376"/>
           </a:xfrm>
           <a:prstGeom prst="rect">
             <a:avLst/>
@@ -6824,151 +6824,32 @@
               <a:buAutoNum type="arabicPeriod"/>
             </a:pPr>
             <a:r>
-              <a:rPr lang="nl-NL" sz="1400" kern="0" dirty="0" err="1" smtClean="0">
+              <a:rPr lang="nl-NL" sz="1400" kern="0" dirty="0" err="1">
                 <a:latin typeface="Courier New" panose="02070309020205020404" pitchFamily="49" charset="0"/>
                 <a:cs typeface="Courier New" panose="02070309020205020404" pitchFamily="49" charset="0"/>
               </a:rPr>
               <a:t>What</a:t>
             </a:r>
             <a:r>
-              <a:rPr lang="nl-NL" sz="1400" kern="0" dirty="0" smtClean="0">
-                <a:latin typeface="Courier New" panose="02070309020205020404" pitchFamily="49" charset="0"/>
-                <a:cs typeface="Courier New" panose="02070309020205020404" pitchFamily="49" charset="0"/>
-              </a:rPr>
-              <a:t> is </a:t>
-            </a:r>
-            <a:r>
-              <a:rPr lang="nl-NL" sz="1400" kern="0" dirty="0" err="1" smtClean="0">
-                <a:latin typeface="Courier New" panose="02070309020205020404" pitchFamily="49" charset="0"/>
-                <a:cs typeface="Courier New" panose="02070309020205020404" pitchFamily="49" charset="0"/>
-              </a:rPr>
-              <a:t>your</a:t>
-            </a:r>
-            <a:r>
-              <a:rPr lang="nl-NL" sz="1400" kern="0" dirty="0" smtClean="0">
-                <a:latin typeface="Courier New" panose="02070309020205020404" pitchFamily="49" charset="0"/>
-                <a:cs typeface="Courier New" panose="02070309020205020404" pitchFamily="49" charset="0"/>
-              </a:rPr>
-              <a:t> </a:t>
-            </a:r>
-            <a:r>
-              <a:rPr lang="nl-NL" sz="1400" kern="0" dirty="0" err="1" smtClean="0">
-                <a:latin typeface="Courier New" panose="02070309020205020404" pitchFamily="49" charset="0"/>
-                <a:cs typeface="Courier New" panose="02070309020205020404" pitchFamily="49" charset="0"/>
-              </a:rPr>
-              <a:t>conclusion</a:t>
-            </a:r>
-            <a:r>
-              <a:rPr lang="nl-NL" sz="1400" kern="0" dirty="0" smtClean="0">
-                <a:latin typeface="Courier New" panose="02070309020205020404" pitchFamily="49" charset="0"/>
-                <a:cs typeface="Courier New" panose="02070309020205020404" pitchFamily="49" charset="0"/>
-              </a:rPr>
-              <a:t> </a:t>
-            </a:r>
-            <a:r>
-              <a:rPr lang="nl-NL" sz="1400" kern="0" dirty="0" err="1" smtClean="0">
-                <a:latin typeface="Courier New" panose="02070309020205020404" pitchFamily="49" charset="0"/>
-                <a:cs typeface="Courier New" panose="02070309020205020404" pitchFamily="49" charset="0"/>
-              </a:rPr>
-              <a:t>about</a:t>
-            </a:r>
-            <a:r>
-              <a:rPr lang="nl-NL" sz="1400" kern="0" dirty="0" smtClean="0">
-                <a:latin typeface="Courier New" panose="02070309020205020404" pitchFamily="49" charset="0"/>
-                <a:cs typeface="Courier New" panose="02070309020205020404" pitchFamily="49" charset="0"/>
-              </a:rPr>
-              <a:t> the fit? </a:t>
-            </a:r>
-            <a:r>
-              <a:rPr lang="nl-NL" sz="1400" kern="0" dirty="0" err="1" smtClean="0">
-                <a:latin typeface="Courier New" panose="02070309020205020404" pitchFamily="49" charset="0"/>
-                <a:cs typeface="Courier New" panose="02070309020205020404" pitchFamily="49" charset="0"/>
-              </a:rPr>
-              <a:t>Which</a:t>
-            </a:r>
-            <a:r>
               <a:rPr lang="nl-NL" sz="1400" kern="0" dirty="0">
                 <a:latin typeface="Courier New" panose="02070309020205020404" pitchFamily="49" charset="0"/>
                 <a:cs typeface="Courier New" panose="02070309020205020404" pitchFamily="49" charset="0"/>
               </a:rPr>
-              <a:t> </a:t>
-            </a:r>
-            <a:r>
-              <a:rPr lang="nl-NL" sz="1400" kern="0" dirty="0" err="1" smtClean="0">
-                <a:latin typeface="Courier New" panose="02070309020205020404" pitchFamily="49" charset="0"/>
-                <a:cs typeface="Courier New" panose="02070309020205020404" pitchFamily="49" charset="0"/>
-              </a:rPr>
-              <a:t>houses</a:t>
-            </a:r>
-            <a:r>
-              <a:rPr lang="nl-NL" sz="1400" kern="0" dirty="0" smtClean="0">
-                <a:latin typeface="Courier New" panose="02070309020205020404" pitchFamily="49" charset="0"/>
-                <a:cs typeface="Courier New" panose="02070309020205020404" pitchFamily="49" charset="0"/>
-              </a:rPr>
-              <a:t> are </a:t>
-            </a:r>
-            <a:r>
-              <a:rPr lang="nl-NL" sz="1400" kern="0" dirty="0" err="1" smtClean="0">
-                <a:latin typeface="Courier New" panose="02070309020205020404" pitchFamily="49" charset="0"/>
-                <a:cs typeface="Courier New" panose="02070309020205020404" pitchFamily="49" charset="0"/>
-              </a:rPr>
-              <a:t>predicted</a:t>
-            </a:r>
-            <a:r>
-              <a:rPr lang="nl-NL" sz="1400" kern="0" dirty="0" smtClean="0">
-                <a:latin typeface="Courier New" panose="02070309020205020404" pitchFamily="49" charset="0"/>
-                <a:cs typeface="Courier New" panose="02070309020205020404" pitchFamily="49" charset="0"/>
-              </a:rPr>
-              <a:t> </a:t>
-            </a:r>
-            <a:r>
-              <a:rPr lang="nl-NL" sz="1400" kern="0" dirty="0" err="1" smtClean="0">
-                <a:latin typeface="Courier New" panose="02070309020205020404" pitchFamily="49" charset="0"/>
-                <a:cs typeface="Courier New" panose="02070309020205020404" pitchFamily="49" charset="0"/>
-              </a:rPr>
-              <a:t>better</a:t>
-            </a:r>
-            <a:r>
-              <a:rPr lang="nl-NL" sz="1400" kern="0" dirty="0" smtClean="0">
-                <a:latin typeface="Courier New" panose="02070309020205020404" pitchFamily="49" charset="0"/>
-                <a:cs typeface="Courier New" panose="02070309020205020404" pitchFamily="49" charset="0"/>
-              </a:rPr>
-              <a:t>? </a:t>
-            </a:r>
-            <a:r>
-              <a:rPr lang="nl-NL" sz="1400" kern="0" dirty="0" err="1" smtClean="0">
-                <a:latin typeface="Courier New" panose="02070309020205020404" pitchFamily="49" charset="0"/>
-                <a:cs typeface="Courier New" panose="02070309020205020404" pitchFamily="49" charset="0"/>
-              </a:rPr>
-              <a:t>Cheap</a:t>
+              <a:t> is the R</a:t>
+            </a:r>
+            <a:r>
+              <a:rPr lang="nl-NL" sz="1400" kern="0" baseline="30000" dirty="0">
+                <a:latin typeface="Courier New" panose="02070309020205020404" pitchFamily="49" charset="0"/>
+                <a:cs typeface="Courier New" panose="02070309020205020404" pitchFamily="49" charset="0"/>
+              </a:rPr>
+              <a:t>2</a:t>
             </a:r>
             <a:r>
               <a:rPr lang="nl-NL" sz="1400" kern="0" dirty="0">
                 <a:latin typeface="Courier New" panose="02070309020205020404" pitchFamily="49" charset="0"/>
                 <a:cs typeface="Courier New" panose="02070309020205020404" pitchFamily="49" charset="0"/>
               </a:rPr>
-              <a:t> </a:t>
-            </a:r>
-            <a:r>
-              <a:rPr lang="nl-NL" sz="1400" kern="0" dirty="0" smtClean="0">
-                <a:latin typeface="Courier New" panose="02070309020205020404" pitchFamily="49" charset="0"/>
-                <a:cs typeface="Courier New" panose="02070309020205020404" pitchFamily="49" charset="0"/>
-              </a:rPr>
-              <a:t>or </a:t>
-            </a:r>
-            <a:r>
-              <a:rPr lang="nl-NL" sz="1400" kern="0" dirty="0" err="1" smtClean="0">
-                <a:latin typeface="Courier New" panose="02070309020205020404" pitchFamily="49" charset="0"/>
-                <a:cs typeface="Courier New" panose="02070309020205020404" pitchFamily="49" charset="0"/>
-              </a:rPr>
-              <a:t>expensive</a:t>
-            </a:r>
-            <a:r>
-              <a:rPr lang="nl-NL" sz="1400" kern="0" dirty="0" smtClean="0">
-                <a:latin typeface="Courier New" panose="02070309020205020404" pitchFamily="49" charset="0"/>
-                <a:cs typeface="Courier New" panose="02070309020205020404" pitchFamily="49" charset="0"/>
-              </a:rPr>
-              <a:t> house?</a:t>
+              <a:t> of the model?</a:t>
             </a:r>
           </a:p>
           <a:p>
@@ -6998,21 +6879,21 @@
                 <a:latin typeface="Courier New" panose="02070309020205020404" pitchFamily="49" charset="0"/>
                 <a:cs typeface="Courier New" panose="02070309020205020404" pitchFamily="49" charset="0"/>
               </a:rPr>
-              <a:t> is the R</a:t>
-            </a:r>
-            <a:r>
-              <a:rPr lang="nl-NL" sz="1400" kern="0" baseline="30000" dirty="0">
-                <a:latin typeface="Courier New" panose="02070309020205020404" pitchFamily="49" charset="0"/>
-                <a:cs typeface="Courier New" panose="02070309020205020404" pitchFamily="49" charset="0"/>
-              </a:rPr>
-              <a:t>2</a:t>
+              <a:t> is the root mean </a:t>
+            </a:r>
+            <a:r>
+              <a:rPr lang="nl-NL" sz="1400" kern="0" dirty="0" err="1">
+                <a:latin typeface="Courier New" panose="02070309020205020404" pitchFamily="49" charset="0"/>
+                <a:cs typeface="Courier New" panose="02070309020205020404" pitchFamily="49" charset="0"/>
+              </a:rPr>
+              <a:t>squared</a:t>
             </a:r>
             <a:r>
               <a:rPr lang="nl-NL" sz="1400" kern="0" dirty="0">
                 <a:latin typeface="Courier New" panose="02070309020205020404" pitchFamily="49" charset="0"/>
                 <a:cs typeface="Courier New" panose="02070309020205020404" pitchFamily="49" charset="0"/>
               </a:rPr>
-              <a:t> of the model?</a:t>
+              <a:t> error (RMSE)?</a:t>
             </a:r>
           </a:p>
           <a:p>
@@ -7031,33 +6912,169 @@
               <a:buAutoNum type="arabicPeriod"/>
             </a:pPr>
             <a:r>
-              <a:rPr lang="nl-NL" sz="1400" kern="0" dirty="0" err="1">
+              <a:rPr lang="nl-NL" sz="1400" kern="0" dirty="0" err="1" smtClean="0">
                 <a:latin typeface="Courier New" panose="02070309020205020404" pitchFamily="49" charset="0"/>
                 <a:cs typeface="Courier New" panose="02070309020205020404" pitchFamily="49" charset="0"/>
               </a:rPr>
               <a:t>What</a:t>
             </a:r>
             <a:r>
+              <a:rPr lang="nl-NL" sz="1400" kern="0" dirty="0" smtClean="0">
+                <a:latin typeface="Courier New" panose="02070309020205020404" pitchFamily="49" charset="0"/>
+                <a:cs typeface="Courier New" panose="02070309020205020404" pitchFamily="49" charset="0"/>
+              </a:rPr>
+              <a:t> </a:t>
+            </a:r>
+            <a:r>
+              <a:rPr lang="nl-NL" sz="1400" kern="0" dirty="0" smtClean="0">
+                <a:latin typeface="Courier New" panose="02070309020205020404" pitchFamily="49" charset="0"/>
+                <a:cs typeface="Courier New" panose="02070309020205020404" pitchFamily="49" charset="0"/>
+              </a:rPr>
+              <a:t>is </a:t>
+            </a:r>
+            <a:r>
+              <a:rPr lang="nl-NL" sz="1400" kern="0" dirty="0" err="1" smtClean="0">
+                <a:latin typeface="Courier New" panose="02070309020205020404" pitchFamily="49" charset="0"/>
+                <a:cs typeface="Courier New" panose="02070309020205020404" pitchFamily="49" charset="0"/>
+              </a:rPr>
+              <a:t>your</a:t>
+            </a:r>
+            <a:r>
+              <a:rPr lang="nl-NL" sz="1400" kern="0" dirty="0" smtClean="0">
+                <a:latin typeface="Courier New" panose="02070309020205020404" pitchFamily="49" charset="0"/>
+                <a:cs typeface="Courier New" panose="02070309020205020404" pitchFamily="49" charset="0"/>
+              </a:rPr>
+              <a:t> </a:t>
+            </a:r>
+            <a:r>
+              <a:rPr lang="nl-NL" sz="1400" kern="0" dirty="0" err="1" smtClean="0">
+                <a:latin typeface="Courier New" panose="02070309020205020404" pitchFamily="49" charset="0"/>
+                <a:cs typeface="Courier New" panose="02070309020205020404" pitchFamily="49" charset="0"/>
+              </a:rPr>
+              <a:t>conclusion</a:t>
+            </a:r>
+            <a:r>
+              <a:rPr lang="nl-NL" sz="1400" kern="0" dirty="0" smtClean="0">
+                <a:latin typeface="Courier New" panose="02070309020205020404" pitchFamily="49" charset="0"/>
+                <a:cs typeface="Courier New" panose="02070309020205020404" pitchFamily="49" charset="0"/>
+              </a:rPr>
+              <a:t> </a:t>
+            </a:r>
+            <a:r>
+              <a:rPr lang="nl-NL" sz="1400" kern="0" dirty="0" err="1" smtClean="0">
+                <a:latin typeface="Courier New" panose="02070309020205020404" pitchFamily="49" charset="0"/>
+                <a:cs typeface="Courier New" panose="02070309020205020404" pitchFamily="49" charset="0"/>
+              </a:rPr>
+              <a:t>about</a:t>
+            </a:r>
+            <a:r>
+              <a:rPr lang="nl-NL" sz="1400" kern="0" dirty="0" smtClean="0">
+                <a:latin typeface="Courier New" panose="02070309020205020404" pitchFamily="49" charset="0"/>
+                <a:cs typeface="Courier New" panose="02070309020205020404" pitchFamily="49" charset="0"/>
+              </a:rPr>
+              <a:t> the fit? </a:t>
+            </a:r>
+            <a:r>
+              <a:rPr lang="nl-NL" sz="1400" kern="0" dirty="0" err="1" smtClean="0">
+                <a:latin typeface="Courier New" panose="02070309020205020404" pitchFamily="49" charset="0"/>
+                <a:cs typeface="Courier New" panose="02070309020205020404" pitchFamily="49" charset="0"/>
+              </a:rPr>
+              <a:t>Which</a:t>
+            </a:r>
+            <a:r>
               <a:rPr lang="nl-NL" sz="1400" kern="0" dirty="0">
                 <a:latin typeface="Courier New" panose="02070309020205020404" pitchFamily="49" charset="0"/>
                 <a:cs typeface="Courier New" panose="02070309020205020404" pitchFamily="49" charset="0"/>
               </a:rPr>
-              <a:t> is the root mean </a:t>
-            </a:r>
-            <a:r>
-              <a:rPr lang="nl-NL" sz="1400" kern="0" dirty="0" err="1">
-                <a:latin typeface="Courier New" panose="02070309020205020404" pitchFamily="49" charset="0"/>
-                <a:cs typeface="Courier New" panose="02070309020205020404" pitchFamily="49" charset="0"/>
-              </a:rPr>
-              <a:t>squared</a:t>
+              <a:t> </a:t>
+            </a:r>
+            <a:r>
+              <a:rPr lang="nl-NL" sz="1400" kern="0" dirty="0" err="1" smtClean="0">
+                <a:latin typeface="Courier New" panose="02070309020205020404" pitchFamily="49" charset="0"/>
+                <a:cs typeface="Courier New" panose="02070309020205020404" pitchFamily="49" charset="0"/>
+              </a:rPr>
+              <a:t>houses</a:t>
+            </a:r>
+            <a:r>
+              <a:rPr lang="nl-NL" sz="1400" kern="0" dirty="0" smtClean="0">
+                <a:latin typeface="Courier New" panose="02070309020205020404" pitchFamily="49" charset="0"/>
+                <a:cs typeface="Courier New" panose="02070309020205020404" pitchFamily="49" charset="0"/>
+              </a:rPr>
+              <a:t> are </a:t>
+            </a:r>
+            <a:r>
+              <a:rPr lang="nl-NL" sz="1400" kern="0" dirty="0" err="1" smtClean="0">
+                <a:latin typeface="Courier New" panose="02070309020205020404" pitchFamily="49" charset="0"/>
+                <a:cs typeface="Courier New" panose="02070309020205020404" pitchFamily="49" charset="0"/>
+              </a:rPr>
+              <a:t>predicted</a:t>
+            </a:r>
+            <a:r>
+              <a:rPr lang="nl-NL" sz="1400" kern="0" dirty="0" smtClean="0">
+                <a:latin typeface="Courier New" panose="02070309020205020404" pitchFamily="49" charset="0"/>
+                <a:cs typeface="Courier New" panose="02070309020205020404" pitchFamily="49" charset="0"/>
+              </a:rPr>
+              <a:t> </a:t>
+            </a:r>
+            <a:r>
+              <a:rPr lang="nl-NL" sz="1400" kern="0" dirty="0" err="1" smtClean="0">
+                <a:latin typeface="Courier New" panose="02070309020205020404" pitchFamily="49" charset="0"/>
+                <a:cs typeface="Courier New" panose="02070309020205020404" pitchFamily="49" charset="0"/>
+              </a:rPr>
+              <a:t>better</a:t>
+            </a:r>
+            <a:r>
+              <a:rPr lang="nl-NL" sz="1400" kern="0" dirty="0" smtClean="0">
+                <a:latin typeface="Courier New" panose="02070309020205020404" pitchFamily="49" charset="0"/>
+                <a:cs typeface="Courier New" panose="02070309020205020404" pitchFamily="49" charset="0"/>
+              </a:rPr>
+              <a:t>? </a:t>
+            </a:r>
+            <a:r>
+              <a:rPr lang="nl-NL" sz="1400" kern="0" dirty="0" err="1" smtClean="0">
+                <a:latin typeface="Courier New" panose="02070309020205020404" pitchFamily="49" charset="0"/>
+                <a:cs typeface="Courier New" panose="02070309020205020404" pitchFamily="49" charset="0"/>
+              </a:rPr>
+              <a:t>Cheap</a:t>
             </a:r>
             <a:r>
               <a:rPr lang="nl-NL" sz="1400" kern="0" dirty="0">
                 <a:latin typeface="Courier New" panose="02070309020205020404" pitchFamily="49" charset="0"/>
                 <a:cs typeface="Courier New" panose="02070309020205020404" pitchFamily="49" charset="0"/>
               </a:rPr>
-              <a:t> error (RMSE)?</a:t>
-            </a:r>
+              <a:t> </a:t>
+            </a:r>
+            <a:r>
+              <a:rPr lang="nl-NL" sz="1400" kern="0" dirty="0" smtClean="0">
+                <a:latin typeface="Courier New" panose="02070309020205020404" pitchFamily="49" charset="0"/>
+                <a:cs typeface="Courier New" panose="02070309020205020404" pitchFamily="49" charset="0"/>
+              </a:rPr>
+              <a:t>or </a:t>
+            </a:r>
+            <a:r>
+              <a:rPr lang="nl-NL" sz="1400" kern="0" dirty="0" err="1" smtClean="0">
+                <a:latin typeface="Courier New" panose="02070309020205020404" pitchFamily="49" charset="0"/>
+                <a:cs typeface="Courier New" panose="02070309020205020404" pitchFamily="49" charset="0"/>
+              </a:rPr>
+              <a:t>expensive</a:t>
+            </a:r>
+            <a:r>
+              <a:rPr lang="nl-NL" sz="1400" kern="0" dirty="0" smtClean="0">
+                <a:latin typeface="Courier New" panose="02070309020205020404" pitchFamily="49" charset="0"/>
+                <a:cs typeface="Courier New" panose="02070309020205020404" pitchFamily="49" charset="0"/>
+              </a:rPr>
+              <a:t> house?</a:t>
+            </a:r>
+          </a:p>
+          <a:p>
+            <a:pPr>
+              <a:buFont typeface="+mj-lt"/>
+              <a:buAutoNum type="arabicPeriod"/>
+            </a:pPr>
+            <a:endParaRPr lang="nl-NL" sz="1400" kern="0" dirty="0">
+              <a:latin typeface="Courier New" panose="02070309020205020404" pitchFamily="49" charset="0"/>
+              <a:cs typeface="Courier New" panose="02070309020205020404" pitchFamily="49" charset="0"/>
+            </a:endParaRPr>
           </a:p>
           <a:p>
             <a:pPr>
@@ -7294,6 +7311,13 @@
   <p:clrMapOvr>
     <a:masterClrMapping/>
   </p:clrMapOvr>
+  <p:timing>
+    <p:tnLst>
+      <p:par>
+        <p:cTn id="1" dur="indefinite" restart="never" nodeType="tmRoot"/>
+      </p:par>
+    </p:tnLst>
+  </p:timing>
 </p:sld>
 </file>
 
@@ -7376,6 +7400,13 @@
   <p:clrMapOvr>
     <a:masterClrMapping/>
   </p:clrMapOvr>
+  <p:timing>
+    <p:tnLst>
+      <p:par>
+        <p:cTn id="1" dur="indefinite" restart="never" nodeType="tmRoot"/>
+      </p:par>
+    </p:tnLst>
+  </p:timing>
 </p:sld>
 </file>
 
@@ -10278,6 +10309,13 @@
   <p:clrMapOvr>
     <a:masterClrMapping/>
   </p:clrMapOvr>
+  <p:timing>
+    <p:tnLst>
+      <p:par>
+        <p:cTn id="1" dur="indefinite" restart="never" nodeType="tmRoot"/>
+      </p:par>
+    </p:tnLst>
+  </p:timing>
 </p:sld>
 </file>
 
@@ -10663,6 +10701,13 @@
   <p:clrMapOvr>
     <a:masterClrMapping/>
   </p:clrMapOvr>
+  <p:timing>
+    <p:tnLst>
+      <p:par>
+        <p:cTn id="1" dur="indefinite" restart="never" nodeType="tmRoot"/>
+      </p:par>
+    </p:tnLst>
+  </p:timing>
 </p:sld>
 </file>
 
@@ -10818,6 +10863,13 @@
   <p:clrMapOvr>
     <a:masterClrMapping/>
   </p:clrMapOvr>
+  <p:timing>
+    <p:tnLst>
+      <p:par>
+        <p:cTn id="1" dur="indefinite" restart="never" nodeType="tmRoot"/>
+      </p:par>
+    </p:tnLst>
+  </p:timing>
 </p:sld>
 </file>
 
